--- a/Dissertacao/Apresentação1.pptx
+++ b/Dissertacao/Apresentação1.pptx
@@ -5,7 +5,7 @@
     <p:sldMasterId id="2147483648" r:id="rId1"/>
   </p:sldMasterIdLst>
   <p:notesMasterIdLst>
-    <p:notesMasterId r:id="rId24"/>
+    <p:notesMasterId r:id="rId26"/>
   </p:notesMasterIdLst>
   <p:sldIdLst>
     <p:sldId id="256" r:id="rId2"/>
@@ -21,15 +21,17 @@
     <p:sldId id="285" r:id="rId12"/>
     <p:sldId id="286" r:id="rId13"/>
     <p:sldId id="272" r:id="rId14"/>
-    <p:sldId id="276" r:id="rId15"/>
-    <p:sldId id="273" r:id="rId16"/>
-    <p:sldId id="274" r:id="rId17"/>
-    <p:sldId id="275" r:id="rId18"/>
-    <p:sldId id="277" r:id="rId19"/>
-    <p:sldId id="278" r:id="rId20"/>
-    <p:sldId id="280" r:id="rId21"/>
-    <p:sldId id="279" r:id="rId22"/>
-    <p:sldId id="262" r:id="rId23"/>
+    <p:sldId id="273" r:id="rId15"/>
+    <p:sldId id="274" r:id="rId16"/>
+    <p:sldId id="275" r:id="rId17"/>
+    <p:sldId id="288" r:id="rId18"/>
+    <p:sldId id="289" r:id="rId19"/>
+    <p:sldId id="291" r:id="rId20"/>
+    <p:sldId id="290" r:id="rId21"/>
+    <p:sldId id="292" r:id="rId22"/>
+    <p:sldId id="293" r:id="rId23"/>
+    <p:sldId id="287" r:id="rId24"/>
+    <p:sldId id="262" r:id="rId25"/>
   </p:sldIdLst>
   <p:sldSz cx="9144000" cy="6858000" type="screen4x3"/>
   <p:notesSz cx="6858000" cy="9144000"/>
@@ -1197,7 +1199,7 @@
           <a:bodyPr/>
           <a:lstStyle/>
           <a:p>
-            <a:endParaRPr lang="pt-BR"/>
+            <a:endParaRPr lang="pt-BR" dirty="0"/>
           </a:p>
         </p:txBody>
       </p:sp>
@@ -1365,7 +1367,7 @@
           <a:bodyPr/>
           <a:lstStyle/>
           <a:p>
-            <a:endParaRPr lang="pt-BR"/>
+            <a:endParaRPr lang="pt-BR" dirty="0"/>
           </a:p>
         </p:txBody>
       </p:sp>
@@ -1555,6 +1557,174 @@
             <a:fld id="{A552543C-F947-432B-83C7-A5346269BC24}" type="slidenum">
               <a:rPr lang="pt-BR" smtClean="0"/>
               <a:t>22</a:t>
+            </a:fld>
+            <a:endParaRPr lang="pt-BR"/>
+          </a:p>
+        </p:txBody>
+      </p:sp>
+    </p:spTree>
+    <p:extLst>
+      <p:ext uri="{BB962C8B-B14F-4D97-AF65-F5344CB8AC3E}">
+        <p14:creationId xmlns:p14="http://schemas.microsoft.com/office/powerpoint/2010/main" val="3908619708"/>
+      </p:ext>
+    </p:extLst>
+  </p:cSld>
+  <p:clrMapOvr>
+    <a:masterClrMapping/>
+  </p:clrMapOvr>
+</p:notes>
+</file>
+
+<file path=ppt/notesSlides/notesSlide21.xml><?xml version="1.0" encoding="utf-8"?>
+<p:notes xmlns:a="http://schemas.openxmlformats.org/drawingml/2006/main" xmlns:r="http://schemas.openxmlformats.org/officeDocument/2006/relationships" xmlns:p="http://schemas.openxmlformats.org/presentationml/2006/main">
+  <p:cSld>
+    <p:spTree>
+      <p:nvGrpSpPr>
+        <p:cNvPr id="1" name=""/>
+        <p:cNvGrpSpPr/>
+        <p:nvPr/>
+      </p:nvGrpSpPr>
+      <p:grpSpPr>
+        <a:xfrm>
+          <a:off x="0" y="0"/>
+          <a:ext cx="0" cy="0"/>
+          <a:chOff x="0" y="0"/>
+          <a:chExt cx="0" cy="0"/>
+        </a:xfrm>
+      </p:grpSpPr>
+      <p:sp>
+        <p:nvSpPr>
+          <p:cNvPr id="2" name="Espaço Reservado para Imagem de Slide 1"/>
+          <p:cNvSpPr>
+            <a:spLocks noGrp="1" noRot="1" noChangeAspect="1"/>
+          </p:cNvSpPr>
+          <p:nvPr>
+            <p:ph type="sldImg"/>
+          </p:nvPr>
+        </p:nvSpPr>
+        <p:spPr/>
+      </p:sp>
+      <p:sp>
+        <p:nvSpPr>
+          <p:cNvPr id="3" name="Espaço Reservado para Anotações 2"/>
+          <p:cNvSpPr>
+            <a:spLocks noGrp="1"/>
+          </p:cNvSpPr>
+          <p:nvPr>
+            <p:ph type="body" idx="1"/>
+          </p:nvPr>
+        </p:nvSpPr>
+        <p:spPr/>
+        <p:txBody>
+          <a:bodyPr/>
+          <a:lstStyle/>
+          <a:p>
+            <a:endParaRPr lang="pt-BR"/>
+          </a:p>
+        </p:txBody>
+      </p:sp>
+      <p:sp>
+        <p:nvSpPr>
+          <p:cNvPr id="4" name="Espaço Reservado para Número de Slide 3"/>
+          <p:cNvSpPr>
+            <a:spLocks noGrp="1"/>
+          </p:cNvSpPr>
+          <p:nvPr>
+            <p:ph type="sldNum" sz="quarter" idx="10"/>
+          </p:nvPr>
+        </p:nvSpPr>
+        <p:spPr/>
+        <p:txBody>
+          <a:bodyPr/>
+          <a:lstStyle/>
+          <a:p>
+            <a:fld id="{A552543C-F947-432B-83C7-A5346269BC24}" type="slidenum">
+              <a:rPr lang="pt-BR" smtClean="0"/>
+              <a:t>23</a:t>
+            </a:fld>
+            <a:endParaRPr lang="pt-BR"/>
+          </a:p>
+        </p:txBody>
+      </p:sp>
+    </p:spTree>
+    <p:extLst>
+      <p:ext uri="{BB962C8B-B14F-4D97-AF65-F5344CB8AC3E}">
+        <p14:creationId xmlns:p14="http://schemas.microsoft.com/office/powerpoint/2010/main" val="3908619708"/>
+      </p:ext>
+    </p:extLst>
+  </p:cSld>
+  <p:clrMapOvr>
+    <a:masterClrMapping/>
+  </p:clrMapOvr>
+</p:notes>
+</file>
+
+<file path=ppt/notesSlides/notesSlide22.xml><?xml version="1.0" encoding="utf-8"?>
+<p:notes xmlns:a="http://schemas.openxmlformats.org/drawingml/2006/main" xmlns:r="http://schemas.openxmlformats.org/officeDocument/2006/relationships" xmlns:p="http://schemas.openxmlformats.org/presentationml/2006/main">
+  <p:cSld>
+    <p:spTree>
+      <p:nvGrpSpPr>
+        <p:cNvPr id="1" name=""/>
+        <p:cNvGrpSpPr/>
+        <p:nvPr/>
+      </p:nvGrpSpPr>
+      <p:grpSpPr>
+        <a:xfrm>
+          <a:off x="0" y="0"/>
+          <a:ext cx="0" cy="0"/>
+          <a:chOff x="0" y="0"/>
+          <a:chExt cx="0" cy="0"/>
+        </a:xfrm>
+      </p:grpSpPr>
+      <p:sp>
+        <p:nvSpPr>
+          <p:cNvPr id="2" name="Espaço Reservado para Imagem de Slide 1"/>
+          <p:cNvSpPr>
+            <a:spLocks noGrp="1" noRot="1" noChangeAspect="1"/>
+          </p:cNvSpPr>
+          <p:nvPr>
+            <p:ph type="sldImg"/>
+          </p:nvPr>
+        </p:nvSpPr>
+        <p:spPr/>
+      </p:sp>
+      <p:sp>
+        <p:nvSpPr>
+          <p:cNvPr id="3" name="Espaço Reservado para Anotações 2"/>
+          <p:cNvSpPr>
+            <a:spLocks noGrp="1"/>
+          </p:cNvSpPr>
+          <p:nvPr>
+            <p:ph type="body" idx="1"/>
+          </p:nvPr>
+        </p:nvSpPr>
+        <p:spPr/>
+        <p:txBody>
+          <a:bodyPr/>
+          <a:lstStyle/>
+          <a:p>
+            <a:endParaRPr lang="pt-BR"/>
+          </a:p>
+        </p:txBody>
+      </p:sp>
+      <p:sp>
+        <p:nvSpPr>
+          <p:cNvPr id="4" name="Espaço Reservado para Número de Slide 3"/>
+          <p:cNvSpPr>
+            <a:spLocks noGrp="1"/>
+          </p:cNvSpPr>
+          <p:nvPr>
+            <p:ph type="sldNum" sz="quarter" idx="10"/>
+          </p:nvPr>
+        </p:nvSpPr>
+        <p:spPr/>
+        <p:txBody>
+          <a:bodyPr/>
+          <a:lstStyle/>
+          <a:p>
+            <a:fld id="{A552543C-F947-432B-83C7-A5346269BC24}" type="slidenum">
+              <a:rPr lang="pt-BR" smtClean="0"/>
+              <a:t>24</a:t>
             </a:fld>
             <a:endParaRPr lang="pt-BR"/>
           </a:p>
@@ -5522,11 +5692,6 @@
               </a:rPr>
               <a:t>A comunicação acontece em dois níveis: Formal e Informal</a:t>
             </a:r>
-            <a:endParaRPr lang="pt-BR" dirty="0">
-              <a:solidFill>
-                <a:schemeClr val="tx1"/>
-              </a:solidFill>
-            </a:endParaRPr>
           </a:p>
         </p:txBody>
       </p:sp>
@@ -6298,11 +6463,6 @@
               </a:rPr>
               <a:t>O diário oficial registra manifestações da comunicação formal.</a:t>
             </a:r>
-            <a:endParaRPr lang="pt-BR" dirty="0">
-              <a:solidFill>
-                <a:schemeClr val="tx1"/>
-              </a:solidFill>
-            </a:endParaRPr>
           </a:p>
         </p:txBody>
       </p:sp>
@@ -6680,11 +6840,6 @@
               </a:rPr>
               <a:t> de entidades em publicações sinaliza uma comunicação entre elas.</a:t>
             </a:r>
-            <a:endParaRPr lang="pt-BR" dirty="0">
-              <a:solidFill>
-                <a:schemeClr val="tx1"/>
-              </a:solidFill>
-            </a:endParaRPr>
           </a:p>
         </p:txBody>
       </p:sp>
@@ -6763,7 +6918,7 @@
         </p:nvSpPr>
         <p:spPr>
           <a:xfrm>
-            <a:off x="457200" y="1340768"/>
+            <a:off x="-108520" y="1196752"/>
             <a:ext cx="8229600" cy="1080121"/>
           </a:xfrm>
         </p:spPr>
@@ -6773,11 +6928,21 @@
           </a:bodyPr>
           <a:lstStyle/>
           <a:p>
+            <a:pPr marL="457200" lvl="1" indent="0">
+              <a:buNone/>
+            </a:pPr>
+            <a:r>
+              <a:rPr lang="pt-BR" sz="4000" b="1" cap="small" dirty="0" smtClean="0"/>
+              <a:t>Coleta de dados e modelagem da rede</a:t>
+            </a:r>
+          </a:p>
+          <a:p>
             <a:pPr lvl="1"/>
-            <a:r>
-              <a:rPr lang="pt-BR" sz="4000" b="1" cap="small" dirty="0" smtClean="0"/>
-              <a:t>Coleta de dados</a:t>
-            </a:r>
+            <a:endParaRPr lang="pt-BR" sz="4000" b="1" cap="small" dirty="0"/>
+          </a:p>
+          <a:p>
+            <a:pPr lvl="1"/>
+            <a:endParaRPr lang="pt-BR" sz="4000" b="1" cap="small" dirty="0" smtClean="0"/>
           </a:p>
         </p:txBody>
       </p:sp>
@@ -6833,28 +6998,264 @@
           </a:p>
         </p:txBody>
       </p:sp>
-      <p:pic>
-        <p:nvPicPr>
-          <p:cNvPr id="6" name="image00.png"/>
-          <p:cNvPicPr/>
+      <p:sp>
+        <p:nvSpPr>
+          <p:cNvPr id="7" name="Espaço Reservado para Conteúdo 5"/>
+          <p:cNvSpPr txBox="1">
+            <a:spLocks/>
+          </p:cNvSpPr>
           <p:nvPr/>
-        </p:nvPicPr>
-        <p:blipFill>
-          <a:blip r:embed="rId3"/>
-          <a:stretch>
-            <a:fillRect/>
-          </a:stretch>
-        </p:blipFill>
+        </p:nvSpPr>
         <p:spPr>
           <a:xfrm>
-            <a:off x="971600" y="2708920"/>
-            <a:ext cx="7200800" cy="3528392"/>
+            <a:off x="395536" y="1916832"/>
+            <a:ext cx="8424936" cy="4065315"/>
           </a:xfrm>
           <a:prstGeom prst="rect">
             <a:avLst/>
           </a:prstGeom>
         </p:spPr>
-      </p:pic>
+        <p:txBody>
+          <a:bodyPr vert="horz" lIns="91440" tIns="45720" rIns="91440" bIns="45720" rtlCol="0">
+            <a:normAutofit fontScale="92500"/>
+          </a:bodyPr>
+          <a:lstStyle>
+            <a:lvl1pPr marL="342900" indent="-342900" algn="l" defTabSz="914400" rtl="0" eaLnBrk="1" latinLnBrk="0" hangingPunct="1">
+              <a:spcBef>
+                <a:spcPct val="20000"/>
+              </a:spcBef>
+              <a:buFont typeface="Arial" pitchFamily="34" charset="0"/>
+              <a:buChar char="•"/>
+              <a:defRPr sz="3200" kern="1200">
+                <a:solidFill>
+                  <a:schemeClr val="tx1"/>
+                </a:solidFill>
+                <a:latin typeface="+mn-lt"/>
+                <a:ea typeface="+mn-ea"/>
+                <a:cs typeface="+mn-cs"/>
+              </a:defRPr>
+            </a:lvl1pPr>
+            <a:lvl2pPr marL="742950" indent="-285750" algn="l" defTabSz="914400" rtl="0" eaLnBrk="1" latinLnBrk="0" hangingPunct="1">
+              <a:spcBef>
+                <a:spcPct val="20000"/>
+              </a:spcBef>
+              <a:buFont typeface="Arial" pitchFamily="34" charset="0"/>
+              <a:buChar char="–"/>
+              <a:defRPr sz="2800" kern="1200">
+                <a:solidFill>
+                  <a:schemeClr val="tx1"/>
+                </a:solidFill>
+                <a:latin typeface="+mn-lt"/>
+                <a:ea typeface="+mn-ea"/>
+                <a:cs typeface="+mn-cs"/>
+              </a:defRPr>
+            </a:lvl2pPr>
+            <a:lvl3pPr marL="1143000" indent="-228600" algn="l" defTabSz="914400" rtl="0" eaLnBrk="1" latinLnBrk="0" hangingPunct="1">
+              <a:spcBef>
+                <a:spcPct val="20000"/>
+              </a:spcBef>
+              <a:buFont typeface="Arial" pitchFamily="34" charset="0"/>
+              <a:buChar char="•"/>
+              <a:defRPr sz="2400" kern="1200">
+                <a:solidFill>
+                  <a:schemeClr val="tx1"/>
+                </a:solidFill>
+                <a:latin typeface="+mn-lt"/>
+                <a:ea typeface="+mn-ea"/>
+                <a:cs typeface="+mn-cs"/>
+              </a:defRPr>
+            </a:lvl3pPr>
+            <a:lvl4pPr marL="1600200" indent="-228600" algn="l" defTabSz="914400" rtl="0" eaLnBrk="1" latinLnBrk="0" hangingPunct="1">
+              <a:spcBef>
+                <a:spcPct val="20000"/>
+              </a:spcBef>
+              <a:buFont typeface="Arial" pitchFamily="34" charset="0"/>
+              <a:buChar char="–"/>
+              <a:defRPr sz="2000" kern="1200">
+                <a:solidFill>
+                  <a:schemeClr val="tx1"/>
+                </a:solidFill>
+                <a:latin typeface="+mn-lt"/>
+                <a:ea typeface="+mn-ea"/>
+                <a:cs typeface="+mn-cs"/>
+              </a:defRPr>
+            </a:lvl4pPr>
+            <a:lvl5pPr marL="2057400" indent="-228600" algn="l" defTabSz="914400" rtl="0" eaLnBrk="1" latinLnBrk="0" hangingPunct="1">
+              <a:spcBef>
+                <a:spcPct val="20000"/>
+              </a:spcBef>
+              <a:buFont typeface="Arial" pitchFamily="34" charset="0"/>
+              <a:buChar char="»"/>
+              <a:defRPr sz="2000" kern="1200">
+                <a:solidFill>
+                  <a:schemeClr val="tx1"/>
+                </a:solidFill>
+                <a:latin typeface="+mn-lt"/>
+                <a:ea typeface="+mn-ea"/>
+                <a:cs typeface="+mn-cs"/>
+              </a:defRPr>
+            </a:lvl5pPr>
+            <a:lvl6pPr marL="2514600" indent="-228600" algn="l" defTabSz="914400" rtl="0" eaLnBrk="1" latinLnBrk="0" hangingPunct="1">
+              <a:spcBef>
+                <a:spcPct val="20000"/>
+              </a:spcBef>
+              <a:buFont typeface="Arial" pitchFamily="34" charset="0"/>
+              <a:buChar char="•"/>
+              <a:defRPr sz="2000" kern="1200">
+                <a:solidFill>
+                  <a:schemeClr val="tx1"/>
+                </a:solidFill>
+                <a:latin typeface="+mn-lt"/>
+                <a:ea typeface="+mn-ea"/>
+                <a:cs typeface="+mn-cs"/>
+              </a:defRPr>
+            </a:lvl6pPr>
+            <a:lvl7pPr marL="2971800" indent="-228600" algn="l" defTabSz="914400" rtl="0" eaLnBrk="1" latinLnBrk="0" hangingPunct="1">
+              <a:spcBef>
+                <a:spcPct val="20000"/>
+              </a:spcBef>
+              <a:buFont typeface="Arial" pitchFamily="34" charset="0"/>
+              <a:buChar char="•"/>
+              <a:defRPr sz="2000" kern="1200">
+                <a:solidFill>
+                  <a:schemeClr val="tx1"/>
+                </a:solidFill>
+                <a:latin typeface="+mn-lt"/>
+                <a:ea typeface="+mn-ea"/>
+                <a:cs typeface="+mn-cs"/>
+              </a:defRPr>
+            </a:lvl7pPr>
+            <a:lvl8pPr marL="3429000" indent="-228600" algn="l" defTabSz="914400" rtl="0" eaLnBrk="1" latinLnBrk="0" hangingPunct="1">
+              <a:spcBef>
+                <a:spcPct val="20000"/>
+              </a:spcBef>
+              <a:buFont typeface="Arial" pitchFamily="34" charset="0"/>
+              <a:buChar char="•"/>
+              <a:defRPr sz="2000" kern="1200">
+                <a:solidFill>
+                  <a:schemeClr val="tx1"/>
+                </a:solidFill>
+                <a:latin typeface="+mn-lt"/>
+                <a:ea typeface="+mn-ea"/>
+                <a:cs typeface="+mn-cs"/>
+              </a:defRPr>
+            </a:lvl8pPr>
+            <a:lvl9pPr marL="3886200" indent="-228600" algn="l" defTabSz="914400" rtl="0" eaLnBrk="1" latinLnBrk="0" hangingPunct="1">
+              <a:spcBef>
+                <a:spcPct val="20000"/>
+              </a:spcBef>
+              <a:buFont typeface="Arial" pitchFamily="34" charset="0"/>
+              <a:buChar char="•"/>
+              <a:defRPr sz="2000" kern="1200">
+                <a:solidFill>
+                  <a:schemeClr val="tx1"/>
+                </a:solidFill>
+                <a:latin typeface="+mn-lt"/>
+                <a:ea typeface="+mn-ea"/>
+                <a:cs typeface="+mn-cs"/>
+              </a:defRPr>
+            </a:lvl9pPr>
+          </a:lstStyle>
+          <a:p>
+            <a:pPr>
+              <a:buFont typeface="Wingdings" pitchFamily="2" charset="2"/>
+              <a:buChar char="ü"/>
+            </a:pPr>
+            <a:r>
+              <a:rPr lang="pt-BR" dirty="0" smtClean="0"/>
+              <a:t>Download </a:t>
+            </a:r>
+            <a:r>
+              <a:rPr lang="pt-BR" dirty="0"/>
+              <a:t>dos arquivos </a:t>
+            </a:r>
+            <a:r>
+              <a:rPr lang="pt-BR" dirty="0" smtClean="0"/>
+              <a:t>PDF e conversão em texto</a:t>
+            </a:r>
+            <a:endParaRPr lang="pt-BR" dirty="0"/>
+          </a:p>
+          <a:p>
+            <a:pPr>
+              <a:buFont typeface="Wingdings" pitchFamily="2" charset="2"/>
+              <a:buChar char="ü"/>
+            </a:pPr>
+            <a:r>
+              <a:rPr lang="pt-BR" dirty="0"/>
+              <a:t>Separação das paginas de acordo com o sumário</a:t>
+            </a:r>
+          </a:p>
+          <a:p>
+            <a:pPr>
+              <a:buFont typeface="Wingdings" pitchFamily="2" charset="2"/>
+              <a:buChar char="ü"/>
+            </a:pPr>
+            <a:r>
+              <a:rPr lang="pt-BR" dirty="0"/>
+              <a:t>Identificação dos limites das publicações</a:t>
+            </a:r>
+          </a:p>
+          <a:p>
+            <a:pPr>
+              <a:buFont typeface="Wingdings" pitchFamily="2" charset="2"/>
+              <a:buChar char="ü"/>
+            </a:pPr>
+            <a:r>
+              <a:rPr lang="pt-BR" dirty="0"/>
+              <a:t>Identificação das entidades (pessoas </a:t>
+            </a:r>
+            <a:r>
+              <a:rPr lang="pt-BR" dirty="0" smtClean="0"/>
+              <a:t>e órgãos)</a:t>
+            </a:r>
+          </a:p>
+          <a:p>
+            <a:pPr>
+              <a:buFont typeface="Wingdings" pitchFamily="2" charset="2"/>
+              <a:buChar char="ü"/>
+            </a:pPr>
+            <a:r>
+              <a:rPr lang="pt-BR" dirty="0" smtClean="0"/>
+              <a:t>Identificação das associações (</a:t>
+            </a:r>
+            <a:r>
+              <a:rPr lang="pt-BR" dirty="0" err="1" smtClean="0"/>
+              <a:t>co-ocorrencia</a:t>
+            </a:r>
+            <a:r>
+              <a:rPr lang="pt-BR" dirty="0" smtClean="0"/>
+              <a:t>)</a:t>
+            </a:r>
+          </a:p>
+          <a:p>
+            <a:pPr>
+              <a:buFont typeface="Wingdings" pitchFamily="2" charset="2"/>
+              <a:buChar char="ü"/>
+            </a:pPr>
+            <a:r>
+              <a:rPr lang="pt-BR" dirty="0" smtClean="0"/>
+              <a:t>Armazenamento em banco de dados</a:t>
+            </a:r>
+          </a:p>
+          <a:p>
+            <a:pPr>
+              <a:buFont typeface="Wingdings" pitchFamily="2" charset="2"/>
+              <a:buChar char="ü"/>
+            </a:pPr>
+            <a:r>
+              <a:rPr lang="pt-BR" dirty="0" smtClean="0"/>
+              <a:t>Extração da rede com filtros opcionais.</a:t>
+            </a:r>
+            <a:endParaRPr lang="pt-BR" dirty="0"/>
+          </a:p>
+          <a:p>
+            <a:endParaRPr lang="pt-BR" dirty="0"/>
+          </a:p>
+          <a:p>
+            <a:endParaRPr lang="pt-BR" dirty="0"/>
+          </a:p>
+        </p:txBody>
+      </p:sp>
     </p:spTree>
     <p:extLst>
       <p:ext uri="{BB962C8B-B14F-4D97-AF65-F5344CB8AC3E}">
@@ -6904,7 +7305,7 @@
         </p:nvSpPr>
         <p:spPr>
           <a:xfrm>
-            <a:off x="467544" y="260648"/>
+            <a:off x="457200" y="-99392"/>
             <a:ext cx="8229600" cy="1143000"/>
           </a:xfrm>
         </p:spPr>
@@ -6925,68 +7326,380 @@
       </p:sp>
       <p:sp>
         <p:nvSpPr>
-          <p:cNvPr id="3" name="Espaço Reservado para Conteúdo 2"/>
-          <p:cNvSpPr>
-            <a:spLocks noGrp="1"/>
-          </p:cNvSpPr>
-          <p:nvPr>
-            <p:ph idx="1"/>
+          <p:cNvPr id="4" name="Espaço Reservado para Rodapé 3"/>
+          <p:cNvSpPr>
+            <a:spLocks noGrp="1"/>
+          </p:cNvSpPr>
+          <p:nvPr>
+            <p:ph type="ftr" sz="quarter" idx="11"/>
           </p:nvPr>
         </p:nvSpPr>
         <p:spPr>
           <a:xfrm>
-            <a:off x="107504" y="1340768"/>
-            <a:ext cx="8229600" cy="1017404"/>
-          </a:xfrm>
-        </p:spPr>
-        <p:txBody>
-          <a:bodyPr>
-            <a:noAutofit/>
-          </a:bodyPr>
-          <a:lstStyle/>
-          <a:p>
-            <a:pPr marL="457200" lvl="1" indent="0">
-              <a:buNone/>
-            </a:pPr>
-            <a:r>
-              <a:rPr lang="pt-BR" b="1" cap="small" dirty="0" smtClean="0"/>
-              <a:t>Coleta de dados – problemas e abordagens</a:t>
-            </a:r>
-          </a:p>
-        </p:txBody>
-      </p:sp>
-      <p:sp>
-        <p:nvSpPr>
-          <p:cNvPr id="4" name="Retângulo 3"/>
-          <p:cNvSpPr/>
+            <a:off x="0" y="6501112"/>
+            <a:ext cx="8604448" cy="365125"/>
+          </a:xfrm>
+        </p:spPr>
+        <p:txBody>
+          <a:bodyPr/>
+          <a:lstStyle/>
+          <a:p>
+            <a:pPr algn="l"/>
+            <a:r>
+              <a:rPr lang="pt-BR" sz="900" dirty="0" smtClean="0"/>
+              <a:t>Modelo de análise da comunicação e mediação da informação em organizações públicas brasileiras através da Análise de Redes Sociais.</a:t>
+            </a:r>
+            <a:endParaRPr lang="pt-BR" sz="900" dirty="0"/>
+          </a:p>
+        </p:txBody>
+      </p:sp>
+      <p:sp>
+        <p:nvSpPr>
+          <p:cNvPr id="5" name="Espaço Reservado para Número de Slide 4"/>
+          <p:cNvSpPr>
+            <a:spLocks noGrp="1"/>
+          </p:cNvSpPr>
+          <p:nvPr>
+            <p:ph type="sldNum" sz="quarter" idx="12"/>
+          </p:nvPr>
+        </p:nvSpPr>
+        <p:spPr/>
+        <p:txBody>
+          <a:bodyPr/>
+          <a:lstStyle/>
+          <a:p>
+            <a:fld id="{2BA3D508-1B43-4B52-8FAB-4C423C784271}" type="slidenum">
+              <a:rPr lang="pt-BR" smtClean="0"/>
+              <a:t>14</a:t>
+            </a:fld>
+            <a:endParaRPr lang="pt-BR" dirty="0"/>
+          </a:p>
+        </p:txBody>
+      </p:sp>
+      <p:pic>
+        <p:nvPicPr>
+          <p:cNvPr id="7" name="Imagem 6"/>
+          <p:cNvPicPr/>
           <p:nvPr/>
-        </p:nvSpPr>
-        <p:spPr>
+        </p:nvPicPr>
+        <p:blipFill>
+          <a:blip r:embed="rId3" cstate="print">
+            <a:extLst>
+              <a:ext uri="{28A0092B-C50C-407E-A947-70E740481C1C}">
+                <a14:useLocalDpi xmlns:a14="http://schemas.microsoft.com/office/drawing/2010/main" val="0"/>
+              </a:ext>
+            </a:extLst>
+          </a:blip>
+          <a:srcRect/>
+          <a:stretch>
+            <a:fillRect/>
+          </a:stretch>
+        </p:blipFill>
+        <p:spPr bwMode="auto">
           <a:xfrm>
-            <a:off x="827584" y="2348880"/>
-            <a:ext cx="7776864" cy="3046988"/>
+            <a:off x="683568" y="4365104"/>
+            <a:ext cx="5273749" cy="2039283"/>
           </a:xfrm>
           <a:prstGeom prst="rect">
             <a:avLst/>
           </a:prstGeom>
-        </p:spPr>
-        <p:txBody>
-          <a:bodyPr wrap="square">
+          <a:noFill/>
+        </p:spPr>
+      </p:pic>
+      <p:pic>
+        <p:nvPicPr>
+          <p:cNvPr id="8" name="Imagem 7"/>
+          <p:cNvPicPr/>
+          <p:nvPr/>
+        </p:nvPicPr>
+        <p:blipFill>
+          <a:blip r:embed="rId4" cstate="print">
+            <a:extLst>
+              <a:ext uri="{28A0092B-C50C-407E-A947-70E740481C1C}">
+                <a14:useLocalDpi xmlns:a14="http://schemas.microsoft.com/office/drawing/2010/main" val="0"/>
+              </a:ext>
+            </a:extLst>
+          </a:blip>
+          <a:srcRect/>
+          <a:stretch>
+            <a:fillRect/>
+          </a:stretch>
+        </p:blipFill>
+        <p:spPr bwMode="auto">
+          <a:xfrm>
+            <a:off x="683568" y="2348880"/>
+            <a:ext cx="5210496" cy="1948794"/>
+          </a:xfrm>
+          <a:prstGeom prst="rect">
+            <a:avLst/>
+          </a:prstGeom>
+          <a:noFill/>
+        </p:spPr>
+      </p:pic>
+      <p:sp>
+        <p:nvSpPr>
+          <p:cNvPr id="9" name="CaixaDeTexto 8"/>
+          <p:cNvSpPr txBox="1"/>
+          <p:nvPr/>
+        </p:nvSpPr>
+        <p:spPr>
+          <a:xfrm>
+            <a:off x="5364088" y="1547500"/>
+            <a:ext cx="3189143" cy="369332"/>
+          </a:xfrm>
+          <a:prstGeom prst="rect">
+            <a:avLst/>
+          </a:prstGeom>
+          <a:noFill/>
+        </p:spPr>
+        <p:txBody>
+          <a:bodyPr wrap="none" rtlCol="0">
             <a:spAutoFit/>
           </a:bodyPr>
           <a:lstStyle/>
           <a:p>
-            <a:r>
-              <a:rPr lang="pt-BR" sz="2400" dirty="0"/>
-              <a:t>“Um problema comum para modeladores é a questão dos dados. Qualquer trabalho acadêmico é tão bom quanto os dados utilizados, não importando os tipos de métodos avançados aplicados. Modeladores frequentemente não contam com os melhores dados. [...] Muitos modelos são criados sem dados ou com dados incompletos. A implicação disso é que os resultados podem ser potencialmente enganosos.” RESSLER (2006) </a:t>
-            </a:r>
+            <a:pPr marL="285750" indent="-285750">
+              <a:buFont typeface="Wingdings" pitchFamily="2" charset="2"/>
+              <a:buChar char="ü"/>
+            </a:pPr>
+            <a:r>
+              <a:rPr lang="pt-BR" dirty="0" smtClean="0"/>
+              <a:t>PDF -&gt; TXT Usando </a:t>
+            </a:r>
+            <a:r>
+              <a:rPr lang="pt-BR" dirty="0" err="1" smtClean="0"/>
+              <a:t>com.itext</a:t>
+            </a:r>
+            <a:endParaRPr lang="pt-BR" dirty="0"/>
+          </a:p>
+        </p:txBody>
+      </p:sp>
+      <p:sp>
+        <p:nvSpPr>
+          <p:cNvPr id="10" name="CaixaDeTexto 9"/>
+          <p:cNvSpPr txBox="1"/>
+          <p:nvPr/>
+        </p:nvSpPr>
+        <p:spPr>
+          <a:xfrm>
+            <a:off x="6588224" y="2344812"/>
+            <a:ext cx="2376264" cy="2308324"/>
+          </a:xfrm>
+          <a:prstGeom prst="rect">
+            <a:avLst/>
+          </a:prstGeom>
+          <a:noFill/>
+        </p:spPr>
+        <p:txBody>
+          <a:bodyPr wrap="square" rtlCol="0">
+            <a:spAutoFit/>
+          </a:bodyPr>
+          <a:lstStyle/>
+          <a:p>
+            <a:r>
+              <a:rPr lang="pt-BR" dirty="0" smtClean="0"/>
+              <a:t>Quantidade </a:t>
+            </a:r>
+            <a:r>
+              <a:rPr lang="pt-BR" dirty="0"/>
+              <a:t>exata de páginas que não obedecem a esse padrão na edição do DOU de 28/05/2013. 79 de </a:t>
+            </a:r>
+            <a:r>
+              <a:rPr lang="pt-BR" dirty="0" smtClean="0"/>
+              <a:t>452 </a:t>
+            </a:r>
+            <a:r>
+              <a:rPr lang="pt-BR" dirty="0"/>
+              <a:t>páginas não seguem o padrão de três colunas. (17%).</a:t>
+            </a:r>
+          </a:p>
+        </p:txBody>
+      </p:sp>
+      <p:sp>
+        <p:nvSpPr>
+          <p:cNvPr id="11" name="Espaço Reservado para Conteúdo 2"/>
+          <p:cNvSpPr txBox="1">
+            <a:spLocks/>
+          </p:cNvSpPr>
+          <p:nvPr/>
+        </p:nvSpPr>
+        <p:spPr>
+          <a:xfrm>
+            <a:off x="-201216" y="899428"/>
+            <a:ext cx="8229600" cy="1017404"/>
+          </a:xfrm>
+          <a:prstGeom prst="rect">
+            <a:avLst/>
+          </a:prstGeom>
+        </p:spPr>
+        <p:txBody>
+          <a:bodyPr vert="horz" lIns="91440" tIns="45720" rIns="91440" bIns="45720" rtlCol="0">
+            <a:noAutofit/>
+          </a:bodyPr>
+          <a:lstStyle>
+            <a:lvl1pPr marL="342900" indent="-342900" algn="l" defTabSz="914400" rtl="0" eaLnBrk="1" latinLnBrk="0" hangingPunct="1">
+              <a:spcBef>
+                <a:spcPct val="20000"/>
+              </a:spcBef>
+              <a:buFont typeface="Arial" pitchFamily="34" charset="0"/>
+              <a:buChar char="•"/>
+              <a:defRPr sz="3200" kern="1200">
+                <a:solidFill>
+                  <a:schemeClr val="tx1"/>
+                </a:solidFill>
+                <a:latin typeface="+mn-lt"/>
+                <a:ea typeface="+mn-ea"/>
+                <a:cs typeface="+mn-cs"/>
+              </a:defRPr>
+            </a:lvl1pPr>
+            <a:lvl2pPr marL="742950" indent="-285750" algn="l" defTabSz="914400" rtl="0" eaLnBrk="1" latinLnBrk="0" hangingPunct="1">
+              <a:spcBef>
+                <a:spcPct val="20000"/>
+              </a:spcBef>
+              <a:buFont typeface="Arial" pitchFamily="34" charset="0"/>
+              <a:buChar char="–"/>
+              <a:defRPr sz="2800" kern="1200">
+                <a:solidFill>
+                  <a:schemeClr val="tx1"/>
+                </a:solidFill>
+                <a:latin typeface="+mn-lt"/>
+                <a:ea typeface="+mn-ea"/>
+                <a:cs typeface="+mn-cs"/>
+              </a:defRPr>
+            </a:lvl2pPr>
+            <a:lvl3pPr marL="1143000" indent="-228600" algn="l" defTabSz="914400" rtl="0" eaLnBrk="1" latinLnBrk="0" hangingPunct="1">
+              <a:spcBef>
+                <a:spcPct val="20000"/>
+              </a:spcBef>
+              <a:buFont typeface="Arial" pitchFamily="34" charset="0"/>
+              <a:buChar char="•"/>
+              <a:defRPr sz="2400" kern="1200">
+                <a:solidFill>
+                  <a:schemeClr val="tx1"/>
+                </a:solidFill>
+                <a:latin typeface="+mn-lt"/>
+                <a:ea typeface="+mn-ea"/>
+                <a:cs typeface="+mn-cs"/>
+              </a:defRPr>
+            </a:lvl3pPr>
+            <a:lvl4pPr marL="1600200" indent="-228600" algn="l" defTabSz="914400" rtl="0" eaLnBrk="1" latinLnBrk="0" hangingPunct="1">
+              <a:spcBef>
+                <a:spcPct val="20000"/>
+              </a:spcBef>
+              <a:buFont typeface="Arial" pitchFamily="34" charset="0"/>
+              <a:buChar char="–"/>
+              <a:defRPr sz="2000" kern="1200">
+                <a:solidFill>
+                  <a:schemeClr val="tx1"/>
+                </a:solidFill>
+                <a:latin typeface="+mn-lt"/>
+                <a:ea typeface="+mn-ea"/>
+                <a:cs typeface="+mn-cs"/>
+              </a:defRPr>
+            </a:lvl4pPr>
+            <a:lvl5pPr marL="2057400" indent="-228600" algn="l" defTabSz="914400" rtl="0" eaLnBrk="1" latinLnBrk="0" hangingPunct="1">
+              <a:spcBef>
+                <a:spcPct val="20000"/>
+              </a:spcBef>
+              <a:buFont typeface="Arial" pitchFamily="34" charset="0"/>
+              <a:buChar char="»"/>
+              <a:defRPr sz="2000" kern="1200">
+                <a:solidFill>
+                  <a:schemeClr val="tx1"/>
+                </a:solidFill>
+                <a:latin typeface="+mn-lt"/>
+                <a:ea typeface="+mn-ea"/>
+                <a:cs typeface="+mn-cs"/>
+              </a:defRPr>
+            </a:lvl5pPr>
+            <a:lvl6pPr marL="2514600" indent="-228600" algn="l" defTabSz="914400" rtl="0" eaLnBrk="1" latinLnBrk="0" hangingPunct="1">
+              <a:spcBef>
+                <a:spcPct val="20000"/>
+              </a:spcBef>
+              <a:buFont typeface="Arial" pitchFamily="34" charset="0"/>
+              <a:buChar char="•"/>
+              <a:defRPr sz="2000" kern="1200">
+                <a:solidFill>
+                  <a:schemeClr val="tx1"/>
+                </a:solidFill>
+                <a:latin typeface="+mn-lt"/>
+                <a:ea typeface="+mn-ea"/>
+                <a:cs typeface="+mn-cs"/>
+              </a:defRPr>
+            </a:lvl6pPr>
+            <a:lvl7pPr marL="2971800" indent="-228600" algn="l" defTabSz="914400" rtl="0" eaLnBrk="1" latinLnBrk="0" hangingPunct="1">
+              <a:spcBef>
+                <a:spcPct val="20000"/>
+              </a:spcBef>
+              <a:buFont typeface="Arial" pitchFamily="34" charset="0"/>
+              <a:buChar char="•"/>
+              <a:defRPr sz="2000" kern="1200">
+                <a:solidFill>
+                  <a:schemeClr val="tx1"/>
+                </a:solidFill>
+                <a:latin typeface="+mn-lt"/>
+                <a:ea typeface="+mn-ea"/>
+                <a:cs typeface="+mn-cs"/>
+              </a:defRPr>
+            </a:lvl7pPr>
+            <a:lvl8pPr marL="3429000" indent="-228600" algn="l" defTabSz="914400" rtl="0" eaLnBrk="1" latinLnBrk="0" hangingPunct="1">
+              <a:spcBef>
+                <a:spcPct val="20000"/>
+              </a:spcBef>
+              <a:buFont typeface="Arial" pitchFamily="34" charset="0"/>
+              <a:buChar char="•"/>
+              <a:defRPr sz="2000" kern="1200">
+                <a:solidFill>
+                  <a:schemeClr val="tx1"/>
+                </a:solidFill>
+                <a:latin typeface="+mn-lt"/>
+                <a:ea typeface="+mn-ea"/>
+                <a:cs typeface="+mn-cs"/>
+              </a:defRPr>
+            </a:lvl8pPr>
+            <a:lvl9pPr marL="3886200" indent="-228600" algn="l" defTabSz="914400" rtl="0" eaLnBrk="1" latinLnBrk="0" hangingPunct="1">
+              <a:spcBef>
+                <a:spcPct val="20000"/>
+              </a:spcBef>
+              <a:buFont typeface="Arial" pitchFamily="34" charset="0"/>
+              <a:buChar char="•"/>
+              <a:defRPr sz="2000" kern="1200">
+                <a:solidFill>
+                  <a:schemeClr val="tx1"/>
+                </a:solidFill>
+                <a:latin typeface="+mn-lt"/>
+                <a:ea typeface="+mn-ea"/>
+                <a:cs typeface="+mn-cs"/>
+              </a:defRPr>
+            </a:lvl9pPr>
+          </a:lstStyle>
+          <a:p>
+            <a:pPr lvl="1">
+              <a:buFont typeface="Wingdings" pitchFamily="2" charset="2"/>
+              <a:buChar char="ü"/>
+            </a:pPr>
+            <a:r>
+              <a:rPr lang="pt-BR" dirty="0" smtClean="0"/>
+              <a:t>Download dos arquivos PDF e conversão em texto</a:t>
+            </a:r>
+          </a:p>
+          <a:p>
+            <a:pPr marL="457200" lvl="1" indent="0">
+              <a:buFont typeface="Arial" pitchFamily="34" charset="0"/>
+              <a:buNone/>
+            </a:pPr>
+            <a:r>
+              <a:rPr lang="pt-BR" dirty="0" smtClean="0"/>
+              <a:t>– problemas e abordagens</a:t>
+            </a:r>
+            <a:endParaRPr lang="pt-BR" dirty="0"/>
           </a:p>
         </p:txBody>
       </p:sp>
     </p:spTree>
     <p:extLst>
       <p:ext uri="{BB962C8B-B14F-4D97-AF65-F5344CB8AC3E}">
-        <p14:creationId xmlns:p14="http://schemas.microsoft.com/office/powerpoint/2010/main" val="3264600624"/>
+        <p14:creationId xmlns:p14="http://schemas.microsoft.com/office/powerpoint/2010/main" val="514326024"/>
       </p:ext>
     </p:extLst>
   </p:cSld>
@@ -7030,7 +7743,12 @@
             <p:ph type="title"/>
           </p:nvPr>
         </p:nvSpPr>
-        <p:spPr/>
+        <p:spPr>
+          <a:xfrm>
+            <a:off x="457200" y="-243408"/>
+            <a:ext cx="8229600" cy="1143000"/>
+          </a:xfrm>
+        </p:spPr>
         <p:txBody>
           <a:bodyPr>
             <a:normAutofit/>
@@ -7058,8 +7776,8 @@
         </p:nvSpPr>
         <p:spPr>
           <a:xfrm>
-            <a:off x="179512" y="1268760"/>
-            <a:ext cx="8229600" cy="2476872"/>
+            <a:off x="-201216" y="476672"/>
+            <a:ext cx="8229600" cy="1017404"/>
           </a:xfrm>
         </p:spPr>
         <p:txBody>
@@ -7068,12 +7786,22 @@
           </a:bodyPr>
           <a:lstStyle/>
           <a:p>
+            <a:pPr lvl="1">
+              <a:buFont typeface="Wingdings" pitchFamily="2" charset="2"/>
+              <a:buChar char="ü"/>
+            </a:pPr>
+            <a:r>
+              <a:rPr lang="pt-BR" dirty="0"/>
+              <a:t>Download dos arquivos PDF e conversão em texto</a:t>
+            </a:r>
+          </a:p>
+          <a:p>
             <a:pPr marL="457200" lvl="1" indent="0">
               <a:buNone/>
             </a:pPr>
             <a:r>
-              <a:rPr lang="pt-BR" b="1" cap="small" dirty="0" smtClean="0"/>
-              <a:t>Coleta de dados – problemas e abordagens</a:t>
+              <a:rPr lang="pt-BR" dirty="0"/>
+              <a:t>– problemas e abordagens</a:t>
             </a:r>
           </a:p>
         </p:txBody>
@@ -7109,304 +7837,13 @@
       </p:sp>
       <p:sp>
         <p:nvSpPr>
-          <p:cNvPr id="5" name="Espaço Reservado para Número de Slide 4"/>
-          <p:cNvSpPr>
-            <a:spLocks noGrp="1"/>
-          </p:cNvSpPr>
-          <p:nvPr>
-            <p:ph type="sldNum" sz="quarter" idx="12"/>
-          </p:nvPr>
-        </p:nvSpPr>
-        <p:spPr/>
-        <p:txBody>
-          <a:bodyPr/>
-          <a:lstStyle/>
-          <a:p>
-            <a:fld id="{2BA3D508-1B43-4B52-8FAB-4C423C784271}" type="slidenum">
-              <a:rPr lang="pt-BR" smtClean="0"/>
-              <a:t>15</a:t>
-            </a:fld>
-            <a:endParaRPr lang="pt-BR" dirty="0"/>
-          </a:p>
-        </p:txBody>
-      </p:sp>
-      <p:pic>
-        <p:nvPicPr>
-          <p:cNvPr id="7" name="Imagem 6"/>
-          <p:cNvPicPr/>
-          <p:nvPr/>
-        </p:nvPicPr>
-        <p:blipFill>
-          <a:blip r:embed="rId3" cstate="print">
-            <a:extLst>
-              <a:ext uri="{28A0092B-C50C-407E-A947-70E740481C1C}">
-                <a14:useLocalDpi xmlns:a14="http://schemas.microsoft.com/office/drawing/2010/main" val="0"/>
-              </a:ext>
-            </a:extLst>
-          </a:blip>
-          <a:srcRect/>
-          <a:stretch>
-            <a:fillRect/>
-          </a:stretch>
-        </p:blipFill>
-        <p:spPr bwMode="auto">
-          <a:xfrm>
-            <a:off x="683568" y="4365104"/>
-            <a:ext cx="5273749" cy="2039283"/>
-          </a:xfrm>
-          <a:prstGeom prst="rect">
-            <a:avLst/>
-          </a:prstGeom>
-          <a:noFill/>
-        </p:spPr>
-      </p:pic>
-      <p:pic>
-        <p:nvPicPr>
-          <p:cNvPr id="8" name="Imagem 7"/>
-          <p:cNvPicPr/>
-          <p:nvPr/>
-        </p:nvPicPr>
-        <p:blipFill>
-          <a:blip r:embed="rId4" cstate="print">
-            <a:extLst>
-              <a:ext uri="{28A0092B-C50C-407E-A947-70E740481C1C}">
-                <a14:useLocalDpi xmlns:a14="http://schemas.microsoft.com/office/drawing/2010/main" val="0"/>
-              </a:ext>
-            </a:extLst>
-          </a:blip>
-          <a:srcRect/>
-          <a:stretch>
-            <a:fillRect/>
-          </a:stretch>
-        </p:blipFill>
-        <p:spPr bwMode="auto">
-          <a:xfrm>
-            <a:off x="683568" y="2348880"/>
-            <a:ext cx="5210496" cy="1948794"/>
-          </a:xfrm>
-          <a:prstGeom prst="rect">
-            <a:avLst/>
-          </a:prstGeom>
-          <a:noFill/>
-        </p:spPr>
-      </p:pic>
-      <p:sp>
-        <p:nvSpPr>
           <p:cNvPr id="9" name="CaixaDeTexto 8"/>
           <p:cNvSpPr txBox="1"/>
           <p:nvPr/>
         </p:nvSpPr>
         <p:spPr>
           <a:xfrm>
-            <a:off x="683568" y="1916832"/>
-            <a:ext cx="3189143" cy="369332"/>
-          </a:xfrm>
-          <a:prstGeom prst="rect">
-            <a:avLst/>
-          </a:prstGeom>
-          <a:noFill/>
-        </p:spPr>
-        <p:txBody>
-          <a:bodyPr wrap="none" rtlCol="0">
-            <a:spAutoFit/>
-          </a:bodyPr>
-          <a:lstStyle/>
-          <a:p>
-            <a:pPr marL="285750" indent="-285750">
-              <a:buFont typeface="Wingdings" pitchFamily="2" charset="2"/>
-              <a:buChar char="ü"/>
-            </a:pPr>
-            <a:r>
-              <a:rPr lang="pt-BR" dirty="0" smtClean="0"/>
-              <a:t>PDF -&gt; TXT Usando </a:t>
-            </a:r>
-            <a:r>
-              <a:rPr lang="pt-BR" dirty="0" err="1" smtClean="0"/>
-              <a:t>com.itext</a:t>
-            </a:r>
-            <a:endParaRPr lang="pt-BR" dirty="0"/>
-          </a:p>
-        </p:txBody>
-      </p:sp>
-      <p:sp>
-        <p:nvSpPr>
-          <p:cNvPr id="10" name="CaixaDeTexto 9"/>
-          <p:cNvSpPr txBox="1"/>
-          <p:nvPr/>
-        </p:nvSpPr>
-        <p:spPr>
-          <a:xfrm>
-            <a:off x="6588224" y="2344812"/>
-            <a:ext cx="2376264" cy="2308324"/>
-          </a:xfrm>
-          <a:prstGeom prst="rect">
-            <a:avLst/>
-          </a:prstGeom>
-          <a:noFill/>
-        </p:spPr>
-        <p:txBody>
-          <a:bodyPr wrap="square" rtlCol="0">
-            <a:spAutoFit/>
-          </a:bodyPr>
-          <a:lstStyle/>
-          <a:p>
-            <a:r>
-              <a:rPr lang="pt-BR" dirty="0" smtClean="0"/>
-              <a:t>Quantidade </a:t>
-            </a:r>
-            <a:r>
-              <a:rPr lang="pt-BR" dirty="0"/>
-              <a:t>exata de páginas que não obedecem a esse padrão na edição do DOU de 28/05/2013. 79 de </a:t>
-            </a:r>
-            <a:r>
-              <a:rPr lang="pt-BR" dirty="0" smtClean="0"/>
-              <a:t>452 </a:t>
-            </a:r>
-            <a:r>
-              <a:rPr lang="pt-BR" dirty="0"/>
-              <a:t>páginas não seguem o padrão de três colunas. (17%).</a:t>
-            </a:r>
-          </a:p>
-        </p:txBody>
-      </p:sp>
-    </p:spTree>
-    <p:extLst>
-      <p:ext uri="{BB962C8B-B14F-4D97-AF65-F5344CB8AC3E}">
-        <p14:creationId xmlns:p14="http://schemas.microsoft.com/office/powerpoint/2010/main" val="514326024"/>
-      </p:ext>
-    </p:extLst>
-  </p:cSld>
-  <p:clrMapOvr>
-    <a:masterClrMapping/>
-  </p:clrMapOvr>
-  <p:timing>
-    <p:tnLst>
-      <p:par>
-        <p:cTn id="1" dur="indefinite" restart="never" nodeType="tmRoot"/>
-      </p:par>
-    </p:tnLst>
-  </p:timing>
-</p:sld>
-</file>
-
-<file path=ppt/slides/slide16.xml><?xml version="1.0" encoding="utf-8"?>
-<p:sld xmlns:a="http://schemas.openxmlformats.org/drawingml/2006/main" xmlns:r="http://schemas.openxmlformats.org/officeDocument/2006/relationships" xmlns:p="http://schemas.openxmlformats.org/presentationml/2006/main">
-  <p:cSld>
-    <p:spTree>
-      <p:nvGrpSpPr>
-        <p:cNvPr id="1" name=""/>
-        <p:cNvGrpSpPr/>
-        <p:nvPr/>
-      </p:nvGrpSpPr>
-      <p:grpSpPr>
-        <a:xfrm>
-          <a:off x="0" y="0"/>
-          <a:ext cx="0" cy="0"/>
-          <a:chOff x="0" y="0"/>
-          <a:chExt cx="0" cy="0"/>
-        </a:xfrm>
-      </p:grpSpPr>
-      <p:sp>
-        <p:nvSpPr>
-          <p:cNvPr id="2" name="Título 1"/>
-          <p:cNvSpPr>
-            <a:spLocks noGrp="1"/>
-          </p:cNvSpPr>
-          <p:nvPr>
-            <p:ph type="title"/>
-          </p:nvPr>
-        </p:nvSpPr>
-        <p:spPr>
-          <a:xfrm>
-            <a:off x="457200" y="-243408"/>
-            <a:ext cx="8229600" cy="1143000"/>
-          </a:xfrm>
-        </p:spPr>
-        <p:txBody>
-          <a:bodyPr>
-            <a:normAutofit/>
-          </a:bodyPr>
-          <a:lstStyle/>
-          <a:p>
-            <a:pPr lvl="0"/>
-            <a:r>
-              <a:rPr lang="pt-BR" b="1" cap="small" dirty="0" smtClean="0"/>
-              <a:t>Metodologia</a:t>
-            </a:r>
-            <a:endParaRPr lang="pt-BR" dirty="0"/>
-          </a:p>
-        </p:txBody>
-      </p:sp>
-      <p:sp>
-        <p:nvSpPr>
-          <p:cNvPr id="3" name="Espaço Reservado para Conteúdo 2"/>
-          <p:cNvSpPr>
-            <a:spLocks noGrp="1"/>
-          </p:cNvSpPr>
-          <p:nvPr>
-            <p:ph idx="1"/>
-          </p:nvPr>
-        </p:nvSpPr>
-        <p:spPr>
-          <a:xfrm>
-            <a:off x="179512" y="620688"/>
-            <a:ext cx="8229600" cy="1017404"/>
-          </a:xfrm>
-        </p:spPr>
-        <p:txBody>
-          <a:bodyPr>
-            <a:noAutofit/>
-          </a:bodyPr>
-          <a:lstStyle/>
-          <a:p>
-            <a:pPr marL="457200" lvl="1" indent="0">
-              <a:buNone/>
-            </a:pPr>
-            <a:r>
-              <a:rPr lang="pt-BR" b="1" cap="small" dirty="0" smtClean="0"/>
-              <a:t>Coleta de dados – problemas e abordagens</a:t>
-            </a:r>
-          </a:p>
-        </p:txBody>
-      </p:sp>
-      <p:sp>
-        <p:nvSpPr>
-          <p:cNvPr id="4" name="Espaço Reservado para Rodapé 3"/>
-          <p:cNvSpPr>
-            <a:spLocks noGrp="1"/>
-          </p:cNvSpPr>
-          <p:nvPr>
-            <p:ph type="ftr" sz="quarter" idx="11"/>
-          </p:nvPr>
-        </p:nvSpPr>
-        <p:spPr>
-          <a:xfrm>
-            <a:off x="0" y="6501112"/>
-            <a:ext cx="8604448" cy="365125"/>
-          </a:xfrm>
-        </p:spPr>
-        <p:txBody>
-          <a:bodyPr/>
-          <a:lstStyle/>
-          <a:p>
-            <a:pPr algn="l"/>
-            <a:r>
-              <a:rPr lang="pt-BR" sz="900" dirty="0" smtClean="0"/>
-              <a:t>Modelo de análise da comunicação e mediação da informação em organizações públicas brasileiras através da Análise de Redes Sociais.</a:t>
-            </a:r>
-            <a:endParaRPr lang="pt-BR" sz="900" dirty="0"/>
-          </a:p>
-        </p:txBody>
-      </p:sp>
-      <p:sp>
-        <p:nvSpPr>
-          <p:cNvPr id="9" name="CaixaDeTexto 8"/>
-          <p:cNvSpPr txBox="1"/>
-          <p:nvPr/>
-        </p:nvSpPr>
-        <p:spPr>
-          <a:xfrm>
-            <a:off x="683568" y="1124744"/>
+            <a:off x="5216625" y="1163254"/>
             <a:ext cx="3536994" cy="369332"/>
           </a:xfrm>
           <a:prstGeom prst="rect">
@@ -7925,7 +8362,7 @@
 </p:sld>
 </file>
 
-<file path=ppt/slides/slide17.xml><?xml version="1.0" encoding="utf-8"?>
+<file path=ppt/slides/slide16.xml><?xml version="1.0" encoding="utf-8"?>
 <p:sld xmlns:a="http://schemas.openxmlformats.org/drawingml/2006/main" xmlns:r="http://schemas.openxmlformats.org/officeDocument/2006/relationships" xmlns:p="http://schemas.openxmlformats.org/presentationml/2006/main">
   <p:cSld>
     <p:bg>
@@ -8280,6 +8717,470 @@
 </p:sld>
 </file>
 
+<file path=ppt/slides/slide17.xml><?xml version="1.0" encoding="utf-8"?>
+<p:sld xmlns:a="http://schemas.openxmlformats.org/drawingml/2006/main" xmlns:r="http://schemas.openxmlformats.org/officeDocument/2006/relationships" xmlns:p="http://schemas.openxmlformats.org/presentationml/2006/main">
+  <p:cSld>
+    <p:spTree>
+      <p:nvGrpSpPr>
+        <p:cNvPr id="1" name=""/>
+        <p:cNvGrpSpPr/>
+        <p:nvPr/>
+      </p:nvGrpSpPr>
+      <p:grpSpPr>
+        <a:xfrm>
+          <a:off x="0" y="0"/>
+          <a:ext cx="0" cy="0"/>
+          <a:chOff x="0" y="0"/>
+          <a:chExt cx="0" cy="0"/>
+        </a:xfrm>
+      </p:grpSpPr>
+      <p:sp>
+        <p:nvSpPr>
+          <p:cNvPr id="2" name="Título 1"/>
+          <p:cNvSpPr>
+            <a:spLocks noGrp="1"/>
+          </p:cNvSpPr>
+          <p:nvPr>
+            <p:ph type="title"/>
+          </p:nvPr>
+        </p:nvSpPr>
+        <p:spPr/>
+        <p:txBody>
+          <a:bodyPr>
+            <a:normAutofit/>
+          </a:bodyPr>
+          <a:lstStyle/>
+          <a:p>
+            <a:pPr lvl="0"/>
+            <a:r>
+              <a:rPr lang="pt-BR" b="1" cap="small" dirty="0" smtClean="0"/>
+              <a:t>Metodologia</a:t>
+            </a:r>
+            <a:endParaRPr lang="pt-BR" dirty="0"/>
+          </a:p>
+        </p:txBody>
+      </p:sp>
+      <p:sp>
+        <p:nvSpPr>
+          <p:cNvPr id="3" name="Espaço Reservado para Conteúdo 2"/>
+          <p:cNvSpPr>
+            <a:spLocks noGrp="1"/>
+          </p:cNvSpPr>
+          <p:nvPr>
+            <p:ph idx="1"/>
+          </p:nvPr>
+        </p:nvSpPr>
+        <p:spPr>
+          <a:xfrm>
+            <a:off x="179512" y="1196752"/>
+            <a:ext cx="8928992" cy="1080121"/>
+          </a:xfrm>
+        </p:spPr>
+        <p:txBody>
+          <a:bodyPr>
+            <a:noAutofit/>
+          </a:bodyPr>
+          <a:lstStyle/>
+          <a:p>
+            <a:pPr>
+              <a:buFont typeface="Wingdings" pitchFamily="2" charset="2"/>
+              <a:buChar char="ü"/>
+            </a:pPr>
+            <a:r>
+              <a:rPr lang="pt-BR" dirty="0"/>
+              <a:t>Separação das paginas de acordo com o sumário</a:t>
+            </a:r>
+          </a:p>
+          <a:p>
+            <a:pPr lvl="1"/>
+            <a:endParaRPr lang="pt-BR" sz="4000" b="1" cap="small" dirty="0"/>
+          </a:p>
+          <a:p>
+            <a:pPr lvl="1"/>
+            <a:endParaRPr lang="pt-BR" sz="4000" b="1" cap="small" dirty="0" smtClean="0"/>
+          </a:p>
+        </p:txBody>
+      </p:sp>
+      <p:sp>
+        <p:nvSpPr>
+          <p:cNvPr id="4" name="Espaço Reservado para Rodapé 3"/>
+          <p:cNvSpPr>
+            <a:spLocks noGrp="1"/>
+          </p:cNvSpPr>
+          <p:nvPr>
+            <p:ph type="ftr" sz="quarter" idx="11"/>
+          </p:nvPr>
+        </p:nvSpPr>
+        <p:spPr>
+          <a:xfrm>
+            <a:off x="0" y="6501112"/>
+            <a:ext cx="8604448" cy="365125"/>
+          </a:xfrm>
+        </p:spPr>
+        <p:txBody>
+          <a:bodyPr/>
+          <a:lstStyle/>
+          <a:p>
+            <a:pPr algn="l"/>
+            <a:r>
+              <a:rPr lang="pt-BR" sz="900" dirty="0" smtClean="0"/>
+              <a:t>Modelo de análise da comunicação e mediação da informação em organizações públicas brasileiras através da Análise de Redes Sociais.</a:t>
+            </a:r>
+            <a:endParaRPr lang="pt-BR" sz="900" dirty="0"/>
+          </a:p>
+        </p:txBody>
+      </p:sp>
+      <p:sp>
+        <p:nvSpPr>
+          <p:cNvPr id="5" name="Espaço Reservado para Número de Slide 4"/>
+          <p:cNvSpPr>
+            <a:spLocks noGrp="1"/>
+          </p:cNvSpPr>
+          <p:nvPr>
+            <p:ph type="sldNum" sz="quarter" idx="12"/>
+          </p:nvPr>
+        </p:nvSpPr>
+        <p:spPr/>
+        <p:txBody>
+          <a:bodyPr/>
+          <a:lstStyle/>
+          <a:p>
+            <a:fld id="{2BA3D508-1B43-4B52-8FAB-4C423C784271}" type="slidenum">
+              <a:rPr lang="pt-BR" smtClean="0"/>
+              <a:t>17</a:t>
+            </a:fld>
+            <a:endParaRPr lang="pt-BR" dirty="0"/>
+          </a:p>
+        </p:txBody>
+      </p:sp>
+      <p:sp>
+        <p:nvSpPr>
+          <p:cNvPr id="7" name="Espaço Reservado para Conteúdo 5"/>
+          <p:cNvSpPr txBox="1">
+            <a:spLocks/>
+          </p:cNvSpPr>
+          <p:nvPr/>
+        </p:nvSpPr>
+        <p:spPr>
+          <a:xfrm>
+            <a:off x="395536" y="1916832"/>
+            <a:ext cx="8424936" cy="4065315"/>
+          </a:xfrm>
+          <a:prstGeom prst="rect">
+            <a:avLst/>
+          </a:prstGeom>
+        </p:spPr>
+        <p:txBody>
+          <a:bodyPr vert="horz" lIns="91440" tIns="45720" rIns="91440" bIns="45720" rtlCol="0">
+            <a:normAutofit/>
+          </a:bodyPr>
+          <a:lstStyle>
+            <a:lvl1pPr marL="342900" indent="-342900" algn="l" defTabSz="914400" rtl="0" eaLnBrk="1" latinLnBrk="0" hangingPunct="1">
+              <a:spcBef>
+                <a:spcPct val="20000"/>
+              </a:spcBef>
+              <a:buFont typeface="Arial" pitchFamily="34" charset="0"/>
+              <a:buChar char="•"/>
+              <a:defRPr sz="3200" kern="1200">
+                <a:solidFill>
+                  <a:schemeClr val="tx1"/>
+                </a:solidFill>
+                <a:latin typeface="+mn-lt"/>
+                <a:ea typeface="+mn-ea"/>
+                <a:cs typeface="+mn-cs"/>
+              </a:defRPr>
+            </a:lvl1pPr>
+            <a:lvl2pPr marL="742950" indent="-285750" algn="l" defTabSz="914400" rtl="0" eaLnBrk="1" latinLnBrk="0" hangingPunct="1">
+              <a:spcBef>
+                <a:spcPct val="20000"/>
+              </a:spcBef>
+              <a:buFont typeface="Arial" pitchFamily="34" charset="0"/>
+              <a:buChar char="–"/>
+              <a:defRPr sz="2800" kern="1200">
+                <a:solidFill>
+                  <a:schemeClr val="tx1"/>
+                </a:solidFill>
+                <a:latin typeface="+mn-lt"/>
+                <a:ea typeface="+mn-ea"/>
+                <a:cs typeface="+mn-cs"/>
+              </a:defRPr>
+            </a:lvl2pPr>
+            <a:lvl3pPr marL="1143000" indent="-228600" algn="l" defTabSz="914400" rtl="0" eaLnBrk="1" latinLnBrk="0" hangingPunct="1">
+              <a:spcBef>
+                <a:spcPct val="20000"/>
+              </a:spcBef>
+              <a:buFont typeface="Arial" pitchFamily="34" charset="0"/>
+              <a:buChar char="•"/>
+              <a:defRPr sz="2400" kern="1200">
+                <a:solidFill>
+                  <a:schemeClr val="tx1"/>
+                </a:solidFill>
+                <a:latin typeface="+mn-lt"/>
+                <a:ea typeface="+mn-ea"/>
+                <a:cs typeface="+mn-cs"/>
+              </a:defRPr>
+            </a:lvl3pPr>
+            <a:lvl4pPr marL="1600200" indent="-228600" algn="l" defTabSz="914400" rtl="0" eaLnBrk="1" latinLnBrk="0" hangingPunct="1">
+              <a:spcBef>
+                <a:spcPct val="20000"/>
+              </a:spcBef>
+              <a:buFont typeface="Arial" pitchFamily="34" charset="0"/>
+              <a:buChar char="–"/>
+              <a:defRPr sz="2000" kern="1200">
+                <a:solidFill>
+                  <a:schemeClr val="tx1"/>
+                </a:solidFill>
+                <a:latin typeface="+mn-lt"/>
+                <a:ea typeface="+mn-ea"/>
+                <a:cs typeface="+mn-cs"/>
+              </a:defRPr>
+            </a:lvl4pPr>
+            <a:lvl5pPr marL="2057400" indent="-228600" algn="l" defTabSz="914400" rtl="0" eaLnBrk="1" latinLnBrk="0" hangingPunct="1">
+              <a:spcBef>
+                <a:spcPct val="20000"/>
+              </a:spcBef>
+              <a:buFont typeface="Arial" pitchFamily="34" charset="0"/>
+              <a:buChar char="»"/>
+              <a:defRPr sz="2000" kern="1200">
+                <a:solidFill>
+                  <a:schemeClr val="tx1"/>
+                </a:solidFill>
+                <a:latin typeface="+mn-lt"/>
+                <a:ea typeface="+mn-ea"/>
+                <a:cs typeface="+mn-cs"/>
+              </a:defRPr>
+            </a:lvl5pPr>
+            <a:lvl6pPr marL="2514600" indent="-228600" algn="l" defTabSz="914400" rtl="0" eaLnBrk="1" latinLnBrk="0" hangingPunct="1">
+              <a:spcBef>
+                <a:spcPct val="20000"/>
+              </a:spcBef>
+              <a:buFont typeface="Arial" pitchFamily="34" charset="0"/>
+              <a:buChar char="•"/>
+              <a:defRPr sz="2000" kern="1200">
+                <a:solidFill>
+                  <a:schemeClr val="tx1"/>
+                </a:solidFill>
+                <a:latin typeface="+mn-lt"/>
+                <a:ea typeface="+mn-ea"/>
+                <a:cs typeface="+mn-cs"/>
+              </a:defRPr>
+            </a:lvl6pPr>
+            <a:lvl7pPr marL="2971800" indent="-228600" algn="l" defTabSz="914400" rtl="0" eaLnBrk="1" latinLnBrk="0" hangingPunct="1">
+              <a:spcBef>
+                <a:spcPct val="20000"/>
+              </a:spcBef>
+              <a:buFont typeface="Arial" pitchFamily="34" charset="0"/>
+              <a:buChar char="•"/>
+              <a:defRPr sz="2000" kern="1200">
+                <a:solidFill>
+                  <a:schemeClr val="tx1"/>
+                </a:solidFill>
+                <a:latin typeface="+mn-lt"/>
+                <a:ea typeface="+mn-ea"/>
+                <a:cs typeface="+mn-cs"/>
+              </a:defRPr>
+            </a:lvl7pPr>
+            <a:lvl8pPr marL="3429000" indent="-228600" algn="l" defTabSz="914400" rtl="0" eaLnBrk="1" latinLnBrk="0" hangingPunct="1">
+              <a:spcBef>
+                <a:spcPct val="20000"/>
+              </a:spcBef>
+              <a:buFont typeface="Arial" pitchFamily="34" charset="0"/>
+              <a:buChar char="•"/>
+              <a:defRPr sz="2000" kern="1200">
+                <a:solidFill>
+                  <a:schemeClr val="tx1"/>
+                </a:solidFill>
+                <a:latin typeface="+mn-lt"/>
+                <a:ea typeface="+mn-ea"/>
+                <a:cs typeface="+mn-cs"/>
+              </a:defRPr>
+            </a:lvl8pPr>
+            <a:lvl9pPr marL="3886200" indent="-228600" algn="l" defTabSz="914400" rtl="0" eaLnBrk="1" latinLnBrk="0" hangingPunct="1">
+              <a:spcBef>
+                <a:spcPct val="20000"/>
+              </a:spcBef>
+              <a:buFont typeface="Arial" pitchFamily="34" charset="0"/>
+              <a:buChar char="•"/>
+              <a:defRPr sz="2000" kern="1200">
+                <a:solidFill>
+                  <a:schemeClr val="tx1"/>
+                </a:solidFill>
+                <a:latin typeface="+mn-lt"/>
+                <a:ea typeface="+mn-ea"/>
+                <a:cs typeface="+mn-cs"/>
+              </a:defRPr>
+            </a:lvl9pPr>
+          </a:lstStyle>
+          <a:p>
+            <a:endParaRPr lang="pt-BR" dirty="0"/>
+          </a:p>
+        </p:txBody>
+      </p:sp>
+      <p:pic>
+        <p:nvPicPr>
+          <p:cNvPr id="1026" name="Picture 2"/>
+          <p:cNvPicPr>
+            <a:picLocks noChangeAspect="1" noChangeArrowheads="1"/>
+          </p:cNvPicPr>
+          <p:nvPr/>
+        </p:nvPicPr>
+        <p:blipFill>
+          <a:blip r:embed="rId3">
+            <a:extLst>
+              <a:ext uri="{28A0092B-C50C-407E-A947-70E740481C1C}">
+                <a14:useLocalDpi xmlns:a14="http://schemas.microsoft.com/office/drawing/2010/main" val="0"/>
+              </a:ext>
+            </a:extLst>
+          </a:blip>
+          <a:srcRect/>
+          <a:stretch>
+            <a:fillRect/>
+          </a:stretch>
+        </p:blipFill>
+        <p:spPr bwMode="auto">
+          <a:xfrm>
+            <a:off x="179512" y="1916832"/>
+            <a:ext cx="3312368" cy="4557442"/>
+          </a:xfrm>
+          <a:prstGeom prst="rect">
+            <a:avLst/>
+          </a:prstGeom>
+          <a:noFill/>
+          <a:ln>
+            <a:noFill/>
+          </a:ln>
+          <a:effectLst/>
+          <a:extLst>
+            <a:ext uri="{909E8E84-426E-40DD-AFC4-6F175D3DCCD1}">
+              <a14:hiddenFill xmlns:a14="http://schemas.microsoft.com/office/drawing/2010/main">
+                <a:solidFill>
+                  <a:schemeClr val="accent1"/>
+                </a:solidFill>
+              </a14:hiddenFill>
+            </a:ext>
+            <a:ext uri="{91240B29-F687-4F45-9708-019B960494DF}">
+              <a14:hiddenLine xmlns:a14="http://schemas.microsoft.com/office/drawing/2010/main" w="9525">
+                <a:solidFill>
+                  <a:schemeClr val="tx1"/>
+                </a:solidFill>
+                <a:miter lim="800000"/>
+                <a:headEnd/>
+                <a:tailEnd/>
+              </a14:hiddenLine>
+            </a:ext>
+            <a:ext uri="{AF507438-7753-43E0-B8FC-AC1667EBCBE1}">
+              <a14:hiddenEffects xmlns:a14="http://schemas.microsoft.com/office/drawing/2010/main">
+                <a:effectLst>
+                  <a:outerShdw dist="35921" dir="2700000" algn="ctr" rotWithShape="0">
+                    <a:schemeClr val="bg2"/>
+                  </a:outerShdw>
+                </a:effectLst>
+              </a14:hiddenEffects>
+            </a:ext>
+          </a:extLst>
+        </p:spPr>
+      </p:pic>
+      <p:sp>
+        <p:nvSpPr>
+          <p:cNvPr id="6" name="CaixaDeTexto 5"/>
+          <p:cNvSpPr txBox="1"/>
+          <p:nvPr/>
+        </p:nvSpPr>
+        <p:spPr>
+          <a:xfrm>
+            <a:off x="3779912" y="2060848"/>
+            <a:ext cx="5040560" cy="3477875"/>
+          </a:xfrm>
+          <a:prstGeom prst="rect">
+            <a:avLst/>
+          </a:prstGeom>
+          <a:noFill/>
+        </p:spPr>
+        <p:txBody>
+          <a:bodyPr wrap="square" rtlCol="0">
+            <a:spAutoFit/>
+          </a:bodyPr>
+          <a:lstStyle/>
+          <a:p>
+            <a:pPr marL="285750" indent="-285750">
+              <a:buFont typeface="Wingdings" pitchFamily="2" charset="2"/>
+              <a:buChar char="ü"/>
+            </a:pPr>
+            <a:r>
+              <a:rPr lang="pt-BR" sz="2000" dirty="0" smtClean="0"/>
+              <a:t>Identificar as seções mencionadas no sumario.</a:t>
+            </a:r>
+          </a:p>
+          <a:p>
+            <a:pPr marL="285750" indent="-285750">
+              <a:buFont typeface="Wingdings" pitchFamily="2" charset="2"/>
+              <a:buChar char="ü"/>
+            </a:pPr>
+            <a:r>
+              <a:rPr lang="pt-BR" sz="2000" dirty="0" smtClean="0"/>
+              <a:t>Criar uma pasta para cada seção.</a:t>
+            </a:r>
+          </a:p>
+          <a:p>
+            <a:pPr marL="285750" indent="-285750">
+              <a:buFont typeface="Wingdings" pitchFamily="2" charset="2"/>
+              <a:buChar char="ü"/>
+            </a:pPr>
+            <a:r>
+              <a:rPr lang="pt-BR" sz="2000" dirty="0" smtClean="0"/>
+              <a:t>Identificar a página correspondente à seção e a pagina correspondente à seção seguinte.</a:t>
+            </a:r>
+          </a:p>
+          <a:p>
+            <a:pPr marL="285750" indent="-285750">
+              <a:buFont typeface="Wingdings" pitchFamily="2" charset="2"/>
+              <a:buChar char="ü"/>
+            </a:pPr>
+            <a:r>
+              <a:rPr lang="pt-BR" sz="2000" dirty="0" smtClean="0"/>
+              <a:t>Mover os arquivos correspondente ao intervalo para a pasta correspondente.</a:t>
+            </a:r>
+          </a:p>
+          <a:p>
+            <a:pPr marL="285750" indent="-285750">
+              <a:buFont typeface="Wingdings" pitchFamily="2" charset="2"/>
+              <a:buChar char="q"/>
+            </a:pPr>
+            <a:r>
+              <a:rPr lang="pt-BR" sz="2000" dirty="0" smtClean="0"/>
+              <a:t>Identificar as páginas que contêm dados de 2 seções e gerar 2 arquivos, cada um com o </a:t>
+            </a:r>
+            <a:r>
+              <a:rPr lang="pt-BR" sz="2000" dirty="0" err="1" smtClean="0"/>
+              <a:t>conteudo</a:t>
+            </a:r>
+            <a:r>
+              <a:rPr lang="pt-BR" sz="2000" dirty="0" smtClean="0"/>
+              <a:t> correspondente.</a:t>
+            </a:r>
+          </a:p>
+        </p:txBody>
+      </p:sp>
+    </p:spTree>
+    <p:extLst>
+      <p:ext uri="{BB962C8B-B14F-4D97-AF65-F5344CB8AC3E}">
+        <p14:creationId xmlns:p14="http://schemas.microsoft.com/office/powerpoint/2010/main" val="3461703533"/>
+      </p:ext>
+    </p:extLst>
+  </p:cSld>
+  <p:clrMapOvr>
+    <a:masterClrMapping/>
+  </p:clrMapOvr>
+  <p:timing>
+    <p:tnLst>
+      <p:par>
+        <p:cTn id="1" dur="indefinite" restart="never" nodeType="tmRoot"/>
+      </p:par>
+    </p:tnLst>
+  </p:timing>
+</p:sld>
+</file>
+
 <file path=ppt/slides/slide18.xml><?xml version="1.0" encoding="utf-8"?>
 <p:sld xmlns:a="http://schemas.openxmlformats.org/drawingml/2006/main" xmlns:r="http://schemas.openxmlformats.org/officeDocument/2006/relationships" xmlns:p="http://schemas.openxmlformats.org/presentationml/2006/main">
   <p:cSld>
@@ -8307,12 +9208,7 @@
             <p:ph type="title"/>
           </p:nvPr>
         </p:nvSpPr>
-        <p:spPr>
-          <a:xfrm>
-            <a:off x="467544" y="260648"/>
-            <a:ext cx="8229600" cy="1143000"/>
-          </a:xfrm>
-        </p:spPr>
+        <p:spPr/>
         <p:txBody>
           <a:bodyPr>
             <a:normAutofit/>
@@ -8340,8 +9236,8 @@
         </p:nvSpPr>
         <p:spPr>
           <a:xfrm>
-            <a:off x="107504" y="1340768"/>
-            <a:ext cx="8229600" cy="1017404"/>
+            <a:off x="179512" y="1196752"/>
+            <a:ext cx="3600400" cy="1080121"/>
           </a:xfrm>
         </p:spPr>
         <p:txBody>
@@ -8350,73 +9246,318 @@
           </a:bodyPr>
           <a:lstStyle/>
           <a:p>
-            <a:pPr marL="457200" lvl="1" indent="0">
-              <a:buNone/>
+            <a:pPr>
+              <a:buFont typeface="Wingdings" pitchFamily="2" charset="2"/>
+              <a:buChar char="ü"/>
             </a:pPr>
             <a:r>
-              <a:rPr lang="pt-BR" sz="3600" cap="small" dirty="0" smtClean="0">
-                <a:latin typeface="+mj-lt"/>
-              </a:rPr>
-              <a:t>M</a:t>
-            </a:r>
-            <a:r>
-              <a:rPr lang="pt-BR" sz="3600" dirty="0" smtClean="0">
-                <a:latin typeface="+mj-lt"/>
-              </a:rPr>
-              <a:t>odelagem</a:t>
-            </a:r>
-          </a:p>
-          <a:p>
-            <a:pPr marL="457200" lvl="1" indent="0">
-              <a:buNone/>
+              <a:rPr lang="pt-BR" dirty="0"/>
+              <a:t>Identificação dos limites das publicações</a:t>
+            </a:r>
+          </a:p>
+          <a:p>
+            <a:pPr>
+              <a:buFont typeface="Wingdings" pitchFamily="2" charset="2"/>
+              <a:buChar char="ü"/>
             </a:pPr>
-            <a:endParaRPr lang="pt-BR" sz="3600" b="1" cap="small" dirty="0"/>
-          </a:p>
-          <a:p>
-            <a:pPr marL="457200" lvl="1" indent="0">
-              <a:buNone/>
-            </a:pPr>
-            <a:r>
-              <a:rPr lang="pt-BR" sz="3600" dirty="0"/>
-              <a:t>HANNEMAN e RIDDLE (</a:t>
-            </a:r>
-            <a:r>
-              <a:rPr lang="pt-BR" sz="3600" dirty="0" smtClean="0"/>
-              <a:t>2011)  </a:t>
-            </a:r>
-            <a:r>
-              <a:rPr lang="pt-BR" sz="3600" dirty="0"/>
-              <a:t>identificam a </a:t>
-            </a:r>
-            <a:r>
-              <a:rPr lang="pt-BR" sz="3600" b="1" dirty="0"/>
-              <a:t>definição de fronteiras da rede </a:t>
-            </a:r>
-            <a:r>
-              <a:rPr lang="pt-BR" sz="3600" dirty="0"/>
-              <a:t>e o estabelecimento de critérios para a </a:t>
-            </a:r>
-            <a:r>
-              <a:rPr lang="pt-BR" sz="3600" b="1" dirty="0"/>
-              <a:t>detecção de relacionamentos </a:t>
-            </a:r>
-            <a:r>
-              <a:rPr lang="pt-BR" sz="3600" dirty="0"/>
-              <a:t>como atividades fundamentais na modelagem da rede.</a:t>
-            </a:r>
-          </a:p>
-          <a:p>
-            <a:pPr marL="457200" lvl="1" indent="0">
-              <a:buNone/>
-            </a:pPr>
-            <a:endParaRPr lang="pt-BR" sz="3600" b="1" cap="small" dirty="0" smtClean="0"/>
-          </a:p>
-        </p:txBody>
-      </p:sp>
+            <a:r>
+              <a:rPr lang="pt-BR" dirty="0"/>
+              <a:t>Identificação das entidades (pessoas e órgãos)</a:t>
+            </a:r>
+          </a:p>
+          <a:p>
+            <a:pPr lvl="1"/>
+            <a:endParaRPr lang="pt-BR" sz="4000" b="1" cap="small" dirty="0"/>
+          </a:p>
+          <a:p>
+            <a:pPr lvl="1"/>
+            <a:endParaRPr lang="pt-BR" sz="4000" b="1" cap="small" dirty="0" smtClean="0"/>
+          </a:p>
+        </p:txBody>
+      </p:sp>
+      <p:sp>
+        <p:nvSpPr>
+          <p:cNvPr id="4" name="Espaço Reservado para Rodapé 3"/>
+          <p:cNvSpPr>
+            <a:spLocks noGrp="1"/>
+          </p:cNvSpPr>
+          <p:nvPr>
+            <p:ph type="ftr" sz="quarter" idx="11"/>
+          </p:nvPr>
+        </p:nvSpPr>
+        <p:spPr>
+          <a:xfrm>
+            <a:off x="0" y="6501112"/>
+            <a:ext cx="8604448" cy="365125"/>
+          </a:xfrm>
+        </p:spPr>
+        <p:txBody>
+          <a:bodyPr/>
+          <a:lstStyle/>
+          <a:p>
+            <a:pPr algn="l"/>
+            <a:r>
+              <a:rPr lang="pt-BR" sz="900" dirty="0" smtClean="0"/>
+              <a:t>Modelo de análise da comunicação e mediação da informação em organizações públicas brasileiras através da Análise de Redes Sociais.</a:t>
+            </a:r>
+            <a:endParaRPr lang="pt-BR" sz="900" dirty="0"/>
+          </a:p>
+        </p:txBody>
+      </p:sp>
+      <p:sp>
+        <p:nvSpPr>
+          <p:cNvPr id="5" name="Espaço Reservado para Número de Slide 4"/>
+          <p:cNvSpPr>
+            <a:spLocks noGrp="1"/>
+          </p:cNvSpPr>
+          <p:nvPr>
+            <p:ph type="sldNum" sz="quarter" idx="12"/>
+          </p:nvPr>
+        </p:nvSpPr>
+        <p:spPr/>
+        <p:txBody>
+          <a:bodyPr/>
+          <a:lstStyle/>
+          <a:p>
+            <a:fld id="{2BA3D508-1B43-4B52-8FAB-4C423C784271}" type="slidenum">
+              <a:rPr lang="pt-BR" smtClean="0"/>
+              <a:t>18</a:t>
+            </a:fld>
+            <a:endParaRPr lang="pt-BR" dirty="0"/>
+          </a:p>
+        </p:txBody>
+      </p:sp>
+      <p:sp>
+        <p:nvSpPr>
+          <p:cNvPr id="7" name="Espaço Reservado para Conteúdo 5"/>
+          <p:cNvSpPr txBox="1">
+            <a:spLocks/>
+          </p:cNvSpPr>
+          <p:nvPr/>
+        </p:nvSpPr>
+        <p:spPr>
+          <a:xfrm>
+            <a:off x="395536" y="1916832"/>
+            <a:ext cx="8424936" cy="4065315"/>
+          </a:xfrm>
+          <a:prstGeom prst="rect">
+            <a:avLst/>
+          </a:prstGeom>
+        </p:spPr>
+        <p:txBody>
+          <a:bodyPr vert="horz" lIns="91440" tIns="45720" rIns="91440" bIns="45720" rtlCol="0">
+            <a:normAutofit/>
+          </a:bodyPr>
+          <a:lstStyle>
+            <a:lvl1pPr marL="342900" indent="-342900" algn="l" defTabSz="914400" rtl="0" eaLnBrk="1" latinLnBrk="0" hangingPunct="1">
+              <a:spcBef>
+                <a:spcPct val="20000"/>
+              </a:spcBef>
+              <a:buFont typeface="Arial" pitchFamily="34" charset="0"/>
+              <a:buChar char="•"/>
+              <a:defRPr sz="3200" kern="1200">
+                <a:solidFill>
+                  <a:schemeClr val="tx1"/>
+                </a:solidFill>
+                <a:latin typeface="+mn-lt"/>
+                <a:ea typeface="+mn-ea"/>
+                <a:cs typeface="+mn-cs"/>
+              </a:defRPr>
+            </a:lvl1pPr>
+            <a:lvl2pPr marL="742950" indent="-285750" algn="l" defTabSz="914400" rtl="0" eaLnBrk="1" latinLnBrk="0" hangingPunct="1">
+              <a:spcBef>
+                <a:spcPct val="20000"/>
+              </a:spcBef>
+              <a:buFont typeface="Arial" pitchFamily="34" charset="0"/>
+              <a:buChar char="–"/>
+              <a:defRPr sz="2800" kern="1200">
+                <a:solidFill>
+                  <a:schemeClr val="tx1"/>
+                </a:solidFill>
+                <a:latin typeface="+mn-lt"/>
+                <a:ea typeface="+mn-ea"/>
+                <a:cs typeface="+mn-cs"/>
+              </a:defRPr>
+            </a:lvl2pPr>
+            <a:lvl3pPr marL="1143000" indent="-228600" algn="l" defTabSz="914400" rtl="0" eaLnBrk="1" latinLnBrk="0" hangingPunct="1">
+              <a:spcBef>
+                <a:spcPct val="20000"/>
+              </a:spcBef>
+              <a:buFont typeface="Arial" pitchFamily="34" charset="0"/>
+              <a:buChar char="•"/>
+              <a:defRPr sz="2400" kern="1200">
+                <a:solidFill>
+                  <a:schemeClr val="tx1"/>
+                </a:solidFill>
+                <a:latin typeface="+mn-lt"/>
+                <a:ea typeface="+mn-ea"/>
+                <a:cs typeface="+mn-cs"/>
+              </a:defRPr>
+            </a:lvl3pPr>
+            <a:lvl4pPr marL="1600200" indent="-228600" algn="l" defTabSz="914400" rtl="0" eaLnBrk="1" latinLnBrk="0" hangingPunct="1">
+              <a:spcBef>
+                <a:spcPct val="20000"/>
+              </a:spcBef>
+              <a:buFont typeface="Arial" pitchFamily="34" charset="0"/>
+              <a:buChar char="–"/>
+              <a:defRPr sz="2000" kern="1200">
+                <a:solidFill>
+                  <a:schemeClr val="tx1"/>
+                </a:solidFill>
+                <a:latin typeface="+mn-lt"/>
+                <a:ea typeface="+mn-ea"/>
+                <a:cs typeface="+mn-cs"/>
+              </a:defRPr>
+            </a:lvl4pPr>
+            <a:lvl5pPr marL="2057400" indent="-228600" algn="l" defTabSz="914400" rtl="0" eaLnBrk="1" latinLnBrk="0" hangingPunct="1">
+              <a:spcBef>
+                <a:spcPct val="20000"/>
+              </a:spcBef>
+              <a:buFont typeface="Arial" pitchFamily="34" charset="0"/>
+              <a:buChar char="»"/>
+              <a:defRPr sz="2000" kern="1200">
+                <a:solidFill>
+                  <a:schemeClr val="tx1"/>
+                </a:solidFill>
+                <a:latin typeface="+mn-lt"/>
+                <a:ea typeface="+mn-ea"/>
+                <a:cs typeface="+mn-cs"/>
+              </a:defRPr>
+            </a:lvl5pPr>
+            <a:lvl6pPr marL="2514600" indent="-228600" algn="l" defTabSz="914400" rtl="0" eaLnBrk="1" latinLnBrk="0" hangingPunct="1">
+              <a:spcBef>
+                <a:spcPct val="20000"/>
+              </a:spcBef>
+              <a:buFont typeface="Arial" pitchFamily="34" charset="0"/>
+              <a:buChar char="•"/>
+              <a:defRPr sz="2000" kern="1200">
+                <a:solidFill>
+                  <a:schemeClr val="tx1"/>
+                </a:solidFill>
+                <a:latin typeface="+mn-lt"/>
+                <a:ea typeface="+mn-ea"/>
+                <a:cs typeface="+mn-cs"/>
+              </a:defRPr>
+            </a:lvl6pPr>
+            <a:lvl7pPr marL="2971800" indent="-228600" algn="l" defTabSz="914400" rtl="0" eaLnBrk="1" latinLnBrk="0" hangingPunct="1">
+              <a:spcBef>
+                <a:spcPct val="20000"/>
+              </a:spcBef>
+              <a:buFont typeface="Arial" pitchFamily="34" charset="0"/>
+              <a:buChar char="•"/>
+              <a:defRPr sz="2000" kern="1200">
+                <a:solidFill>
+                  <a:schemeClr val="tx1"/>
+                </a:solidFill>
+                <a:latin typeface="+mn-lt"/>
+                <a:ea typeface="+mn-ea"/>
+                <a:cs typeface="+mn-cs"/>
+              </a:defRPr>
+            </a:lvl7pPr>
+            <a:lvl8pPr marL="3429000" indent="-228600" algn="l" defTabSz="914400" rtl="0" eaLnBrk="1" latinLnBrk="0" hangingPunct="1">
+              <a:spcBef>
+                <a:spcPct val="20000"/>
+              </a:spcBef>
+              <a:buFont typeface="Arial" pitchFamily="34" charset="0"/>
+              <a:buChar char="•"/>
+              <a:defRPr sz="2000" kern="1200">
+                <a:solidFill>
+                  <a:schemeClr val="tx1"/>
+                </a:solidFill>
+                <a:latin typeface="+mn-lt"/>
+                <a:ea typeface="+mn-ea"/>
+                <a:cs typeface="+mn-cs"/>
+              </a:defRPr>
+            </a:lvl8pPr>
+            <a:lvl9pPr marL="3886200" indent="-228600" algn="l" defTabSz="914400" rtl="0" eaLnBrk="1" latinLnBrk="0" hangingPunct="1">
+              <a:spcBef>
+                <a:spcPct val="20000"/>
+              </a:spcBef>
+              <a:buFont typeface="Arial" pitchFamily="34" charset="0"/>
+              <a:buChar char="•"/>
+              <a:defRPr sz="2000" kern="1200">
+                <a:solidFill>
+                  <a:schemeClr val="tx1"/>
+                </a:solidFill>
+                <a:latin typeface="+mn-lt"/>
+                <a:ea typeface="+mn-ea"/>
+                <a:cs typeface="+mn-cs"/>
+              </a:defRPr>
+            </a:lvl9pPr>
+          </a:lstStyle>
+          <a:p>
+            <a:endParaRPr lang="pt-BR" dirty="0"/>
+          </a:p>
+        </p:txBody>
+      </p:sp>
+      <p:pic>
+        <p:nvPicPr>
+          <p:cNvPr id="2054" name="Picture 6"/>
+          <p:cNvPicPr>
+            <a:picLocks noChangeAspect="1" noChangeArrowheads="1"/>
+          </p:cNvPicPr>
+          <p:nvPr/>
+        </p:nvPicPr>
+        <p:blipFill>
+          <a:blip r:embed="rId3">
+            <a:extLst>
+              <a:ext uri="{28A0092B-C50C-407E-A947-70E740481C1C}">
+                <a14:useLocalDpi xmlns:a14="http://schemas.microsoft.com/office/drawing/2010/main" val="0"/>
+              </a:ext>
+            </a:extLst>
+          </a:blip>
+          <a:srcRect/>
+          <a:stretch>
+            <a:fillRect/>
+          </a:stretch>
+        </p:blipFill>
+        <p:spPr bwMode="auto">
+          <a:xfrm>
+            <a:off x="4189040" y="1124744"/>
+            <a:ext cx="4343400" cy="5343525"/>
+          </a:xfrm>
+          <a:prstGeom prst="rect">
+            <a:avLst/>
+          </a:prstGeom>
+          <a:noFill/>
+          <a:ln>
+            <a:noFill/>
+          </a:ln>
+          <a:effectLst/>
+          <a:extLst>
+            <a:ext uri="{909E8E84-426E-40DD-AFC4-6F175D3DCCD1}">
+              <a14:hiddenFill xmlns:a14="http://schemas.microsoft.com/office/drawing/2010/main">
+                <a:solidFill>
+                  <a:schemeClr val="accent1"/>
+                </a:solidFill>
+              </a14:hiddenFill>
+            </a:ext>
+            <a:ext uri="{91240B29-F687-4F45-9708-019B960494DF}">
+              <a14:hiddenLine xmlns:a14="http://schemas.microsoft.com/office/drawing/2010/main" w="9525">
+                <a:solidFill>
+                  <a:schemeClr val="tx1"/>
+                </a:solidFill>
+                <a:miter lim="800000"/>
+                <a:headEnd/>
+                <a:tailEnd/>
+              </a14:hiddenLine>
+            </a:ext>
+            <a:ext uri="{AF507438-7753-43E0-B8FC-AC1667EBCBE1}">
+              <a14:hiddenEffects xmlns:a14="http://schemas.microsoft.com/office/drawing/2010/main">
+                <a:effectLst>
+                  <a:outerShdw dist="35921" dir="2700000" algn="ctr" rotWithShape="0">
+                    <a:schemeClr val="bg2"/>
+                  </a:outerShdw>
+                </a:effectLst>
+              </a14:hiddenEffects>
+            </a:ext>
+          </a:extLst>
+        </p:spPr>
+      </p:pic>
     </p:spTree>
     <p:extLst>
       <p:ext uri="{BB962C8B-B14F-4D97-AF65-F5344CB8AC3E}">
-        <p14:creationId xmlns:p14="http://schemas.microsoft.com/office/powerpoint/2010/main" val="3900106214"/>
+        <p14:creationId xmlns:p14="http://schemas.microsoft.com/office/powerpoint/2010/main" val="3876147870"/>
       </p:ext>
     </p:extLst>
   </p:cSld>
@@ -8462,7 +9603,7 @@
         </p:nvSpPr>
         <p:spPr>
           <a:xfrm>
-            <a:off x="467544" y="260648"/>
+            <a:off x="457200" y="-162272"/>
             <a:ext cx="8229600" cy="1143000"/>
           </a:xfrm>
         </p:spPr>
@@ -8493,8 +9634,8 @@
         </p:nvSpPr>
         <p:spPr>
           <a:xfrm>
-            <a:off x="107504" y="1340768"/>
-            <a:ext cx="8229600" cy="5184576"/>
+            <a:off x="179512" y="692695"/>
+            <a:ext cx="8208912" cy="1080121"/>
           </a:xfrm>
         </p:spPr>
         <p:txBody>
@@ -8503,20 +9644,102 @@
           </a:bodyPr>
           <a:lstStyle/>
           <a:p>
+            <a:pPr>
+              <a:buFont typeface="Wingdings" pitchFamily="2" charset="2"/>
+              <a:buChar char="ü"/>
+            </a:pPr>
+            <a:r>
+              <a:rPr lang="pt-BR" dirty="0"/>
+              <a:t>Identificação dos limites das </a:t>
+            </a:r>
+            <a:r>
+              <a:rPr lang="pt-BR" dirty="0" smtClean="0"/>
+              <a:t>publicações</a:t>
+            </a:r>
+          </a:p>
+          <a:p>
             <a:pPr marL="457200" lvl="1" indent="0">
               <a:buNone/>
             </a:pPr>
             <a:r>
-              <a:rPr lang="pt-BR" sz="3600" cap="small" dirty="0" smtClean="0">
-                <a:latin typeface="+mj-lt"/>
-              </a:rPr>
-              <a:t>M</a:t>
-            </a:r>
-            <a:r>
-              <a:rPr lang="pt-BR" sz="3600" dirty="0" smtClean="0">
-                <a:latin typeface="+mj-lt"/>
-              </a:rPr>
-              <a:t>odelagem – fronteiras</a:t>
+              <a:rPr lang="pt-BR" dirty="0" smtClean="0"/>
+              <a:t>As publicações obedecem a um padrão de cabeçalho. Exemplos:</a:t>
+            </a:r>
+            <a:r>
+              <a:rPr lang="pt-BR" sz="1600" dirty="0"/>
+              <a:t>		</a:t>
+            </a:r>
+            <a:endParaRPr lang="pt-BR" sz="1600" dirty="0" smtClean="0"/>
+          </a:p>
+          <a:p>
+            <a:pPr lvl="1">
+              <a:buFont typeface="Arial" pitchFamily="34" charset="0"/>
+              <a:buChar char="•"/>
+            </a:pPr>
+            <a:r>
+              <a:rPr lang="pt-BR" sz="1600" dirty="0" smtClean="0"/>
+              <a:t>EXTRATO </a:t>
+            </a:r>
+            <a:r>
+              <a:rPr lang="pt-BR" sz="1600" dirty="0"/>
+              <a:t>DA PAUTA Nº 13 (ORDINÁRIA)</a:t>
+            </a:r>
+          </a:p>
+          <a:p>
+            <a:pPr lvl="1">
+              <a:buFont typeface="Arial" pitchFamily="34" charset="0"/>
+              <a:buChar char="•"/>
+            </a:pPr>
+            <a:r>
+              <a:rPr lang="pt-BR" sz="1600" dirty="0" smtClean="0"/>
+              <a:t>ACÓRDÃO </a:t>
+            </a:r>
+            <a:r>
+              <a:rPr lang="pt-BR" sz="1600" dirty="0"/>
+              <a:t>Nº 2341/2013 - TCU - 1ª Câmara</a:t>
+            </a:r>
+          </a:p>
+          <a:p>
+            <a:pPr lvl="1">
+              <a:buFont typeface="Arial" pitchFamily="34" charset="0"/>
+              <a:buChar char="•"/>
+            </a:pPr>
+            <a:r>
+              <a:rPr lang="pt-BR" sz="1600" dirty="0" smtClean="0"/>
+              <a:t>ATA </a:t>
+            </a:r>
+            <a:r>
+              <a:rPr lang="pt-BR" sz="1600" dirty="0"/>
+              <a:t>DA 307ª SESSÃO ORDINÁRIA REALIZADA EM 26 DE MARÇO DE 2013</a:t>
+            </a:r>
+          </a:p>
+          <a:p>
+            <a:pPr lvl="1">
+              <a:buFont typeface="Arial" pitchFamily="34" charset="0"/>
+              <a:buChar char="•"/>
+            </a:pPr>
+            <a:r>
+              <a:rPr lang="pt-BR" sz="1600" dirty="0" smtClean="0"/>
+              <a:t>PORTARIA </a:t>
+            </a:r>
+            <a:r>
+              <a:rPr lang="pt-BR" sz="1600" dirty="0"/>
+              <a:t>Nº 30 DE 19 DE ABRIL DE </a:t>
+            </a:r>
+            <a:r>
+              <a:rPr lang="pt-BR" sz="1600" dirty="0" smtClean="0"/>
+              <a:t>2013</a:t>
+            </a:r>
+            <a:endParaRPr lang="pt-BR" dirty="0" smtClean="0"/>
+          </a:p>
+          <a:p>
+            <a:pPr>
+              <a:buFont typeface="Wingdings" pitchFamily="2" charset="2"/>
+              <a:buChar char="ü"/>
+            </a:pPr>
+            <a:r>
+              <a:rPr lang="pt-BR" dirty="0" smtClean="0"/>
+              <a:t>Identificação das entidades (pessoas e órgãos)</a:t>
             </a:r>
           </a:p>
           <a:p>
@@ -8524,70 +9747,306 @@
               <a:buNone/>
             </a:pPr>
             <a:r>
-              <a:rPr lang="pt-BR" sz="3600" dirty="0">
-                <a:latin typeface="+mj-lt"/>
-              </a:rPr>
-              <a:t>	</a:t>
-            </a:r>
-            <a:r>
-              <a:rPr lang="pt-BR" sz="2400" dirty="0" smtClean="0">
-                <a:latin typeface="+mj-lt"/>
-              </a:rPr>
-              <a:t>O</a:t>
-            </a:r>
-            <a:r>
-              <a:rPr lang="pt-BR" sz="2400" dirty="0" smtClean="0"/>
-              <a:t>rganizações </a:t>
-            </a:r>
-            <a:r>
-              <a:rPr lang="pt-BR" sz="2400" dirty="0"/>
-              <a:t>públicas da administração direta e indireta e pessoas cujo nome foi mencionado no Diário Oficial da </a:t>
-            </a:r>
-            <a:r>
-              <a:rPr lang="pt-BR" sz="2400" dirty="0" smtClean="0"/>
-              <a:t>União</a:t>
-            </a:r>
-            <a:r>
-              <a:rPr lang="pt-BR" sz="3600" b="1" cap="small" dirty="0" smtClean="0"/>
+              <a:rPr lang="pt-BR" dirty="0" smtClean="0"/>
+              <a:t>Qualquer </a:t>
+            </a:r>
+            <a:r>
+              <a:rPr lang="pt-BR" dirty="0"/>
+              <a:t>sequencia de palavras iniciadas por </a:t>
+            </a:r>
+            <a:r>
+              <a:rPr lang="pt-BR" dirty="0" smtClean="0"/>
+              <a:t>maiúscula </a:t>
+            </a:r>
+            <a:r>
+              <a:rPr lang="pt-BR" dirty="0"/>
+              <a:t>(ou toda em caixa alta) na qual se encontra ao menos uma </a:t>
+            </a:r>
+            <a:r>
+              <a:rPr lang="pt-BR" dirty="0" smtClean="0"/>
+              <a:t>ocorrência </a:t>
+            </a:r>
+            <a:r>
+              <a:rPr lang="pt-BR" dirty="0"/>
+              <a:t>de um nome esperado</a:t>
+            </a:r>
+            <a:r>
+              <a:rPr lang="pt-BR" dirty="0" smtClean="0"/>
               <a:t>.</a:t>
             </a:r>
+            <a:r>
+              <a:rPr lang="pt-BR" dirty="0"/>
+              <a:t> Exemplos:		</a:t>
+            </a:r>
+          </a:p>
+          <a:p>
+            <a:pPr lvl="1">
+              <a:buFont typeface="Arial" pitchFamily="34" charset="0"/>
+              <a:buChar char="•"/>
+            </a:pPr>
+            <a:r>
+              <a:rPr lang="pt-BR" sz="1600" b="1" dirty="0"/>
+              <a:t>FERNANDO</a:t>
+            </a:r>
+            <a:r>
+              <a:rPr lang="pt-BR" sz="1600" dirty="0"/>
+              <a:t> DAMATA </a:t>
+            </a:r>
+            <a:r>
+              <a:rPr lang="pt-BR" sz="1600" dirty="0" smtClean="0"/>
+              <a:t>PIMENTEL</a:t>
+            </a:r>
+          </a:p>
+          <a:p>
+            <a:pPr lvl="1">
+              <a:buFont typeface="Arial" pitchFamily="34" charset="0"/>
+              <a:buChar char="•"/>
+            </a:pPr>
+            <a:r>
+              <a:rPr lang="pt-BR" sz="1600" dirty="0"/>
+              <a:t>ODENIR </a:t>
+            </a:r>
+            <a:r>
+              <a:rPr lang="pt-BR" sz="1600" b="1" dirty="0"/>
+              <a:t>JOSÉ</a:t>
+            </a:r>
+            <a:r>
+              <a:rPr lang="pt-BR" sz="1600" dirty="0"/>
+              <a:t> DOS REIS</a:t>
+            </a:r>
+            <a:endParaRPr lang="pt-BR" dirty="0" smtClean="0"/>
           </a:p>
           <a:p>
             <a:pPr marL="457200" lvl="1" indent="0">
               <a:buNone/>
             </a:pPr>
-            <a:r>
-              <a:rPr lang="pt-BR" sz="3600" b="1" cap="small" dirty="0"/>
-              <a:t>	</a:t>
-            </a:r>
-            <a:r>
-              <a:rPr lang="pt-BR" sz="2400" dirty="0" smtClean="0"/>
-              <a:t>As portarias serão filtradas de acordo com o tema do qual tratam. Para a definição das palavras-chave que identificam os temas, utiliza-se os termos encontrados nos 11 </a:t>
-            </a:r>
-            <a:r>
-              <a:rPr lang="pt-BR" sz="2400" dirty="0" err="1" smtClean="0"/>
-              <a:t>macrodesafios</a:t>
-            </a:r>
-            <a:r>
-              <a:rPr lang="pt-BR" sz="2400" dirty="0" smtClean="0"/>
-              <a:t> do Plano Plurianual 2012, que orienta as politica publicas federais.</a:t>
-            </a:r>
-            <a:endParaRPr lang="pt-BR" sz="2400" dirty="0"/>
-          </a:p>
-          <a:p>
-            <a:pPr marL="457200" lvl="1" indent="0">
-              <a:buNone/>
-            </a:pPr>
-            <a:endParaRPr lang="pt-BR" sz="2400" dirty="0" smtClean="0">
-              <a:latin typeface="+mj-lt"/>
-            </a:endParaRPr>
+            <a:endParaRPr lang="pt-BR" dirty="0"/>
+          </a:p>
+          <a:p>
+            <a:pPr lvl="1"/>
+            <a:endParaRPr lang="pt-BR" sz="4000" b="1" cap="small" dirty="0" smtClean="0"/>
+          </a:p>
+        </p:txBody>
+      </p:sp>
+      <p:sp>
+        <p:nvSpPr>
+          <p:cNvPr id="4" name="Espaço Reservado para Rodapé 3"/>
+          <p:cNvSpPr>
+            <a:spLocks noGrp="1"/>
+          </p:cNvSpPr>
+          <p:nvPr>
+            <p:ph type="ftr" sz="quarter" idx="11"/>
+          </p:nvPr>
+        </p:nvSpPr>
+        <p:spPr>
+          <a:xfrm>
+            <a:off x="0" y="6501112"/>
+            <a:ext cx="8604448" cy="365125"/>
+          </a:xfrm>
+        </p:spPr>
+        <p:txBody>
+          <a:bodyPr/>
+          <a:lstStyle/>
+          <a:p>
+            <a:pPr algn="l"/>
+            <a:r>
+              <a:rPr lang="pt-BR" sz="900" dirty="0" smtClean="0"/>
+              <a:t>Modelo de análise da comunicação e mediação da informação em organizações públicas brasileiras através da Análise de Redes Sociais.</a:t>
+            </a:r>
+            <a:endParaRPr lang="pt-BR" sz="900" dirty="0"/>
+          </a:p>
+        </p:txBody>
+      </p:sp>
+      <p:sp>
+        <p:nvSpPr>
+          <p:cNvPr id="5" name="Espaço Reservado para Número de Slide 4"/>
+          <p:cNvSpPr>
+            <a:spLocks noGrp="1"/>
+          </p:cNvSpPr>
+          <p:nvPr>
+            <p:ph type="sldNum" sz="quarter" idx="12"/>
+          </p:nvPr>
+        </p:nvSpPr>
+        <p:spPr/>
+        <p:txBody>
+          <a:bodyPr/>
+          <a:lstStyle/>
+          <a:p>
+            <a:fld id="{2BA3D508-1B43-4B52-8FAB-4C423C784271}" type="slidenum">
+              <a:rPr lang="pt-BR" smtClean="0"/>
+              <a:t>19</a:t>
+            </a:fld>
+            <a:endParaRPr lang="pt-BR" dirty="0"/>
+          </a:p>
+        </p:txBody>
+      </p:sp>
+      <p:sp>
+        <p:nvSpPr>
+          <p:cNvPr id="7" name="Espaço Reservado para Conteúdo 5"/>
+          <p:cNvSpPr txBox="1">
+            <a:spLocks/>
+          </p:cNvSpPr>
+          <p:nvPr/>
+        </p:nvSpPr>
+        <p:spPr>
+          <a:xfrm>
+            <a:off x="395536" y="1916832"/>
+            <a:ext cx="8424936" cy="4065315"/>
+          </a:xfrm>
+          <a:prstGeom prst="rect">
+            <a:avLst/>
+          </a:prstGeom>
+        </p:spPr>
+        <p:txBody>
+          <a:bodyPr vert="horz" lIns="91440" tIns="45720" rIns="91440" bIns="45720" rtlCol="0">
+            <a:normAutofit/>
+          </a:bodyPr>
+          <a:lstStyle>
+            <a:lvl1pPr marL="342900" indent="-342900" algn="l" defTabSz="914400" rtl="0" eaLnBrk="1" latinLnBrk="0" hangingPunct="1">
+              <a:spcBef>
+                <a:spcPct val="20000"/>
+              </a:spcBef>
+              <a:buFont typeface="Arial" pitchFamily="34" charset="0"/>
+              <a:buChar char="•"/>
+              <a:defRPr sz="3200" kern="1200">
+                <a:solidFill>
+                  <a:schemeClr val="tx1"/>
+                </a:solidFill>
+                <a:latin typeface="+mn-lt"/>
+                <a:ea typeface="+mn-ea"/>
+                <a:cs typeface="+mn-cs"/>
+              </a:defRPr>
+            </a:lvl1pPr>
+            <a:lvl2pPr marL="742950" indent="-285750" algn="l" defTabSz="914400" rtl="0" eaLnBrk="1" latinLnBrk="0" hangingPunct="1">
+              <a:spcBef>
+                <a:spcPct val="20000"/>
+              </a:spcBef>
+              <a:buFont typeface="Arial" pitchFamily="34" charset="0"/>
+              <a:buChar char="–"/>
+              <a:defRPr sz="2800" kern="1200">
+                <a:solidFill>
+                  <a:schemeClr val="tx1"/>
+                </a:solidFill>
+                <a:latin typeface="+mn-lt"/>
+                <a:ea typeface="+mn-ea"/>
+                <a:cs typeface="+mn-cs"/>
+              </a:defRPr>
+            </a:lvl2pPr>
+            <a:lvl3pPr marL="1143000" indent="-228600" algn="l" defTabSz="914400" rtl="0" eaLnBrk="1" latinLnBrk="0" hangingPunct="1">
+              <a:spcBef>
+                <a:spcPct val="20000"/>
+              </a:spcBef>
+              <a:buFont typeface="Arial" pitchFamily="34" charset="0"/>
+              <a:buChar char="•"/>
+              <a:defRPr sz="2400" kern="1200">
+                <a:solidFill>
+                  <a:schemeClr val="tx1"/>
+                </a:solidFill>
+                <a:latin typeface="+mn-lt"/>
+                <a:ea typeface="+mn-ea"/>
+                <a:cs typeface="+mn-cs"/>
+              </a:defRPr>
+            </a:lvl3pPr>
+            <a:lvl4pPr marL="1600200" indent="-228600" algn="l" defTabSz="914400" rtl="0" eaLnBrk="1" latinLnBrk="0" hangingPunct="1">
+              <a:spcBef>
+                <a:spcPct val="20000"/>
+              </a:spcBef>
+              <a:buFont typeface="Arial" pitchFamily="34" charset="0"/>
+              <a:buChar char="–"/>
+              <a:defRPr sz="2000" kern="1200">
+                <a:solidFill>
+                  <a:schemeClr val="tx1"/>
+                </a:solidFill>
+                <a:latin typeface="+mn-lt"/>
+                <a:ea typeface="+mn-ea"/>
+                <a:cs typeface="+mn-cs"/>
+              </a:defRPr>
+            </a:lvl4pPr>
+            <a:lvl5pPr marL="2057400" indent="-228600" algn="l" defTabSz="914400" rtl="0" eaLnBrk="1" latinLnBrk="0" hangingPunct="1">
+              <a:spcBef>
+                <a:spcPct val="20000"/>
+              </a:spcBef>
+              <a:buFont typeface="Arial" pitchFamily="34" charset="0"/>
+              <a:buChar char="»"/>
+              <a:defRPr sz="2000" kern="1200">
+                <a:solidFill>
+                  <a:schemeClr val="tx1"/>
+                </a:solidFill>
+                <a:latin typeface="+mn-lt"/>
+                <a:ea typeface="+mn-ea"/>
+                <a:cs typeface="+mn-cs"/>
+              </a:defRPr>
+            </a:lvl5pPr>
+            <a:lvl6pPr marL="2514600" indent="-228600" algn="l" defTabSz="914400" rtl="0" eaLnBrk="1" latinLnBrk="0" hangingPunct="1">
+              <a:spcBef>
+                <a:spcPct val="20000"/>
+              </a:spcBef>
+              <a:buFont typeface="Arial" pitchFamily="34" charset="0"/>
+              <a:buChar char="•"/>
+              <a:defRPr sz="2000" kern="1200">
+                <a:solidFill>
+                  <a:schemeClr val="tx1"/>
+                </a:solidFill>
+                <a:latin typeface="+mn-lt"/>
+                <a:ea typeface="+mn-ea"/>
+                <a:cs typeface="+mn-cs"/>
+              </a:defRPr>
+            </a:lvl6pPr>
+            <a:lvl7pPr marL="2971800" indent="-228600" algn="l" defTabSz="914400" rtl="0" eaLnBrk="1" latinLnBrk="0" hangingPunct="1">
+              <a:spcBef>
+                <a:spcPct val="20000"/>
+              </a:spcBef>
+              <a:buFont typeface="Arial" pitchFamily="34" charset="0"/>
+              <a:buChar char="•"/>
+              <a:defRPr sz="2000" kern="1200">
+                <a:solidFill>
+                  <a:schemeClr val="tx1"/>
+                </a:solidFill>
+                <a:latin typeface="+mn-lt"/>
+                <a:ea typeface="+mn-ea"/>
+                <a:cs typeface="+mn-cs"/>
+              </a:defRPr>
+            </a:lvl7pPr>
+            <a:lvl8pPr marL="3429000" indent="-228600" algn="l" defTabSz="914400" rtl="0" eaLnBrk="1" latinLnBrk="0" hangingPunct="1">
+              <a:spcBef>
+                <a:spcPct val="20000"/>
+              </a:spcBef>
+              <a:buFont typeface="Arial" pitchFamily="34" charset="0"/>
+              <a:buChar char="•"/>
+              <a:defRPr sz="2000" kern="1200">
+                <a:solidFill>
+                  <a:schemeClr val="tx1"/>
+                </a:solidFill>
+                <a:latin typeface="+mn-lt"/>
+                <a:ea typeface="+mn-ea"/>
+                <a:cs typeface="+mn-cs"/>
+              </a:defRPr>
+            </a:lvl8pPr>
+            <a:lvl9pPr marL="3886200" indent="-228600" algn="l" defTabSz="914400" rtl="0" eaLnBrk="1" latinLnBrk="0" hangingPunct="1">
+              <a:spcBef>
+                <a:spcPct val="20000"/>
+              </a:spcBef>
+              <a:buFont typeface="Arial" pitchFamily="34" charset="0"/>
+              <a:buChar char="•"/>
+              <a:defRPr sz="2000" kern="1200">
+                <a:solidFill>
+                  <a:schemeClr val="tx1"/>
+                </a:solidFill>
+                <a:latin typeface="+mn-lt"/>
+                <a:ea typeface="+mn-ea"/>
+                <a:cs typeface="+mn-cs"/>
+              </a:defRPr>
+            </a:lvl9pPr>
+          </a:lstStyle>
+          <a:p>
+            <a:endParaRPr lang="pt-BR" dirty="0"/>
           </a:p>
         </p:txBody>
       </p:sp>
     </p:spTree>
     <p:extLst>
       <p:ext uri="{BB962C8B-B14F-4D97-AF65-F5344CB8AC3E}">
-        <p14:creationId xmlns:p14="http://schemas.microsoft.com/office/powerpoint/2010/main" val="3956134891"/>
+        <p14:creationId xmlns:p14="http://schemas.microsoft.com/office/powerpoint/2010/main" val="628398692"/>
       </p:ext>
     </p:extLst>
   </p:cSld>
@@ -10530,12 +11989,7 @@
             <p:ph type="title"/>
           </p:nvPr>
         </p:nvSpPr>
-        <p:spPr>
-          <a:xfrm>
-            <a:off x="467544" y="260648"/>
-            <a:ext cx="8229600" cy="1143000"/>
-          </a:xfrm>
-        </p:spPr>
+        <p:spPr/>
         <p:txBody>
           <a:bodyPr>
             <a:normAutofit/>
@@ -10563,8 +12017,8 @@
         </p:nvSpPr>
         <p:spPr>
           <a:xfrm>
-            <a:off x="107504" y="1340768"/>
-            <a:ext cx="8229600" cy="2232248"/>
+            <a:off x="179512" y="1196752"/>
+            <a:ext cx="5328592" cy="1080121"/>
           </a:xfrm>
         </p:spPr>
         <p:txBody>
@@ -10573,133 +12027,382 @@
           </a:bodyPr>
           <a:lstStyle/>
           <a:p>
-            <a:pPr marL="457200" lvl="1" indent="0">
-              <a:buNone/>
+            <a:pPr>
+              <a:buFont typeface="Wingdings" pitchFamily="2" charset="2"/>
+              <a:buChar char="ü"/>
             </a:pPr>
             <a:r>
-              <a:rPr lang="pt-BR" sz="3600" cap="small" dirty="0" smtClean="0">
-                <a:latin typeface="+mj-lt"/>
-              </a:rPr>
-              <a:t>M</a:t>
-            </a:r>
-            <a:r>
-              <a:rPr lang="pt-BR" sz="3600" dirty="0" smtClean="0">
-                <a:latin typeface="+mj-lt"/>
-              </a:rPr>
-              <a:t>odelagem – Relacionamentos</a:t>
-            </a:r>
-          </a:p>
-          <a:p>
-            <a:pPr marL="457200" lvl="1" indent="0">
-              <a:buNone/>
+              <a:rPr lang="pt-BR" dirty="0"/>
+              <a:t>Identificação dos limites das publicações</a:t>
+            </a:r>
+          </a:p>
+          <a:p>
+            <a:pPr>
+              <a:buFont typeface="Wingdings" pitchFamily="2" charset="2"/>
+              <a:buChar char="ü"/>
             </a:pPr>
             <a:r>
-              <a:rPr lang="pt-BR" sz="3600" dirty="0" smtClean="0">
-                <a:latin typeface="+mj-lt"/>
-              </a:rPr>
-              <a:t>	</a:t>
-            </a:r>
-            <a:r>
-              <a:rPr lang="pt-BR" sz="2400" dirty="0" smtClean="0">
-                <a:latin typeface="+mj-lt"/>
-              </a:rPr>
-              <a:t>Essa pesquisa propõe que a definição dos relacionamentos seja feita de forma análoga à proposta em trabalhos de </a:t>
-            </a:r>
-            <a:r>
-              <a:rPr lang="pt-BR" sz="2400" dirty="0" err="1" smtClean="0">
-                <a:latin typeface="+mj-lt"/>
-              </a:rPr>
-              <a:t>infometria</a:t>
-            </a:r>
-            <a:r>
-              <a:rPr lang="pt-BR" sz="2400" dirty="0" smtClean="0">
-                <a:latin typeface="+mj-lt"/>
-              </a:rPr>
-              <a:t> que utilizam a técnica chamada de ‘</a:t>
-            </a:r>
-            <a:r>
-              <a:rPr lang="pt-BR" sz="2400" dirty="0" err="1" smtClean="0">
-                <a:latin typeface="+mj-lt"/>
-              </a:rPr>
-              <a:t>co-word</a:t>
-            </a:r>
-            <a:r>
-              <a:rPr lang="pt-BR" sz="2400" dirty="0" smtClean="0">
-                <a:latin typeface="+mj-lt"/>
-              </a:rPr>
-              <a:t> </a:t>
-            </a:r>
-            <a:r>
-              <a:rPr lang="pt-BR" sz="2400" dirty="0" err="1" smtClean="0">
-                <a:latin typeface="+mj-lt"/>
-              </a:rPr>
-              <a:t>analisys</a:t>
-            </a:r>
-            <a:r>
-              <a:rPr lang="pt-BR" sz="2400" dirty="0" smtClean="0">
-                <a:latin typeface="+mj-lt"/>
-              </a:rPr>
-              <a:t>’.</a:t>
-            </a:r>
-          </a:p>
-          <a:p>
-            <a:pPr marL="457200" lvl="1" indent="0">
-              <a:buNone/>
-            </a:pPr>
-            <a:endParaRPr lang="pt-BR" sz="2400" dirty="0">
-              <a:latin typeface="+mj-lt"/>
-            </a:endParaRPr>
-          </a:p>
-          <a:p>
-            <a:pPr marL="457200" lvl="1" indent="0">
-              <a:buNone/>
-            </a:pPr>
-            <a:r>
-              <a:rPr lang="pt-BR" sz="2400" dirty="0"/>
-              <a:t> </a:t>
-            </a:r>
-            <a:r>
-              <a:rPr lang="pt-BR" sz="2400" dirty="0" err="1"/>
-              <a:t>Courtial</a:t>
-            </a:r>
-            <a:r>
-              <a:rPr lang="pt-BR" sz="2400" dirty="0"/>
-              <a:t> (1986 apud POLANCO 2005) propôs a apresentação de clusters </a:t>
-            </a:r>
-            <a:r>
-              <a:rPr lang="pt-BR" sz="2400" dirty="0" err="1"/>
-              <a:t>co-word</a:t>
-            </a:r>
-            <a:r>
-              <a:rPr lang="pt-BR" sz="2400" dirty="0"/>
-              <a:t> no formato de grafos. A técnica do </a:t>
-            </a:r>
-            <a:r>
-              <a:rPr lang="pt-BR" sz="2400" dirty="0" err="1"/>
-              <a:t>co-word</a:t>
-            </a:r>
-            <a:r>
-              <a:rPr lang="pt-BR" sz="2400" dirty="0"/>
-              <a:t> determina que se estabeleça uma borda entre dois termos (vértices) sempre que houver uma </a:t>
-            </a:r>
-            <a:r>
-              <a:rPr lang="pt-BR" sz="2400" dirty="0" err="1"/>
-              <a:t>co-ocorrência</a:t>
-            </a:r>
-            <a:r>
-              <a:rPr lang="pt-BR" sz="2400" dirty="0"/>
-              <a:t> deles no texto. </a:t>
-            </a:r>
-            <a:endParaRPr lang="pt-BR" sz="2400" dirty="0" smtClean="0">
-              <a:latin typeface="+mj-lt"/>
-            </a:endParaRPr>
-          </a:p>
-        </p:txBody>
-      </p:sp>
+              <a:rPr lang="pt-BR" dirty="0"/>
+              <a:t>Identificação das entidades (pessoas e órgãos)</a:t>
+            </a:r>
+          </a:p>
+          <a:p>
+            <a:pPr lvl="1"/>
+            <a:endParaRPr lang="pt-BR" sz="4000" b="1" cap="small" dirty="0"/>
+          </a:p>
+          <a:p>
+            <a:pPr lvl="1"/>
+            <a:endParaRPr lang="pt-BR" sz="4000" b="1" cap="small" dirty="0" smtClean="0"/>
+          </a:p>
+        </p:txBody>
+      </p:sp>
+      <p:sp>
+        <p:nvSpPr>
+          <p:cNvPr id="4" name="Espaço Reservado para Rodapé 3"/>
+          <p:cNvSpPr>
+            <a:spLocks noGrp="1"/>
+          </p:cNvSpPr>
+          <p:nvPr>
+            <p:ph type="ftr" sz="quarter" idx="11"/>
+          </p:nvPr>
+        </p:nvSpPr>
+        <p:spPr>
+          <a:xfrm>
+            <a:off x="0" y="6501112"/>
+            <a:ext cx="8604448" cy="365125"/>
+          </a:xfrm>
+        </p:spPr>
+        <p:txBody>
+          <a:bodyPr/>
+          <a:lstStyle/>
+          <a:p>
+            <a:pPr algn="l"/>
+            <a:r>
+              <a:rPr lang="pt-BR" sz="900" dirty="0" smtClean="0"/>
+              <a:t>Modelo de análise da comunicação e mediação da informação em organizações públicas brasileiras através da Análise de Redes Sociais.</a:t>
+            </a:r>
+            <a:endParaRPr lang="pt-BR" sz="900" dirty="0"/>
+          </a:p>
+        </p:txBody>
+      </p:sp>
+      <p:sp>
+        <p:nvSpPr>
+          <p:cNvPr id="5" name="Espaço Reservado para Número de Slide 4"/>
+          <p:cNvSpPr>
+            <a:spLocks noGrp="1"/>
+          </p:cNvSpPr>
+          <p:nvPr>
+            <p:ph type="sldNum" sz="quarter" idx="12"/>
+          </p:nvPr>
+        </p:nvSpPr>
+        <p:spPr/>
+        <p:txBody>
+          <a:bodyPr/>
+          <a:lstStyle/>
+          <a:p>
+            <a:fld id="{2BA3D508-1B43-4B52-8FAB-4C423C784271}" type="slidenum">
+              <a:rPr lang="pt-BR" smtClean="0"/>
+              <a:t>20</a:t>
+            </a:fld>
+            <a:endParaRPr lang="pt-BR" dirty="0"/>
+          </a:p>
+        </p:txBody>
+      </p:sp>
+      <p:sp>
+        <p:nvSpPr>
+          <p:cNvPr id="7" name="Espaço Reservado para Conteúdo 5"/>
+          <p:cNvSpPr txBox="1">
+            <a:spLocks/>
+          </p:cNvSpPr>
+          <p:nvPr/>
+        </p:nvSpPr>
+        <p:spPr>
+          <a:xfrm>
+            <a:off x="395536" y="1916832"/>
+            <a:ext cx="8424936" cy="4065315"/>
+          </a:xfrm>
+          <a:prstGeom prst="rect">
+            <a:avLst/>
+          </a:prstGeom>
+        </p:spPr>
+        <p:txBody>
+          <a:bodyPr vert="horz" lIns="91440" tIns="45720" rIns="91440" bIns="45720" rtlCol="0">
+            <a:normAutofit/>
+          </a:bodyPr>
+          <a:lstStyle>
+            <a:lvl1pPr marL="342900" indent="-342900" algn="l" defTabSz="914400" rtl="0" eaLnBrk="1" latinLnBrk="0" hangingPunct="1">
+              <a:spcBef>
+                <a:spcPct val="20000"/>
+              </a:spcBef>
+              <a:buFont typeface="Arial" pitchFamily="34" charset="0"/>
+              <a:buChar char="•"/>
+              <a:defRPr sz="3200" kern="1200">
+                <a:solidFill>
+                  <a:schemeClr val="tx1"/>
+                </a:solidFill>
+                <a:latin typeface="+mn-lt"/>
+                <a:ea typeface="+mn-ea"/>
+                <a:cs typeface="+mn-cs"/>
+              </a:defRPr>
+            </a:lvl1pPr>
+            <a:lvl2pPr marL="742950" indent="-285750" algn="l" defTabSz="914400" rtl="0" eaLnBrk="1" latinLnBrk="0" hangingPunct="1">
+              <a:spcBef>
+                <a:spcPct val="20000"/>
+              </a:spcBef>
+              <a:buFont typeface="Arial" pitchFamily="34" charset="0"/>
+              <a:buChar char="–"/>
+              <a:defRPr sz="2800" kern="1200">
+                <a:solidFill>
+                  <a:schemeClr val="tx1"/>
+                </a:solidFill>
+                <a:latin typeface="+mn-lt"/>
+                <a:ea typeface="+mn-ea"/>
+                <a:cs typeface="+mn-cs"/>
+              </a:defRPr>
+            </a:lvl2pPr>
+            <a:lvl3pPr marL="1143000" indent="-228600" algn="l" defTabSz="914400" rtl="0" eaLnBrk="1" latinLnBrk="0" hangingPunct="1">
+              <a:spcBef>
+                <a:spcPct val="20000"/>
+              </a:spcBef>
+              <a:buFont typeface="Arial" pitchFamily="34" charset="0"/>
+              <a:buChar char="•"/>
+              <a:defRPr sz="2400" kern="1200">
+                <a:solidFill>
+                  <a:schemeClr val="tx1"/>
+                </a:solidFill>
+                <a:latin typeface="+mn-lt"/>
+                <a:ea typeface="+mn-ea"/>
+                <a:cs typeface="+mn-cs"/>
+              </a:defRPr>
+            </a:lvl3pPr>
+            <a:lvl4pPr marL="1600200" indent="-228600" algn="l" defTabSz="914400" rtl="0" eaLnBrk="1" latinLnBrk="0" hangingPunct="1">
+              <a:spcBef>
+                <a:spcPct val="20000"/>
+              </a:spcBef>
+              <a:buFont typeface="Arial" pitchFamily="34" charset="0"/>
+              <a:buChar char="–"/>
+              <a:defRPr sz="2000" kern="1200">
+                <a:solidFill>
+                  <a:schemeClr val="tx1"/>
+                </a:solidFill>
+                <a:latin typeface="+mn-lt"/>
+                <a:ea typeface="+mn-ea"/>
+                <a:cs typeface="+mn-cs"/>
+              </a:defRPr>
+            </a:lvl4pPr>
+            <a:lvl5pPr marL="2057400" indent="-228600" algn="l" defTabSz="914400" rtl="0" eaLnBrk="1" latinLnBrk="0" hangingPunct="1">
+              <a:spcBef>
+                <a:spcPct val="20000"/>
+              </a:spcBef>
+              <a:buFont typeface="Arial" pitchFamily="34" charset="0"/>
+              <a:buChar char="»"/>
+              <a:defRPr sz="2000" kern="1200">
+                <a:solidFill>
+                  <a:schemeClr val="tx1"/>
+                </a:solidFill>
+                <a:latin typeface="+mn-lt"/>
+                <a:ea typeface="+mn-ea"/>
+                <a:cs typeface="+mn-cs"/>
+              </a:defRPr>
+            </a:lvl5pPr>
+            <a:lvl6pPr marL="2514600" indent="-228600" algn="l" defTabSz="914400" rtl="0" eaLnBrk="1" latinLnBrk="0" hangingPunct="1">
+              <a:spcBef>
+                <a:spcPct val="20000"/>
+              </a:spcBef>
+              <a:buFont typeface="Arial" pitchFamily="34" charset="0"/>
+              <a:buChar char="•"/>
+              <a:defRPr sz="2000" kern="1200">
+                <a:solidFill>
+                  <a:schemeClr val="tx1"/>
+                </a:solidFill>
+                <a:latin typeface="+mn-lt"/>
+                <a:ea typeface="+mn-ea"/>
+                <a:cs typeface="+mn-cs"/>
+              </a:defRPr>
+            </a:lvl6pPr>
+            <a:lvl7pPr marL="2971800" indent="-228600" algn="l" defTabSz="914400" rtl="0" eaLnBrk="1" latinLnBrk="0" hangingPunct="1">
+              <a:spcBef>
+                <a:spcPct val="20000"/>
+              </a:spcBef>
+              <a:buFont typeface="Arial" pitchFamily="34" charset="0"/>
+              <a:buChar char="•"/>
+              <a:defRPr sz="2000" kern="1200">
+                <a:solidFill>
+                  <a:schemeClr val="tx1"/>
+                </a:solidFill>
+                <a:latin typeface="+mn-lt"/>
+                <a:ea typeface="+mn-ea"/>
+                <a:cs typeface="+mn-cs"/>
+              </a:defRPr>
+            </a:lvl7pPr>
+            <a:lvl8pPr marL="3429000" indent="-228600" algn="l" defTabSz="914400" rtl="0" eaLnBrk="1" latinLnBrk="0" hangingPunct="1">
+              <a:spcBef>
+                <a:spcPct val="20000"/>
+              </a:spcBef>
+              <a:buFont typeface="Arial" pitchFamily="34" charset="0"/>
+              <a:buChar char="•"/>
+              <a:defRPr sz="2000" kern="1200">
+                <a:solidFill>
+                  <a:schemeClr val="tx1"/>
+                </a:solidFill>
+                <a:latin typeface="+mn-lt"/>
+                <a:ea typeface="+mn-ea"/>
+                <a:cs typeface="+mn-cs"/>
+              </a:defRPr>
+            </a:lvl8pPr>
+            <a:lvl9pPr marL="3886200" indent="-228600" algn="l" defTabSz="914400" rtl="0" eaLnBrk="1" latinLnBrk="0" hangingPunct="1">
+              <a:spcBef>
+                <a:spcPct val="20000"/>
+              </a:spcBef>
+              <a:buFont typeface="Arial" pitchFamily="34" charset="0"/>
+              <a:buChar char="•"/>
+              <a:defRPr sz="2000" kern="1200">
+                <a:solidFill>
+                  <a:schemeClr val="tx1"/>
+                </a:solidFill>
+                <a:latin typeface="+mn-lt"/>
+                <a:ea typeface="+mn-ea"/>
+                <a:cs typeface="+mn-cs"/>
+              </a:defRPr>
+            </a:lvl9pPr>
+          </a:lstStyle>
+          <a:p>
+            <a:endParaRPr lang="pt-BR" dirty="0"/>
+          </a:p>
+        </p:txBody>
+      </p:sp>
+      <p:pic>
+        <p:nvPicPr>
+          <p:cNvPr id="2052" name="Picture 4"/>
+          <p:cNvPicPr>
+            <a:picLocks noChangeAspect="1" noChangeArrowheads="1"/>
+          </p:cNvPicPr>
+          <p:nvPr/>
+        </p:nvPicPr>
+        <p:blipFill>
+          <a:blip r:embed="rId3">
+            <a:extLst>
+              <a:ext uri="{28A0092B-C50C-407E-A947-70E740481C1C}">
+                <a14:useLocalDpi xmlns:a14="http://schemas.microsoft.com/office/drawing/2010/main" val="0"/>
+              </a:ext>
+            </a:extLst>
+          </a:blip>
+          <a:srcRect/>
+          <a:stretch>
+            <a:fillRect/>
+          </a:stretch>
+        </p:blipFill>
+        <p:spPr bwMode="auto">
+          <a:xfrm>
+            <a:off x="179512" y="3529461"/>
+            <a:ext cx="4820619" cy="2797870"/>
+          </a:xfrm>
+          <a:prstGeom prst="rect">
+            <a:avLst/>
+          </a:prstGeom>
+          <a:noFill/>
+          <a:ln>
+            <a:noFill/>
+          </a:ln>
+          <a:effectLst/>
+          <a:extLst>
+            <a:ext uri="{909E8E84-426E-40DD-AFC4-6F175D3DCCD1}">
+              <a14:hiddenFill xmlns:a14="http://schemas.microsoft.com/office/drawing/2010/main">
+                <a:solidFill>
+                  <a:schemeClr val="accent1"/>
+                </a:solidFill>
+              </a14:hiddenFill>
+            </a:ext>
+            <a:ext uri="{91240B29-F687-4F45-9708-019B960494DF}">
+              <a14:hiddenLine xmlns:a14="http://schemas.microsoft.com/office/drawing/2010/main" w="9525">
+                <a:solidFill>
+                  <a:schemeClr val="tx1"/>
+                </a:solidFill>
+                <a:miter lim="800000"/>
+                <a:headEnd/>
+                <a:tailEnd/>
+              </a14:hiddenLine>
+            </a:ext>
+            <a:ext uri="{AF507438-7753-43E0-B8FC-AC1667EBCBE1}">
+              <a14:hiddenEffects xmlns:a14="http://schemas.microsoft.com/office/drawing/2010/main">
+                <a:effectLst>
+                  <a:outerShdw dist="35921" dir="2700000" algn="ctr" rotWithShape="0">
+                    <a:schemeClr val="bg2"/>
+                  </a:outerShdw>
+                </a:effectLst>
+              </a14:hiddenEffects>
+            </a:ext>
+          </a:extLst>
+        </p:spPr>
+      </p:pic>
+      <p:pic>
+        <p:nvPicPr>
+          <p:cNvPr id="2053" name="Picture 5"/>
+          <p:cNvPicPr>
+            <a:picLocks noChangeAspect="1" noChangeArrowheads="1"/>
+          </p:cNvPicPr>
+          <p:nvPr/>
+        </p:nvPicPr>
+        <p:blipFill>
+          <a:blip r:embed="rId4">
+            <a:extLst>
+              <a:ext uri="{28A0092B-C50C-407E-A947-70E740481C1C}">
+                <a14:useLocalDpi xmlns:a14="http://schemas.microsoft.com/office/drawing/2010/main" val="0"/>
+              </a:ext>
+            </a:extLst>
+          </a:blip>
+          <a:srcRect/>
+          <a:stretch>
+            <a:fillRect/>
+          </a:stretch>
+        </p:blipFill>
+        <p:spPr bwMode="auto">
+          <a:xfrm>
+            <a:off x="5868144" y="1390784"/>
+            <a:ext cx="2819400" cy="5105400"/>
+          </a:xfrm>
+          <a:prstGeom prst="rect">
+            <a:avLst/>
+          </a:prstGeom>
+          <a:noFill/>
+          <a:ln>
+            <a:noFill/>
+          </a:ln>
+          <a:effectLst/>
+          <a:extLst>
+            <a:ext uri="{909E8E84-426E-40DD-AFC4-6F175D3DCCD1}">
+              <a14:hiddenFill xmlns:a14="http://schemas.microsoft.com/office/drawing/2010/main">
+                <a:solidFill>
+                  <a:schemeClr val="accent1"/>
+                </a:solidFill>
+              </a14:hiddenFill>
+            </a:ext>
+            <a:ext uri="{91240B29-F687-4F45-9708-019B960494DF}">
+              <a14:hiddenLine xmlns:a14="http://schemas.microsoft.com/office/drawing/2010/main" w="9525">
+                <a:solidFill>
+                  <a:schemeClr val="tx1"/>
+                </a:solidFill>
+                <a:miter lim="800000"/>
+                <a:headEnd/>
+                <a:tailEnd/>
+              </a14:hiddenLine>
+            </a:ext>
+            <a:ext uri="{AF507438-7753-43E0-B8FC-AC1667EBCBE1}">
+              <a14:hiddenEffects xmlns:a14="http://schemas.microsoft.com/office/drawing/2010/main">
+                <a:effectLst>
+                  <a:outerShdw dist="35921" dir="2700000" algn="ctr" rotWithShape="0">
+                    <a:schemeClr val="bg2"/>
+                  </a:outerShdw>
+                </a:effectLst>
+              </a14:hiddenEffects>
+            </a:ext>
+          </a:extLst>
+        </p:spPr>
+      </p:pic>
     </p:spTree>
     <p:extLst>
       <p:ext uri="{BB962C8B-B14F-4D97-AF65-F5344CB8AC3E}">
-        <p14:creationId xmlns:p14="http://schemas.microsoft.com/office/powerpoint/2010/main" val="2415030026"/>
+        <p14:creationId xmlns:p14="http://schemas.microsoft.com/office/powerpoint/2010/main" val="2563163155"/>
       </p:ext>
     </p:extLst>
   </p:cSld>
@@ -10745,7 +12448,7 @@
         </p:nvSpPr>
         <p:spPr>
           <a:xfrm>
-            <a:off x="467544" y="260648"/>
+            <a:off x="457200" y="-162272"/>
             <a:ext cx="8229600" cy="1143000"/>
           </a:xfrm>
         </p:spPr>
@@ -10766,7 +12469,7 @@
       </p:sp>
       <p:sp>
         <p:nvSpPr>
-          <p:cNvPr id="4" name="Espaço Reservado para Conteúdo 3"/>
+          <p:cNvPr id="3" name="Espaço Reservado para Conteúdo 2"/>
           <p:cNvSpPr>
             <a:spLocks noGrp="1"/>
           </p:cNvSpPr>
@@ -10774,19 +12477,573 @@
             <p:ph idx="1"/>
           </p:nvPr>
         </p:nvSpPr>
+        <p:spPr>
+          <a:xfrm>
+            <a:off x="179512" y="692695"/>
+            <a:ext cx="8640960" cy="1080121"/>
+          </a:xfrm>
+        </p:spPr>
+        <p:txBody>
+          <a:bodyPr>
+            <a:noAutofit/>
+          </a:bodyPr>
+          <a:lstStyle/>
+          <a:p>
+            <a:pPr>
+              <a:buFont typeface="Wingdings" pitchFamily="2" charset="2"/>
+              <a:buChar char="ü"/>
+            </a:pPr>
+            <a:r>
+              <a:rPr lang="pt-BR" dirty="0"/>
+              <a:t>Identificação das associações (</a:t>
+            </a:r>
+            <a:r>
+              <a:rPr lang="pt-BR" dirty="0" err="1"/>
+              <a:t>co-ocorrencia</a:t>
+            </a:r>
+            <a:r>
+              <a:rPr lang="pt-BR" dirty="0"/>
+              <a:t>)</a:t>
+            </a:r>
+          </a:p>
+          <a:p>
+            <a:pPr marL="457200" lvl="1" indent="0">
+              <a:buNone/>
+            </a:pPr>
+            <a:endParaRPr lang="pt-BR" sz="2000" dirty="0"/>
+          </a:p>
+          <a:p>
+            <a:pPr lvl="1"/>
+            <a:endParaRPr lang="pt-BR" sz="4000" b="1" cap="small" dirty="0" smtClean="0"/>
+          </a:p>
+        </p:txBody>
+      </p:sp>
+      <p:sp>
+        <p:nvSpPr>
+          <p:cNvPr id="4" name="Espaço Reservado para Rodapé 3"/>
+          <p:cNvSpPr>
+            <a:spLocks noGrp="1"/>
+          </p:cNvSpPr>
+          <p:nvPr>
+            <p:ph type="ftr" sz="quarter" idx="11"/>
+          </p:nvPr>
+        </p:nvSpPr>
+        <p:spPr>
+          <a:xfrm>
+            <a:off x="0" y="6501112"/>
+            <a:ext cx="8604448" cy="365125"/>
+          </a:xfrm>
+        </p:spPr>
+        <p:txBody>
+          <a:bodyPr/>
+          <a:lstStyle/>
+          <a:p>
+            <a:pPr algn="l"/>
+            <a:r>
+              <a:rPr lang="pt-BR" sz="900" dirty="0" smtClean="0"/>
+              <a:t>Modelo de análise da comunicação e mediação da informação em organizações públicas brasileiras através da Análise de Redes Sociais.</a:t>
+            </a:r>
+            <a:endParaRPr lang="pt-BR" sz="900" dirty="0"/>
+          </a:p>
+        </p:txBody>
+      </p:sp>
+      <p:sp>
+        <p:nvSpPr>
+          <p:cNvPr id="5" name="Espaço Reservado para Número de Slide 4"/>
+          <p:cNvSpPr>
+            <a:spLocks noGrp="1"/>
+          </p:cNvSpPr>
+          <p:nvPr>
+            <p:ph type="sldNum" sz="quarter" idx="12"/>
+          </p:nvPr>
+        </p:nvSpPr>
         <p:spPr/>
         <p:txBody>
           <a:bodyPr/>
           <a:lstStyle/>
           <a:p>
-            <a:endParaRPr lang="pt-BR"/>
-          </a:p>
-        </p:txBody>
-      </p:sp>
+            <a:fld id="{2BA3D508-1B43-4B52-8FAB-4C423C784271}" type="slidenum">
+              <a:rPr lang="pt-BR" smtClean="0"/>
+              <a:t>21</a:t>
+            </a:fld>
+            <a:endParaRPr lang="pt-BR" dirty="0"/>
+          </a:p>
+        </p:txBody>
+      </p:sp>
+      <p:sp>
+        <p:nvSpPr>
+          <p:cNvPr id="7" name="Espaço Reservado para Conteúdo 5"/>
+          <p:cNvSpPr txBox="1">
+            <a:spLocks/>
+          </p:cNvSpPr>
+          <p:nvPr/>
+        </p:nvSpPr>
+        <p:spPr>
+          <a:xfrm>
+            <a:off x="323528" y="1523693"/>
+            <a:ext cx="8424936" cy="4065315"/>
+          </a:xfrm>
+          <a:prstGeom prst="rect">
+            <a:avLst/>
+          </a:prstGeom>
+        </p:spPr>
+        <p:txBody>
+          <a:bodyPr vert="horz" lIns="91440" tIns="45720" rIns="91440" bIns="45720" rtlCol="0">
+            <a:normAutofit/>
+          </a:bodyPr>
+          <a:lstStyle>
+            <a:lvl1pPr marL="342900" indent="-342900" algn="l" defTabSz="914400" rtl="0" eaLnBrk="1" latinLnBrk="0" hangingPunct="1">
+              <a:spcBef>
+                <a:spcPct val="20000"/>
+              </a:spcBef>
+              <a:buFont typeface="Arial" pitchFamily="34" charset="0"/>
+              <a:buChar char="•"/>
+              <a:defRPr sz="3200" kern="1200">
+                <a:solidFill>
+                  <a:schemeClr val="tx1"/>
+                </a:solidFill>
+                <a:latin typeface="+mn-lt"/>
+                <a:ea typeface="+mn-ea"/>
+                <a:cs typeface="+mn-cs"/>
+              </a:defRPr>
+            </a:lvl1pPr>
+            <a:lvl2pPr marL="742950" indent="-285750" algn="l" defTabSz="914400" rtl="0" eaLnBrk="1" latinLnBrk="0" hangingPunct="1">
+              <a:spcBef>
+                <a:spcPct val="20000"/>
+              </a:spcBef>
+              <a:buFont typeface="Arial" pitchFamily="34" charset="0"/>
+              <a:buChar char="–"/>
+              <a:defRPr sz="2800" kern="1200">
+                <a:solidFill>
+                  <a:schemeClr val="tx1"/>
+                </a:solidFill>
+                <a:latin typeface="+mn-lt"/>
+                <a:ea typeface="+mn-ea"/>
+                <a:cs typeface="+mn-cs"/>
+              </a:defRPr>
+            </a:lvl2pPr>
+            <a:lvl3pPr marL="1143000" indent="-228600" algn="l" defTabSz="914400" rtl="0" eaLnBrk="1" latinLnBrk="0" hangingPunct="1">
+              <a:spcBef>
+                <a:spcPct val="20000"/>
+              </a:spcBef>
+              <a:buFont typeface="Arial" pitchFamily="34" charset="0"/>
+              <a:buChar char="•"/>
+              <a:defRPr sz="2400" kern="1200">
+                <a:solidFill>
+                  <a:schemeClr val="tx1"/>
+                </a:solidFill>
+                <a:latin typeface="+mn-lt"/>
+                <a:ea typeface="+mn-ea"/>
+                <a:cs typeface="+mn-cs"/>
+              </a:defRPr>
+            </a:lvl3pPr>
+            <a:lvl4pPr marL="1600200" indent="-228600" algn="l" defTabSz="914400" rtl="0" eaLnBrk="1" latinLnBrk="0" hangingPunct="1">
+              <a:spcBef>
+                <a:spcPct val="20000"/>
+              </a:spcBef>
+              <a:buFont typeface="Arial" pitchFamily="34" charset="0"/>
+              <a:buChar char="–"/>
+              <a:defRPr sz="2000" kern="1200">
+                <a:solidFill>
+                  <a:schemeClr val="tx1"/>
+                </a:solidFill>
+                <a:latin typeface="+mn-lt"/>
+                <a:ea typeface="+mn-ea"/>
+                <a:cs typeface="+mn-cs"/>
+              </a:defRPr>
+            </a:lvl4pPr>
+            <a:lvl5pPr marL="2057400" indent="-228600" algn="l" defTabSz="914400" rtl="0" eaLnBrk="1" latinLnBrk="0" hangingPunct="1">
+              <a:spcBef>
+                <a:spcPct val="20000"/>
+              </a:spcBef>
+              <a:buFont typeface="Arial" pitchFamily="34" charset="0"/>
+              <a:buChar char="»"/>
+              <a:defRPr sz="2000" kern="1200">
+                <a:solidFill>
+                  <a:schemeClr val="tx1"/>
+                </a:solidFill>
+                <a:latin typeface="+mn-lt"/>
+                <a:ea typeface="+mn-ea"/>
+                <a:cs typeface="+mn-cs"/>
+              </a:defRPr>
+            </a:lvl5pPr>
+            <a:lvl6pPr marL="2514600" indent="-228600" algn="l" defTabSz="914400" rtl="0" eaLnBrk="1" latinLnBrk="0" hangingPunct="1">
+              <a:spcBef>
+                <a:spcPct val="20000"/>
+              </a:spcBef>
+              <a:buFont typeface="Arial" pitchFamily="34" charset="0"/>
+              <a:buChar char="•"/>
+              <a:defRPr sz="2000" kern="1200">
+                <a:solidFill>
+                  <a:schemeClr val="tx1"/>
+                </a:solidFill>
+                <a:latin typeface="+mn-lt"/>
+                <a:ea typeface="+mn-ea"/>
+                <a:cs typeface="+mn-cs"/>
+              </a:defRPr>
+            </a:lvl6pPr>
+            <a:lvl7pPr marL="2971800" indent="-228600" algn="l" defTabSz="914400" rtl="0" eaLnBrk="1" latinLnBrk="0" hangingPunct="1">
+              <a:spcBef>
+                <a:spcPct val="20000"/>
+              </a:spcBef>
+              <a:buFont typeface="Arial" pitchFamily="34" charset="0"/>
+              <a:buChar char="•"/>
+              <a:defRPr sz="2000" kern="1200">
+                <a:solidFill>
+                  <a:schemeClr val="tx1"/>
+                </a:solidFill>
+                <a:latin typeface="+mn-lt"/>
+                <a:ea typeface="+mn-ea"/>
+                <a:cs typeface="+mn-cs"/>
+              </a:defRPr>
+            </a:lvl7pPr>
+            <a:lvl8pPr marL="3429000" indent="-228600" algn="l" defTabSz="914400" rtl="0" eaLnBrk="1" latinLnBrk="0" hangingPunct="1">
+              <a:spcBef>
+                <a:spcPct val="20000"/>
+              </a:spcBef>
+              <a:buFont typeface="Arial" pitchFamily="34" charset="0"/>
+              <a:buChar char="•"/>
+              <a:defRPr sz="2000" kern="1200">
+                <a:solidFill>
+                  <a:schemeClr val="tx1"/>
+                </a:solidFill>
+                <a:latin typeface="+mn-lt"/>
+                <a:ea typeface="+mn-ea"/>
+                <a:cs typeface="+mn-cs"/>
+              </a:defRPr>
+            </a:lvl8pPr>
+            <a:lvl9pPr marL="3886200" indent="-228600" algn="l" defTabSz="914400" rtl="0" eaLnBrk="1" latinLnBrk="0" hangingPunct="1">
+              <a:spcBef>
+                <a:spcPct val="20000"/>
+              </a:spcBef>
+              <a:buFont typeface="Arial" pitchFamily="34" charset="0"/>
+              <a:buChar char="•"/>
+              <a:defRPr sz="2000" kern="1200">
+                <a:solidFill>
+                  <a:schemeClr val="tx1"/>
+                </a:solidFill>
+                <a:latin typeface="+mn-lt"/>
+                <a:ea typeface="+mn-ea"/>
+                <a:cs typeface="+mn-cs"/>
+              </a:defRPr>
+            </a:lvl9pPr>
+          </a:lstStyle>
+          <a:p>
+            <a:endParaRPr lang="pt-BR" dirty="0"/>
+          </a:p>
+        </p:txBody>
+      </p:sp>
+      <p:sp>
+        <p:nvSpPr>
+          <p:cNvPr id="12" name="CaixaDeTexto 11"/>
+          <p:cNvSpPr txBox="1"/>
+          <p:nvPr/>
+        </p:nvSpPr>
+        <p:spPr>
+          <a:xfrm>
+            <a:off x="179512" y="1196752"/>
+            <a:ext cx="5809219" cy="830997"/>
+          </a:xfrm>
+          <a:prstGeom prst="rect">
+            <a:avLst/>
+          </a:prstGeom>
+          <a:noFill/>
+        </p:spPr>
+        <p:txBody>
+          <a:bodyPr wrap="none" rtlCol="0">
+            <a:spAutoFit/>
+          </a:bodyPr>
+          <a:lstStyle/>
+          <a:p>
+            <a:pPr marL="342900" indent="-342900">
+              <a:buFont typeface="Arial" pitchFamily="34" charset="0"/>
+              <a:buChar char="•"/>
+            </a:pPr>
+            <a:r>
+              <a:rPr lang="pt-BR" sz="2400" dirty="0"/>
+              <a:t>Para cada inicio de publicação identificado</a:t>
+            </a:r>
+          </a:p>
+          <a:p>
+            <a:r>
+              <a:rPr lang="pt-BR" sz="2400" dirty="0"/>
+              <a:t>	</a:t>
+            </a:r>
+            <a:endParaRPr lang="pt-BR" dirty="0"/>
+          </a:p>
+        </p:txBody>
+      </p:sp>
+      <p:sp>
+        <p:nvSpPr>
+          <p:cNvPr id="13" name="CaixaDeTexto 12"/>
+          <p:cNvSpPr txBox="1"/>
+          <p:nvPr/>
+        </p:nvSpPr>
+        <p:spPr>
+          <a:xfrm>
+            <a:off x="797897" y="1556792"/>
+            <a:ext cx="4349268" cy="830997"/>
+          </a:xfrm>
+          <a:prstGeom prst="rect">
+            <a:avLst/>
+          </a:prstGeom>
+          <a:noFill/>
+        </p:spPr>
+        <p:txBody>
+          <a:bodyPr wrap="none" rtlCol="0">
+            <a:spAutoFit/>
+          </a:bodyPr>
+          <a:lstStyle/>
+          <a:p>
+            <a:pPr marL="342900" indent="-342900">
+              <a:buFont typeface="Arial" pitchFamily="34" charset="0"/>
+              <a:buChar char="•"/>
+            </a:pPr>
+            <a:r>
+              <a:rPr lang="pt-BR" sz="2400" dirty="0"/>
+              <a:t>Identifique a próxima </a:t>
+            </a:r>
+            <a:r>
+              <a:rPr lang="pt-BR" sz="2400" dirty="0" smtClean="0"/>
+              <a:t>portaria.</a:t>
+            </a:r>
+            <a:endParaRPr lang="pt-BR" sz="2400" dirty="0"/>
+          </a:p>
+          <a:p>
+            <a:r>
+              <a:rPr lang="pt-BR" sz="2400" dirty="0"/>
+              <a:t>	</a:t>
+            </a:r>
+            <a:endParaRPr lang="pt-BR" dirty="0"/>
+          </a:p>
+        </p:txBody>
+      </p:sp>
+      <p:sp>
+        <p:nvSpPr>
+          <p:cNvPr id="14" name="CaixaDeTexto 13"/>
+          <p:cNvSpPr txBox="1"/>
+          <p:nvPr/>
+        </p:nvSpPr>
+        <p:spPr>
+          <a:xfrm>
+            <a:off x="755576" y="1955741"/>
+            <a:ext cx="5160436" cy="1508105"/>
+          </a:xfrm>
+          <a:prstGeom prst="rect">
+            <a:avLst/>
+          </a:prstGeom>
+          <a:noFill/>
+        </p:spPr>
+        <p:txBody>
+          <a:bodyPr wrap="square" rtlCol="0">
+            <a:spAutoFit/>
+          </a:bodyPr>
+          <a:lstStyle/>
+          <a:p>
+            <a:pPr marL="342900" indent="-342900">
+              <a:buFont typeface="Arial" pitchFamily="34" charset="0"/>
+              <a:buChar char="•"/>
+            </a:pPr>
+            <a:r>
+              <a:rPr lang="pt-BR" sz="2400" dirty="0"/>
+              <a:t>Considere todo texto entre o inicio e </a:t>
+            </a:r>
+            <a:r>
+              <a:rPr lang="pt-BR" sz="2400" dirty="0" smtClean="0"/>
+              <a:t>a assinatura </a:t>
+            </a:r>
+            <a:r>
+              <a:rPr lang="pt-BR" sz="2400" dirty="0"/>
+              <a:t>como conteúdo de </a:t>
+            </a:r>
+            <a:r>
+              <a:rPr lang="pt-BR" sz="2400" dirty="0" smtClean="0"/>
+              <a:t>uma publicação</a:t>
+            </a:r>
+            <a:endParaRPr lang="pt-BR" sz="2400" dirty="0"/>
+          </a:p>
+          <a:p>
+            <a:pPr marL="400050" lvl="1" indent="0">
+              <a:buNone/>
+            </a:pPr>
+            <a:r>
+              <a:rPr lang="pt-BR" sz="2000" dirty="0"/>
+              <a:t>	</a:t>
+            </a:r>
+            <a:endParaRPr lang="pt-BR" dirty="0"/>
+          </a:p>
+        </p:txBody>
+      </p:sp>
+      <p:sp>
+        <p:nvSpPr>
+          <p:cNvPr id="15" name="CaixaDeTexto 14"/>
+          <p:cNvSpPr txBox="1"/>
+          <p:nvPr/>
+        </p:nvSpPr>
+        <p:spPr>
+          <a:xfrm>
+            <a:off x="323527" y="3035861"/>
+            <a:ext cx="5526285" cy="2123658"/>
+          </a:xfrm>
+          <a:prstGeom prst="rect">
+            <a:avLst/>
+          </a:prstGeom>
+          <a:noFill/>
+        </p:spPr>
+        <p:txBody>
+          <a:bodyPr wrap="square" rtlCol="0">
+            <a:spAutoFit/>
+          </a:bodyPr>
+          <a:lstStyle/>
+          <a:p>
+            <a:pPr marL="742950" lvl="1" indent="-342900">
+              <a:buFont typeface="Arial" pitchFamily="34" charset="0"/>
+              <a:buChar char="•"/>
+            </a:pPr>
+            <a:r>
+              <a:rPr lang="pt-BR" sz="2400" dirty="0"/>
+              <a:t>Para cada ocorrência de uma entidade (Órgão ou Pessoa) presente </a:t>
+            </a:r>
+            <a:r>
+              <a:rPr lang="pt-BR" sz="2400" dirty="0" smtClean="0"/>
+              <a:t>no texto </a:t>
+            </a:r>
+            <a:r>
+              <a:rPr lang="pt-BR" sz="2400" dirty="0"/>
+              <a:t>da publicação </a:t>
+            </a:r>
+          </a:p>
+          <a:p>
+            <a:pPr marL="400050" lvl="1" indent="0">
+              <a:buNone/>
+            </a:pPr>
+            <a:r>
+              <a:rPr lang="pt-BR" sz="2400" dirty="0"/>
+              <a:t>	</a:t>
+            </a:r>
+          </a:p>
+          <a:p>
+            <a:endParaRPr lang="pt-BR" dirty="0"/>
+          </a:p>
+          <a:p>
+            <a:endParaRPr lang="pt-BR" dirty="0"/>
+          </a:p>
+        </p:txBody>
+      </p:sp>
+      <p:sp>
+        <p:nvSpPr>
+          <p:cNvPr id="16" name="CaixaDeTexto 15"/>
+          <p:cNvSpPr txBox="1"/>
+          <p:nvPr/>
+        </p:nvSpPr>
+        <p:spPr>
+          <a:xfrm>
+            <a:off x="1406145" y="4121003"/>
+            <a:ext cx="4582586" cy="1477328"/>
+          </a:xfrm>
+          <a:prstGeom prst="rect">
+            <a:avLst/>
+          </a:prstGeom>
+          <a:noFill/>
+        </p:spPr>
+        <p:txBody>
+          <a:bodyPr wrap="square" rtlCol="0">
+            <a:spAutoFit/>
+          </a:bodyPr>
+          <a:lstStyle/>
+          <a:p>
+            <a:pPr marL="742950" lvl="1" indent="-342900">
+              <a:buFont typeface="Arial" pitchFamily="34" charset="0"/>
+              <a:buChar char="•"/>
+            </a:pPr>
+            <a:r>
+              <a:rPr lang="pt-BR" sz="2400" dirty="0"/>
+              <a:t>Crie uma associação entre a entidade e a publicação.</a:t>
+            </a:r>
+          </a:p>
+          <a:p>
+            <a:pPr marL="400050" lvl="1" indent="0">
+              <a:buNone/>
+            </a:pPr>
+            <a:r>
+              <a:rPr lang="pt-BR" sz="2400" dirty="0"/>
+              <a:t> 	</a:t>
+            </a:r>
+            <a:endParaRPr lang="pt-BR" dirty="0"/>
+          </a:p>
+          <a:p>
+            <a:endParaRPr lang="pt-BR" dirty="0"/>
+          </a:p>
+        </p:txBody>
+      </p:sp>
+      <p:pic>
+        <p:nvPicPr>
+          <p:cNvPr id="3076" name="Picture 4"/>
+          <p:cNvPicPr>
+            <a:picLocks noChangeAspect="1" noChangeArrowheads="1"/>
+          </p:cNvPicPr>
+          <p:nvPr/>
+        </p:nvPicPr>
+        <p:blipFill>
+          <a:blip r:embed="rId3">
+            <a:extLst>
+              <a:ext uri="{28A0092B-C50C-407E-A947-70E740481C1C}">
+                <a14:useLocalDpi xmlns:a14="http://schemas.microsoft.com/office/drawing/2010/main" val="0"/>
+              </a:ext>
+            </a:extLst>
+          </a:blip>
+          <a:srcRect/>
+          <a:stretch>
+            <a:fillRect/>
+          </a:stretch>
+        </p:blipFill>
+        <p:spPr bwMode="auto">
+          <a:xfrm>
+            <a:off x="5868144" y="1340768"/>
+            <a:ext cx="3114675" cy="4543425"/>
+          </a:xfrm>
+          <a:prstGeom prst="rect">
+            <a:avLst/>
+          </a:prstGeom>
+          <a:noFill/>
+          <a:ln>
+            <a:noFill/>
+          </a:ln>
+          <a:effectLst/>
+          <a:extLst>
+            <a:ext uri="{909E8E84-426E-40DD-AFC4-6F175D3DCCD1}">
+              <a14:hiddenFill xmlns:a14="http://schemas.microsoft.com/office/drawing/2010/main">
+                <a:solidFill>
+                  <a:schemeClr val="accent1"/>
+                </a:solidFill>
+              </a14:hiddenFill>
+            </a:ext>
+            <a:ext uri="{91240B29-F687-4F45-9708-019B960494DF}">
+              <a14:hiddenLine xmlns:a14="http://schemas.microsoft.com/office/drawing/2010/main" w="9525">
+                <a:solidFill>
+                  <a:schemeClr val="tx1"/>
+                </a:solidFill>
+                <a:miter lim="800000"/>
+                <a:headEnd/>
+                <a:tailEnd/>
+              </a14:hiddenLine>
+            </a:ext>
+            <a:ext uri="{AF507438-7753-43E0-B8FC-AC1667EBCBE1}">
+              <a14:hiddenEffects xmlns:a14="http://schemas.microsoft.com/office/drawing/2010/main">
+                <a:effectLst>
+                  <a:outerShdw dist="35921" dir="2700000" algn="ctr" rotWithShape="0">
+                    <a:schemeClr val="bg2"/>
+                  </a:outerShdw>
+                </a:effectLst>
+              </a14:hiddenEffects>
+            </a:ext>
+          </a:extLst>
+        </p:spPr>
+      </p:pic>
     </p:spTree>
     <p:extLst>
       <p:ext uri="{BB962C8B-B14F-4D97-AF65-F5344CB8AC3E}">
-        <p14:creationId xmlns:p14="http://schemas.microsoft.com/office/powerpoint/2010/main" val="2415030026"/>
+        <p14:creationId xmlns:p14="http://schemas.microsoft.com/office/powerpoint/2010/main" val="682295227"/>
       </p:ext>
     </p:extLst>
   </p:cSld>
@@ -10832,9 +13089,16 @@
         </p:nvSpPr>
         <p:spPr/>
         <p:txBody>
-          <a:bodyPr/>
-          <a:lstStyle/>
-          <a:p>
+          <a:bodyPr>
+            <a:normAutofit/>
+          </a:bodyPr>
+          <a:lstStyle/>
+          <a:p>
+            <a:pPr lvl="0"/>
+            <a:r>
+              <a:rPr lang="pt-BR" b="1" cap="small" dirty="0" smtClean="0"/>
+              <a:t>Metodologia</a:t>
+            </a:r>
             <a:endParaRPr lang="pt-BR" dirty="0"/>
           </a:p>
         </p:txBody>
@@ -10849,12 +13113,30 @@
             <p:ph idx="1"/>
           </p:nvPr>
         </p:nvSpPr>
-        <p:spPr/>
-        <p:txBody>
-          <a:bodyPr/>
-          <a:lstStyle/>
-          <a:p>
-            <a:endParaRPr lang="pt-BR" dirty="0"/>
+        <p:spPr>
+          <a:xfrm>
+            <a:off x="179512" y="1196752"/>
+            <a:ext cx="8784976" cy="1080121"/>
+          </a:xfrm>
+        </p:spPr>
+        <p:txBody>
+          <a:bodyPr>
+            <a:noAutofit/>
+          </a:bodyPr>
+          <a:lstStyle/>
+          <a:p>
+            <a:pPr>
+              <a:buFont typeface="Wingdings" pitchFamily="2" charset="2"/>
+              <a:buChar char="ü"/>
+            </a:pPr>
+            <a:r>
+              <a:rPr lang="pt-BR" dirty="0"/>
+              <a:t>Armazenamento em banco de dados</a:t>
+            </a:r>
+          </a:p>
+          <a:p>
+            <a:pPr lvl="1"/>
+            <a:endParaRPr lang="pt-BR" sz="4000" b="1" cap="small" dirty="0" smtClean="0"/>
           </a:p>
         </p:txBody>
       </p:sp>
@@ -10905,6 +13187,803 @@
             <a:fld id="{2BA3D508-1B43-4B52-8FAB-4C423C784271}" type="slidenum">
               <a:rPr lang="pt-BR" smtClean="0"/>
               <a:t>22</a:t>
+            </a:fld>
+            <a:endParaRPr lang="pt-BR" dirty="0"/>
+          </a:p>
+        </p:txBody>
+      </p:sp>
+      <p:sp>
+        <p:nvSpPr>
+          <p:cNvPr id="6" name="Retângulo 5"/>
+          <p:cNvSpPr/>
+          <p:nvPr/>
+        </p:nvSpPr>
+        <p:spPr>
+          <a:xfrm>
+            <a:off x="611560" y="1916832"/>
+            <a:ext cx="1447475" cy="1296144"/>
+          </a:xfrm>
+          <a:prstGeom prst="rect">
+            <a:avLst/>
+          </a:prstGeom>
+        </p:spPr>
+        <p:style>
+          <a:lnRef idx="2">
+            <a:schemeClr val="accent1">
+              <a:shade val="50000"/>
+            </a:schemeClr>
+          </a:lnRef>
+          <a:fillRef idx="1">
+            <a:schemeClr val="accent1"/>
+          </a:fillRef>
+          <a:effectRef idx="0">
+            <a:schemeClr val="accent1"/>
+          </a:effectRef>
+          <a:fontRef idx="minor">
+            <a:schemeClr val="lt1"/>
+          </a:fontRef>
+        </p:style>
+        <p:txBody>
+          <a:bodyPr rtlCol="0" anchor="t"/>
+          <a:lstStyle/>
+          <a:p>
+            <a:r>
+              <a:rPr lang="pt-BR" u="sng" dirty="0" smtClean="0"/>
+              <a:t>ENTIDADE</a:t>
+            </a:r>
+          </a:p>
+          <a:p>
+            <a:r>
+              <a:rPr lang="pt-BR" dirty="0" smtClean="0"/>
+              <a:t>Identificador</a:t>
+            </a:r>
+          </a:p>
+          <a:p>
+            <a:r>
+              <a:rPr lang="pt-BR" dirty="0" smtClean="0"/>
+              <a:t>Texto</a:t>
+            </a:r>
+          </a:p>
+          <a:p>
+            <a:r>
+              <a:rPr lang="pt-BR" dirty="0" smtClean="0"/>
+              <a:t>Tipo </a:t>
+            </a:r>
+            <a:endParaRPr lang="pt-BR" dirty="0"/>
+          </a:p>
+        </p:txBody>
+      </p:sp>
+      <p:pic>
+        <p:nvPicPr>
+          <p:cNvPr id="4098" name="Picture 2"/>
+          <p:cNvPicPr>
+            <a:picLocks noChangeAspect="1" noChangeArrowheads="1"/>
+          </p:cNvPicPr>
+          <p:nvPr/>
+        </p:nvPicPr>
+        <p:blipFill>
+          <a:blip r:embed="rId3">
+            <a:extLst>
+              <a:ext uri="{28A0092B-C50C-407E-A947-70E740481C1C}">
+                <a14:useLocalDpi xmlns:a14="http://schemas.microsoft.com/office/drawing/2010/main" val="0"/>
+              </a:ext>
+            </a:extLst>
+          </a:blip>
+          <a:srcRect/>
+          <a:stretch>
+            <a:fillRect/>
+          </a:stretch>
+        </p:blipFill>
+        <p:spPr bwMode="auto">
+          <a:xfrm>
+            <a:off x="2307704" y="1916832"/>
+            <a:ext cx="3200400" cy="552450"/>
+          </a:xfrm>
+          <a:prstGeom prst="rect">
+            <a:avLst/>
+          </a:prstGeom>
+          <a:noFill/>
+          <a:ln>
+            <a:noFill/>
+          </a:ln>
+          <a:effectLst/>
+          <a:extLst>
+            <a:ext uri="{909E8E84-426E-40DD-AFC4-6F175D3DCCD1}">
+              <a14:hiddenFill xmlns:a14="http://schemas.microsoft.com/office/drawing/2010/main">
+                <a:solidFill>
+                  <a:schemeClr val="accent1"/>
+                </a:solidFill>
+              </a14:hiddenFill>
+            </a:ext>
+            <a:ext uri="{91240B29-F687-4F45-9708-019B960494DF}">
+              <a14:hiddenLine xmlns:a14="http://schemas.microsoft.com/office/drawing/2010/main" w="9525">
+                <a:solidFill>
+                  <a:schemeClr val="tx1"/>
+                </a:solidFill>
+                <a:miter lim="800000"/>
+                <a:headEnd/>
+                <a:tailEnd/>
+              </a14:hiddenLine>
+            </a:ext>
+            <a:ext uri="{AF507438-7753-43E0-B8FC-AC1667EBCBE1}">
+              <a14:hiddenEffects xmlns:a14="http://schemas.microsoft.com/office/drawing/2010/main">
+                <a:effectLst>
+                  <a:outerShdw dist="35921" dir="2700000" algn="ctr" rotWithShape="0">
+                    <a:schemeClr val="bg2"/>
+                  </a:outerShdw>
+                </a:effectLst>
+              </a14:hiddenEffects>
+            </a:ext>
+          </a:extLst>
+        </p:spPr>
+      </p:pic>
+      <p:sp>
+        <p:nvSpPr>
+          <p:cNvPr id="11" name="Retângulo 10"/>
+          <p:cNvSpPr/>
+          <p:nvPr/>
+        </p:nvSpPr>
+        <p:spPr>
+          <a:xfrm>
+            <a:off x="604245" y="3501008"/>
+            <a:ext cx="1447475" cy="1296144"/>
+          </a:xfrm>
+          <a:prstGeom prst="rect">
+            <a:avLst/>
+          </a:prstGeom>
+        </p:spPr>
+        <p:style>
+          <a:lnRef idx="2">
+            <a:schemeClr val="accent1">
+              <a:shade val="50000"/>
+            </a:schemeClr>
+          </a:lnRef>
+          <a:fillRef idx="1">
+            <a:schemeClr val="accent1"/>
+          </a:fillRef>
+          <a:effectRef idx="0">
+            <a:schemeClr val="accent1"/>
+          </a:effectRef>
+          <a:fontRef idx="minor">
+            <a:schemeClr val="lt1"/>
+          </a:fontRef>
+        </p:style>
+        <p:txBody>
+          <a:bodyPr rtlCol="0" anchor="t"/>
+          <a:lstStyle/>
+          <a:p>
+            <a:r>
+              <a:rPr lang="pt-BR" u="sng" dirty="0" smtClean="0"/>
+              <a:t>PORTARIA</a:t>
+            </a:r>
+          </a:p>
+          <a:p>
+            <a:r>
+              <a:rPr lang="pt-BR" dirty="0" smtClean="0"/>
+              <a:t>Identificador</a:t>
+            </a:r>
+          </a:p>
+          <a:p>
+            <a:r>
+              <a:rPr lang="pt-BR" dirty="0" smtClean="0"/>
+              <a:t>Texto</a:t>
+            </a:r>
+          </a:p>
+          <a:p>
+            <a:r>
+              <a:rPr lang="pt-BR" dirty="0" smtClean="0"/>
+              <a:t>Tipo </a:t>
+            </a:r>
+            <a:endParaRPr lang="pt-BR" dirty="0"/>
+          </a:p>
+        </p:txBody>
+      </p:sp>
+      <p:pic>
+        <p:nvPicPr>
+          <p:cNvPr id="4099" name="Picture 3"/>
+          <p:cNvPicPr>
+            <a:picLocks noChangeAspect="1" noChangeArrowheads="1"/>
+          </p:cNvPicPr>
+          <p:nvPr/>
+        </p:nvPicPr>
+        <p:blipFill>
+          <a:blip r:embed="rId4">
+            <a:extLst>
+              <a:ext uri="{28A0092B-C50C-407E-A947-70E740481C1C}">
+                <a14:useLocalDpi xmlns:a14="http://schemas.microsoft.com/office/drawing/2010/main" val="0"/>
+              </a:ext>
+            </a:extLst>
+          </a:blip>
+          <a:srcRect/>
+          <a:stretch>
+            <a:fillRect/>
+          </a:stretch>
+        </p:blipFill>
+        <p:spPr bwMode="auto">
+          <a:xfrm>
+            <a:off x="2195736" y="3501008"/>
+            <a:ext cx="6840760" cy="571500"/>
+          </a:xfrm>
+          <a:prstGeom prst="rect">
+            <a:avLst/>
+          </a:prstGeom>
+          <a:noFill/>
+          <a:ln>
+            <a:noFill/>
+          </a:ln>
+          <a:effectLst/>
+          <a:extLst>
+            <a:ext uri="{909E8E84-426E-40DD-AFC4-6F175D3DCCD1}">
+              <a14:hiddenFill xmlns:a14="http://schemas.microsoft.com/office/drawing/2010/main">
+                <a:solidFill>
+                  <a:schemeClr val="accent1"/>
+                </a:solidFill>
+              </a14:hiddenFill>
+            </a:ext>
+            <a:ext uri="{91240B29-F687-4F45-9708-019B960494DF}">
+              <a14:hiddenLine xmlns:a14="http://schemas.microsoft.com/office/drawing/2010/main" w="9525">
+                <a:solidFill>
+                  <a:schemeClr val="tx1"/>
+                </a:solidFill>
+                <a:miter lim="800000"/>
+                <a:headEnd/>
+                <a:tailEnd/>
+              </a14:hiddenLine>
+            </a:ext>
+            <a:ext uri="{AF507438-7753-43E0-B8FC-AC1667EBCBE1}">
+              <a14:hiddenEffects xmlns:a14="http://schemas.microsoft.com/office/drawing/2010/main">
+                <a:effectLst>
+                  <a:outerShdw dist="35921" dir="2700000" algn="ctr" rotWithShape="0">
+                    <a:schemeClr val="bg2"/>
+                  </a:outerShdw>
+                </a:effectLst>
+              </a14:hiddenEffects>
+            </a:ext>
+          </a:extLst>
+        </p:spPr>
+      </p:pic>
+      <p:sp>
+        <p:nvSpPr>
+          <p:cNvPr id="13" name="Retângulo 12"/>
+          <p:cNvSpPr/>
+          <p:nvPr/>
+        </p:nvSpPr>
+        <p:spPr>
+          <a:xfrm>
+            <a:off x="590612" y="5085184"/>
+            <a:ext cx="2325204" cy="1296144"/>
+          </a:xfrm>
+          <a:prstGeom prst="rect">
+            <a:avLst/>
+          </a:prstGeom>
+        </p:spPr>
+        <p:style>
+          <a:lnRef idx="2">
+            <a:schemeClr val="accent1">
+              <a:shade val="50000"/>
+            </a:schemeClr>
+          </a:lnRef>
+          <a:fillRef idx="1">
+            <a:schemeClr val="accent1"/>
+          </a:fillRef>
+          <a:effectRef idx="0">
+            <a:schemeClr val="accent1"/>
+          </a:effectRef>
+          <a:fontRef idx="minor">
+            <a:schemeClr val="lt1"/>
+          </a:fontRef>
+        </p:style>
+        <p:txBody>
+          <a:bodyPr rtlCol="0" anchor="t"/>
+          <a:lstStyle/>
+          <a:p>
+            <a:r>
+              <a:rPr lang="pt-BR" u="sng" dirty="0" smtClean="0"/>
+              <a:t>PORTARIAENTIDADE</a:t>
+            </a:r>
+          </a:p>
+          <a:p>
+            <a:r>
+              <a:rPr lang="pt-BR" dirty="0" err="1" smtClean="0"/>
+              <a:t>IdPortaria</a:t>
+            </a:r>
+            <a:endParaRPr lang="pt-BR" dirty="0" smtClean="0"/>
+          </a:p>
+          <a:p>
+            <a:r>
+              <a:rPr lang="pt-BR" dirty="0" err="1" smtClean="0"/>
+              <a:t>IdEntidade</a:t>
+            </a:r>
+            <a:endParaRPr lang="pt-BR" dirty="0" smtClean="0"/>
+          </a:p>
+          <a:p>
+            <a:r>
+              <a:rPr lang="pt-BR" dirty="0" smtClean="0"/>
+              <a:t>Tipo </a:t>
+            </a:r>
+            <a:endParaRPr lang="pt-BR" dirty="0"/>
+          </a:p>
+        </p:txBody>
+      </p:sp>
+      <p:pic>
+        <p:nvPicPr>
+          <p:cNvPr id="4100" name="Picture 4"/>
+          <p:cNvPicPr>
+            <a:picLocks noChangeAspect="1" noChangeArrowheads="1"/>
+          </p:cNvPicPr>
+          <p:nvPr/>
+        </p:nvPicPr>
+        <p:blipFill>
+          <a:blip r:embed="rId5">
+            <a:extLst>
+              <a:ext uri="{28A0092B-C50C-407E-A947-70E740481C1C}">
+                <a14:useLocalDpi xmlns:a14="http://schemas.microsoft.com/office/drawing/2010/main" val="0"/>
+              </a:ext>
+            </a:extLst>
+          </a:blip>
+          <a:srcRect/>
+          <a:stretch>
+            <a:fillRect/>
+          </a:stretch>
+        </p:blipFill>
+        <p:spPr bwMode="auto">
+          <a:xfrm>
+            <a:off x="3472408" y="5543326"/>
+            <a:ext cx="2971800" cy="523875"/>
+          </a:xfrm>
+          <a:prstGeom prst="rect">
+            <a:avLst/>
+          </a:prstGeom>
+          <a:noFill/>
+          <a:ln>
+            <a:noFill/>
+          </a:ln>
+          <a:effectLst/>
+          <a:extLst>
+            <a:ext uri="{909E8E84-426E-40DD-AFC4-6F175D3DCCD1}">
+              <a14:hiddenFill xmlns:a14="http://schemas.microsoft.com/office/drawing/2010/main">
+                <a:solidFill>
+                  <a:schemeClr val="accent1"/>
+                </a:solidFill>
+              </a14:hiddenFill>
+            </a:ext>
+            <a:ext uri="{91240B29-F687-4F45-9708-019B960494DF}">
+              <a14:hiddenLine xmlns:a14="http://schemas.microsoft.com/office/drawing/2010/main" w="9525">
+                <a:solidFill>
+                  <a:schemeClr val="tx1"/>
+                </a:solidFill>
+                <a:miter lim="800000"/>
+                <a:headEnd/>
+                <a:tailEnd/>
+              </a14:hiddenLine>
+            </a:ext>
+            <a:ext uri="{AF507438-7753-43E0-B8FC-AC1667EBCBE1}">
+              <a14:hiddenEffects xmlns:a14="http://schemas.microsoft.com/office/drawing/2010/main">
+                <a:effectLst>
+                  <a:outerShdw dist="35921" dir="2700000" algn="ctr" rotWithShape="0">
+                    <a:schemeClr val="bg2"/>
+                  </a:outerShdw>
+                </a:effectLst>
+              </a14:hiddenEffects>
+            </a:ext>
+          </a:extLst>
+        </p:spPr>
+      </p:pic>
+      <p:sp>
+        <p:nvSpPr>
+          <p:cNvPr id="10" name="Colchete esquerdo 9"/>
+          <p:cNvSpPr/>
+          <p:nvPr/>
+        </p:nvSpPr>
+        <p:spPr>
+          <a:xfrm>
+            <a:off x="251520" y="2276872"/>
+            <a:ext cx="339092" cy="3528391"/>
+          </a:xfrm>
+          <a:prstGeom prst="leftBracket">
+            <a:avLst/>
+          </a:prstGeom>
+        </p:spPr>
+        <p:style>
+          <a:lnRef idx="1">
+            <a:schemeClr val="accent1"/>
+          </a:lnRef>
+          <a:fillRef idx="0">
+            <a:schemeClr val="accent1"/>
+          </a:fillRef>
+          <a:effectRef idx="0">
+            <a:schemeClr val="accent1"/>
+          </a:effectRef>
+          <a:fontRef idx="minor">
+            <a:schemeClr val="tx1"/>
+          </a:fontRef>
+        </p:style>
+        <p:txBody>
+          <a:bodyPr rtlCol="0" anchor="ctr"/>
+          <a:lstStyle/>
+          <a:p>
+            <a:pPr algn="ctr"/>
+            <a:endParaRPr lang="pt-BR"/>
+          </a:p>
+        </p:txBody>
+      </p:sp>
+      <p:sp>
+        <p:nvSpPr>
+          <p:cNvPr id="18" name="Colchete esquerdo 17"/>
+          <p:cNvSpPr/>
+          <p:nvPr/>
+        </p:nvSpPr>
+        <p:spPr>
+          <a:xfrm>
+            <a:off x="363161" y="3896297"/>
+            <a:ext cx="321946" cy="1647030"/>
+          </a:xfrm>
+          <a:prstGeom prst="leftBracket">
+            <a:avLst/>
+          </a:prstGeom>
+        </p:spPr>
+        <p:style>
+          <a:lnRef idx="1">
+            <a:schemeClr val="accent1"/>
+          </a:lnRef>
+          <a:fillRef idx="0">
+            <a:schemeClr val="accent1"/>
+          </a:fillRef>
+          <a:effectRef idx="0">
+            <a:schemeClr val="accent1"/>
+          </a:effectRef>
+          <a:fontRef idx="minor">
+            <a:schemeClr val="tx1"/>
+          </a:fontRef>
+        </p:style>
+        <p:txBody>
+          <a:bodyPr rtlCol="0" anchor="ctr"/>
+          <a:lstStyle/>
+          <a:p>
+            <a:pPr algn="ctr"/>
+            <a:endParaRPr lang="pt-BR"/>
+          </a:p>
+        </p:txBody>
+      </p:sp>
+    </p:spTree>
+    <p:extLst>
+      <p:ext uri="{BB962C8B-B14F-4D97-AF65-F5344CB8AC3E}">
+        <p14:creationId xmlns:p14="http://schemas.microsoft.com/office/powerpoint/2010/main" val="1606254641"/>
+      </p:ext>
+    </p:extLst>
+  </p:cSld>
+  <p:clrMapOvr>
+    <a:masterClrMapping/>
+  </p:clrMapOvr>
+  <p:timing>
+    <p:tnLst>
+      <p:par>
+        <p:cTn id="1" dur="indefinite" restart="never" nodeType="tmRoot"/>
+      </p:par>
+    </p:tnLst>
+  </p:timing>
+</p:sld>
+</file>
+
+<file path=ppt/slides/slide23.xml><?xml version="1.0" encoding="utf-8"?>
+<p:sld xmlns:a="http://schemas.openxmlformats.org/drawingml/2006/main" xmlns:r="http://schemas.openxmlformats.org/officeDocument/2006/relationships" xmlns:p="http://schemas.openxmlformats.org/presentationml/2006/main">
+  <p:cSld>
+    <p:spTree>
+      <p:nvGrpSpPr>
+        <p:cNvPr id="1" name=""/>
+        <p:cNvGrpSpPr/>
+        <p:nvPr/>
+      </p:nvGrpSpPr>
+      <p:grpSpPr>
+        <a:xfrm>
+          <a:off x="0" y="0"/>
+          <a:ext cx="0" cy="0"/>
+          <a:chOff x="0" y="0"/>
+          <a:chExt cx="0" cy="0"/>
+        </a:xfrm>
+      </p:grpSpPr>
+      <p:sp>
+        <p:nvSpPr>
+          <p:cNvPr id="2" name="Título 1"/>
+          <p:cNvSpPr>
+            <a:spLocks noGrp="1"/>
+          </p:cNvSpPr>
+          <p:nvPr>
+            <p:ph type="title"/>
+          </p:nvPr>
+        </p:nvSpPr>
+        <p:spPr/>
+        <p:txBody>
+          <a:bodyPr>
+            <a:normAutofit/>
+          </a:bodyPr>
+          <a:lstStyle/>
+          <a:p>
+            <a:pPr lvl="0"/>
+            <a:r>
+              <a:rPr lang="pt-BR" b="1" cap="small" dirty="0" smtClean="0"/>
+              <a:t>Metodologia</a:t>
+            </a:r>
+            <a:endParaRPr lang="pt-BR" dirty="0"/>
+          </a:p>
+        </p:txBody>
+      </p:sp>
+      <p:sp>
+        <p:nvSpPr>
+          <p:cNvPr id="3" name="Espaço Reservado para Conteúdo 2"/>
+          <p:cNvSpPr>
+            <a:spLocks noGrp="1"/>
+          </p:cNvSpPr>
+          <p:nvPr>
+            <p:ph idx="1"/>
+          </p:nvPr>
+        </p:nvSpPr>
+        <p:spPr>
+          <a:xfrm>
+            <a:off x="457200" y="1340768"/>
+            <a:ext cx="8229600" cy="1080121"/>
+          </a:xfrm>
+        </p:spPr>
+        <p:txBody>
+          <a:bodyPr>
+            <a:noAutofit/>
+          </a:bodyPr>
+          <a:lstStyle/>
+          <a:p>
+            <a:pPr lvl="1"/>
+            <a:r>
+              <a:rPr lang="pt-BR" sz="4000" b="1" cap="small" dirty="0" smtClean="0"/>
+              <a:t>Coleta de dados – </a:t>
+            </a:r>
+            <a:r>
+              <a:rPr lang="pt-BR" sz="4000" b="1" cap="small" dirty="0" err="1" smtClean="0"/>
+              <a:t>Visao</a:t>
+            </a:r>
+            <a:r>
+              <a:rPr lang="pt-BR" sz="4000" b="1" cap="small" dirty="0" smtClean="0"/>
+              <a:t> geral</a:t>
+            </a:r>
+          </a:p>
+        </p:txBody>
+      </p:sp>
+      <p:sp>
+        <p:nvSpPr>
+          <p:cNvPr id="4" name="Espaço Reservado para Rodapé 3"/>
+          <p:cNvSpPr>
+            <a:spLocks noGrp="1"/>
+          </p:cNvSpPr>
+          <p:nvPr>
+            <p:ph type="ftr" sz="quarter" idx="11"/>
+          </p:nvPr>
+        </p:nvSpPr>
+        <p:spPr>
+          <a:xfrm>
+            <a:off x="0" y="6501112"/>
+            <a:ext cx="8604448" cy="365125"/>
+          </a:xfrm>
+        </p:spPr>
+        <p:txBody>
+          <a:bodyPr/>
+          <a:lstStyle/>
+          <a:p>
+            <a:pPr algn="l"/>
+            <a:r>
+              <a:rPr lang="pt-BR" sz="900" dirty="0" smtClean="0"/>
+              <a:t>Modelo de análise da comunicação e mediação da informação em organizações públicas brasileiras através da Análise de Redes Sociais.</a:t>
+            </a:r>
+            <a:endParaRPr lang="pt-BR" sz="900" dirty="0"/>
+          </a:p>
+        </p:txBody>
+      </p:sp>
+      <p:sp>
+        <p:nvSpPr>
+          <p:cNvPr id="5" name="Espaço Reservado para Número de Slide 4"/>
+          <p:cNvSpPr>
+            <a:spLocks noGrp="1"/>
+          </p:cNvSpPr>
+          <p:nvPr>
+            <p:ph type="sldNum" sz="quarter" idx="12"/>
+          </p:nvPr>
+        </p:nvSpPr>
+        <p:spPr/>
+        <p:txBody>
+          <a:bodyPr/>
+          <a:lstStyle/>
+          <a:p>
+            <a:fld id="{2BA3D508-1B43-4B52-8FAB-4C423C784271}" type="slidenum">
+              <a:rPr lang="pt-BR" smtClean="0"/>
+              <a:t>23</a:t>
+            </a:fld>
+            <a:endParaRPr lang="pt-BR" dirty="0"/>
+          </a:p>
+        </p:txBody>
+      </p:sp>
+      <p:pic>
+        <p:nvPicPr>
+          <p:cNvPr id="6" name="image00.png"/>
+          <p:cNvPicPr/>
+          <p:nvPr/>
+        </p:nvPicPr>
+        <p:blipFill>
+          <a:blip r:embed="rId3"/>
+          <a:stretch>
+            <a:fillRect/>
+          </a:stretch>
+        </p:blipFill>
+        <p:spPr>
+          <a:xfrm>
+            <a:off x="971600" y="2708920"/>
+            <a:ext cx="7200800" cy="3528392"/>
+          </a:xfrm>
+          <a:prstGeom prst="rect">
+            <a:avLst/>
+          </a:prstGeom>
+        </p:spPr>
+      </p:pic>
+    </p:spTree>
+    <p:extLst>
+      <p:ext uri="{BB962C8B-B14F-4D97-AF65-F5344CB8AC3E}">
+        <p14:creationId xmlns:p14="http://schemas.microsoft.com/office/powerpoint/2010/main" val="804711292"/>
+      </p:ext>
+    </p:extLst>
+  </p:cSld>
+  <p:clrMapOvr>
+    <a:masterClrMapping/>
+  </p:clrMapOvr>
+  <p:timing>
+    <p:tnLst>
+      <p:par>
+        <p:cTn id="1" dur="indefinite" restart="never" nodeType="tmRoot"/>
+      </p:par>
+    </p:tnLst>
+  </p:timing>
+</p:sld>
+</file>
+
+<file path=ppt/slides/slide24.xml><?xml version="1.0" encoding="utf-8"?>
+<p:sld xmlns:a="http://schemas.openxmlformats.org/drawingml/2006/main" xmlns:r="http://schemas.openxmlformats.org/officeDocument/2006/relationships" xmlns:p="http://schemas.openxmlformats.org/presentationml/2006/main">
+  <p:cSld>
+    <p:spTree>
+      <p:nvGrpSpPr>
+        <p:cNvPr id="1" name=""/>
+        <p:cNvGrpSpPr/>
+        <p:nvPr/>
+      </p:nvGrpSpPr>
+      <p:grpSpPr>
+        <a:xfrm>
+          <a:off x="0" y="0"/>
+          <a:ext cx="0" cy="0"/>
+          <a:chOff x="0" y="0"/>
+          <a:chExt cx="0" cy="0"/>
+        </a:xfrm>
+      </p:grpSpPr>
+      <p:sp>
+        <p:nvSpPr>
+          <p:cNvPr id="2" name="Título 1"/>
+          <p:cNvSpPr>
+            <a:spLocks noGrp="1"/>
+          </p:cNvSpPr>
+          <p:nvPr>
+            <p:ph type="title"/>
+          </p:nvPr>
+        </p:nvSpPr>
+        <p:spPr/>
+        <p:txBody>
+          <a:bodyPr/>
+          <a:lstStyle/>
+          <a:p>
+            <a:r>
+              <a:rPr lang="pt-BR" dirty="0" smtClean="0"/>
+              <a:t>Próximos passos</a:t>
+            </a:r>
+            <a:endParaRPr lang="pt-BR" dirty="0"/>
+          </a:p>
+        </p:txBody>
+      </p:sp>
+      <p:sp>
+        <p:nvSpPr>
+          <p:cNvPr id="3" name="Espaço Reservado para Conteúdo 2"/>
+          <p:cNvSpPr>
+            <a:spLocks noGrp="1"/>
+          </p:cNvSpPr>
+          <p:nvPr>
+            <p:ph idx="1"/>
+          </p:nvPr>
+        </p:nvSpPr>
+        <p:spPr/>
+        <p:txBody>
+          <a:bodyPr/>
+          <a:lstStyle/>
+          <a:p>
+            <a:pPr>
+              <a:buFont typeface="Wingdings" pitchFamily="2" charset="2"/>
+              <a:buChar char="ü"/>
+            </a:pPr>
+            <a:r>
+              <a:rPr lang="pt-BR" dirty="0" smtClean="0"/>
+              <a:t>Geração de redes diversas</a:t>
+            </a:r>
+          </a:p>
+          <a:p>
+            <a:pPr>
+              <a:buFont typeface="Wingdings" pitchFamily="2" charset="2"/>
+              <a:buChar char="ü"/>
+            </a:pPr>
+            <a:r>
+              <a:rPr lang="pt-BR" dirty="0" smtClean="0"/>
+              <a:t>Exploração das redes</a:t>
+            </a:r>
+          </a:p>
+          <a:p>
+            <a:pPr lvl="1"/>
+            <a:r>
+              <a:rPr lang="pt-BR" dirty="0" smtClean="0"/>
+              <a:t>Aplicação das métricas de ARS</a:t>
+            </a:r>
+          </a:p>
+          <a:p>
+            <a:pPr lvl="1"/>
+            <a:r>
+              <a:rPr lang="pt-BR" dirty="0" smtClean="0"/>
+              <a:t>Análise dos resultados</a:t>
+            </a:r>
+            <a:endParaRPr lang="pt-BR" dirty="0"/>
+          </a:p>
+          <a:p>
+            <a:pPr marL="457200" lvl="1" indent="0">
+              <a:buNone/>
+            </a:pPr>
+            <a:endParaRPr lang="pt-BR" dirty="0" smtClean="0"/>
+          </a:p>
+        </p:txBody>
+      </p:sp>
+      <p:sp>
+        <p:nvSpPr>
+          <p:cNvPr id="4" name="Espaço Reservado para Rodapé 3"/>
+          <p:cNvSpPr>
+            <a:spLocks noGrp="1"/>
+          </p:cNvSpPr>
+          <p:nvPr>
+            <p:ph type="ftr" sz="quarter" idx="11"/>
+          </p:nvPr>
+        </p:nvSpPr>
+        <p:spPr>
+          <a:xfrm>
+            <a:off x="0" y="6501112"/>
+            <a:ext cx="8604448" cy="365125"/>
+          </a:xfrm>
+        </p:spPr>
+        <p:txBody>
+          <a:bodyPr/>
+          <a:lstStyle/>
+          <a:p>
+            <a:pPr algn="l"/>
+            <a:r>
+              <a:rPr lang="pt-BR" sz="900" dirty="0" smtClean="0"/>
+              <a:t>Modelo de análise da comunicação e mediação da informação em organizações públicas brasileiras através da Análise de Redes Sociais.</a:t>
+            </a:r>
+            <a:endParaRPr lang="pt-BR" sz="900" dirty="0"/>
+          </a:p>
+        </p:txBody>
+      </p:sp>
+      <p:sp>
+        <p:nvSpPr>
+          <p:cNvPr id="5" name="Espaço Reservado para Número de Slide 4"/>
+          <p:cNvSpPr>
+            <a:spLocks noGrp="1"/>
+          </p:cNvSpPr>
+          <p:nvPr>
+            <p:ph type="sldNum" sz="quarter" idx="12"/>
+          </p:nvPr>
+        </p:nvSpPr>
+        <p:spPr/>
+        <p:txBody>
+          <a:bodyPr/>
+          <a:lstStyle/>
+          <a:p>
+            <a:fld id="{2BA3D508-1B43-4B52-8FAB-4C423C784271}" type="slidenum">
+              <a:rPr lang="pt-BR" smtClean="0"/>
+              <a:t>24</a:t>
             </a:fld>
             <a:endParaRPr lang="pt-BR"/>
           </a:p>
@@ -10991,15 +14070,49 @@
             </a:r>
           </a:p>
           <a:p>
+            <a:pPr lvl="1"/>
             <a:r>
               <a:rPr lang="pt-BR" dirty="0" smtClean="0"/>
-              <a:t>Padrões de comunicação x canais formais</a:t>
-            </a:r>
-          </a:p>
-          <a:p>
+              <a:t>Principio da publicidade</a:t>
+            </a:r>
+          </a:p>
+          <a:p>
+            <a:pPr lvl="1"/>
             <a:r>
               <a:rPr lang="pt-BR" dirty="0" smtClean="0"/>
-              <a:t>Estudo da comunicação como instrumento de aperfeiçoamento da administração pública</a:t>
+              <a:t>Lei de acesso à informação</a:t>
+            </a:r>
+          </a:p>
+          <a:p>
+            <a:pPr lvl="1"/>
+            <a:r>
+              <a:rPr lang="pt-BR" dirty="0" smtClean="0"/>
+              <a:t>Open </a:t>
+            </a:r>
+            <a:r>
+              <a:rPr lang="pt-BR" dirty="0" err="1" smtClean="0"/>
+              <a:t>Government</a:t>
+            </a:r>
+            <a:endParaRPr lang="pt-BR" dirty="0" smtClean="0"/>
+          </a:p>
+          <a:p>
+            <a:r>
+              <a:rPr lang="pt-BR" dirty="0" smtClean="0"/>
+              <a:t>Estudo da comunicação como instrumento de aperfeiçoamento da administração pública.</a:t>
+            </a:r>
+          </a:p>
+          <a:p>
+            <a:pPr lvl="1"/>
+            <a:r>
+              <a:rPr lang="pt-BR" dirty="0" smtClean="0"/>
+              <a:t>Melhorias na comunicação</a:t>
+            </a:r>
+          </a:p>
+          <a:p>
+            <a:pPr lvl="1"/>
+            <a:r>
+              <a:rPr lang="pt-BR" dirty="0" smtClean="0"/>
+              <a:t>Otimização das políticas</a:t>
             </a:r>
             <a:endParaRPr lang="pt-BR" dirty="0"/>
           </a:p>
@@ -11128,13 +14241,49 @@
         </p:nvSpPr>
         <p:spPr/>
         <p:txBody>
-          <a:bodyPr/>
+          <a:bodyPr>
+            <a:normAutofit fontScale="85000" lnSpcReduction="20000"/>
+          </a:bodyPr>
           <a:lstStyle/>
           <a:p>
             <a:r>
               <a:rPr lang="pt-BR" dirty="0"/>
-              <a:t>Como analisar a comunicação da informação entre organizações públicas por meio da análise das publicações oficiais?</a:t>
-            </a:r>
+              <a:t>Como analisar a comunicação da informação entre organizações públicas por meio da análise das publicações oficiais</a:t>
+            </a:r>
+            <a:r>
+              <a:rPr lang="pt-BR" dirty="0" smtClean="0"/>
+              <a:t>?</a:t>
+            </a:r>
+          </a:p>
+          <a:p>
+            <a:r>
+              <a:rPr lang="pt-BR" dirty="0" smtClean="0"/>
+              <a:t>As publicações oficiais possibilitam a análise da comunicação da informação entre organizações públicas?</a:t>
+            </a:r>
+          </a:p>
+          <a:p>
+            <a:r>
+              <a:rPr lang="pt-BR" dirty="0" smtClean="0"/>
+              <a:t>Quais padrões de comunicação da informação entre as organizações publicas podem ser revelados por meio da análise das suas publicações oficiais?</a:t>
+            </a:r>
+          </a:p>
+          <a:p>
+            <a:r>
+              <a:rPr lang="pt-BR" dirty="0" smtClean="0"/>
+              <a:t>A análise das publicações oficiais pode contribuir para o estudo dos padrões de comunicação da informação entre as organizações públicas?</a:t>
+            </a:r>
+          </a:p>
+          <a:p>
+            <a:endParaRPr lang="pt-BR" dirty="0" smtClean="0"/>
+          </a:p>
+          <a:p>
+            <a:endParaRPr lang="pt-BR" dirty="0"/>
+          </a:p>
+          <a:p>
+            <a:endParaRPr lang="pt-BR" dirty="0"/>
+          </a:p>
+          <a:p>
+            <a:endParaRPr lang="pt-BR" dirty="0"/>
           </a:p>
           <a:p>
             <a:endParaRPr lang="pt-BR" dirty="0"/>
@@ -11286,7 +14435,15 @@
           <a:p>
             <a:r>
               <a:rPr lang="pt-BR" sz="2400" dirty="0"/>
-              <a:t>Demonstrar a viabilidade de se analisar a da rede de comunicação da informação entre as organizações publica brasileiras por meio da extração de informações disponíveis em fontes de dados abertas.</a:t>
+              <a:t>Demonstrar a viabilidade de se analisar a da rede de comunicação da informação entre as organizações </a:t>
+            </a:r>
+            <a:r>
+              <a:rPr lang="pt-BR" sz="2400" dirty="0" smtClean="0"/>
+              <a:t>publicas brasileiras </a:t>
+            </a:r>
+            <a:r>
+              <a:rPr lang="pt-BR" sz="2400" dirty="0"/>
+              <a:t>por meio da extração de informações disponíveis em fontes de dados abertas.</a:t>
             </a:r>
           </a:p>
           <a:p>
@@ -11513,11 +14670,6 @@
               </a:rPr>
               <a:t>A comunicação acontece em dois níveis: Formal e Informal</a:t>
             </a:r>
-            <a:endParaRPr lang="pt-BR" dirty="0">
-              <a:solidFill>
-                <a:schemeClr val="tx1"/>
-              </a:solidFill>
-            </a:endParaRPr>
           </a:p>
         </p:txBody>
       </p:sp>
@@ -11592,11 +14744,6 @@
               </a:rPr>
               <a:t>produzir uma resposta ao meio</a:t>
             </a:r>
-            <a:endParaRPr lang="pt-BR" dirty="0">
-              <a:solidFill>
-                <a:schemeClr val="tx1"/>
-              </a:solidFill>
-            </a:endParaRPr>
           </a:p>
         </p:txBody>
       </p:sp>
@@ -11735,11 +14882,6 @@
               </a:rPr>
               <a:t>O padrão de comunicação é influenciado mas não se limita à estrutura hierárquica explícita</a:t>
             </a:r>
-            <a:endParaRPr lang="pt-BR" dirty="0">
-              <a:solidFill>
-                <a:schemeClr val="tx1"/>
-              </a:solidFill>
-            </a:endParaRPr>
           </a:p>
         </p:txBody>
       </p:sp>
@@ -11850,11 +14992,6 @@
               </a:rPr>
               <a:t>O diário oficial registra manifestações da comunicação formal.</a:t>
             </a:r>
-            <a:endParaRPr lang="pt-BR" dirty="0">
-              <a:solidFill>
-                <a:schemeClr val="tx1"/>
-              </a:solidFill>
-            </a:endParaRPr>
           </a:p>
         </p:txBody>
       </p:sp>
@@ -12148,11 +15285,6 @@
               </a:rPr>
               <a:t> de entidades em publicações sinaliza uma comunicação entre elas.</a:t>
             </a:r>
-            <a:endParaRPr lang="pt-BR" dirty="0">
-              <a:solidFill>
-                <a:schemeClr val="tx1"/>
-              </a:solidFill>
-            </a:endParaRPr>
           </a:p>
         </p:txBody>
       </p:sp>
@@ -12430,7 +15562,23 @@
                   <a:schemeClr val="tx1"/>
                 </a:solidFill>
               </a:rPr>
-              <a:t>Se as publicações oficiais indicam implicitamente as relações, hierárquicas ou não, entre as organizações publicas brasileiras, então é possível extrair dessas relações uma rede a qual pode ser estudada utilizando-se as ferramentas da Análise de Redes Sociais. </a:t>
+              <a:t>Se as publicações oficiais indicam implicitamente as relações, hierárquicas ou não, entre as organizações publicas brasileiras, então é possível extrair dessas relações uma rede a qual pode ser estudada utilizando-se </a:t>
+            </a:r>
+            <a:r>
+              <a:rPr lang="pt-BR" dirty="0" smtClean="0">
+                <a:solidFill>
+                  <a:schemeClr val="tx1"/>
+                </a:solidFill>
+              </a:rPr>
+              <a:t>os métodos da </a:t>
+            </a:r>
+            <a:r>
+              <a:rPr lang="pt-BR" dirty="0">
+                <a:solidFill>
+                  <a:schemeClr val="tx1"/>
+                </a:solidFill>
+              </a:rPr>
+              <a:t>Análise de Redes Sociais. </a:t>
             </a:r>
           </a:p>
         </p:txBody>
@@ -12754,11 +15902,6 @@
               </a:rPr>
               <a:t>produzir uma resposta ao meio</a:t>
             </a:r>
-            <a:endParaRPr lang="pt-BR" dirty="0">
-              <a:solidFill>
-                <a:schemeClr val="tx1"/>
-              </a:solidFill>
-            </a:endParaRPr>
           </a:p>
         </p:txBody>
       </p:sp>
@@ -12883,7 +16026,6 @@
               <a:rPr lang="pt-BR" sz="2400" dirty="0"/>
               <a:t> 1976 apud MATTELART 2011). Embora a informação flua dentro da rede, a relação de hierarquia estabelecida entre os órgãos públicos certamente desempenha papel importante na difusão de ideias, práticas e informação.</a:t>
             </a:r>
-            <a:endParaRPr lang="pt-BR" sz="2400" dirty="0"/>
           </a:p>
         </p:txBody>
       </p:sp>
@@ -12994,11 +16136,6 @@
               </a:rPr>
               <a:t>O padrão de comunicação é influenciado mas não se limita à estrutura hierárquica explícita</a:t>
             </a:r>
-            <a:endParaRPr lang="pt-BR" dirty="0">
-              <a:solidFill>
-                <a:schemeClr val="tx1"/>
-              </a:solidFill>
-            </a:endParaRPr>
           </a:p>
         </p:txBody>
       </p:sp>
@@ -13176,11 +16313,6 @@
               </a:rPr>
               <a:t>A comunicação acontece em dois níveis: Formal e Informal</a:t>
             </a:r>
-            <a:endParaRPr lang="pt-BR" dirty="0">
-              <a:solidFill>
-                <a:schemeClr val="tx1"/>
-              </a:solidFill>
-            </a:endParaRPr>
           </a:p>
         </p:txBody>
       </p:sp>
@@ -13229,7 +16361,6 @@
               <a:rPr lang="pt-BR" dirty="0"/>
               <a:t>A primeira, em meio impresso, é constituída de correspondências oficiais e regulamentos editados, entre outros. A segunda compreende a comunicação verbal, que se realiza, por exemplo, por telefone e em conversas e reuniões.</a:t>
             </a:r>
-            <a:endParaRPr lang="pt-BR" dirty="0"/>
           </a:p>
         </p:txBody>
       </p:sp>

--- a/Dissertacao/Apresentação1.pptx
+++ b/Dissertacao/Apresentação1.pptx
@@ -5,13 +5,13 @@
     <p:sldMasterId id="2147483648" r:id="rId1"/>
   </p:sldMasterIdLst>
   <p:notesMasterIdLst>
-    <p:notesMasterId r:id="rId27"/>
+    <p:notesMasterId r:id="rId37"/>
   </p:notesMasterIdLst>
   <p:sldIdLst>
     <p:sldId id="256" r:id="rId2"/>
-    <p:sldId id="294" r:id="rId3"/>
+    <p:sldId id="258" r:id="rId3"/>
     <p:sldId id="257" r:id="rId4"/>
-    <p:sldId id="258" r:id="rId5"/>
+    <p:sldId id="295" r:id="rId5"/>
     <p:sldId id="259" r:id="rId6"/>
     <p:sldId id="260" r:id="rId7"/>
     <p:sldId id="281" r:id="rId8"/>
@@ -20,8 +20,8 @@
     <p:sldId id="283" r:id="rId11"/>
     <p:sldId id="284" r:id="rId12"/>
     <p:sldId id="285" r:id="rId13"/>
-    <p:sldId id="286" r:id="rId14"/>
-    <p:sldId id="272" r:id="rId15"/>
+    <p:sldId id="272" r:id="rId14"/>
+    <p:sldId id="296" r:id="rId15"/>
     <p:sldId id="273" r:id="rId16"/>
     <p:sldId id="274" r:id="rId17"/>
     <p:sldId id="275" r:id="rId18"/>
@@ -30,9 +30,19 @@
     <p:sldId id="291" r:id="rId21"/>
     <p:sldId id="290" r:id="rId22"/>
     <p:sldId id="292" r:id="rId23"/>
-    <p:sldId id="293" r:id="rId24"/>
-    <p:sldId id="287" r:id="rId25"/>
-    <p:sldId id="262" r:id="rId26"/>
+    <p:sldId id="287" r:id="rId24"/>
+    <p:sldId id="262" r:id="rId25"/>
+    <p:sldId id="297" r:id="rId26"/>
+    <p:sldId id="299" r:id="rId27"/>
+    <p:sldId id="298" r:id="rId28"/>
+    <p:sldId id="301" r:id="rId29"/>
+    <p:sldId id="300" r:id="rId30"/>
+    <p:sldId id="302" r:id="rId31"/>
+    <p:sldId id="303" r:id="rId32"/>
+    <p:sldId id="304" r:id="rId33"/>
+    <p:sldId id="305" r:id="rId34"/>
+    <p:sldId id="306" r:id="rId35"/>
+    <p:sldId id="307" r:id="rId36"/>
   </p:sldIdLst>
   <p:sldSz cx="9144000" cy="6858000" type="screen4x3"/>
   <p:notesSz cx="6858000" cy="9144000"/>
@@ -216,7 +226,7 @@
           <a:p>
             <a:fld id="{D1ADFA34-2C9F-404B-8EBA-2051A435919D}" type="datetimeFigureOut">
               <a:rPr lang="pt-BR" smtClean="0"/>
-              <a:t>13/08/2013</a:t>
+              <a:t>17/11/2013</a:t>
             </a:fld>
             <a:endParaRPr lang="pt-BR"/>
           </a:p>
@@ -528,7 +538,7 @@
           <a:bodyPr/>
           <a:lstStyle/>
           <a:p>
-            <a:endParaRPr lang="pt-BR"/>
+            <a:endParaRPr lang="pt-BR" dirty="0"/>
           </a:p>
         </p:txBody>
       </p:sp>
@@ -1828,6 +1838,510 @@
 </p:notes>
 </file>
 
+<file path=ppt/notesSlides/notesSlide24.xml><?xml version="1.0" encoding="utf-8"?>
+<p:notes xmlns:a="http://schemas.openxmlformats.org/drawingml/2006/main" xmlns:r="http://schemas.openxmlformats.org/officeDocument/2006/relationships" xmlns:p="http://schemas.openxmlformats.org/presentationml/2006/main">
+  <p:cSld>
+    <p:spTree>
+      <p:nvGrpSpPr>
+        <p:cNvPr id="1" name=""/>
+        <p:cNvGrpSpPr/>
+        <p:nvPr/>
+      </p:nvGrpSpPr>
+      <p:grpSpPr>
+        <a:xfrm>
+          <a:off x="0" y="0"/>
+          <a:ext cx="0" cy="0"/>
+          <a:chOff x="0" y="0"/>
+          <a:chExt cx="0" cy="0"/>
+        </a:xfrm>
+      </p:grpSpPr>
+      <p:sp>
+        <p:nvSpPr>
+          <p:cNvPr id="2" name="Espaço Reservado para Imagem de Slide 1"/>
+          <p:cNvSpPr>
+            <a:spLocks noGrp="1" noRot="1" noChangeAspect="1"/>
+          </p:cNvSpPr>
+          <p:nvPr>
+            <p:ph type="sldImg"/>
+          </p:nvPr>
+        </p:nvSpPr>
+        <p:spPr/>
+      </p:sp>
+      <p:sp>
+        <p:nvSpPr>
+          <p:cNvPr id="3" name="Espaço Reservado para Anotações 2"/>
+          <p:cNvSpPr>
+            <a:spLocks noGrp="1"/>
+          </p:cNvSpPr>
+          <p:nvPr>
+            <p:ph type="body" idx="1"/>
+          </p:nvPr>
+        </p:nvSpPr>
+        <p:spPr/>
+        <p:txBody>
+          <a:bodyPr/>
+          <a:lstStyle/>
+          <a:p>
+            <a:endParaRPr lang="pt-BR"/>
+          </a:p>
+        </p:txBody>
+      </p:sp>
+      <p:sp>
+        <p:nvSpPr>
+          <p:cNvPr id="4" name="Espaço Reservado para Número de Slide 3"/>
+          <p:cNvSpPr>
+            <a:spLocks noGrp="1"/>
+          </p:cNvSpPr>
+          <p:nvPr>
+            <p:ph type="sldNum" sz="quarter" idx="10"/>
+          </p:nvPr>
+        </p:nvSpPr>
+        <p:spPr/>
+        <p:txBody>
+          <a:bodyPr/>
+          <a:lstStyle/>
+          <a:p>
+            <a:fld id="{A552543C-F947-432B-83C7-A5346269BC24}" type="slidenum">
+              <a:rPr lang="pt-BR" smtClean="0"/>
+              <a:t>26</a:t>
+            </a:fld>
+            <a:endParaRPr lang="pt-BR"/>
+          </a:p>
+        </p:txBody>
+      </p:sp>
+    </p:spTree>
+    <p:extLst>
+      <p:ext uri="{BB962C8B-B14F-4D97-AF65-F5344CB8AC3E}">
+        <p14:creationId xmlns:p14="http://schemas.microsoft.com/office/powerpoint/2010/main" val="3908619708"/>
+      </p:ext>
+    </p:extLst>
+  </p:cSld>
+  <p:clrMapOvr>
+    <a:masterClrMapping/>
+  </p:clrMapOvr>
+</p:notes>
+</file>
+
+<file path=ppt/notesSlides/notesSlide25.xml><?xml version="1.0" encoding="utf-8"?>
+<p:notes xmlns:a="http://schemas.openxmlformats.org/drawingml/2006/main" xmlns:r="http://schemas.openxmlformats.org/officeDocument/2006/relationships" xmlns:p="http://schemas.openxmlformats.org/presentationml/2006/main">
+  <p:cSld>
+    <p:spTree>
+      <p:nvGrpSpPr>
+        <p:cNvPr id="1" name=""/>
+        <p:cNvGrpSpPr/>
+        <p:nvPr/>
+      </p:nvGrpSpPr>
+      <p:grpSpPr>
+        <a:xfrm>
+          <a:off x="0" y="0"/>
+          <a:ext cx="0" cy="0"/>
+          <a:chOff x="0" y="0"/>
+          <a:chExt cx="0" cy="0"/>
+        </a:xfrm>
+      </p:grpSpPr>
+      <p:sp>
+        <p:nvSpPr>
+          <p:cNvPr id="2" name="Espaço Reservado para Imagem de Slide 1"/>
+          <p:cNvSpPr>
+            <a:spLocks noGrp="1" noRot="1" noChangeAspect="1"/>
+          </p:cNvSpPr>
+          <p:nvPr>
+            <p:ph type="sldImg"/>
+          </p:nvPr>
+        </p:nvSpPr>
+        <p:spPr/>
+      </p:sp>
+      <p:sp>
+        <p:nvSpPr>
+          <p:cNvPr id="3" name="Espaço Reservado para Anotações 2"/>
+          <p:cNvSpPr>
+            <a:spLocks noGrp="1"/>
+          </p:cNvSpPr>
+          <p:nvPr>
+            <p:ph type="body" idx="1"/>
+          </p:nvPr>
+        </p:nvSpPr>
+        <p:spPr/>
+        <p:txBody>
+          <a:bodyPr/>
+          <a:lstStyle/>
+          <a:p>
+            <a:endParaRPr lang="pt-BR"/>
+          </a:p>
+        </p:txBody>
+      </p:sp>
+      <p:sp>
+        <p:nvSpPr>
+          <p:cNvPr id="4" name="Espaço Reservado para Número de Slide 3"/>
+          <p:cNvSpPr>
+            <a:spLocks noGrp="1"/>
+          </p:cNvSpPr>
+          <p:nvPr>
+            <p:ph type="sldNum" sz="quarter" idx="10"/>
+          </p:nvPr>
+        </p:nvSpPr>
+        <p:spPr/>
+        <p:txBody>
+          <a:bodyPr/>
+          <a:lstStyle/>
+          <a:p>
+            <a:fld id="{A552543C-F947-432B-83C7-A5346269BC24}" type="slidenum">
+              <a:rPr lang="pt-BR" smtClean="0"/>
+              <a:t>27</a:t>
+            </a:fld>
+            <a:endParaRPr lang="pt-BR"/>
+          </a:p>
+        </p:txBody>
+      </p:sp>
+    </p:spTree>
+    <p:extLst>
+      <p:ext uri="{BB962C8B-B14F-4D97-AF65-F5344CB8AC3E}">
+        <p14:creationId xmlns:p14="http://schemas.microsoft.com/office/powerpoint/2010/main" val="3908619708"/>
+      </p:ext>
+    </p:extLst>
+  </p:cSld>
+  <p:clrMapOvr>
+    <a:masterClrMapping/>
+  </p:clrMapOvr>
+</p:notes>
+</file>
+
+<file path=ppt/notesSlides/notesSlide26.xml><?xml version="1.0" encoding="utf-8"?>
+<p:notes xmlns:a="http://schemas.openxmlformats.org/drawingml/2006/main" xmlns:r="http://schemas.openxmlformats.org/officeDocument/2006/relationships" xmlns:p="http://schemas.openxmlformats.org/presentationml/2006/main">
+  <p:cSld>
+    <p:spTree>
+      <p:nvGrpSpPr>
+        <p:cNvPr id="1" name=""/>
+        <p:cNvGrpSpPr/>
+        <p:nvPr/>
+      </p:nvGrpSpPr>
+      <p:grpSpPr>
+        <a:xfrm>
+          <a:off x="0" y="0"/>
+          <a:ext cx="0" cy="0"/>
+          <a:chOff x="0" y="0"/>
+          <a:chExt cx="0" cy="0"/>
+        </a:xfrm>
+      </p:grpSpPr>
+      <p:sp>
+        <p:nvSpPr>
+          <p:cNvPr id="2" name="Espaço Reservado para Imagem de Slide 1"/>
+          <p:cNvSpPr>
+            <a:spLocks noGrp="1" noRot="1" noChangeAspect="1"/>
+          </p:cNvSpPr>
+          <p:nvPr>
+            <p:ph type="sldImg"/>
+          </p:nvPr>
+        </p:nvSpPr>
+        <p:spPr/>
+      </p:sp>
+      <p:sp>
+        <p:nvSpPr>
+          <p:cNvPr id="3" name="Espaço Reservado para Anotações 2"/>
+          <p:cNvSpPr>
+            <a:spLocks noGrp="1"/>
+          </p:cNvSpPr>
+          <p:nvPr>
+            <p:ph type="body" idx="1"/>
+          </p:nvPr>
+        </p:nvSpPr>
+        <p:spPr/>
+        <p:txBody>
+          <a:bodyPr/>
+          <a:lstStyle/>
+          <a:p>
+            <a:endParaRPr lang="pt-BR"/>
+          </a:p>
+        </p:txBody>
+      </p:sp>
+      <p:sp>
+        <p:nvSpPr>
+          <p:cNvPr id="4" name="Espaço Reservado para Número de Slide 3"/>
+          <p:cNvSpPr>
+            <a:spLocks noGrp="1"/>
+          </p:cNvSpPr>
+          <p:nvPr>
+            <p:ph type="sldNum" sz="quarter" idx="10"/>
+          </p:nvPr>
+        </p:nvSpPr>
+        <p:spPr/>
+        <p:txBody>
+          <a:bodyPr/>
+          <a:lstStyle/>
+          <a:p>
+            <a:fld id="{A552543C-F947-432B-83C7-A5346269BC24}" type="slidenum">
+              <a:rPr lang="pt-BR" smtClean="0"/>
+              <a:t>28</a:t>
+            </a:fld>
+            <a:endParaRPr lang="pt-BR"/>
+          </a:p>
+        </p:txBody>
+      </p:sp>
+    </p:spTree>
+    <p:extLst>
+      <p:ext uri="{BB962C8B-B14F-4D97-AF65-F5344CB8AC3E}">
+        <p14:creationId xmlns:p14="http://schemas.microsoft.com/office/powerpoint/2010/main" val="3908619708"/>
+      </p:ext>
+    </p:extLst>
+  </p:cSld>
+  <p:clrMapOvr>
+    <a:masterClrMapping/>
+  </p:clrMapOvr>
+</p:notes>
+</file>
+
+<file path=ppt/notesSlides/notesSlide27.xml><?xml version="1.0" encoding="utf-8"?>
+<p:notes xmlns:a="http://schemas.openxmlformats.org/drawingml/2006/main" xmlns:r="http://schemas.openxmlformats.org/officeDocument/2006/relationships" xmlns:p="http://schemas.openxmlformats.org/presentationml/2006/main">
+  <p:cSld>
+    <p:spTree>
+      <p:nvGrpSpPr>
+        <p:cNvPr id="1" name=""/>
+        <p:cNvGrpSpPr/>
+        <p:nvPr/>
+      </p:nvGrpSpPr>
+      <p:grpSpPr>
+        <a:xfrm>
+          <a:off x="0" y="0"/>
+          <a:ext cx="0" cy="0"/>
+          <a:chOff x="0" y="0"/>
+          <a:chExt cx="0" cy="0"/>
+        </a:xfrm>
+      </p:grpSpPr>
+      <p:sp>
+        <p:nvSpPr>
+          <p:cNvPr id="2" name="Espaço Reservado para Imagem de Slide 1"/>
+          <p:cNvSpPr>
+            <a:spLocks noGrp="1" noRot="1" noChangeAspect="1"/>
+          </p:cNvSpPr>
+          <p:nvPr>
+            <p:ph type="sldImg"/>
+          </p:nvPr>
+        </p:nvSpPr>
+        <p:spPr/>
+      </p:sp>
+      <p:sp>
+        <p:nvSpPr>
+          <p:cNvPr id="3" name="Espaço Reservado para Anotações 2"/>
+          <p:cNvSpPr>
+            <a:spLocks noGrp="1"/>
+          </p:cNvSpPr>
+          <p:nvPr>
+            <p:ph type="body" idx="1"/>
+          </p:nvPr>
+        </p:nvSpPr>
+        <p:spPr/>
+        <p:txBody>
+          <a:bodyPr/>
+          <a:lstStyle/>
+          <a:p>
+            <a:endParaRPr lang="pt-BR"/>
+          </a:p>
+        </p:txBody>
+      </p:sp>
+      <p:sp>
+        <p:nvSpPr>
+          <p:cNvPr id="4" name="Espaço Reservado para Número de Slide 3"/>
+          <p:cNvSpPr>
+            <a:spLocks noGrp="1"/>
+          </p:cNvSpPr>
+          <p:nvPr>
+            <p:ph type="sldNum" sz="quarter" idx="10"/>
+          </p:nvPr>
+        </p:nvSpPr>
+        <p:spPr/>
+        <p:txBody>
+          <a:bodyPr/>
+          <a:lstStyle/>
+          <a:p>
+            <a:fld id="{A552543C-F947-432B-83C7-A5346269BC24}" type="slidenum">
+              <a:rPr lang="pt-BR" smtClean="0"/>
+              <a:t>29</a:t>
+            </a:fld>
+            <a:endParaRPr lang="pt-BR"/>
+          </a:p>
+        </p:txBody>
+      </p:sp>
+    </p:spTree>
+    <p:extLst>
+      <p:ext uri="{BB962C8B-B14F-4D97-AF65-F5344CB8AC3E}">
+        <p14:creationId xmlns:p14="http://schemas.microsoft.com/office/powerpoint/2010/main" val="3908619708"/>
+      </p:ext>
+    </p:extLst>
+  </p:cSld>
+  <p:clrMapOvr>
+    <a:masterClrMapping/>
+  </p:clrMapOvr>
+</p:notes>
+</file>
+
+<file path=ppt/notesSlides/notesSlide28.xml><?xml version="1.0" encoding="utf-8"?>
+<p:notes xmlns:a="http://schemas.openxmlformats.org/drawingml/2006/main" xmlns:r="http://schemas.openxmlformats.org/officeDocument/2006/relationships" xmlns:p="http://schemas.openxmlformats.org/presentationml/2006/main">
+  <p:cSld>
+    <p:spTree>
+      <p:nvGrpSpPr>
+        <p:cNvPr id="1" name=""/>
+        <p:cNvGrpSpPr/>
+        <p:nvPr/>
+      </p:nvGrpSpPr>
+      <p:grpSpPr>
+        <a:xfrm>
+          <a:off x="0" y="0"/>
+          <a:ext cx="0" cy="0"/>
+          <a:chOff x="0" y="0"/>
+          <a:chExt cx="0" cy="0"/>
+        </a:xfrm>
+      </p:grpSpPr>
+      <p:sp>
+        <p:nvSpPr>
+          <p:cNvPr id="2" name="Espaço Reservado para Imagem de Slide 1"/>
+          <p:cNvSpPr>
+            <a:spLocks noGrp="1" noRot="1" noChangeAspect="1"/>
+          </p:cNvSpPr>
+          <p:nvPr>
+            <p:ph type="sldImg"/>
+          </p:nvPr>
+        </p:nvSpPr>
+        <p:spPr/>
+      </p:sp>
+      <p:sp>
+        <p:nvSpPr>
+          <p:cNvPr id="3" name="Espaço Reservado para Anotações 2"/>
+          <p:cNvSpPr>
+            <a:spLocks noGrp="1"/>
+          </p:cNvSpPr>
+          <p:nvPr>
+            <p:ph type="body" idx="1"/>
+          </p:nvPr>
+        </p:nvSpPr>
+        <p:spPr/>
+        <p:txBody>
+          <a:bodyPr/>
+          <a:lstStyle/>
+          <a:p>
+            <a:endParaRPr lang="pt-BR"/>
+          </a:p>
+        </p:txBody>
+      </p:sp>
+      <p:sp>
+        <p:nvSpPr>
+          <p:cNvPr id="4" name="Espaço Reservado para Número de Slide 3"/>
+          <p:cNvSpPr>
+            <a:spLocks noGrp="1"/>
+          </p:cNvSpPr>
+          <p:nvPr>
+            <p:ph type="sldNum" sz="quarter" idx="10"/>
+          </p:nvPr>
+        </p:nvSpPr>
+        <p:spPr/>
+        <p:txBody>
+          <a:bodyPr/>
+          <a:lstStyle/>
+          <a:p>
+            <a:fld id="{A552543C-F947-432B-83C7-A5346269BC24}" type="slidenum">
+              <a:rPr lang="pt-BR" smtClean="0"/>
+              <a:t>30</a:t>
+            </a:fld>
+            <a:endParaRPr lang="pt-BR"/>
+          </a:p>
+        </p:txBody>
+      </p:sp>
+    </p:spTree>
+    <p:extLst>
+      <p:ext uri="{BB962C8B-B14F-4D97-AF65-F5344CB8AC3E}">
+        <p14:creationId xmlns:p14="http://schemas.microsoft.com/office/powerpoint/2010/main" val="3908619708"/>
+      </p:ext>
+    </p:extLst>
+  </p:cSld>
+  <p:clrMapOvr>
+    <a:masterClrMapping/>
+  </p:clrMapOvr>
+</p:notes>
+</file>
+
+<file path=ppt/notesSlides/notesSlide29.xml><?xml version="1.0" encoding="utf-8"?>
+<p:notes xmlns:a="http://schemas.openxmlformats.org/drawingml/2006/main" xmlns:r="http://schemas.openxmlformats.org/officeDocument/2006/relationships" xmlns:p="http://schemas.openxmlformats.org/presentationml/2006/main">
+  <p:cSld>
+    <p:spTree>
+      <p:nvGrpSpPr>
+        <p:cNvPr id="1" name=""/>
+        <p:cNvGrpSpPr/>
+        <p:nvPr/>
+      </p:nvGrpSpPr>
+      <p:grpSpPr>
+        <a:xfrm>
+          <a:off x="0" y="0"/>
+          <a:ext cx="0" cy="0"/>
+          <a:chOff x="0" y="0"/>
+          <a:chExt cx="0" cy="0"/>
+        </a:xfrm>
+      </p:grpSpPr>
+      <p:sp>
+        <p:nvSpPr>
+          <p:cNvPr id="2" name="Espaço Reservado para Imagem de Slide 1"/>
+          <p:cNvSpPr>
+            <a:spLocks noGrp="1" noRot="1" noChangeAspect="1"/>
+          </p:cNvSpPr>
+          <p:nvPr>
+            <p:ph type="sldImg"/>
+          </p:nvPr>
+        </p:nvSpPr>
+        <p:spPr/>
+      </p:sp>
+      <p:sp>
+        <p:nvSpPr>
+          <p:cNvPr id="3" name="Espaço Reservado para Anotações 2"/>
+          <p:cNvSpPr>
+            <a:spLocks noGrp="1"/>
+          </p:cNvSpPr>
+          <p:nvPr>
+            <p:ph type="body" idx="1"/>
+          </p:nvPr>
+        </p:nvSpPr>
+        <p:spPr/>
+        <p:txBody>
+          <a:bodyPr/>
+          <a:lstStyle/>
+          <a:p>
+            <a:endParaRPr lang="pt-BR"/>
+          </a:p>
+        </p:txBody>
+      </p:sp>
+      <p:sp>
+        <p:nvSpPr>
+          <p:cNvPr id="4" name="Espaço Reservado para Número de Slide 3"/>
+          <p:cNvSpPr>
+            <a:spLocks noGrp="1"/>
+          </p:cNvSpPr>
+          <p:nvPr>
+            <p:ph type="sldNum" sz="quarter" idx="10"/>
+          </p:nvPr>
+        </p:nvSpPr>
+        <p:spPr/>
+        <p:txBody>
+          <a:bodyPr/>
+          <a:lstStyle/>
+          <a:p>
+            <a:fld id="{A552543C-F947-432B-83C7-A5346269BC24}" type="slidenum">
+              <a:rPr lang="pt-BR" smtClean="0"/>
+              <a:t>31</a:t>
+            </a:fld>
+            <a:endParaRPr lang="pt-BR"/>
+          </a:p>
+        </p:txBody>
+      </p:sp>
+    </p:spTree>
+    <p:extLst>
+      <p:ext uri="{BB962C8B-B14F-4D97-AF65-F5344CB8AC3E}">
+        <p14:creationId xmlns:p14="http://schemas.microsoft.com/office/powerpoint/2010/main" val="3908619708"/>
+      </p:ext>
+    </p:extLst>
+  </p:cSld>
+  <p:clrMapOvr>
+    <a:masterClrMapping/>
+  </p:clrMapOvr>
+</p:notes>
+</file>
+
 <file path=ppt/notesSlides/notesSlide3.xml><?xml version="1.0" encoding="utf-8"?>
 <p:notes xmlns:a="http://schemas.openxmlformats.org/drawingml/2006/main" xmlns:r="http://schemas.openxmlformats.org/officeDocument/2006/relationships" xmlns:p="http://schemas.openxmlformats.org/presentationml/2006/main">
   <p:cSld>
@@ -1894,6 +2408,174 @@
             <a:fld id="{A552543C-F947-432B-83C7-A5346269BC24}" type="slidenum">
               <a:rPr lang="pt-BR" smtClean="0"/>
               <a:t>4</a:t>
+            </a:fld>
+            <a:endParaRPr lang="pt-BR"/>
+          </a:p>
+        </p:txBody>
+      </p:sp>
+    </p:spTree>
+    <p:extLst>
+      <p:ext uri="{BB962C8B-B14F-4D97-AF65-F5344CB8AC3E}">
+        <p14:creationId xmlns:p14="http://schemas.microsoft.com/office/powerpoint/2010/main" val="3908619708"/>
+      </p:ext>
+    </p:extLst>
+  </p:cSld>
+  <p:clrMapOvr>
+    <a:masterClrMapping/>
+  </p:clrMapOvr>
+</p:notes>
+</file>
+
+<file path=ppt/notesSlides/notesSlide30.xml><?xml version="1.0" encoding="utf-8"?>
+<p:notes xmlns:a="http://schemas.openxmlformats.org/drawingml/2006/main" xmlns:r="http://schemas.openxmlformats.org/officeDocument/2006/relationships" xmlns:p="http://schemas.openxmlformats.org/presentationml/2006/main">
+  <p:cSld>
+    <p:spTree>
+      <p:nvGrpSpPr>
+        <p:cNvPr id="1" name=""/>
+        <p:cNvGrpSpPr/>
+        <p:nvPr/>
+      </p:nvGrpSpPr>
+      <p:grpSpPr>
+        <a:xfrm>
+          <a:off x="0" y="0"/>
+          <a:ext cx="0" cy="0"/>
+          <a:chOff x="0" y="0"/>
+          <a:chExt cx="0" cy="0"/>
+        </a:xfrm>
+      </p:grpSpPr>
+      <p:sp>
+        <p:nvSpPr>
+          <p:cNvPr id="2" name="Espaço Reservado para Imagem de Slide 1"/>
+          <p:cNvSpPr>
+            <a:spLocks noGrp="1" noRot="1" noChangeAspect="1"/>
+          </p:cNvSpPr>
+          <p:nvPr>
+            <p:ph type="sldImg"/>
+          </p:nvPr>
+        </p:nvSpPr>
+        <p:spPr/>
+      </p:sp>
+      <p:sp>
+        <p:nvSpPr>
+          <p:cNvPr id="3" name="Espaço Reservado para Anotações 2"/>
+          <p:cNvSpPr>
+            <a:spLocks noGrp="1"/>
+          </p:cNvSpPr>
+          <p:nvPr>
+            <p:ph type="body" idx="1"/>
+          </p:nvPr>
+        </p:nvSpPr>
+        <p:spPr/>
+        <p:txBody>
+          <a:bodyPr/>
+          <a:lstStyle/>
+          <a:p>
+            <a:endParaRPr lang="pt-BR"/>
+          </a:p>
+        </p:txBody>
+      </p:sp>
+      <p:sp>
+        <p:nvSpPr>
+          <p:cNvPr id="4" name="Espaço Reservado para Número de Slide 3"/>
+          <p:cNvSpPr>
+            <a:spLocks noGrp="1"/>
+          </p:cNvSpPr>
+          <p:nvPr>
+            <p:ph type="sldNum" sz="quarter" idx="10"/>
+          </p:nvPr>
+        </p:nvSpPr>
+        <p:spPr/>
+        <p:txBody>
+          <a:bodyPr/>
+          <a:lstStyle/>
+          <a:p>
+            <a:fld id="{A552543C-F947-432B-83C7-A5346269BC24}" type="slidenum">
+              <a:rPr lang="pt-BR" smtClean="0"/>
+              <a:t>32</a:t>
+            </a:fld>
+            <a:endParaRPr lang="pt-BR"/>
+          </a:p>
+        </p:txBody>
+      </p:sp>
+    </p:spTree>
+    <p:extLst>
+      <p:ext uri="{BB962C8B-B14F-4D97-AF65-F5344CB8AC3E}">
+        <p14:creationId xmlns:p14="http://schemas.microsoft.com/office/powerpoint/2010/main" val="3908619708"/>
+      </p:ext>
+    </p:extLst>
+  </p:cSld>
+  <p:clrMapOvr>
+    <a:masterClrMapping/>
+  </p:clrMapOvr>
+</p:notes>
+</file>
+
+<file path=ppt/notesSlides/notesSlide31.xml><?xml version="1.0" encoding="utf-8"?>
+<p:notes xmlns:a="http://schemas.openxmlformats.org/drawingml/2006/main" xmlns:r="http://schemas.openxmlformats.org/officeDocument/2006/relationships" xmlns:p="http://schemas.openxmlformats.org/presentationml/2006/main">
+  <p:cSld>
+    <p:spTree>
+      <p:nvGrpSpPr>
+        <p:cNvPr id="1" name=""/>
+        <p:cNvGrpSpPr/>
+        <p:nvPr/>
+      </p:nvGrpSpPr>
+      <p:grpSpPr>
+        <a:xfrm>
+          <a:off x="0" y="0"/>
+          <a:ext cx="0" cy="0"/>
+          <a:chOff x="0" y="0"/>
+          <a:chExt cx="0" cy="0"/>
+        </a:xfrm>
+      </p:grpSpPr>
+      <p:sp>
+        <p:nvSpPr>
+          <p:cNvPr id="2" name="Espaço Reservado para Imagem de Slide 1"/>
+          <p:cNvSpPr>
+            <a:spLocks noGrp="1" noRot="1" noChangeAspect="1"/>
+          </p:cNvSpPr>
+          <p:nvPr>
+            <p:ph type="sldImg"/>
+          </p:nvPr>
+        </p:nvSpPr>
+        <p:spPr/>
+      </p:sp>
+      <p:sp>
+        <p:nvSpPr>
+          <p:cNvPr id="3" name="Espaço Reservado para Anotações 2"/>
+          <p:cNvSpPr>
+            <a:spLocks noGrp="1"/>
+          </p:cNvSpPr>
+          <p:nvPr>
+            <p:ph type="body" idx="1"/>
+          </p:nvPr>
+        </p:nvSpPr>
+        <p:spPr/>
+        <p:txBody>
+          <a:bodyPr/>
+          <a:lstStyle/>
+          <a:p>
+            <a:endParaRPr lang="pt-BR"/>
+          </a:p>
+        </p:txBody>
+      </p:sp>
+      <p:sp>
+        <p:nvSpPr>
+          <p:cNvPr id="4" name="Espaço Reservado para Número de Slide 3"/>
+          <p:cNvSpPr>
+            <a:spLocks noGrp="1"/>
+          </p:cNvSpPr>
+          <p:nvPr>
+            <p:ph type="sldNum" sz="quarter" idx="10"/>
+          </p:nvPr>
+        </p:nvSpPr>
+        <p:spPr/>
+        <p:txBody>
+          <a:bodyPr/>
+          <a:lstStyle/>
+          <a:p>
+            <a:fld id="{A552543C-F947-432B-83C7-A5346269BC24}" type="slidenum">
+              <a:rPr lang="pt-BR" smtClean="0"/>
+              <a:t>33</a:t>
             </a:fld>
             <a:endParaRPr lang="pt-BR"/>
           </a:p>
@@ -2597,7 +3279,7 @@
           <a:p>
             <a:fld id="{03FC689B-7A97-411D-9323-94CBB49177FD}" type="datetime1">
               <a:rPr lang="pt-BR" smtClean="0"/>
-              <a:t>13/08/2013</a:t>
+              <a:t>17/11/2013</a:t>
             </a:fld>
             <a:endParaRPr lang="pt-BR"/>
           </a:p>
@@ -2771,7 +3453,7 @@
           <a:p>
             <a:fld id="{0675B1F7-C632-44A1-B406-2DFB37F6D500}" type="datetime1">
               <a:rPr lang="pt-BR" smtClean="0"/>
-              <a:t>13/08/2013</a:t>
+              <a:t>17/11/2013</a:t>
             </a:fld>
             <a:endParaRPr lang="pt-BR"/>
           </a:p>
@@ -2955,7 +3637,7 @@
           <a:p>
             <a:fld id="{FA19A47E-A202-4D4E-9FE8-93D387469EB2}" type="datetime1">
               <a:rPr lang="pt-BR" smtClean="0"/>
-              <a:t>13/08/2013</a:t>
+              <a:t>17/11/2013</a:t>
             </a:fld>
             <a:endParaRPr lang="pt-BR"/>
           </a:p>
@@ -3129,7 +3811,7 @@
           <a:p>
             <a:fld id="{9FABBC51-822C-45E4-986C-3513F935FDC0}" type="datetime1">
               <a:rPr lang="pt-BR" smtClean="0"/>
-              <a:t>13/08/2013</a:t>
+              <a:t>17/11/2013</a:t>
             </a:fld>
             <a:endParaRPr lang="pt-BR"/>
           </a:p>
@@ -3379,7 +4061,7 @@
           <a:p>
             <a:fld id="{092D0B32-C876-4BE6-8EB7-D35E5B68E93F}" type="datetime1">
               <a:rPr lang="pt-BR" smtClean="0"/>
-              <a:t>13/08/2013</a:t>
+              <a:t>17/11/2013</a:t>
             </a:fld>
             <a:endParaRPr lang="pt-BR"/>
           </a:p>
@@ -3671,7 +4353,7 @@
           <a:p>
             <a:fld id="{FE4FC82E-4B11-4BE2-AB38-613E50CA1B14}" type="datetime1">
               <a:rPr lang="pt-BR" smtClean="0"/>
-              <a:t>13/08/2013</a:t>
+              <a:t>17/11/2013</a:t>
             </a:fld>
             <a:endParaRPr lang="pt-BR"/>
           </a:p>
@@ -4097,7 +4779,7 @@
           <a:p>
             <a:fld id="{BDEF58D9-1E19-49E4-BE74-992AFBB8B4B4}" type="datetime1">
               <a:rPr lang="pt-BR" smtClean="0"/>
-              <a:t>13/08/2013</a:t>
+              <a:t>17/11/2013</a:t>
             </a:fld>
             <a:endParaRPr lang="pt-BR"/>
           </a:p>
@@ -4219,7 +4901,7 @@
           <a:p>
             <a:fld id="{EAE8F1D8-1B79-4809-8550-E5D233B7A121}" type="datetime1">
               <a:rPr lang="pt-BR" smtClean="0"/>
-              <a:t>13/08/2013</a:t>
+              <a:t>17/11/2013</a:t>
             </a:fld>
             <a:endParaRPr lang="pt-BR"/>
           </a:p>
@@ -4318,7 +5000,7 @@
           <a:p>
             <a:fld id="{BBD79D37-6341-450A-9E24-B1BF04707E50}" type="datetime1">
               <a:rPr lang="pt-BR" smtClean="0"/>
-              <a:t>13/08/2013</a:t>
+              <a:t>17/11/2013</a:t>
             </a:fld>
             <a:endParaRPr lang="pt-BR"/>
           </a:p>
@@ -4599,7 +5281,7 @@
           <a:p>
             <a:fld id="{71471DEA-56B6-4AE8-93AC-7908D252CBE6}" type="datetime1">
               <a:rPr lang="pt-BR" smtClean="0"/>
-              <a:t>13/08/2013</a:t>
+              <a:t>17/11/2013</a:t>
             </a:fld>
             <a:endParaRPr lang="pt-BR"/>
           </a:p>
@@ -4856,7 +5538,7 @@
           <a:p>
             <a:fld id="{0C136BD1-CCCC-4336-90DB-576823706601}" type="datetime1">
               <a:rPr lang="pt-BR" smtClean="0"/>
-              <a:t>13/08/2013</a:t>
+              <a:t>17/11/2013</a:t>
             </a:fld>
             <a:endParaRPr lang="pt-BR"/>
           </a:p>
@@ -5073,7 +5755,7 @@
           <a:p>
             <a:fld id="{290BD142-DF3D-4EF0-B4D0-DA45237C5FB0}" type="datetime1">
               <a:rPr lang="pt-BR" smtClean="0"/>
-              <a:t>13/08/2013</a:t>
+              <a:t>17/11/2013</a:t>
             </a:fld>
             <a:endParaRPr lang="pt-BR"/>
           </a:p>
@@ -5531,7 +6213,35 @@
           <a:p>
             <a:r>
               <a:rPr lang="pt-BR" sz="2400" i="1" dirty="0"/>
-              <a:t>Modelo de análise da comunicação e mediação da informação em organizações públicas brasileiras através da Análise de Redes Sociais.</a:t>
+              <a:t>Análise da comunicação e mediação da </a:t>
+            </a:r>
+            <a:r>
+              <a:rPr lang="pt-BR" sz="2400" i="1" dirty="0" smtClean="0"/>
+              <a:t>informação em organizações </a:t>
+            </a:r>
+            <a:r>
+              <a:rPr lang="pt-BR" sz="2400" i="1" dirty="0"/>
+              <a:t>públicas brasileiras por meio da Análise de </a:t>
+            </a:r>
+            <a:r>
+              <a:rPr lang="pt-BR" sz="2400" i="1" dirty="0" smtClean="0"/>
+              <a:t>Redes Sociais </a:t>
+            </a:r>
+            <a:r>
+              <a:rPr lang="pt-BR" sz="2400" i="1" dirty="0"/>
+              <a:t>sobre </a:t>
+            </a:r>
+            <a:r>
+              <a:rPr lang="pt-BR" sz="2400" i="1" dirty="0" smtClean="0"/>
+              <a:t>dados de </a:t>
+            </a:r>
+            <a:r>
+              <a:rPr lang="pt-BR" sz="2400" i="1" dirty="0"/>
+              <a:t>Publicações Oficiais</a:t>
+            </a:r>
+            <a:r>
+              <a:rPr lang="pt-BR" sz="2400" i="1" dirty="0" smtClean="0"/>
+              <a:t>.</a:t>
             </a:r>
             <a:endParaRPr lang="pt-BR" sz="2400" dirty="0"/>
           </a:p>
@@ -5792,13 +6502,13 @@
         </p:nvSpPr>
         <p:spPr>
           <a:xfrm>
-            <a:off x="457200" y="2060848"/>
-            <a:ext cx="8229600" cy="4065315"/>
+            <a:off x="457200" y="2060849"/>
+            <a:ext cx="8229600" cy="2232247"/>
           </a:xfrm>
         </p:spPr>
         <p:txBody>
           <a:bodyPr>
-            <a:normAutofit fontScale="85000" lnSpcReduction="10000"/>
+            <a:normAutofit fontScale="70000" lnSpcReduction="20000"/>
           </a:bodyPr>
           <a:lstStyle/>
           <a:p>
@@ -5808,9 +6518,20 @@
             </a:r>
             <a:r>
               <a:rPr lang="pt-BR" dirty="0"/>
-              <a:t> (2004 p. 35) argumenta que o processo de comunicação pode ser desmembrado em dois outros: um processo escrito, formal, e um processo oral, informal. </a:t>
-            </a:r>
-            <a:endParaRPr lang="pt-BR" dirty="0" smtClean="0"/>
+              <a:t> (2004 p. 35) </a:t>
+            </a:r>
+            <a:r>
+              <a:rPr lang="pt-BR" dirty="0" smtClean="0"/>
+              <a:t>: processo escrito (formal) </a:t>
+            </a:r>
+            <a:r>
+              <a:rPr lang="pt-BR" dirty="0"/>
+              <a:t>e um processo </a:t>
+            </a:r>
+            <a:r>
+              <a:rPr lang="pt-BR" dirty="0" smtClean="0"/>
+              <a:t>oral(informal). </a:t>
+            </a:r>
           </a:p>
           <a:p>
             <a:r>
@@ -5828,6 +6549,70 @@
           </a:p>
         </p:txBody>
       </p:sp>
+      <p:pic>
+        <p:nvPicPr>
+          <p:cNvPr id="1026" name="Picture 2"/>
+          <p:cNvPicPr>
+            <a:picLocks noChangeAspect="1" noChangeArrowheads="1"/>
+          </p:cNvPicPr>
+          <p:nvPr/>
+        </p:nvPicPr>
+        <p:blipFill>
+          <a:blip r:embed="rId3">
+            <a:extLst>
+              <a:ext uri="{28A0092B-C50C-407E-A947-70E740481C1C}">
+                <a14:useLocalDpi xmlns:a14="http://schemas.microsoft.com/office/drawing/2010/main" val="0"/>
+              </a:ext>
+            </a:extLst>
+          </a:blip>
+          <a:srcRect/>
+          <a:stretch>
+            <a:fillRect/>
+          </a:stretch>
+        </p:blipFill>
+        <p:spPr bwMode="auto">
+          <a:xfrm>
+            <a:off x="2213270" y="4149080"/>
+            <a:ext cx="4446962" cy="2364482"/>
+          </a:xfrm>
+          <a:prstGeom prst="rect">
+            <a:avLst/>
+          </a:prstGeom>
+          <a:noFill/>
+          <a:ln>
+            <a:noFill/>
+          </a:ln>
+          <a:effectLst/>
+          <a:extLst>
+            <a:ext uri="{909E8E84-426E-40DD-AFC4-6F175D3DCCD1}">
+              <a14:hiddenFill xmlns:a14="http://schemas.microsoft.com/office/drawing/2010/main">
+                <a:solidFill>
+                  <a:schemeClr val="accent1"/>
+                </a:solidFill>
+              </a14:hiddenFill>
+            </a:ext>
+            <a:ext uri="{91240B29-F687-4F45-9708-019B960494DF}">
+              <a14:hiddenLine xmlns:a14="http://schemas.microsoft.com/office/drawing/2010/main" w="9525">
+                <a:solidFill>
+                  <a:schemeClr val="tx1"/>
+                </a:solidFill>
+                <a:miter lim="800000"/>
+                <a:headEnd/>
+                <a:tailEnd/>
+              </a14:hiddenLine>
+            </a:ext>
+            <a:ext uri="{AF507438-7753-43E0-B8FC-AC1667EBCBE1}">
+              <a14:hiddenEffects xmlns:a14="http://schemas.microsoft.com/office/drawing/2010/main">
+                <a:effectLst>
+                  <a:outerShdw dist="35921" dir="2700000" algn="ctr" rotWithShape="0">
+                    <a:schemeClr val="bg2"/>
+                  </a:outerShdw>
+                </a:effectLst>
+              </a14:hiddenEffects>
+            </a:ext>
+          </a:extLst>
+        </p:spPr>
+      </p:pic>
     </p:spTree>
     <p:extLst>
       <p:ext uri="{BB962C8B-B14F-4D97-AF65-F5344CB8AC3E}">
@@ -5875,7 +6660,12 @@
             <p:ph type="title"/>
           </p:nvPr>
         </p:nvSpPr>
-        <p:spPr/>
+        <p:spPr>
+          <a:xfrm>
+            <a:off x="457200" y="-243408"/>
+            <a:ext cx="8229600" cy="1143000"/>
+          </a:xfrm>
+        </p:spPr>
         <p:txBody>
           <a:bodyPr>
             <a:normAutofit/>
@@ -5944,64 +6734,6 @@
               <a:t>11</a:t>
             </a:fld>
             <a:endParaRPr lang="pt-BR"/>
-          </a:p>
-        </p:txBody>
-      </p:sp>
-      <p:sp>
-        <p:nvSpPr>
-          <p:cNvPr id="7" name="Retângulo 6"/>
-          <p:cNvSpPr/>
-          <p:nvPr/>
-        </p:nvSpPr>
-        <p:spPr>
-          <a:xfrm>
-            <a:off x="1403648" y="1322876"/>
-            <a:ext cx="6552728" cy="593956"/>
-          </a:xfrm>
-          <a:prstGeom prst="rect">
-            <a:avLst/>
-          </a:prstGeom>
-          <a:solidFill>
-            <a:schemeClr val="accent1">
-              <a:alpha val="5000"/>
-            </a:schemeClr>
-          </a:solidFill>
-          <a:ln>
-            <a:noFill/>
-          </a:ln>
-        </p:spPr>
-        <p:style>
-          <a:lnRef idx="2">
-            <a:schemeClr val="accent1">
-              <a:shade val="50000"/>
-            </a:schemeClr>
-          </a:lnRef>
-          <a:fillRef idx="1">
-            <a:schemeClr val="accent1"/>
-          </a:fillRef>
-          <a:effectRef idx="0">
-            <a:schemeClr val="accent1"/>
-          </a:effectRef>
-          <a:fontRef idx="minor">
-            <a:schemeClr val="lt1"/>
-          </a:fontRef>
-        </p:style>
-        <p:txBody>
-          <a:bodyPr rtlCol="0" anchor="ctr"/>
-          <a:lstStyle/>
-          <a:p>
-            <a:pPr>
-              <a:buFont typeface="Wingdings" pitchFamily="2" charset="2"/>
-              <a:buChar char="ü"/>
-            </a:pPr>
-            <a:r>
-              <a:rPr lang="pt-BR" dirty="0">
-                <a:solidFill>
-                  <a:schemeClr val="tx1"/>
-                </a:solidFill>
-              </a:rPr>
-              <a:t>A comunicação acontece em dois níveis: Formal e Informal</a:t>
-            </a:r>
           </a:p>
         </p:txBody>
       </p:sp>
@@ -6117,8 +6849,8 @@
         </p:blipFill>
         <p:spPr bwMode="auto">
           <a:xfrm>
-            <a:off x="899592" y="2031255"/>
-            <a:ext cx="7560840" cy="3846017"/>
+            <a:off x="35496" y="1268759"/>
+            <a:ext cx="9059822" cy="4608513"/>
           </a:xfrm>
           <a:prstGeom prst="rect">
             <a:avLst/>
@@ -6913,7 +7645,7 @@
       </p:grpSpPr>
       <p:sp>
         <p:nvSpPr>
-          <p:cNvPr id="2" name="Título 1"/>
+          <p:cNvPr id="6" name="Título 5"/>
           <p:cNvSpPr>
             <a:spLocks noGrp="1"/>
           </p:cNvSpPr>
@@ -6924,180 +7656,31 @@
         <p:spPr/>
         <p:txBody>
           <a:bodyPr>
-            <a:normAutofit/>
+            <a:normAutofit fontScale="90000"/>
           </a:bodyPr>
           <a:lstStyle/>
           <a:p>
-            <a:pPr lvl="0"/>
-            <a:r>
-              <a:rPr lang="pt-BR" b="1" cap="small" dirty="0"/>
-              <a:t>Referencial </a:t>
-            </a:r>
-            <a:r>
-              <a:rPr lang="pt-BR" b="1" cap="small" dirty="0" smtClean="0"/>
-              <a:t>teórico</a:t>
-            </a:r>
-            <a:endParaRPr lang="pt-BR" dirty="0"/>
-          </a:p>
-        </p:txBody>
-      </p:sp>
-      <p:sp>
-        <p:nvSpPr>
-          <p:cNvPr id="4" name="Espaço Reservado para Rodapé 3"/>
-          <p:cNvSpPr>
-            <a:spLocks noGrp="1"/>
-          </p:cNvSpPr>
-          <p:nvPr>
-            <p:ph type="ftr" sz="quarter" idx="11"/>
-          </p:nvPr>
-        </p:nvSpPr>
-        <p:spPr>
-          <a:xfrm>
-            <a:off x="0" y="6501112"/>
-            <a:ext cx="8604448" cy="365125"/>
-          </a:xfrm>
-        </p:spPr>
-        <p:txBody>
-          <a:bodyPr/>
-          <a:lstStyle/>
-          <a:p>
-            <a:pPr algn="l"/>
-            <a:r>
-              <a:rPr lang="pt-BR" sz="900" dirty="0" smtClean="0"/>
-              <a:t>Modelo de análise da comunicação e mediação da informação em organizações públicas brasileiras através da Análise de Redes Sociais.</a:t>
-            </a:r>
-            <a:endParaRPr lang="pt-BR" sz="900" dirty="0"/>
-          </a:p>
-        </p:txBody>
-      </p:sp>
-      <p:sp>
-        <p:nvSpPr>
-          <p:cNvPr id="5" name="Espaço Reservado para Número de Slide 4"/>
-          <p:cNvSpPr>
-            <a:spLocks noGrp="1"/>
-          </p:cNvSpPr>
-          <p:nvPr>
-            <p:ph type="sldNum" sz="quarter" idx="12"/>
-          </p:nvPr>
-        </p:nvSpPr>
-        <p:spPr/>
-        <p:txBody>
-          <a:bodyPr/>
-          <a:lstStyle/>
-          <a:p>
-            <a:fld id="{2BA3D508-1B43-4B52-8FAB-4C423C784271}" type="slidenum">
-              <a:rPr lang="pt-BR" smtClean="0"/>
-              <a:t>13</a:t>
-            </a:fld>
-            <a:endParaRPr lang="pt-BR"/>
-          </a:p>
-        </p:txBody>
-      </p:sp>
-      <p:sp>
-        <p:nvSpPr>
-          <p:cNvPr id="6" name="Espaço Reservado para Conteúdo 5"/>
-          <p:cNvSpPr>
-            <a:spLocks noGrp="1"/>
-          </p:cNvSpPr>
-          <p:nvPr>
-            <p:ph idx="1"/>
-          </p:nvPr>
-        </p:nvSpPr>
-        <p:spPr>
-          <a:xfrm>
-            <a:off x="457200" y="2060848"/>
-            <a:ext cx="8229600" cy="4065315"/>
-          </a:xfrm>
-        </p:spPr>
-        <p:txBody>
-          <a:bodyPr>
-            <a:normAutofit fontScale="92500" lnSpcReduction="10000"/>
-          </a:bodyPr>
-          <a:lstStyle/>
-          <a:p>
             <a:r>
               <a:rPr lang="pt-BR" dirty="0"/>
-              <a:t>‘</a:t>
-            </a:r>
-            <a:r>
-              <a:rPr lang="pt-BR" i="1" dirty="0" err="1"/>
-              <a:t>co-word</a:t>
-            </a:r>
-            <a:r>
-              <a:rPr lang="pt-BR" i="1" dirty="0"/>
-              <a:t> </a:t>
-            </a:r>
-            <a:r>
-              <a:rPr lang="pt-BR" i="1" dirty="0" err="1"/>
-              <a:t>analisys</a:t>
-            </a:r>
-            <a:r>
-              <a:rPr lang="pt-BR" i="1" dirty="0"/>
-              <a:t>’</a:t>
-            </a:r>
-            <a:r>
-              <a:rPr lang="pt-BR" dirty="0"/>
-              <a:t>. </a:t>
-            </a:r>
-            <a:r>
-              <a:rPr lang="pt-BR" dirty="0" err="1"/>
-              <a:t>Courtial</a:t>
-            </a:r>
-            <a:r>
-              <a:rPr lang="pt-BR" dirty="0"/>
-              <a:t> (1986 apud POLANCO 2005) propôs a apresentação de clusters </a:t>
-            </a:r>
-            <a:r>
-              <a:rPr lang="pt-BR" dirty="0" err="1"/>
-              <a:t>co-word</a:t>
-            </a:r>
-            <a:r>
-              <a:rPr lang="pt-BR" dirty="0"/>
-              <a:t> no formato de grafos. A técnica do </a:t>
-            </a:r>
-            <a:r>
-              <a:rPr lang="pt-BR" dirty="0" err="1"/>
-              <a:t>co-word</a:t>
-            </a:r>
-            <a:r>
-              <a:rPr lang="pt-BR" dirty="0"/>
-              <a:t> determina que se estabeleça uma borda entre dois termos (vértices) sempre que houver uma </a:t>
-            </a:r>
-            <a:r>
-              <a:rPr lang="pt-BR" dirty="0" err="1"/>
-              <a:t>co-ocorrência</a:t>
-            </a:r>
-            <a:r>
-              <a:rPr lang="pt-BR" dirty="0"/>
-              <a:t> deles no texto. Estando os dois termos no mesmo excerto textual, observar-se-á uma ligação entre eles na rede social correspondente</a:t>
-            </a:r>
-            <a:r>
-              <a:rPr lang="pt-BR" dirty="0" smtClean="0"/>
-              <a:t>.</a:t>
-            </a:r>
-            <a:endParaRPr lang="pt-BR" dirty="0"/>
-          </a:p>
-        </p:txBody>
-      </p:sp>
-      <p:sp>
-        <p:nvSpPr>
-          <p:cNvPr id="8" name="Retângulo 7"/>
+              <a:t>MODELO DE COMUNICAÇÃO ENTRE ORGANIZAÇÕES PÚBLICAS</a:t>
+            </a:r>
+          </a:p>
+        </p:txBody>
+      </p:sp>
+      <p:sp>
+        <p:nvSpPr>
+          <p:cNvPr id="9" name="Retângulo 8"/>
           <p:cNvSpPr/>
           <p:nvPr/>
         </p:nvSpPr>
         <p:spPr>
           <a:xfrm>
-            <a:off x="1907704" y="1268760"/>
-            <a:ext cx="5785792" cy="593956"/>
+            <a:off x="-18256" y="2042621"/>
+            <a:ext cx="9162255" cy="914400"/>
           </a:xfrm>
           <a:prstGeom prst="rect">
             <a:avLst/>
           </a:prstGeom>
-          <a:solidFill>
-            <a:schemeClr val="accent1">
-              <a:alpha val="5000"/>
-            </a:schemeClr>
-          </a:solidFill>
           <a:ln>
             <a:noFill/>
           </a:ln>
@@ -7122,41 +7705,533 @@
           <a:bodyPr rtlCol="0" anchor="ctr"/>
           <a:lstStyle/>
           <a:p>
-            <a:pPr>
-              <a:buFont typeface="Wingdings" pitchFamily="2" charset="2"/>
-              <a:buChar char="ü"/>
-            </a:pPr>
-            <a:r>
-              <a:rPr lang="pt-BR" dirty="0">
+            <a:pPr algn="ctr"/>
+            <a:endParaRPr lang="pt-BR"/>
+          </a:p>
+        </p:txBody>
+      </p:sp>
+      <p:sp>
+        <p:nvSpPr>
+          <p:cNvPr id="10" name="Retângulo 9"/>
+          <p:cNvSpPr/>
+          <p:nvPr/>
+        </p:nvSpPr>
+        <p:spPr>
+          <a:xfrm>
+            <a:off x="-18256" y="2957021"/>
+            <a:ext cx="9162256" cy="2952328"/>
+          </a:xfrm>
+          <a:prstGeom prst="rect">
+            <a:avLst/>
+          </a:prstGeom>
+          <a:gradFill>
+            <a:gsLst>
+              <a:gs pos="0">
+                <a:schemeClr val="accent1"/>
+              </a:gs>
+              <a:gs pos="50000">
+                <a:schemeClr val="accent1">
+                  <a:tint val="44500"/>
+                  <a:satMod val="160000"/>
+                </a:schemeClr>
+              </a:gs>
+              <a:gs pos="100000">
+                <a:schemeClr val="accent1">
+                  <a:tint val="23500"/>
+                  <a:satMod val="160000"/>
+                </a:schemeClr>
+              </a:gs>
+            </a:gsLst>
+            <a:lin ang="5400000" scaled="0"/>
+          </a:gradFill>
+          <a:ln>
+            <a:noFill/>
+          </a:ln>
+        </p:spPr>
+        <p:style>
+          <a:lnRef idx="2">
+            <a:schemeClr val="accent1">
+              <a:shade val="50000"/>
+            </a:schemeClr>
+          </a:lnRef>
+          <a:fillRef idx="1">
+            <a:schemeClr val="accent1"/>
+          </a:fillRef>
+          <a:effectRef idx="0">
+            <a:schemeClr val="accent1"/>
+          </a:effectRef>
+          <a:fontRef idx="minor">
+            <a:schemeClr val="lt1"/>
+          </a:fontRef>
+        </p:style>
+        <p:txBody>
+          <a:bodyPr rtlCol="0" anchor="ctr"/>
+          <a:lstStyle/>
+          <a:p>
+            <a:pPr algn="ctr"/>
+            <a:endParaRPr lang="pt-BR"/>
+          </a:p>
+        </p:txBody>
+      </p:sp>
+      <p:sp>
+        <p:nvSpPr>
+          <p:cNvPr id="11" name="Retângulo 10"/>
+          <p:cNvSpPr/>
+          <p:nvPr/>
+        </p:nvSpPr>
+        <p:spPr>
+          <a:xfrm rot="16200000">
+            <a:off x="5150620" y="3908691"/>
+            <a:ext cx="2493463" cy="914400"/>
+          </a:xfrm>
+          <a:prstGeom prst="rect">
+            <a:avLst/>
+          </a:prstGeom>
+        </p:spPr>
+        <p:style>
+          <a:lnRef idx="2">
+            <a:schemeClr val="accent1">
+              <a:shade val="50000"/>
+            </a:schemeClr>
+          </a:lnRef>
+          <a:fillRef idx="1">
+            <a:schemeClr val="accent1"/>
+          </a:fillRef>
+          <a:effectRef idx="0">
+            <a:schemeClr val="accent1"/>
+          </a:effectRef>
+          <a:fontRef idx="minor">
+            <a:schemeClr val="lt1"/>
+          </a:fontRef>
+        </p:style>
+        <p:txBody>
+          <a:bodyPr rtlCol="0" anchor="ctr"/>
+          <a:lstStyle/>
+          <a:p>
+            <a:pPr algn="ctr"/>
+            <a:r>
+              <a:rPr lang="pt-BR" dirty="0" smtClean="0"/>
+              <a:t>Organização</a:t>
+            </a:r>
+          </a:p>
+          <a:p>
+            <a:pPr algn="ctr"/>
+            <a:r>
+              <a:rPr lang="pt-BR" dirty="0" smtClean="0"/>
+              <a:t>Publica B</a:t>
+            </a:r>
+            <a:endParaRPr lang="pt-BR" dirty="0"/>
+          </a:p>
+        </p:txBody>
+      </p:sp>
+      <p:sp>
+        <p:nvSpPr>
+          <p:cNvPr id="12" name="CaixaDeTexto 11"/>
+          <p:cNvSpPr txBox="1"/>
+          <p:nvPr/>
+        </p:nvSpPr>
+        <p:spPr>
+          <a:xfrm>
+            <a:off x="7236296" y="2596981"/>
+            <a:ext cx="1595052" cy="369332"/>
+          </a:xfrm>
+          <a:prstGeom prst="rect">
+            <a:avLst/>
+          </a:prstGeom>
+          <a:noFill/>
+        </p:spPr>
+        <p:txBody>
+          <a:bodyPr wrap="none" rtlCol="0">
+            <a:spAutoFit/>
+          </a:bodyPr>
+          <a:lstStyle/>
+          <a:p>
+            <a:r>
+              <a:rPr lang="pt-BR" dirty="0" smtClean="0">
                 <a:solidFill>
-                  <a:schemeClr val="tx1"/>
+                  <a:schemeClr val="bg1"/>
                 </a:solidFill>
               </a:rPr>
-              <a:t>A </a:t>
-            </a:r>
-            <a:r>
-              <a:rPr lang="pt-BR" dirty="0" err="1">
+              <a:t>Espaço Formal</a:t>
+            </a:r>
+          </a:p>
+        </p:txBody>
+      </p:sp>
+      <p:sp>
+        <p:nvSpPr>
+          <p:cNvPr id="13" name="CaixaDeTexto 12"/>
+          <p:cNvSpPr txBox="1"/>
+          <p:nvPr/>
+        </p:nvSpPr>
+        <p:spPr>
+          <a:xfrm>
+            <a:off x="7209134" y="2957021"/>
+            <a:ext cx="1683346" cy="369332"/>
+          </a:xfrm>
+          <a:prstGeom prst="rect">
+            <a:avLst/>
+          </a:prstGeom>
+          <a:noFill/>
+        </p:spPr>
+        <p:txBody>
+          <a:bodyPr wrap="none" rtlCol="0">
+            <a:spAutoFit/>
+          </a:bodyPr>
+          <a:lstStyle/>
+          <a:p>
+            <a:r>
+              <a:rPr lang="pt-BR" dirty="0" smtClean="0">
                 <a:solidFill>
-                  <a:schemeClr val="tx1"/>
+                  <a:schemeClr val="bg1"/>
                 </a:solidFill>
               </a:rPr>
-              <a:t>co-ocorrencia</a:t>
-            </a:r>
-            <a:r>
-              <a:rPr lang="pt-BR" dirty="0">
-                <a:solidFill>
-                  <a:schemeClr val="tx1"/>
-                </a:solidFill>
-              </a:rPr>
-              <a:t> de entidades em publicações sinaliza uma comunicação entre elas.</a:t>
-            </a:r>
+              <a:t>Espaço Informal</a:t>
+            </a:r>
+          </a:p>
+        </p:txBody>
+      </p:sp>
+      <p:sp>
+        <p:nvSpPr>
+          <p:cNvPr id="14" name="Retângulo 13"/>
+          <p:cNvSpPr/>
+          <p:nvPr/>
+        </p:nvSpPr>
+        <p:spPr>
+          <a:xfrm rot="16200000">
+            <a:off x="-84260" y="3890569"/>
+            <a:ext cx="2493463" cy="914400"/>
+          </a:xfrm>
+          <a:prstGeom prst="rect">
+            <a:avLst/>
+          </a:prstGeom>
+        </p:spPr>
+        <p:style>
+          <a:lnRef idx="2">
+            <a:schemeClr val="accent1">
+              <a:shade val="50000"/>
+            </a:schemeClr>
+          </a:lnRef>
+          <a:fillRef idx="1">
+            <a:schemeClr val="accent1"/>
+          </a:fillRef>
+          <a:effectRef idx="0">
+            <a:schemeClr val="accent1"/>
+          </a:effectRef>
+          <a:fontRef idx="minor">
+            <a:schemeClr val="lt1"/>
+          </a:fontRef>
+        </p:style>
+        <p:txBody>
+          <a:bodyPr rtlCol="0" anchor="ctr"/>
+          <a:lstStyle/>
+          <a:p>
+            <a:pPr algn="ctr"/>
+            <a:r>
+              <a:rPr lang="pt-BR" dirty="0" smtClean="0"/>
+              <a:t>Organização</a:t>
+            </a:r>
+          </a:p>
+          <a:p>
+            <a:pPr algn="ctr"/>
+            <a:r>
+              <a:rPr lang="pt-BR" dirty="0" smtClean="0"/>
+              <a:t>Publica A</a:t>
+            </a:r>
+            <a:endParaRPr lang="pt-BR" dirty="0"/>
+          </a:p>
+        </p:txBody>
+      </p:sp>
+      <p:sp>
+        <p:nvSpPr>
+          <p:cNvPr id="15" name="Triângulo isósceles 14"/>
+          <p:cNvSpPr/>
+          <p:nvPr/>
+        </p:nvSpPr>
+        <p:spPr>
+          <a:xfrm rot="10800000">
+            <a:off x="1619671" y="2957021"/>
+            <a:ext cx="4320480" cy="2808312"/>
+          </a:xfrm>
+          <a:prstGeom prst="triangle">
+            <a:avLst/>
+          </a:prstGeom>
+          <a:noFill/>
+        </p:spPr>
+        <p:style>
+          <a:lnRef idx="2">
+            <a:schemeClr val="accent1">
+              <a:shade val="50000"/>
+            </a:schemeClr>
+          </a:lnRef>
+          <a:fillRef idx="1">
+            <a:schemeClr val="accent1"/>
+          </a:fillRef>
+          <a:effectRef idx="0">
+            <a:schemeClr val="accent1"/>
+          </a:effectRef>
+          <a:fontRef idx="minor">
+            <a:schemeClr val="lt1"/>
+          </a:fontRef>
+        </p:style>
+        <p:txBody>
+          <a:bodyPr rtlCol="0" anchor="ctr"/>
+          <a:lstStyle/>
+          <a:p>
+            <a:pPr algn="ctr"/>
+            <a:endParaRPr lang="pt-BR"/>
+          </a:p>
+        </p:txBody>
+      </p:sp>
+      <p:cxnSp>
+        <p:nvCxnSpPr>
+          <p:cNvPr id="16" name="Conector reto 15"/>
+          <p:cNvCxnSpPr/>
+          <p:nvPr/>
+        </p:nvCxnSpPr>
+        <p:spPr>
+          <a:xfrm>
+            <a:off x="-18256" y="2957021"/>
+            <a:ext cx="9162255" cy="32077"/>
+          </a:xfrm>
+          <a:prstGeom prst="line">
+            <a:avLst/>
+          </a:prstGeom>
+          <a:ln>
+            <a:solidFill>
+              <a:schemeClr val="tx2"/>
+            </a:solidFill>
+          </a:ln>
+        </p:spPr>
+        <p:style>
+          <a:lnRef idx="1">
+            <a:schemeClr val="accent1"/>
+          </a:lnRef>
+          <a:fillRef idx="0">
+            <a:schemeClr val="accent1"/>
+          </a:fillRef>
+          <a:effectRef idx="0">
+            <a:schemeClr val="accent1"/>
+          </a:effectRef>
+          <a:fontRef idx="minor">
+            <a:schemeClr val="tx1"/>
+          </a:fontRef>
+        </p:style>
+      </p:cxnSp>
+      <p:pic>
+        <p:nvPicPr>
+          <p:cNvPr id="17" name="Picture 5"/>
+          <p:cNvPicPr>
+            <a:picLocks noChangeAspect="1" noChangeArrowheads="1"/>
+          </p:cNvPicPr>
+          <p:nvPr/>
+        </p:nvPicPr>
+        <p:blipFill>
+          <a:blip r:embed="rId3">
+            <a:clrChange>
+              <a:clrFrom>
+                <a:srgbClr val="FFFFFF"/>
+              </a:clrFrom>
+              <a:clrTo>
+                <a:srgbClr val="FFFFFF">
+                  <a:alpha val="0"/>
+                </a:srgbClr>
+              </a:clrTo>
+            </a:clrChange>
+            <a:extLst>
+              <a:ext uri="{28A0092B-C50C-407E-A947-70E740481C1C}">
+                <a14:useLocalDpi xmlns:a14="http://schemas.microsoft.com/office/drawing/2010/main" val="0"/>
+              </a:ext>
+            </a:extLst>
+          </a:blip>
+          <a:srcRect/>
+          <a:stretch>
+            <a:fillRect/>
+          </a:stretch>
+        </p:blipFill>
+        <p:spPr bwMode="auto">
+          <a:xfrm>
+            <a:off x="2501770" y="3165094"/>
+            <a:ext cx="2771775" cy="2590800"/>
+          </a:xfrm>
+          <a:prstGeom prst="rect">
+            <a:avLst/>
+          </a:prstGeom>
+          <a:noFill/>
+          <a:ln>
+            <a:noFill/>
+          </a:ln>
+          <a:effectLst/>
+        </p:spPr>
+      </p:pic>
+      <p:cxnSp>
+        <p:nvCxnSpPr>
+          <p:cNvPr id="18" name="Conector de seta reta 17"/>
+          <p:cNvCxnSpPr/>
+          <p:nvPr/>
+        </p:nvCxnSpPr>
+        <p:spPr>
+          <a:xfrm flipV="1">
+            <a:off x="2339752" y="3308366"/>
+            <a:ext cx="0" cy="2304256"/>
+          </a:xfrm>
+          <a:prstGeom prst="straightConnector1">
+            <a:avLst/>
+          </a:prstGeom>
+          <a:ln>
+            <a:solidFill>
+              <a:schemeClr val="tx1"/>
+            </a:solidFill>
+            <a:tailEnd type="arrow"/>
+          </a:ln>
+        </p:spPr>
+        <p:style>
+          <a:lnRef idx="1">
+            <a:schemeClr val="accent1"/>
+          </a:lnRef>
+          <a:fillRef idx="0">
+            <a:schemeClr val="accent1"/>
+          </a:fillRef>
+          <a:effectRef idx="0">
+            <a:schemeClr val="accent1"/>
+          </a:effectRef>
+          <a:fontRef idx="minor">
+            <a:schemeClr val="tx1"/>
+          </a:fontRef>
+        </p:style>
+      </p:cxnSp>
+      <p:sp>
+        <p:nvSpPr>
+          <p:cNvPr id="19" name="Triângulo isósceles 18"/>
+          <p:cNvSpPr/>
+          <p:nvPr/>
+        </p:nvSpPr>
+        <p:spPr>
+          <a:xfrm>
+            <a:off x="1620115" y="1988840"/>
+            <a:ext cx="4320036" cy="968181"/>
+          </a:xfrm>
+          <a:prstGeom prst="triangle">
+            <a:avLst/>
+          </a:prstGeom>
+          <a:noFill/>
+        </p:spPr>
+        <p:style>
+          <a:lnRef idx="2">
+            <a:schemeClr val="accent1">
+              <a:shade val="50000"/>
+            </a:schemeClr>
+          </a:lnRef>
+          <a:fillRef idx="1">
+            <a:schemeClr val="accent1"/>
+          </a:fillRef>
+          <a:effectRef idx="0">
+            <a:schemeClr val="accent1"/>
+          </a:effectRef>
+          <a:fontRef idx="minor">
+            <a:schemeClr val="lt1"/>
+          </a:fontRef>
+        </p:style>
+        <p:txBody>
+          <a:bodyPr rtlCol="0" anchor="ctr"/>
+          <a:lstStyle/>
+          <a:p>
+            <a:pPr algn="ctr"/>
+            <a:endParaRPr lang="pt-BR"/>
+          </a:p>
+        </p:txBody>
+      </p:sp>
+      <p:sp>
+        <p:nvSpPr>
+          <p:cNvPr id="20" name="Retângulo 19"/>
+          <p:cNvSpPr/>
+          <p:nvPr/>
+        </p:nvSpPr>
+        <p:spPr>
+          <a:xfrm>
+            <a:off x="2141730" y="2164933"/>
+            <a:ext cx="3582398" cy="720080"/>
+          </a:xfrm>
+          <a:prstGeom prst="rect">
+            <a:avLst/>
+          </a:prstGeom>
+        </p:spPr>
+        <p:style>
+          <a:lnRef idx="2">
+            <a:schemeClr val="accent1">
+              <a:shade val="50000"/>
+            </a:schemeClr>
+          </a:lnRef>
+          <a:fillRef idx="1">
+            <a:schemeClr val="accent1"/>
+          </a:fillRef>
+          <a:effectRef idx="0">
+            <a:schemeClr val="accent1"/>
+          </a:effectRef>
+          <a:fontRef idx="minor">
+            <a:schemeClr val="lt1"/>
+          </a:fontRef>
+        </p:style>
+        <p:txBody>
+          <a:bodyPr rtlCol="0" anchor="ctr"/>
+          <a:lstStyle/>
+          <a:p>
+            <a:pPr algn="ctr"/>
+            <a:r>
+              <a:rPr lang="pt-BR" dirty="0" smtClean="0"/>
+              <a:t>Imprensa e comunicação oficial</a:t>
+            </a:r>
+            <a:endParaRPr lang="pt-BR" dirty="0"/>
+          </a:p>
+        </p:txBody>
+      </p:sp>
+      <p:sp>
+        <p:nvSpPr>
+          <p:cNvPr id="21" name="Retângulo 20"/>
+          <p:cNvSpPr/>
+          <p:nvPr/>
+        </p:nvSpPr>
+        <p:spPr>
+          <a:xfrm>
+            <a:off x="5076056" y="2825007"/>
+            <a:ext cx="1202434" cy="348038"/>
+          </a:xfrm>
+          <a:prstGeom prst="rect">
+            <a:avLst/>
+          </a:prstGeom>
+        </p:spPr>
+        <p:style>
+          <a:lnRef idx="2">
+            <a:schemeClr val="accent1">
+              <a:shade val="50000"/>
+            </a:schemeClr>
+          </a:lnRef>
+          <a:fillRef idx="1">
+            <a:schemeClr val="accent1"/>
+          </a:fillRef>
+          <a:effectRef idx="0">
+            <a:schemeClr val="accent1"/>
+          </a:effectRef>
+          <a:fontRef idx="minor">
+            <a:schemeClr val="lt1"/>
+          </a:fontRef>
+        </p:style>
+        <p:txBody>
+          <a:bodyPr rtlCol="0" anchor="ctr"/>
+          <a:lstStyle/>
+          <a:p>
+            <a:pPr algn="ctr"/>
+            <a:r>
+              <a:rPr lang="pt-BR" sz="1100" dirty="0" smtClean="0"/>
+              <a:t>Representante</a:t>
+            </a:r>
+            <a:endParaRPr lang="pt-BR" sz="1100" dirty="0"/>
           </a:p>
         </p:txBody>
       </p:sp>
     </p:spTree>
     <p:extLst>
       <p:ext uri="{BB962C8B-B14F-4D97-AF65-F5344CB8AC3E}">
-        <p14:creationId xmlns:p14="http://schemas.microsoft.com/office/powerpoint/2010/main" val="4061997005"/>
+        <p14:creationId xmlns:p14="http://schemas.microsoft.com/office/powerpoint/2010/main" val="826487241"/>
       </p:ext>
     </p:extLst>
   </p:cSld>
@@ -7569,7 +8644,7 @@
     </p:spTree>
     <p:extLst>
       <p:ext uri="{BB962C8B-B14F-4D97-AF65-F5344CB8AC3E}">
-        <p14:creationId xmlns:p14="http://schemas.microsoft.com/office/powerpoint/2010/main" val="826487241"/>
+        <p14:creationId xmlns:p14="http://schemas.microsoft.com/office/powerpoint/2010/main" val="707690357"/>
       </p:ext>
     </p:extLst>
   </p:cSld>
@@ -9903,423 +10978,551 @@
       </p:grpSpPr>
       <p:sp>
         <p:nvSpPr>
-          <p:cNvPr id="2" name="Título 1"/>
-          <p:cNvSpPr>
-            <a:spLocks noGrp="1"/>
-          </p:cNvSpPr>
-          <p:nvPr>
-            <p:ph type="title"/>
-          </p:nvPr>
+          <p:cNvPr id="12" name="Texto explicativo em seta para a esquerda e para a direita 11"/>
+          <p:cNvSpPr/>
+          <p:nvPr/>
         </p:nvSpPr>
         <p:spPr>
           <a:xfrm>
-            <a:off x="460375" y="0"/>
-            <a:ext cx="8229600" cy="1143000"/>
-          </a:xfrm>
-        </p:spPr>
-        <p:txBody>
-          <a:bodyPr/>
-          <a:lstStyle/>
-          <a:p>
-            <a:r>
-              <a:rPr lang="pt-BR" dirty="0" smtClean="0"/>
-              <a:t>Contexto</a:t>
-            </a:r>
-            <a:endParaRPr lang="pt-BR" dirty="0"/>
-          </a:p>
-        </p:txBody>
-      </p:sp>
-      <p:sp>
-        <p:nvSpPr>
-          <p:cNvPr id="4" name="Espaço Reservado para Rodapé 3"/>
-          <p:cNvSpPr>
-            <a:spLocks noGrp="1"/>
-          </p:cNvSpPr>
-          <p:nvPr>
-            <p:ph type="ftr" sz="quarter" idx="11"/>
-          </p:nvPr>
+            <a:off x="0" y="5157192"/>
+            <a:ext cx="9144000" cy="1384995"/>
+          </a:xfrm>
+          <a:prstGeom prst="leftRightArrowCallout">
+            <a:avLst>
+              <a:gd name="adj1" fmla="val 31002"/>
+              <a:gd name="adj2" fmla="val 50000"/>
+              <a:gd name="adj3" fmla="val 31002"/>
+              <a:gd name="adj4" fmla="val 84405"/>
+            </a:avLst>
+          </a:prstGeom>
+          <a:solidFill>
+            <a:schemeClr val="bg1">
+              <a:lumMod val="50000"/>
+              <a:alpha val="10000"/>
+            </a:schemeClr>
+          </a:solidFill>
+          <a:ln>
+            <a:noFill/>
+          </a:ln>
+        </p:spPr>
+        <p:style>
+          <a:lnRef idx="2">
+            <a:schemeClr val="accent1">
+              <a:shade val="50000"/>
+            </a:schemeClr>
+          </a:lnRef>
+          <a:fillRef idx="1">
+            <a:schemeClr val="accent1"/>
+          </a:fillRef>
+          <a:effectRef idx="0">
+            <a:schemeClr val="accent1"/>
+          </a:effectRef>
+          <a:fontRef idx="minor">
+            <a:schemeClr val="lt1"/>
+          </a:fontRef>
+        </p:style>
+        <p:txBody>
+          <a:bodyPr rtlCol="0" anchor="ctr"/>
+          <a:lstStyle/>
+          <a:p>
+            <a:pPr algn="ctr"/>
+            <a:endParaRPr lang="pt-BR"/>
+          </a:p>
+        </p:txBody>
+      </p:sp>
+      <p:sp>
+        <p:nvSpPr>
+          <p:cNvPr id="8" name="Seta para baixo 7"/>
+          <p:cNvSpPr/>
+          <p:nvPr/>
         </p:nvSpPr>
         <p:spPr>
-          <a:xfrm>
-            <a:off x="0" y="6501112"/>
-            <a:ext cx="8604448" cy="365125"/>
-          </a:xfrm>
-        </p:spPr>
-        <p:txBody>
-          <a:bodyPr/>
-          <a:lstStyle/>
-          <a:p>
-            <a:pPr algn="l"/>
-            <a:r>
-              <a:rPr lang="pt-BR" sz="900" dirty="0" smtClean="0"/>
-              <a:t>Modelo de análise da comunicação e mediação da informação em organizações públicas brasileiras através da Análise de Redes Sociais.</a:t>
-            </a:r>
-            <a:endParaRPr lang="pt-BR" sz="900" dirty="0"/>
-          </a:p>
-        </p:txBody>
-      </p:sp>
-      <p:sp>
-        <p:nvSpPr>
-          <p:cNvPr id="6" name="AutoShape 2" descr="data:image/jpeg;base64,/9j/4AAQSkZJRgABAQAAAQABAAD/2wCEAAkGBhQSERUUExQVFRQVFxcaGBgYGBgaGhgcGhccGhgcFx0aHSYfGxojGxgdIC8gJCcpLC0sHB4xNTAqNiYrLCkBCQoKDgwNFA8PFCkYFBgpKSkpKSkpKSkpKSkpKSkpKSkpKSkpKSkpKSkpKSkpKSkpKSkpKSkpKSkpKSkpKSkpKf/AABEIANwA5QMBIgACEQEDEQH/xAAcAAABBQEBAQAAAAAAAAAAAAADAAECBAUHBgj/xABOEAACAQIEAwQECAsGBAUFAAABAhEDIQAEEjEiQVEFEzJhBhRxkSNCUmKBobHSBxUkM0NTcpLB0fAWVYKi0+E0pLLURGOzwvEIJVSDw//EABYBAQEBAAAAAAAAAAAAAAAAAAABAv/EABYRAQEBAAAAAAAAAAAAAAAAAAARAf/aAAwDAQACEQMRAD8A63OFiNRyLaWbzEfxIxA1m/Vv/k+9jDAoGFpwIVz8h/8AJ97D96fkN/k+9gJ4U/ZiPen5De9fvYRqnkje9PvYCcYWB98fkOfpT72Eap/Vv70+/gCDC04Gap+Q3+T7+F37H9G/vp/fwBIwsC9YP6t/fT+/hd+w/Rv76f38AUHCjAu/P6t/en38P3p+Q3vT72AJzwt8Q1n5Df5PvYfvT8hvev3sBLDAYj3h+Q3+X72FrPyG/wAn3sBPCIwPvG+Qfev88MKp+Qfev88AU4YDEO+b5B96/wA8LvW+Qfev88AT34Y4h3rfIPvX+eG7xvkH3r/PAFwiI3xSztBqmjhI0OrfFMxyjVF5IvPXe+KOT7JqUwAIaKemSFkEAgMo1xJ1HV1gYo2h5Ywuz8/UPaOapO5amlLLvTWANOs1Q1xczoG/TBsj2Y9Mpd2VNpKzpAZVVjquAGBNrlQfZHJ9lVVz1XMMw01aaU9GgDStMsy8XeGTLtPCOW0XK2owsPhYiJYFmcwtNSzkKo3nb6+eDY8n6bZhNdKnVJ7pgZhoBJ2nrz2NrnzxVWG9PMsvES/d6tOvSdMxPtAm07Tjey2ZSoodCGU7EEHl5eWPI1OwafqcSIJ1BS1pV78yWJYi9r3JuBi76HZpS1RKZY041DUxa+oht+dr9cBv5vMimhdgxCgk6VZzAvZVBJ9gGMHsr8ImTzIc5d6tbuwC+jL12KzMWCTeDHsx6V1kR7ccX/8Apy3z3sy//wDXAdV7G9I8vm9XcVVdkMOl1dDJHGjgMtwRcDY4DU9LssudXIl/yhhIXSxHhLQWiAdILRP8Mcz/AAq127P7Xy2donSzpNULA7wUjxhuuqmQt+g6SPTv6V0/x9TyrZOiazIdGaDS4TumqCxpyNisauuEHse2O1qeVotWqE6FKg6QWYlmCKAouSWYCMXKbSAYIkTB3E8j548FnPT9a9LO1KWXp1U7OqKWWq7K7MjMdagIQoBUlSSTK7KQMS7V/CkU7Lo9o0svqWq5RqbPpZTLqYYAhhqToLEG22EHuK1YIrOxgKCxPQAEk+7GZ6NelGXz9I1csxdFcoZUqQwAJEHyIM+fXGB2X6cZvMCo34vNOj6oMxSqVHlKnCDoJUEDVxcywABK3gZfov8AhLy1PsmrmzlqeWp065ppRpFfhHKKwjhUSdRm1gpPKMIOlRhAY8PmfwjPlhkqmcpLToZ5QQyFvgCQjBauoAEQ9zaIaxjHuQuAye2/SfL5TSK1SHqGEpqrPUc/NRAWN+cRivnvTLL5dkXM95l+8MI9VIQmJgupKqYGzEY5p+DrOnO+kOZzFXiKJXNMGeALUWkoXkNKMf3vM46D+E7s9a3ZWaDCdFI1F8jT4gfqj2E4Dc7T7TpZei9as6pSQamc3AHKIuSZgASTIjHnaf4TcmS4Y1UKUPWBqTx0okMsE7/JaD5Y5RT7ar1vRqrTOh6dCsiMzO3eBS1NqQQaSCASy3YQAsA46D2RnKlDsBa70MvUCZZIQlj3tAKARUJThaJ4OJeU3kWEey7B7epZzLpmKJJpvMahBBUlSGHUERjQjHgOy/wiInZeVrU8vTSpmKvcUMuh0oG7woJIWyiJMDmOuNCj6VZlO0h2fWpozVaTVKVemjhBAJIqIzkwCCuoPuVsNVpBf9EvTnLdo996t3nwDhW1ppkNOllueE6WsYa1wLY9CMc29BfwhJVo9oVmytKiMqFquMuL1WYVC5aQJb4Pc4n2l+FKrRyeVzxpUnoZltBprrFSmRqkBjw1DwMJ0qDbkZwhHpu1fTXL5fNU8rVFQVaxTu4SVbU2gcQJjisZuPYRO/GOT/hRb/7z2QR+sp/XXT+eOtYDP/GqfKUxPxjy3mFtuDHmMIdrrwkFIcgKdRhidtJ0wdjtjI7+jcaCBq5qADrqFSfzsXZSSbTc3vhz2jQcpIPFUWJSwYgkE/CQq3M8iTzJGA2E7RBKgaSWAZQGJlTsfD4fPBqNfWARpKmbhp2t064wqWbpSmkNcaQSNLKFqrS0nVUDBZqqY2IIPTF7s3OIGSmqlA4ZgugKAQbqb2cw5gb6HPtDWK4bEpwsRDxjynpxVKhGNMkKw0sDYTZgQbamJUDnvBm2PW6cM9MEEESDuDsfbgrl79tENBiN9EGx/Z0+LTy2uD83Hp/Qcko7aSJqOrFiZhDCgC4kSwPOfdjfodk0lstNVAEQogRzAAtHli0qAAACAOmwHli0I7fbjif/ANOlYBs6CQOGgd94NWT9Yx1/tmoi0T3qLUQlFKsAVOtwl9UiJbptjCpZbJ1CAMhRuRZqVEEHhLSNJHAZkz8QxNpYPC+neTPbPa1HL5bjo5ZdNest0TW01Bq21aQAAJkki2knBu0QP7X5cC0UwI6fk1T+GPf5L0hTu17ukFUozhAQkRMAAgAE2gmNxygkLPlS7OcnTL8Tj4Je9Z1qaABKyH1QZJ52kAnBXM+0fTwZ+h2oKj+rrTQijl0BWpVYkgvXgamK6RKzpAY6gQJxT7Vqr/ZPLjUuoZlgRN5NWsbjfYT7MdkqjLoprUqFNxmFJdkRZqKVkF4WXUgid4mSIBxXo5bKA9wuUoKqMdINNFQzuV4SJZlYRz0E9Jobslwex6RmxySGfLuBfHDuzexqmY9HKzUl1Ghnu8dRvo9XVSwA3jVJ8gx5Y7smdpmmaYyylNUd2Auk3QzpKhYloBNiwItvhspn6FLSaWXFPvFpmRT7vxOo0vwAhlVw+kiYnaMBzb8JdYZ/JdkUMvx1sxpZUFyo7pVYtpnSFLX/AGW6HHZKSaVAmYAE+zAsp2bRplnpUqas92ZEVS1t2Ki9sWCMRHGcjkD2L261Wvw5TNd4iVjZF7wioqudlKsgW/K+wx7P8K3b6UezqtIEPWzS91Rpgyzl4VioEkgKSek6RuRj2VWiGBVgCDuCAQfaDvipkOwsvQJNHL0aRO5p00Qn26QJwo5F2l6KvkPRmste1WrVo1HSZ0TUQKntCrJ8y2PSNUB9FZkf8CBuNwsR7ZtjoGYySVI101eJjUqtE9JGIjs+mF0imgWZjQInaYiJjCq+fq2SqDsXs3OURrGSr1ywEnTqrh1Zo2WaYBt8YY7P6O+nmVzoT1d2ZmGp00maMb96fCt7C/F8WRcEyvagFQoMuEBdkJEAECpoBMLF4mCbSORBwn7WVVdUoACKhgiFOlC6EgLcOoF9gZEzAYOTfgo7c9Vy/bFdB3hpim6pyaDWE2+LcEkcsYvpl29632blsw9epUzLV37wDWtKgAG0U0VR3amACDdyCZMbd1o9oKASKCaprrpXc93V7tB4P0g4vIH4wvi6woPSQGkGpMAwXuWYXuJUKQD5Hni0co/CV2hSftbsdkqIy6qLSrAjScwsGQfCYMHyx2QYyc9mkRyO4VyCo2E3C3IK2UAxM76RztrUxwiRpsLdPL+GIjGQVS96badW/eVBbvACI124Jedj4YGBo1bWZpPp1VBIq1ASFHwZu/xjY2gb42/Vl+QvuGF6svyF9wwGKHrWmm48M/CVTHAS3x78QgW2IxrUsuu4L+xnc+8FsEGWX5K+4fyw4y6j4oH0DAPMYWHjCxBS7Sq6dPwbVCQ3hJAECQDHXYYr06sgnuag23apaTHFb6bT5xjSqZiCRpJgAmCsXmJkj5OGGbHQ+9PvYoyzWN/gH3YeKr8USt9PxuuwNje2D5biKzSYAxcmpzXVsQCImLxeRi4M15H3p97DeufNPvp/fxADNppTUtIs0gaZuRNyLkbXAMecYhXBVFY0QzHdVJaOlyB7eXTFr1v5rD/FT+/hzm/mN+9T+/gB5Aa0BenoMtwzyDED3iD9ODnLr0+3EBnPmN76f38N6381v3qf38BP1VSbqMZVOuxDEZYSAIUyJYqSVJ08IDaV1bESwtjTOZ+af3k+9hetfNPvT72KM2nWY39XAEtEiCRpJXlAkjTfr0gkhqNI+AAGlCZWSCZ1ARvED3+/QGa+afen3sN6z80+9fvYDMy+ZeAXy0baoWdKlTJAAJYhoEbxJiwk1dmE6aCtxEDhiQNN5i27X2MW3xcGb+af8v3sL1n5p96/ewGc2sMvwCQRJOg8JkiI9kR9MxaWdqomMujdAF0zveTI3ifKecDGpSzIJiCJBImLgQDsfPDJmNQBCsQRI8NxyN2wGVTq1iYOWQDURMcpENG+0nTz64m2uV/J6cGNXCDp4QeW51Ei20X3xp9+fkN70+9hvWD8hz5zT+9gM3M03DcGXpMvsAPiIty8MH3+QN3K5RSilqSKxUSNK2MSRgvrBj82/vT7+Ea5/Vv76f374giMjT/Vp+4P5Yf1Cn+rp/ur/LExmD+rf3pP/XhLUPyG96fewERkqf6tP3V/ljgf9sNWcOWAzBcVaik98VUldQiN1U+KxBGkWMkY773x+Q3vT72Kv4vpH/wyGfmUr+e+LiuM0HqxpfvCygaiM24PJdTiRp1HUbArwGJtiGWFXTx98TqJn1yqg0MSROlviqyr7UM76j2pclSG2XUf4KQ/jhvVaV4y6/uU/wChi0cUpu6IO+atqVQah9drjkJIAb5SsIHJlEzBwDs70pRc/QoD1nvPWaKEnNVmS9ZZsXhhBi4vceeO7DKoP0A/dQfxwiEF+6iLk6Vtzm2FFvThYbD4yij2hQV9auodXFJWVgCGVqjAhgdwQSMZVT0I7MG+Tyg3/R0xtc8umNrMHiM9aP8A6hxndpei6Vi+qpUAdaywNFhWRVeOEz4QRM3wFdvQTswGDk8pO0d2m9re2494wh6DdmCT6nlLHT+bSxmI9vKMXh6N0vWTmLl2klTpK6iKYD7SHC0gAZ2MGYEBb0UpkzrqD4c1wA1gxUpG3h0k26mekUAX0H7MYwMnkyd7U6dwDBPmJtiP9iuzLD1TJ3JA+Dp3I3AtcjFrsr0XTLuHp1Kg4dJUkFSNRbYi0TA6CeZJxLK+jSU6q1BUqFl1QDoAIaOE6VExp3MnrsICq3oP2Zf8jygi5+Dp2gwZta4jDf2K7Mv+SZOwk/BUrDeTaw88aI7ApCnUVQF1l+JVUEa3NQgWiNRmIwLL+jSItRQ7kVRxTFjvqEAAGb2gDlAAgM4+h3ZUx6tkwb27uj/LpGJD0J7LifVspHXu6PSenS/sxYzPodTqUXovUqMrirLEqW+FpPRYzETFQtt4vdgdb0Hou5ctU1EkyNO5omjquPFotO9hywEf7F9mf/jZO0T8FQ3baeHnyw7+hXZomcrkxABM0qFpiJ4LDDL6DUQCA9QSoUzoawpNSgBlKjgc7DePObPaXoklZyxqVFJKMNOixRqJF9Oq/cKCJ5tzggAN6D9nAwcplJkW7mhz2+Jzgx/thU/Qns5vDlcobTajQNtpsm1jfFnPei1KtWNVtQY9xMQJ7k1CJMSdQqlTM2AAjC7I9FqeXqd4jOToZYYgjjcOx2ncDntEzAgD9l5JKQp06aKiL3wVVVVUfCDYKAB123xSziLpoMyBiKYiaopi+nUCDZgQATv4RjTy44h7a3/qYyu0BCUr0JFNYFUMRMDT4fP6gfMgBVPik0KZKr3YmukqvhJBAEG5EjkCLTiNLJ95q10ygCyWXMKYOxgKABe8kAb2tGKxCcjkwLSdNSSYJg2sYjaCPqxa74ItRT6r3hImDUAkEF+8m9lLMDNoPTBQ8tOpWWjzVh+VL08J5nnawgxsMFyuVBAWrSKpZgWrhoYB0GkWMAMTqsLSNhivWVNVM/kugEgkd4ALQwK6gHuTAMjnY4nmXZ9YdsrqQEOZrgoPjFWBmxeBERtPDYGq0hHeGhDtYhcwNW/hMDYFmtygzviVXKkqfgSRtIzY3ZQbGN5JF42tvgebqICoQZUGBc943wkkniUSFgq3I36YtZaCVpj1YpJYqO8E6QYIkxIYATzAP0A5pKCjd3x3UoK68KhSq72JIYCORbzMhpZU2PcEDSv/AIlRIhtIjTB2ETY6ugxBkpjSD6mCFWZWpvpjhEyFsN+hwwr6y0nKFiVN1qG4XTTuLMwkrY8wOeAc5IzelMGROYWxhtTAwWiKhBBsBPyjN3J9nrWJ10ym5la+otbu5YrtwqsXmdXS9SEMGl6oFIMq2s8ScVQiIkaWBvtJ6mS5XPimPg3yoLbkd5BOokcyfCffPLAbeSyK050zxaZk9BAgbD6MEzf5t/2W+w4zMn20L95VoEAEjuw8/KuDNtN/oJ5GL9Ssr0WZSCpVoI22I+0YIsjCw6DywsQU83lu87ynqZNSJxJp1LxPBXUpWQRIkHGOfQ1/7x7Q/fy3/b49APGT81ftfBMFebHoe/8AeOf/AHst/wBviQ9D6n945/8Aey3/AG+PQkxjPHpBS06pblbQwN/aIiLzMQCcBnn0Tq/3lnvflv8At8MPROt/eWe/5b/QxpDt6gW094JvyNojlvznbr0OHftulLqGJZIlQL3IURNvE0b8j7cUZn9k639557/lv9DC/snX/vPO+7K/6GIrWAAAzhAEzKEyApJK6iTHO8+62CZauLU1zbFiVKkruCCgWZ1ET8YmdrkmcAM+iNf+889/y3+jh/7J1/7zzvuy3+hiWUzwlZzL8m0sgupUkTE9QfKNgIib1pQFc2SVRCeGz6gxUmBIkdLgCbG+Ah/ZfMf3lnP3cr/o4f8As1mP7yzVvmZb/RwhW5nNsNJVWAS86WIBF4Ju0gcuURiVTMqrHVm25MAVMAQpF1AkGRzvJG84BD0dzH94Zj6Uofwp4c+j+Y5doV/3KP3MV6WaBIPrbNplbU2vIDS42BGggeyDPEDf7OzCtWJXMGoHDMECmIJUAqxsQIgRYyTgLGSyxp92rOahAqS5ABJLKZIURz6Yz89V0rSOsoRTW/dK4gRMk3F458upGNpl+ET9l/tX+WMfOUSy0gFrMppQQj6R8WzDYyJ3P8wRnU6xHCK7EjSZ9VXnCk/NBiBYCxF7Ys5mvxalq1FDDUPgFbxIDBO8m3TpheruwaRnFOkkHvd/Daw8zy5HmcKtQqaFhc1qBf8ASAG7WloMiHJX9kcr4KressZ+EdSxF/VqZgkADVvJtuIEyOUCVTNtqYCs5JAn8mptGoEgmNwTHt072sfu6gbw5uDuRVFpI2tFpJ35eeCKKpTTpzAIDsCXAkmGCs2mecCRYD2wAKmZJLMKjaNRlTllsLsADuYg79bxh6wcAfDMdJAJGXWb09UiIjaZFwbYb1VmA1JmzpAsakkkGJ2+nlNt7kHFKoFketlu78JqDcymnYwws09QDgKaV20T3jwNIj1ZAZkkfGvYAWmy+dytntIUBzq1yG9XUEjQSUCzEnebGzdMFqUKkj/i4IFhUA0wBTv1Ju5M7kHqQKlQqk29bA2hnAAJINzHhG1h9JuAEKdZrfC1J0NP5MoHzmEQASPfH0YPl6hiWqE8NSwyyi9NSSdvnAgWnSPPFjI9nM9PjqZlGtPHE2iRa2/vHsOLVfsjXc1qw4Qp0vpmCSCbb8UT7MBndndoqkq+uob8RoqukQBFvlQT5DeAMXkzyMroiMvAWMppF1tM84i2/wDAidlRPw1e+n4+0SbWtv7DAxKnku6p1B3lR5U3qNqIhItbyn24C8owsIfThYgGo4z+yv2tgmBA/CH9lftbBAMEPhio6A/1/sMPh8ACvQ4G0BQ0GDAseXI/YfYcUXoZmDHq9zaQxsd9RAEnble+3LTIw5wVm5bK1wRrNFgW4uEjh3hbe3f3nFdMlm1ACtl53LFGBLaeImB8ssbRaPMY2wMLBGW+XzHFBoeEBJViJlbtzgQ0AHmPojmu8Vo10FDHh19BcAAAbCdyb+2BqxgGZyFOr+cUNHX22/26YDL7ysXvUyw4jwweLSonVN5B6bbScLMGqyiamWniEEalYMqhQbT4jeN+HrbRqdl0mklAZJJmbk78/M+9upmD9hUSZKAzEiTDREahN4gRO1+uKqgterqu2WG3Ik6SYDLEi+kwJ+KOl7fZ5ql5Y0CsGRTnUDqhdxtpEHzUYsN2ZSNiikW6zYlhJ3N2Jv1PXEqGQRCSigEgA3OyzpHsE2HKcQEfxr7G/hjJq9ouuhUVDNJW4nCnUYC26WPtJEbEjVfxL7G/hig9KgVTve7J7tbvHhEEb8tX14qE3aDktp7rSEBWXBZnIbh8QAAOjnzN8By/a1WGL06YAiCKqQSdIA3sSdUX5eeCJksqh0aU1LNjxNyJuZJPGvnxDE1ymWC2WjpIBtpghZiOviI+kjngK9btmqGju6cHu798vxiBHmd4j3HB6falQ700UyR+eQ/FBBMdWbTAnlvOHbLZYgCKREAC4i3h8sI5LLcJimI8JBA2IJgztIuNjJnc4Ct+O6gAPd02BiD3qLqJUsAAC0WBPiNhOCUe06xaDTpwSoGmqpNzc/OteLfTgtKjll4R3I3tK8hpPPeHI/xHrhHLZZApikoldJEbggLF97i/swVF8zmRtRRjYyKkDcyCDzgC8m52tiXrWY/UL4SfzoueKFmLbLf5xxaGdpxPeJvHiG/9DBDWX5S28x0/3GIio+Zr6iBREaSQ2sHigEDTaRMiZG304H63mLfAKbqCe8UW5mLxAm0npJ3xbOfpwT3iADnqHS/Pph2zaATrWJAnUIk8vbgKAzmagzl0Jiw70COHYmLibSB9GL9aTTaRB0mRvB07WwUGb7iMDzY4H/ZP2HAFA/of/OHwwGHwAh+cP7I+04MMC+Of2R9pxl5+qgdg71lB0jh1Abox0kbCwHKNTXuMBszhhjzVQIqgd9XOqI8RMEgXMxFptfeDeCWl3cKxrV9JaBq1rMX4pvsfK02sSEV6HCOMFSpVGFWvwrtBGruzPEH6kX23IJvgNR6SsS1av4hA4iNRZoAIMMJeNI3AUYo9HhycecoMk6BWryXHiDbg6YO3CeYG/K+LWS7VRBpLVmNzxqSbmTtaJJgDlAFhYNmcLFFO2kJAAeTJ8DbDc/1vym0iXt+mQTFS0zwHkJt1EDcW26iYjTGFinT7XQ/KnVp8LWJUty8hiH47p6Q3FBj4jSJBO0TsPs64Kv4WKH48p9Hv8w+XKP6v0MWsrmlqAlZiYuCNo6+3AO/iX2N/DGS1IkU2WnSYmkgBaAYKkETvFwAAPleWNZvGvsb+GMTM5cstOMutSKSXZ9M2soPK8dd9rzioI1SqSeGhcJMvdgJ0+Y4tj1k3M4ZsoREUqB4QCCfDOuSBtcNtPMiYMgVbs8jSVyaMeYFXwm4sIg2MzaxOHq5JyRqyaEAQCa3IrN5FzqMTfrOAnQypLANRy4YwGggnSG+vxMBb7YxE0GNOGpZcrrgiQQQQwvJgN3gVd73xCjkHVpGUUFSWB72TOqeHpYDf2QAJwjkCKbRlEDagdBqiCo16Sx5SCRzA1ReCMBPuW0z3FBiN4K3GkzEkCegJve43xIZBipmll5Gre4IYGZ6SyU5nz6YjUyDQdOXpOpKsvwh3CWZps1yb8wfpxBcmw1D1WnpZYMVQFeDMwTYD3ibHqBkypIE0aFg3MbwIE+exHs6xiJpHUoellwrG41CdQC7Tvwg8tgPYUuVmUOVp6blB3inUQFNvIkR9Anew2yLFATlqcjXPwpNwwCktPTUTMkRvOAnTyTBoFHLiAOcnTsAZuZvBPn7DJsuwEDL0SSWJGoRaNJPmSzWvHXmYVso2oN6mJEaT3gMFQop8IPvMiI3MnCPZJifVac8WpTUPEZWIMxeW36DAX6dWrphUp2IAhuEAKu/sMiPIYsVNRpNqADaGkD2HbFbs2kUZ9VAUwQGL6w2prhp5gQFP0npJuZr828fJb7MAVW64WEpwsQDnj/w/xxXzWUqMW01ik6YhFOmNU77zIPlA88G/Sf4f44oZ3MxVI9YCAaeDQDsNVyZsQb+Q5QSQIuTr/GzB3kQiz0vy+iOvlElyFUKB6w0g+Iqsxw26Twm5k8RxWbPI5ITMXqEaIHCBKggc5JVhM21EcsAqdpkyy5oadUQKWoixiY/YZpjY8hijcpIVUAtJgCTzgRJ9u+JkT54xDniGP5SOW9O3mPqnyHtnED2iQxb1pNJkhTTuJU6YM3+KY5j9qcBvA4acYL5pgHX1oalIDHuxILMFUgdJaOnPlOIpn2B1NnKcDcGmFAAci8mRuBPs2wg9CWwpOMMZszUHrMwywBTgpxgEHmQZA8r+3EKWbdgAubTcC9MGTJYg3F4BHLYmDiDfnD3xgJnDp480AH0ssJEAupgE7yODYeIWB3kmeI0k5pIM709xBA58iVJ9nnijdwxOMNc4XgDNICe6C/BwSQSH3Nw5KxYRBjfGrk6bqsVHDt106ffGIJVDxr/i+zGPmcpqCTQaqGpKpYOVI5xuI9oveMbFXxp9P2Yya+XBCTSqtNNBqRuFbHlMzfcA2OKA0cgBpb1Vw5DgjvWIiAN9WmGDt52nlheqWcHKkggWFTxQeUtbyPSbgmMS7uNsvmCCpB4hPKLMefOeQEg2gdSgAFHq+YIAbnJvDXnzEbzInocBOt2eo1RlCQGYTrILC4mN45+zaTEzXIrqJbLOG7sgfCE6op6Ah4o1FZGo2B5yZI85lU1Mvd5l+HcRDhxJnVANgRfblFsSr0QJUZeu2gmG1C+p1DaTJOyhri/MiZwVKp2eC8HKswfSS/efK8c3mBPLeDgVTIcPDljN9qxAndvYSbE7jeZjBloBRApV+NQCJEDjMTOxFzfcG4NhgNTLJB/J8wB0B3gzFj8Y+cGCTEjURJ8iAAgyjETIBc/MLQxNrou5Ex01QvxYirPqjybkCoZkERzmDAMDpthky6mdVCuIBNySGkxtuW2O3TeBiVGlIA7jMKQHI1MBuyghiJAnlEiAfI4KnVyxe75VmPOagk2AmxjZR9MbXIhUyAJZjlGLAqoBqSCvhJF4stNSJvxCYviFDLCyjL5hRwwSV4YPtIAsNp6WgYfI0FDpFHMDwyS3hJ0iH6wADIJt0iAF+n2DRZVLUyCQJGt522J1XiTvi5WpgUmA2CkAT5YWUyK050ljMbmYjp03/q2JZv8ANv8Ast9mICKMLEQPb9BP14WCB/pP8P8AHGTnszFcxVoqygKA68Q1iSASLzp2B5La0NrH85/h/wDdgOZ7kkrU7uTEhok65Ued9JH0YDMFcSxFbLpqYwQFkCdKEki7QFG1iNzpgvRzTSo7/Ly/hgeIatNupkkR1neCDoP3AJVlpjTBYFQANgDt5iDh1egCL0ZG3gkXLGOl5PvOKM+hmy0zWobAjhO7PYw15IkRvJX2kaZ12OnvcvJkpAnVAGqLRuwkb7nnC6hTLgi1EHl4PMCPrHvxGmuWHEooidN4W1hp9nIxgKKZwttWoXuQUINhJN7xqvJ5A+3FqllqpUkNSMgFGCCLyRtyusHoMFqPl7T3MkQJ0cht7ht5eWDjM01AGtFESBKgRePosfrwFHLZKusCaSKtgqqNhtFrCLx5DD0spXkEtRtGyefFp6Ei39Ri+c0gniWxg8QsTsD5+WI089Tbw1EPsYTb6fKcQVPU6smGpAEG4S/hOn6Ax9306o1sjWYXNExGnUmqCJgzAkieg3J5wL9DNo/hZW52M4LijOTKVww46ZXVJ4LgTsseXM853tGicLCxACp4k/xf9Jxk52hJU6cxeki6qTEbhrQBNp35Sp5Y16x409rf9OKn4vLhGFWoo0KAqmLwbnruOm3uCpQygOp1Ga1KQNLMy6jCm/UCY1X2bFSrqKA6M7KowsxDEDUTfTJJhdt5AExGNWr2Q0ECvV63ab3g8iB5CNhEYiOxHtOZrGPMC8EH6L+22+0VVerTHjIzQLM5K0zNxABYQN1iB0GBVlUT/wAYwBKmAWDQCD+14Yk+U740a3ZBZmPfVhqmQGgD2Rt/XO5dezCCp76qSu8kQ3GWGoReJj2YDOekAoEZ1g7g7klYJiZ2WWB6WB5XchZju80WRaulyWWYmwPPUY0gjpA5Y34woxKPOpRAUHTm1ksSASWJEXIO5k7jmOYvh2sQQueJQSBNiT7Tc2j2Ha5x6HCwHn9KkMdOaOuoJB1cOgg6tMcPLlJAGItp0qfy4ajsAQRDK3FG0lut+Icox6PDTijH7KYBhbMy7MD3gOkGNZbooPhB6288amc/Nv8Asn7MEnAs14H/AGW+w4gIpMYWGQSBhYIGfGP2W+0YoZtG1khaJPDdokTG/ObW/ZUcyReHj/w/+7FTNZalqdnpljAkwTIhbDkPCs7TF9sBTWq7iy5Yo7EkatQe1ifOwvfYfQ3qJhQtLLGRDKTOoArF7kxB3nliTPlrTRe820NNmi6zIE84+swWTMZdSGWjUDCIIRwYF7coufrxROlk6lmOXoAgWkCRcmLSBck84n3OmSqBAFo5cQSNPxdOkCBYdSP/AJJB17dUgHu6wsPiGRIJgxzsf6ImY7YUvp0VPCDOgxdS8dZAG3UwOeArPkXBhaNAoC2kG37N4Mcpt16CYVcnVaF7igVHUfFIM2mx1QY2PUb4NT9IUP6OrvfgJjmJj6uvKcFTtpTq4Ko0iSCh+UBbrv8AbgK9fs1ixPc0GDEGCJgwJ3F7z035YImTYFSaNEbzG44m2t0M+0nDJ6QqQD3VUTHxb7e3lt9B6GDfjddQUJUuVE6DA1AESeQGq/09MBWoUaytahRU6TxKdpbad+UxH04tJUzGoStPSTeCZAkTHUxP1YiO20+RV5TwG0kAe3xCw8+hxL8cLqRdFTjiDoMCTp4umxM7YC/hYyqfpApAJp1RIFtE78rbHryHWxw7+kCAxoqk6gPAebBZ6kCbkTHuxBerHiT2n/pOKqZJnVCKrL8GBAiJjxddUkc9rc8HWrqNM3AMkTvtz+vGZmWZQCtc0/gkt3etQSrnVe02+oXvgL9Xs9mLHvHBYCIMBLCYE3nTz2k9TiDdnVCGHfuNQsYEqQQZE+yI2ucUqGcIq0tWZPHB0NSK6wToUCfASxBsLxyGBjtRWVAmaZSPFqSSxsLzZZg2J+MD0xVab5Bz+nccMbLvJJM7yQY3tHLCbIVCPz77z4V20xG3UFvpxkt2lJZvXNK7waSwFLSAZvtC6j1EXONIZCveMyfL4ND9PSPZHL6YidfIVDBWuw2FwptNz7YH9XGJNkamkAVnBEyYW8kQIPQWH1zhJk6upyaxKtOldIGiSIvMmACOUzgVDsyqrqxzDMo3Ujf6ZwD1ezKhJIzDqCSQABaRA9w5bTeMEOQfUzd84DbLCwtwZH0CPp63L0+zyGBNRzEcyJjTvcjcGbXnyMipZCsAQ2YJMyD3a2u08yDZgPLSMBNsjV/XnxT4RYRsPKevLzviK9l1L/DvJm8AxM8p5E/UBEWwP8X5i/5TYz+iSxm0e/6hib9nVtSn1kgDloUTaD5b7SOntNUTLZCoramrM3VYsdx9B5mIE8oxZzHgb9lvsxTGSr3/ACjcfqlsZW9zGwIj503xczR4GHzT9mIJLsPZh8MhsP5YfBAj+c/w/wAf98Vcz2YlRydbq/DOh4MDYEdD9c4tz8IP2T9o/ljIz2b01X/MgwoJqVNJNrc+p8uXypFF2n2XExVrHUum7zG91tY335wMC/ECgGKtdQSWtU5kkk7b3M4x6mWpwwpjKlNWq1UmbMiFgG3IXTvyO8WC+XpiBpy11JB74wd4YDWAUm1ibna8grdp9gLyrZi1oFZoEWi20YIvY4A0irXHFqHwl7LpgT8W8xtMHGAcrSKgBMqSZkGqYI3XTJ8WuZ5iALTg9SjTJDKuWIpsqoTVIj4TUJkxOvVAPP2XDU/EqwR31e5j86bEtNujT9N8EpdjAMrd7XJUk3cxcyQbeE9OgGMQZakRqK5YzERXOk8XHeeXF9IHWBLKdnqzsEo5f4wMVSx0upVmKqb2LC8XkeeA1z2UFUq1evDQATVIM6WHCbGeKY6qvTCfsUML1a5Fx+cMG5seu8fRijQ7EKqfyeiCShIDvfSGBJPkGIHtJ+bgf4hYgTQo3sw11IUb24r35W2PXAaR7HWCO+r9T8KbW87jb7cWchQCLw1GcHbU2r3eVx9WMTK9kvOr1empuOKoxMS4tBiIa2xvJANgdux/C4oUg5C6+NwAQDOmDsDta4J2i4bwxF6gG5A359N/djzVbsByR8BRhQirxvIVSY5/JZh5TidP0emdWXoiVbZnsTxdZIL+zn04iN6p409rfZ/vig/bdGigFV9MU1YiGMLpa5IEfEb3YnkMuyBVZETjeArEi4mZPOZ/q2CUNOhAyEsqrM02NwI+T7ffgKtT0sygmayjTqmQ0rpZFabWg1F+gzsCQZO2suxJDCVFyUIgGLEkQJBBjpB2xY+D/V78u6bpA+L0Me/DqaYuEjlam20z8nrfAUG9KspIBqC8EDQ95YpbhvxCPpHUSdfSKgYh9ygHC19fgi2x67YKDS/Vnn+hb6fi4ZVoiT3dyZPwTXNrnh34RfyHTADr+keXQhWqAMdgQ0nj0SBFxrtIthf2ioR4zuR4H3Akjw7jpvJA3IwYtTvwG5JPwTb8yeHe++GC0rfB8gPzTcgRHh2gkfScBapVg6hlNiJG/TzviYwFawAAAIAgCEb+WF6wPnfut/LEBhhYEMyPnfut/LCOYHzv3W/lgC4HXXhb2H7MMc0vU+4/yxCpm0IN9weR6ezAFSIEnCwkFh7MLAD/AEn+H+OK1WvSNXQygsADJUG0dfoxZP5wfsn6iP54zO0TU7xo9Y0cMGnpPIyACQY84O56KVok2eyo7yycOnX8GflaV+LeDI5xgbZvJtTckIUpKC3wbCFm0QoJEjYT9eKdOtUuHGbMxbQCADeCQbmFjaOIb3JbMVKkTOeJiRFNZnSFOxAkmTp2kcuZV5MxlX+Ik69A+Dg6iuuBC9BvtaMNQ7XyZOkBOIi3dGJLQvxeZMjykmMAq94GdQc20IzCwCkhZgHeTaLG9rDd0rVLKTmwQ24QENOk7n4ogid4J+gLNXPZV1YEAgWMU2mGYLaBN2ja+J5XtTL6gEgFiQIQiTPOBztvjOGacgf8aevBcQoNxNgdtwZNiMEzXeABSc1AZgGSDqEiJiI8Bgc9XQxgL9H0hoMGIYnTE8LWnVp5c9B+qYnEV9JKBmHMAb6Hjcj5PUR7uuKgVySwfNgqQNOlZPhYsAbFeHTO/iA3uKmzoh0+tRJQKUFi6g6gNUwCTzBmfaQ0n9IKAUtrMBgp4WsYnp0E/wC9sMvpFQJgMZuRwPJhWYi43hTv1HUYzXrVNx67sZhEJbcwIeAeKNv4FTVC6a4ObYXUAJ1QMCDIJHDomx1NymcBpL2xSOuGnuxxQDGw2OzWPKRviv8A2my8A62jTM6KkRFvi7mdvbgOTzbLUIZc08wBqVIEk8Xinbf27cht8sEUqOeSqVKEkBmEkMtwvzgJHnti7OA1vEntYf5Tg2IFqw2rCwiMA4P9Th74UThsA84YtGEcNgHm/wDX1YUnCwsAtWFJwxwtOAcE4ecNhHAIjD4bD4CtWqhai6iBwvuY5p18sVMxlKFRtRqXMbVLWBAttz/q86U4fAYg7Hywn4TeJ+FiYUAGx3gC+4gYl+KsuY+EmP8AzAdh9f8AK21sbWGxRkN2ZQgA1WgaoHe/KIJJMydtp54kvZ2XjSH2mOMGJCiBPLgHuPIkHVBt78IYDIPZOXPxyf8A9p6EdecmfbiSdmZcLAawgga9oDKIvaNRxqMcOMBkr2TQBnWbf+Z0jf3D7NgAG/FeXhRrPBt8Jfeev9W6AjYnDMYjEGO/ZWX1au8IMttUA8bS23U/w6DEX7Ky53q2MW7xYkaYI6EaRtH1CNoYR3wGQ2Qy/wCsEgAau84oDMQJnaXP1dMEy2WoU2DLVuAVg1ARBM89zIF98aZH1YRwFZswjMgDKTJ2IPxT0xZwicMRgFhYacJT9v8ADAOMPGHwsA04WHAwwN8Axw5ww2w8XwCOGwpw+AaMPhRthR/HAKMPiDmw88LAf//Z"/>
-          <p:cNvSpPr>
-            <a:spLocks noChangeAspect="1" noChangeArrowheads="1"/>
-          </p:cNvSpPr>
-          <p:nvPr/>
-        </p:nvSpPr>
-        <p:spPr bwMode="auto">
-          <a:xfrm>
-            <a:off x="155575" y="-144463"/>
-            <a:ext cx="304800" cy="304801"/>
-          </a:xfrm>
-          <a:prstGeom prst="rect">
-            <a:avLst/>
-          </a:prstGeom>
-          <a:noFill/>
-          <a:extLst>
-            <a:ext uri="{909E8E84-426E-40DD-AFC4-6F175D3DCCD1}">
-              <a14:hiddenFill xmlns:a14="http://schemas.microsoft.com/office/drawing/2010/main">
-                <a:solidFill>
-                  <a:srgbClr val="FFFFFF"/>
-                </a:solidFill>
-              </a14:hiddenFill>
-            </a:ext>
-          </a:extLst>
-        </p:spPr>
-        <p:txBody>
-          <a:bodyPr vert="horz" wrap="square" lIns="91440" tIns="45720" rIns="91440" bIns="45720" numCol="1" anchor="t" anchorCtr="0" compatLnSpc="1">
-            <a:prstTxWarp prst="textNoShape">
-              <a:avLst/>
-            </a:prstTxWarp>
-          </a:bodyPr>
-          <a:lstStyle/>
-          <a:p>
-            <a:endParaRPr lang="pt-BR"/>
-          </a:p>
-        </p:txBody>
-      </p:sp>
-      <p:sp>
-        <p:nvSpPr>
-          <p:cNvPr id="7" name="AutoShape 4" descr="data:image/jpeg;base64,/9j/4AAQSkZJRgABAQAAAQABAAD/2wCEAAkGBhQSERUUExQVFRQVFxcaGBgYGBgaGhgcGhccGhgcFx0aHSYfGxojGxgdIC8gJCcpLC0sHB4xNTAqNiYrLCkBCQoKDgwNFA8PFCkYFBgpKSkpKSkpKSkpKSkpKSkpKSkpKSkpKSkpKSkpKSkpKSkpKSkpKSkpKSkpKSkpKSkpKf/AABEIANwA5QMBIgACEQEDEQH/xAAcAAABBQEBAQAAAAAAAAAAAAADAAECBAUHBgj/xABOEAACAQIEAwQECAsGBAUFAAABAhEDIQAEEjEiQVEFEzJhBhRxkSNCUmKBobHSBxUkM0NTcpLB0fAWVYKi0+E0pLLURGOzwvEIJVSDw//EABYBAQEBAAAAAAAAAAAAAAAAAAABAv/EABYRAQEBAAAAAAAAAAAAAAAAAAARAf/aAAwDAQACEQMRAD8A63OFiNRyLaWbzEfxIxA1m/Vv/k+9jDAoGFpwIVz8h/8AJ97D96fkN/k+9gJ4U/ZiPen5De9fvYRqnkje9PvYCcYWB98fkOfpT72Eap/Vv70+/gCDC04Gap+Q3+T7+F37H9G/vp/fwBIwsC9YP6t/fT+/hd+w/Rv76f38AUHCjAu/P6t/en38P3p+Q3vT72AJzwt8Q1n5Df5PvYfvT8hvev3sBLDAYj3h+Q3+X72FrPyG/wAn3sBPCIwPvG+Qfev88MKp+Qfev88AU4YDEO+b5B96/wA8LvW+Qfev88AT34Y4h3rfIPvX+eG7xvkH3r/PAFwiI3xSztBqmjhI0OrfFMxyjVF5IvPXe+KOT7JqUwAIaKemSFkEAgMo1xJ1HV1gYo2h5Ywuz8/UPaOapO5amlLLvTWANOs1Q1xczoG/TBsj2Y9Mpd2VNpKzpAZVVjquAGBNrlQfZHJ9lVVz1XMMw01aaU9GgDStMsy8XeGTLtPCOW0XK2owsPhYiJYFmcwtNSzkKo3nb6+eDY8n6bZhNdKnVJ7pgZhoBJ2nrz2NrnzxVWG9PMsvES/d6tOvSdMxPtAm07Tjey2ZSoodCGU7EEHl5eWPI1OwafqcSIJ1BS1pV78yWJYi9r3JuBi76HZpS1RKZY041DUxa+oht+dr9cBv5vMimhdgxCgk6VZzAvZVBJ9gGMHsr8ImTzIc5d6tbuwC+jL12KzMWCTeDHsx6V1kR7ccX/8Apy3z3sy//wDXAdV7G9I8vm9XcVVdkMOl1dDJHGjgMtwRcDY4DU9LssudXIl/yhhIXSxHhLQWiAdILRP8Mcz/AAq127P7Xy2donSzpNULA7wUjxhuuqmQt+g6SPTv6V0/x9TyrZOiazIdGaDS4TumqCxpyNisauuEHse2O1qeVotWqE6FKg6QWYlmCKAouSWYCMXKbSAYIkTB3E8j548FnPT9a9LO1KWXp1U7OqKWWq7K7MjMdagIQoBUlSSTK7KQMS7V/CkU7Lo9o0svqWq5RqbPpZTLqYYAhhqToLEG22EHuK1YIrOxgKCxPQAEk+7GZ6NelGXz9I1csxdFcoZUqQwAJEHyIM+fXGB2X6cZvMCo34vNOj6oMxSqVHlKnCDoJUEDVxcywABK3gZfov8AhLy1PsmrmzlqeWp065ppRpFfhHKKwjhUSdRm1gpPKMIOlRhAY8PmfwjPlhkqmcpLToZ5QQyFvgCQjBauoAEQ9zaIaxjHuQuAye2/SfL5TSK1SHqGEpqrPUc/NRAWN+cRivnvTLL5dkXM95l+8MI9VIQmJgupKqYGzEY5p+DrOnO+kOZzFXiKJXNMGeALUWkoXkNKMf3vM46D+E7s9a3ZWaDCdFI1F8jT4gfqj2E4Dc7T7TpZei9as6pSQamc3AHKIuSZgASTIjHnaf4TcmS4Y1UKUPWBqTx0okMsE7/JaD5Y5RT7ar1vRqrTOh6dCsiMzO3eBS1NqQQaSCASy3YQAsA46D2RnKlDsBa70MvUCZZIQlj3tAKARUJThaJ4OJeU3kWEey7B7epZzLpmKJJpvMahBBUlSGHUERjQjHgOy/wiInZeVrU8vTSpmKvcUMuh0oG7woJIWyiJMDmOuNCj6VZlO0h2fWpozVaTVKVemjhBAJIqIzkwCCuoPuVsNVpBf9EvTnLdo996t3nwDhW1ppkNOllueE6WsYa1wLY9CMc29BfwhJVo9oVmytKiMqFquMuL1WYVC5aQJb4Pc4n2l+FKrRyeVzxpUnoZltBprrFSmRqkBjw1DwMJ0qDbkZwhHpu1fTXL5fNU8rVFQVaxTu4SVbU2gcQJjisZuPYRO/GOT/hRb/7z2QR+sp/XXT+eOtYDP/GqfKUxPxjy3mFtuDHmMIdrrwkFIcgKdRhidtJ0wdjtjI7+jcaCBq5qADrqFSfzsXZSSbTc3vhz2jQcpIPFUWJSwYgkE/CQq3M8iTzJGA2E7RBKgaSWAZQGJlTsfD4fPBqNfWARpKmbhp2t064wqWbpSmkNcaQSNLKFqrS0nVUDBZqqY2IIPTF7s3OIGSmqlA4ZgugKAQbqb2cw5gb6HPtDWK4bEpwsRDxjynpxVKhGNMkKw0sDYTZgQbamJUDnvBm2PW6cM9MEEESDuDsfbgrl79tENBiN9EGx/Z0+LTy2uD83Hp/Qcko7aSJqOrFiZhDCgC4kSwPOfdjfodk0lstNVAEQogRzAAtHli0qAAACAOmwHli0I7fbjif/ANOlYBs6CQOGgd94NWT9Yx1/tmoi0T3qLUQlFKsAVOtwl9UiJbptjCpZbJ1CAMhRuRZqVEEHhLSNJHAZkz8QxNpYPC+neTPbPa1HL5bjo5ZdNest0TW01Bq21aQAAJkki2knBu0QP7X5cC0UwI6fk1T+GPf5L0hTu17ukFUozhAQkRMAAgAE2gmNxygkLPlS7OcnTL8Tj4Je9Z1qaABKyH1QZJ52kAnBXM+0fTwZ+h2oKj+rrTQijl0BWpVYkgvXgamK6RKzpAY6gQJxT7Vqr/ZPLjUuoZlgRN5NWsbjfYT7MdkqjLoprUqFNxmFJdkRZqKVkF4WXUgid4mSIBxXo5bKA9wuUoKqMdINNFQzuV4SJZlYRz0E9Jobslwex6RmxySGfLuBfHDuzexqmY9HKzUl1Ghnu8dRvo9XVSwA3jVJ8gx5Y7smdpmmaYyylNUd2Auk3QzpKhYloBNiwItvhspn6FLSaWXFPvFpmRT7vxOo0vwAhlVw+kiYnaMBzb8JdYZ/JdkUMvx1sxpZUFyo7pVYtpnSFLX/AGW6HHZKSaVAmYAE+zAsp2bRplnpUqas92ZEVS1t2Ki9sWCMRHGcjkD2L261Wvw5TNd4iVjZF7wioqudlKsgW/K+wx7P8K3b6UezqtIEPWzS91Rpgyzl4VioEkgKSek6RuRj2VWiGBVgCDuCAQfaDvipkOwsvQJNHL0aRO5p00Qn26QJwo5F2l6KvkPRmste1WrVo1HSZ0TUQKntCrJ8y2PSNUB9FZkf8CBuNwsR7ZtjoGYySVI101eJjUqtE9JGIjs+mF0imgWZjQInaYiJjCq+fq2SqDsXs3OURrGSr1ywEnTqrh1Zo2WaYBt8YY7P6O+nmVzoT1d2ZmGp00maMb96fCt7C/F8WRcEyvagFQoMuEBdkJEAECpoBMLF4mCbSORBwn7WVVdUoACKhgiFOlC6EgLcOoF9gZEzAYOTfgo7c9Vy/bFdB3hpim6pyaDWE2+LcEkcsYvpl29632blsw9epUzLV37wDWtKgAG0U0VR3amACDdyCZMbd1o9oKASKCaprrpXc93V7tB4P0g4vIH4wvi6woPSQGkGpMAwXuWYXuJUKQD5Hni0co/CV2hSftbsdkqIy6qLSrAjScwsGQfCYMHyx2QYyc9mkRyO4VyCo2E3C3IK2UAxM76RztrUxwiRpsLdPL+GIjGQVS96badW/eVBbvACI124Jedj4YGBo1bWZpPp1VBIq1ASFHwZu/xjY2gb42/Vl+QvuGF6svyF9wwGKHrWmm48M/CVTHAS3x78QgW2IxrUsuu4L+xnc+8FsEGWX5K+4fyw4y6j4oH0DAPMYWHjCxBS7Sq6dPwbVCQ3hJAECQDHXYYr06sgnuag23apaTHFb6bT5xjSqZiCRpJgAmCsXmJkj5OGGbHQ+9PvYoyzWN/gH3YeKr8USt9PxuuwNje2D5biKzSYAxcmpzXVsQCImLxeRi4M15H3p97DeufNPvp/fxADNppTUtIs0gaZuRNyLkbXAMecYhXBVFY0QzHdVJaOlyB7eXTFr1v5rD/FT+/hzm/mN+9T+/gB5Aa0BenoMtwzyDED3iD9ODnLr0+3EBnPmN76f38N6381v3qf38BP1VSbqMZVOuxDEZYSAIUyJYqSVJ08IDaV1bESwtjTOZ+af3k+9hetfNPvT72KM2nWY39XAEtEiCRpJXlAkjTfr0gkhqNI+AAGlCZWSCZ1ARvED3+/QGa+afen3sN6z80+9fvYDMy+ZeAXy0baoWdKlTJAAJYhoEbxJiwk1dmE6aCtxEDhiQNN5i27X2MW3xcGb+af8v3sL1n5p96/ewGc2sMvwCQRJOg8JkiI9kR9MxaWdqomMujdAF0zveTI3ifKecDGpSzIJiCJBImLgQDsfPDJmNQBCsQRI8NxyN2wGVTq1iYOWQDURMcpENG+0nTz64m2uV/J6cGNXCDp4QeW51Ei20X3xp9+fkN70+9hvWD8hz5zT+9gM3M03DcGXpMvsAPiIty8MH3+QN3K5RSilqSKxUSNK2MSRgvrBj82/vT7+Ea5/Vv76f374giMjT/Vp+4P5Yf1Cn+rp/ur/LExmD+rf3pP/XhLUPyG96fewERkqf6tP3V/ljgf9sNWcOWAzBcVaik98VUldQiN1U+KxBGkWMkY773x+Q3vT72Kv4vpH/wyGfmUr+e+LiuM0HqxpfvCygaiM24PJdTiRp1HUbArwGJtiGWFXTx98TqJn1yqg0MSROlviqyr7UM76j2pclSG2XUf4KQ/jhvVaV4y6/uU/wChi0cUpu6IO+atqVQah9drjkJIAb5SsIHJlEzBwDs70pRc/QoD1nvPWaKEnNVmS9ZZsXhhBi4vceeO7DKoP0A/dQfxwiEF+6iLk6Vtzm2FFvThYbD4yij2hQV9auodXFJWVgCGVqjAhgdwQSMZVT0I7MG+Tyg3/R0xtc8umNrMHiM9aP8A6hxndpei6Vi+qpUAdaywNFhWRVeOEz4QRM3wFdvQTswGDk8pO0d2m9re2494wh6DdmCT6nlLHT+bSxmI9vKMXh6N0vWTmLl2klTpK6iKYD7SHC0gAZ2MGYEBb0UpkzrqD4c1wA1gxUpG3h0k26mekUAX0H7MYwMnkyd7U6dwDBPmJtiP9iuzLD1TJ3JA+Dp3I3AtcjFrsr0XTLuHp1Kg4dJUkFSNRbYi0TA6CeZJxLK+jSU6q1BUqFl1QDoAIaOE6VExp3MnrsICq3oP2Zf8jygi5+Dp2gwZta4jDf2K7Mv+SZOwk/BUrDeTaw88aI7ApCnUVQF1l+JVUEa3NQgWiNRmIwLL+jSItRQ7kVRxTFjvqEAAGb2gDlAAgM4+h3ZUx6tkwb27uj/LpGJD0J7LifVspHXu6PSenS/sxYzPodTqUXovUqMrirLEqW+FpPRYzETFQtt4vdgdb0Hou5ctU1EkyNO5omjquPFotO9hywEf7F9mf/jZO0T8FQ3baeHnyw7+hXZomcrkxABM0qFpiJ4LDDL6DUQCA9QSoUzoawpNSgBlKjgc7DePObPaXoklZyxqVFJKMNOixRqJF9Oq/cKCJ5tzggAN6D9nAwcplJkW7mhz2+Jzgx/thU/Qns5vDlcobTajQNtpsm1jfFnPei1KtWNVtQY9xMQJ7k1CJMSdQqlTM2AAjC7I9FqeXqd4jOToZYYgjjcOx2ncDntEzAgD9l5JKQp06aKiL3wVVVVUfCDYKAB123xSziLpoMyBiKYiaopi+nUCDZgQATv4RjTy44h7a3/qYyu0BCUr0JFNYFUMRMDT4fP6gfMgBVPik0KZKr3YmukqvhJBAEG5EjkCLTiNLJ95q10ygCyWXMKYOxgKABe8kAb2tGKxCcjkwLSdNSSYJg2sYjaCPqxa74ItRT6r3hImDUAkEF+8m9lLMDNoPTBQ8tOpWWjzVh+VL08J5nnawgxsMFyuVBAWrSKpZgWrhoYB0GkWMAMTqsLSNhivWVNVM/kugEgkd4ALQwK6gHuTAMjnY4nmXZ9YdsrqQEOZrgoPjFWBmxeBERtPDYGq0hHeGhDtYhcwNW/hMDYFmtygzviVXKkqfgSRtIzY3ZQbGN5JF42tvgebqICoQZUGBc943wkkniUSFgq3I36YtZaCVpj1YpJYqO8E6QYIkxIYATzAP0A5pKCjd3x3UoK68KhSq72JIYCORbzMhpZU2PcEDSv/AIlRIhtIjTB2ETY6ugxBkpjSD6mCFWZWpvpjhEyFsN+hwwr6y0nKFiVN1qG4XTTuLMwkrY8wOeAc5IzelMGROYWxhtTAwWiKhBBsBPyjN3J9nrWJ10ym5la+otbu5YrtwqsXmdXS9SEMGl6oFIMq2s8ScVQiIkaWBvtJ6mS5XPimPg3yoLbkd5BOokcyfCffPLAbeSyK050zxaZk9BAgbD6MEzf5t/2W+w4zMn20L95VoEAEjuw8/KuDNtN/oJ5GL9Ssr0WZSCpVoI22I+0YIsjCw6DywsQU83lu87ynqZNSJxJp1LxPBXUpWQRIkHGOfQ1/7x7Q/fy3/b49APGT81ftfBMFebHoe/8AeOf/AHst/wBviQ9D6n945/8Aey3/AG+PQkxjPHpBS06pblbQwN/aIiLzMQCcBnn0Tq/3lnvflv8At8MPROt/eWe/5b/QxpDt6gW094JvyNojlvznbr0OHftulLqGJZIlQL3IURNvE0b8j7cUZn9k639557/lv9DC/snX/vPO+7K/6GIrWAAAzhAEzKEyApJK6iTHO8+62CZauLU1zbFiVKkruCCgWZ1ET8YmdrkmcAM+iNf+889/y3+jh/7J1/7zzvuy3+hiWUzwlZzL8m0sgupUkTE9QfKNgIib1pQFc2SVRCeGz6gxUmBIkdLgCbG+Ah/ZfMf3lnP3cr/o4f8As1mP7yzVvmZb/RwhW5nNsNJVWAS86WIBF4Ju0gcuURiVTMqrHVm25MAVMAQpF1AkGRzvJG84BD0dzH94Zj6Uofwp4c+j+Y5doV/3KP3MV6WaBIPrbNplbU2vIDS42BGggeyDPEDf7OzCtWJXMGoHDMECmIJUAqxsQIgRYyTgLGSyxp92rOahAqS5ABJLKZIURz6Yz89V0rSOsoRTW/dK4gRMk3F458upGNpl+ET9l/tX+WMfOUSy0gFrMppQQj6R8WzDYyJ3P8wRnU6xHCK7EjSZ9VXnCk/NBiBYCxF7Ys5mvxalq1FDDUPgFbxIDBO8m3TpheruwaRnFOkkHvd/Daw8zy5HmcKtQqaFhc1qBf8ASAG7WloMiHJX9kcr4KressZ+EdSxF/VqZgkADVvJtuIEyOUCVTNtqYCs5JAn8mptGoEgmNwTHt072sfu6gbw5uDuRVFpI2tFpJ35eeCKKpTTpzAIDsCXAkmGCs2mecCRYD2wAKmZJLMKjaNRlTllsLsADuYg79bxh6wcAfDMdJAJGXWb09UiIjaZFwbYb1VmA1JmzpAsakkkGJ2+nlNt7kHFKoFketlu78JqDcymnYwws09QDgKaV20T3jwNIj1ZAZkkfGvYAWmy+dytntIUBzq1yG9XUEjQSUCzEnebGzdMFqUKkj/i4IFhUA0wBTv1Ju5M7kHqQKlQqk29bA2hnAAJINzHhG1h9JuAEKdZrfC1J0NP5MoHzmEQASPfH0YPl6hiWqE8NSwyyi9NSSdvnAgWnSPPFjI9nM9PjqZlGtPHE2iRa2/vHsOLVfsjXc1qw4Qp0vpmCSCbb8UT7MBndndoqkq+uob8RoqukQBFvlQT5DeAMXkzyMroiMvAWMppF1tM84i2/wDAidlRPw1e+n4+0SbWtv7DAxKnku6p1B3lR5U3qNqIhItbyn24C8owsIfThYgGo4z+yv2tgmBA/CH9lftbBAMEPhio6A/1/sMPh8ACvQ4G0BQ0GDAseXI/YfYcUXoZmDHq9zaQxsd9RAEnble+3LTIw5wVm5bK1wRrNFgW4uEjh3hbe3f3nFdMlm1ACtl53LFGBLaeImB8ssbRaPMY2wMLBGW+XzHFBoeEBJViJlbtzgQ0AHmPojmu8Vo10FDHh19BcAAAbCdyb+2BqxgGZyFOr+cUNHX22/26YDL7ysXvUyw4jwweLSonVN5B6bbScLMGqyiamWniEEalYMqhQbT4jeN+HrbRqdl0mklAZJJmbk78/M+9upmD9hUSZKAzEiTDREahN4gRO1+uKqgterqu2WG3Ik6SYDLEi+kwJ+KOl7fZ5ql5Y0CsGRTnUDqhdxtpEHzUYsN2ZSNiikW6zYlhJ3N2Jv1PXEqGQRCSigEgA3OyzpHsE2HKcQEfxr7G/hjJq9ouuhUVDNJW4nCnUYC26WPtJEbEjVfxL7G/hig9KgVTve7J7tbvHhEEb8tX14qE3aDktp7rSEBWXBZnIbh8QAAOjnzN8By/a1WGL06YAiCKqQSdIA3sSdUX5eeCJksqh0aU1LNjxNyJuZJPGvnxDE1ymWC2WjpIBtpghZiOviI+kjngK9btmqGju6cHu798vxiBHmd4j3HB6falQ700UyR+eQ/FBBMdWbTAnlvOHbLZYgCKREAC4i3h8sI5LLcJimI8JBA2IJgztIuNjJnc4Ct+O6gAPd02BiD3qLqJUsAAC0WBPiNhOCUe06xaDTpwSoGmqpNzc/OteLfTgtKjll4R3I3tK8hpPPeHI/xHrhHLZZApikoldJEbggLF97i/swVF8zmRtRRjYyKkDcyCDzgC8m52tiXrWY/UL4SfzoueKFmLbLf5xxaGdpxPeJvHiG/9DBDWX5S28x0/3GIio+Zr6iBREaSQ2sHigEDTaRMiZG304H63mLfAKbqCe8UW5mLxAm0npJ3xbOfpwT3iADnqHS/Pph2zaATrWJAnUIk8vbgKAzmagzl0Jiw70COHYmLibSB9GL9aTTaRB0mRvB07WwUGb7iMDzY4H/ZP2HAFA/of/OHwwGHwAh+cP7I+04MMC+Of2R9pxl5+qgdg71lB0jh1Abox0kbCwHKNTXuMBszhhjzVQIqgd9XOqI8RMEgXMxFptfeDeCWl3cKxrV9JaBq1rMX4pvsfK02sSEV6HCOMFSpVGFWvwrtBGruzPEH6kX23IJvgNR6SsS1av4hA4iNRZoAIMMJeNI3AUYo9HhycecoMk6BWryXHiDbg6YO3CeYG/K+LWS7VRBpLVmNzxqSbmTtaJJgDlAFhYNmcLFFO2kJAAeTJ8DbDc/1vym0iXt+mQTFS0zwHkJt1EDcW26iYjTGFinT7XQ/KnVp8LWJUty8hiH47p6Q3FBj4jSJBO0TsPs64Kv4WKH48p9Hv8w+XKP6v0MWsrmlqAlZiYuCNo6+3AO/iX2N/DGS1IkU2WnSYmkgBaAYKkETvFwAAPleWNZvGvsb+GMTM5cstOMutSKSXZ9M2soPK8dd9rzioI1SqSeGhcJMvdgJ0+Y4tj1k3M4ZsoREUqB4QCCfDOuSBtcNtPMiYMgVbs8jSVyaMeYFXwm4sIg2MzaxOHq5JyRqyaEAQCa3IrN5FzqMTfrOAnQypLANRy4YwGggnSG+vxMBb7YxE0GNOGpZcrrgiQQQQwvJgN3gVd73xCjkHVpGUUFSWB72TOqeHpYDf2QAJwjkCKbRlEDagdBqiCo16Sx5SCRzA1ReCMBPuW0z3FBiN4K3GkzEkCegJve43xIZBipmll5Gre4IYGZ6SyU5nz6YjUyDQdOXpOpKsvwh3CWZps1yb8wfpxBcmw1D1WnpZYMVQFeDMwTYD3ibHqBkypIE0aFg3MbwIE+exHs6xiJpHUoellwrG41CdQC7Tvwg8tgPYUuVmUOVp6blB3inUQFNvIkR9Anew2yLFATlqcjXPwpNwwCktPTUTMkRvOAnTyTBoFHLiAOcnTsAZuZvBPn7DJsuwEDL0SSWJGoRaNJPmSzWvHXmYVso2oN6mJEaT3gMFQop8IPvMiI3MnCPZJifVac8WpTUPEZWIMxeW36DAX6dWrphUp2IAhuEAKu/sMiPIYsVNRpNqADaGkD2HbFbs2kUZ9VAUwQGL6w2prhp5gQFP0npJuZr828fJb7MAVW64WEpwsQDnj/w/xxXzWUqMW01ik6YhFOmNU77zIPlA88G/Sf4f44oZ3MxVI9YCAaeDQDsNVyZsQb+Q5QSQIuTr/GzB3kQiz0vy+iOvlElyFUKB6w0g+Iqsxw26Twm5k8RxWbPI5ITMXqEaIHCBKggc5JVhM21EcsAqdpkyy5oadUQKWoixiY/YZpjY8hijcpIVUAtJgCTzgRJ9u+JkT54xDniGP5SOW9O3mPqnyHtnED2iQxb1pNJkhTTuJU6YM3+KY5j9qcBvA4acYL5pgHX1oalIDHuxILMFUgdJaOnPlOIpn2B1NnKcDcGmFAAci8mRuBPs2wg9CWwpOMMZszUHrMwywBTgpxgEHmQZA8r+3EKWbdgAubTcC9MGTJYg3F4BHLYmDiDfnD3xgJnDp480AH0ssJEAupgE7yODYeIWB3kmeI0k5pIM709xBA58iVJ9nnijdwxOMNc4XgDNICe6C/BwSQSH3Nw5KxYRBjfGrk6bqsVHDt106ffGIJVDxr/i+zGPmcpqCTQaqGpKpYOVI5xuI9oveMbFXxp9P2Yya+XBCTSqtNNBqRuFbHlMzfcA2OKA0cgBpb1Vw5DgjvWIiAN9WmGDt52nlheqWcHKkggWFTxQeUtbyPSbgmMS7uNsvmCCpB4hPKLMefOeQEg2gdSgAFHq+YIAbnJvDXnzEbzInocBOt2eo1RlCQGYTrILC4mN45+zaTEzXIrqJbLOG7sgfCE6op6Ah4o1FZGo2B5yZI85lU1Mvd5l+HcRDhxJnVANgRfblFsSr0QJUZeu2gmG1C+p1DaTJOyhri/MiZwVKp2eC8HKswfSS/efK8c3mBPLeDgVTIcPDljN9qxAndvYSbE7jeZjBloBRApV+NQCJEDjMTOxFzfcG4NhgNTLJB/J8wB0B3gzFj8Y+cGCTEjURJ8iAAgyjETIBc/MLQxNrou5Ex01QvxYirPqjybkCoZkERzmDAMDpthky6mdVCuIBNySGkxtuW2O3TeBiVGlIA7jMKQHI1MBuyghiJAnlEiAfI4KnVyxe75VmPOagk2AmxjZR9MbXIhUyAJZjlGLAqoBqSCvhJF4stNSJvxCYviFDLCyjL5hRwwSV4YPtIAsNp6WgYfI0FDpFHMDwyS3hJ0iH6wADIJt0iAF+n2DRZVLUyCQJGt522J1XiTvi5WpgUmA2CkAT5YWUyK050ljMbmYjp03/q2JZv8ANv8Ast9mICKMLEQPb9BP14WCB/pP8P8AHGTnszFcxVoqygKA68Q1iSASLzp2B5La0NrH85/h/wDdgOZ7kkrU7uTEhok65Ued9JH0YDMFcSxFbLpqYwQFkCdKEki7QFG1iNzpgvRzTSo7/Ly/hgeIatNupkkR1neCDoP3AJVlpjTBYFQANgDt5iDh1egCL0ZG3gkXLGOl5PvOKM+hmy0zWobAjhO7PYw15IkRvJX2kaZ12OnvcvJkpAnVAGqLRuwkb7nnC6hTLgi1EHl4PMCPrHvxGmuWHEooidN4W1hp9nIxgKKZwttWoXuQUINhJN7xqvJ5A+3FqllqpUkNSMgFGCCLyRtyusHoMFqPl7T3MkQJ0cht7ht5eWDjM01AGtFESBKgRePosfrwFHLZKusCaSKtgqqNhtFrCLx5DD0spXkEtRtGyefFp6Ei39Ri+c0gniWxg8QsTsD5+WI089Tbw1EPsYTb6fKcQVPU6smGpAEG4S/hOn6Ax9306o1sjWYXNExGnUmqCJgzAkieg3J5wL9DNo/hZW52M4LijOTKVww46ZXVJ4LgTsseXM853tGicLCxACp4k/xf9Jxk52hJU6cxeki6qTEbhrQBNp35Sp5Y16x409rf9OKn4vLhGFWoo0KAqmLwbnruOm3uCpQygOp1Ga1KQNLMy6jCm/UCY1X2bFSrqKA6M7KowsxDEDUTfTJJhdt5AExGNWr2Q0ECvV63ab3g8iB5CNhEYiOxHtOZrGPMC8EH6L+22+0VVerTHjIzQLM5K0zNxABYQN1iB0GBVlUT/wAYwBKmAWDQCD+14Yk+U740a3ZBZmPfVhqmQGgD2Rt/XO5dezCCp76qSu8kQ3GWGoReJj2YDOekAoEZ1g7g7klYJiZ2WWB6WB5XchZju80WRaulyWWYmwPPUY0gjpA5Y34woxKPOpRAUHTm1ksSASWJEXIO5k7jmOYvh2sQQueJQSBNiT7Tc2j2Ha5x6HCwHn9KkMdOaOuoJB1cOgg6tMcPLlJAGItp0qfy4ajsAQRDK3FG0lut+Icox6PDTijH7KYBhbMy7MD3gOkGNZbooPhB6288amc/Nv8Asn7MEnAs14H/AGW+w4gIpMYWGQSBhYIGfGP2W+0YoZtG1khaJPDdokTG/ObW/ZUcyReHj/w/+7FTNZalqdnpljAkwTIhbDkPCs7TF9sBTWq7iy5Yo7EkatQe1ifOwvfYfQ3qJhQtLLGRDKTOoArF7kxB3nliTPlrTRe820NNmi6zIE84+swWTMZdSGWjUDCIIRwYF7coufrxROlk6lmOXoAgWkCRcmLSBck84n3OmSqBAFo5cQSNPxdOkCBYdSP/AJJB17dUgHu6wsPiGRIJgxzsf6ImY7YUvp0VPCDOgxdS8dZAG3UwOeArPkXBhaNAoC2kG37N4Mcpt16CYVcnVaF7igVHUfFIM2mx1QY2PUb4NT9IUP6OrvfgJjmJj6uvKcFTtpTq4Ko0iSCh+UBbrv8AbgK9fs1ixPc0GDEGCJgwJ3F7z035YImTYFSaNEbzG44m2t0M+0nDJ6QqQD3VUTHxb7e3lt9B6GDfjddQUJUuVE6DA1AESeQGq/09MBWoUaytahRU6TxKdpbad+UxH04tJUzGoStPSTeCZAkTHUxP1YiO20+RV5TwG0kAe3xCw8+hxL8cLqRdFTjiDoMCTp4umxM7YC/hYyqfpApAJp1RIFtE78rbHryHWxw7+kCAxoqk6gPAebBZ6kCbkTHuxBerHiT2n/pOKqZJnVCKrL8GBAiJjxddUkc9rc8HWrqNM3AMkTvtz+vGZmWZQCtc0/gkt3etQSrnVe02+oXvgL9Xs9mLHvHBYCIMBLCYE3nTz2k9TiDdnVCGHfuNQsYEqQQZE+yI2ucUqGcIq0tWZPHB0NSK6wToUCfASxBsLxyGBjtRWVAmaZSPFqSSxsLzZZg2J+MD0xVab5Bz+nccMbLvJJM7yQY3tHLCbIVCPz77z4V20xG3UFvpxkt2lJZvXNK7waSwFLSAZvtC6j1EXONIZCveMyfL4ND9PSPZHL6YidfIVDBWuw2FwptNz7YH9XGJNkamkAVnBEyYW8kQIPQWH1zhJk6upyaxKtOldIGiSIvMmACOUzgVDsyqrqxzDMo3Ujf6ZwD1ezKhJIzDqCSQABaRA9w5bTeMEOQfUzd84DbLCwtwZH0CPp63L0+zyGBNRzEcyJjTvcjcGbXnyMipZCsAQ2YJMyD3a2u08yDZgPLSMBNsjV/XnxT4RYRsPKevLzviK9l1L/DvJm8AxM8p5E/UBEWwP8X5i/5TYz+iSxm0e/6hib9nVtSn1kgDloUTaD5b7SOntNUTLZCoramrM3VYsdx9B5mIE8oxZzHgb9lvsxTGSr3/ACjcfqlsZW9zGwIj503xczR4GHzT9mIJLsPZh8MhsP5YfBAj+c/w/wAf98Vcz2YlRydbq/DOh4MDYEdD9c4tz8IP2T9o/ljIz2b01X/MgwoJqVNJNrc+p8uXypFF2n2XExVrHUum7zG91tY335wMC/ECgGKtdQSWtU5kkk7b3M4x6mWpwwpjKlNWq1UmbMiFgG3IXTvyO8WC+XpiBpy11JB74wd4YDWAUm1ibna8grdp9gLyrZi1oFZoEWi20YIvY4A0irXHFqHwl7LpgT8W8xtMHGAcrSKgBMqSZkGqYI3XTJ8WuZ5iALTg9SjTJDKuWIpsqoTVIj4TUJkxOvVAPP2XDU/EqwR31e5j86bEtNujT9N8EpdjAMrd7XJUk3cxcyQbeE9OgGMQZakRqK5YzERXOk8XHeeXF9IHWBLKdnqzsEo5f4wMVSx0upVmKqb2LC8XkeeA1z2UFUq1evDQATVIM6WHCbGeKY6qvTCfsUML1a5Fx+cMG5seu8fRijQ7EKqfyeiCShIDvfSGBJPkGIHtJ+bgf4hYgTQo3sw11IUb24r35W2PXAaR7HWCO+r9T8KbW87jb7cWchQCLw1GcHbU2r3eVx9WMTK9kvOr1empuOKoxMS4tBiIa2xvJANgdux/C4oUg5C6+NwAQDOmDsDta4J2i4bwxF6gG5A359N/djzVbsByR8BRhQirxvIVSY5/JZh5TidP0emdWXoiVbZnsTxdZIL+zn04iN6p409rfZ/vig/bdGigFV9MU1YiGMLpa5IEfEb3YnkMuyBVZETjeArEi4mZPOZ/q2CUNOhAyEsqrM02NwI+T7ffgKtT0sygmayjTqmQ0rpZFabWg1F+gzsCQZO2suxJDCVFyUIgGLEkQJBBjpB2xY+D/V78u6bpA+L0Me/DqaYuEjlam20z8nrfAUG9KspIBqC8EDQ95YpbhvxCPpHUSdfSKgYh9ygHC19fgi2x67YKDS/Vnn+hb6fi4ZVoiT3dyZPwTXNrnh34RfyHTADr+keXQhWqAMdgQ0nj0SBFxrtIthf2ioR4zuR4H3Akjw7jpvJA3IwYtTvwG5JPwTb8yeHe++GC0rfB8gPzTcgRHh2gkfScBapVg6hlNiJG/TzviYwFawAAAIAgCEb+WF6wPnfut/LEBhhYEMyPnfut/LCOYHzv3W/lgC4HXXhb2H7MMc0vU+4/yxCpm0IN9weR6ezAFSIEnCwkFh7MLAD/AEn+H+OK1WvSNXQygsADJUG0dfoxZP5wfsn6iP54zO0TU7xo9Y0cMGnpPIyACQY84O56KVok2eyo7yycOnX8GflaV+LeDI5xgbZvJtTckIUpKC3wbCFm0QoJEjYT9eKdOtUuHGbMxbQCADeCQbmFjaOIb3JbMVKkTOeJiRFNZnSFOxAkmTp2kcuZV5MxlX+Ik69A+Dg6iuuBC9BvtaMNQ7XyZOkBOIi3dGJLQvxeZMjykmMAq94GdQc20IzCwCkhZgHeTaLG9rDd0rVLKTmwQ24QENOk7n4ogid4J+gLNXPZV1YEAgWMU2mGYLaBN2ja+J5XtTL6gEgFiQIQiTPOBztvjOGacgf8aevBcQoNxNgdtwZNiMEzXeABSc1AZgGSDqEiJiI8Bgc9XQxgL9H0hoMGIYnTE8LWnVp5c9B+qYnEV9JKBmHMAb6Hjcj5PUR7uuKgVySwfNgqQNOlZPhYsAbFeHTO/iA3uKmzoh0+tRJQKUFi6g6gNUwCTzBmfaQ0n9IKAUtrMBgp4WsYnp0E/wC9sMvpFQJgMZuRwPJhWYi43hTv1HUYzXrVNx67sZhEJbcwIeAeKNv4FTVC6a4ObYXUAJ1QMCDIJHDomx1NymcBpL2xSOuGnuxxQDGw2OzWPKRviv8A2my8A62jTM6KkRFvi7mdvbgOTzbLUIZc08wBqVIEk8Xinbf27cht8sEUqOeSqVKEkBmEkMtwvzgJHnti7OA1vEntYf5Tg2IFqw2rCwiMA4P9Th74UThsA84YtGEcNgHm/wDX1YUnCwsAtWFJwxwtOAcE4ecNhHAIjD4bD4CtWqhai6iBwvuY5p18sVMxlKFRtRqXMbVLWBAttz/q86U4fAYg7Hywn4TeJ+FiYUAGx3gC+4gYl+KsuY+EmP8AzAdh9f8AK21sbWGxRkN2ZQgA1WgaoHe/KIJJMydtp54kvZ2XjSH2mOMGJCiBPLgHuPIkHVBt78IYDIPZOXPxyf8A9p6EdecmfbiSdmZcLAawgga9oDKIvaNRxqMcOMBkr2TQBnWbf+Z0jf3D7NgAG/FeXhRrPBt8Jfeev9W6AjYnDMYjEGO/ZWX1au8IMttUA8bS23U/w6DEX7Ky53q2MW7xYkaYI6EaRtH1CNoYR3wGQ2Qy/wCsEgAau84oDMQJnaXP1dMEy2WoU2DLVuAVg1ARBM89zIF98aZH1YRwFZswjMgDKTJ2IPxT0xZwicMRgFhYacJT9v8ADAOMPGHwsA04WHAwwN8Axw5ww2w8XwCOGwpw+AaMPhRthR/HAKMPiDmw88LAf//Z"/>
-          <p:cNvSpPr>
-            <a:spLocks noChangeAspect="1" noChangeArrowheads="1"/>
-          </p:cNvSpPr>
-          <p:nvPr/>
-        </p:nvSpPr>
-        <p:spPr bwMode="auto">
-          <a:xfrm>
-            <a:off x="307975" y="7937"/>
-            <a:ext cx="304800" cy="304801"/>
-          </a:xfrm>
-          <a:prstGeom prst="rect">
-            <a:avLst/>
-          </a:prstGeom>
-          <a:noFill/>
-          <a:extLst>
-            <a:ext uri="{909E8E84-426E-40DD-AFC4-6F175D3DCCD1}">
-              <a14:hiddenFill xmlns:a14="http://schemas.microsoft.com/office/drawing/2010/main">
-                <a:solidFill>
-                  <a:srgbClr val="FFFFFF"/>
-                </a:solidFill>
-              </a14:hiddenFill>
-            </a:ext>
-          </a:extLst>
-        </p:spPr>
-        <p:txBody>
-          <a:bodyPr vert="horz" wrap="square" lIns="91440" tIns="45720" rIns="91440" bIns="45720" numCol="1" anchor="t" anchorCtr="0" compatLnSpc="1">
-            <a:prstTxWarp prst="textNoShape">
-              <a:avLst/>
-            </a:prstTxWarp>
-          </a:bodyPr>
-          <a:lstStyle/>
-          <a:p>
-            <a:endParaRPr lang="pt-BR"/>
-          </a:p>
-        </p:txBody>
-      </p:sp>
-      <p:sp>
-        <p:nvSpPr>
-          <p:cNvPr id="87" name="CaixaDeTexto 86"/>
-          <p:cNvSpPr txBox="1"/>
-          <p:nvPr/>
-        </p:nvSpPr>
-        <p:spPr>
-          <a:xfrm>
-            <a:off x="1115616" y="4852317"/>
-            <a:ext cx="3417056" cy="1384995"/>
-          </a:xfrm>
-          <a:prstGeom prst="rect">
+          <a:xfrm rot="10800000">
+            <a:off x="323528" y="1268760"/>
+            <a:ext cx="3744416" cy="3730486"/>
+          </a:xfrm>
+          <a:prstGeom prst="downArrow">
             <a:avLst/>
           </a:prstGeom>
           <a:solidFill>
-            <a:schemeClr val="bg1">
-              <a:lumMod val="95000"/>
+            <a:schemeClr val="accent1">
+              <a:alpha val="10000"/>
             </a:schemeClr>
           </a:solidFill>
           <a:ln>
             <a:solidFill>
-              <a:schemeClr val="bg1">
-                <a:lumMod val="50000"/>
-              </a:schemeClr>
+              <a:schemeClr val="accent1"/>
             </a:solidFill>
           </a:ln>
         </p:spPr>
-        <p:txBody>
-          <a:bodyPr wrap="square" rtlCol="0">
-            <a:spAutoFit/>
+        <p:style>
+          <a:lnRef idx="2">
+            <a:schemeClr val="accent1">
+              <a:shade val="50000"/>
+            </a:schemeClr>
+          </a:lnRef>
+          <a:fillRef idx="1">
+            <a:schemeClr val="accent1"/>
+          </a:fillRef>
+          <a:effectRef idx="0">
+            <a:schemeClr val="accent1"/>
+          </a:effectRef>
+          <a:fontRef idx="minor">
+            <a:schemeClr val="lt1"/>
+          </a:fontRef>
+        </p:style>
+        <p:txBody>
+          <a:bodyPr rtlCol="0" anchor="ctr"/>
+          <a:lstStyle/>
+          <a:p>
+            <a:pPr algn="ctr"/>
+            <a:endParaRPr lang="pt-BR"/>
+          </a:p>
+        </p:txBody>
+      </p:sp>
+      <p:sp>
+        <p:nvSpPr>
+          <p:cNvPr id="2" name="Título 1"/>
+          <p:cNvSpPr>
+            <a:spLocks noGrp="1"/>
+          </p:cNvSpPr>
+          <p:nvPr>
+            <p:ph type="title"/>
+          </p:nvPr>
+        </p:nvSpPr>
+        <p:spPr>
+          <a:xfrm>
+            <a:off x="457200" y="-27384"/>
+            <a:ext cx="8229600" cy="1143000"/>
+          </a:xfrm>
+        </p:spPr>
+        <p:txBody>
+          <a:bodyPr/>
+          <a:lstStyle/>
+          <a:p>
+            <a:r>
+              <a:rPr lang="pt-BR" dirty="0" smtClean="0"/>
+              <a:t>Contexto</a:t>
+            </a:r>
+            <a:endParaRPr lang="pt-BR" dirty="0"/>
+          </a:p>
+        </p:txBody>
+      </p:sp>
+      <p:sp>
+        <p:nvSpPr>
+          <p:cNvPr id="3" name="Espaço Reservado para Conteúdo 2"/>
+          <p:cNvSpPr>
+            <a:spLocks noGrp="1"/>
+          </p:cNvSpPr>
+          <p:nvPr>
+            <p:ph idx="1"/>
+          </p:nvPr>
+        </p:nvSpPr>
+        <p:spPr>
+          <a:xfrm>
+            <a:off x="251520" y="1052736"/>
+            <a:ext cx="4114800" cy="3977354"/>
+          </a:xfrm>
+        </p:spPr>
+        <p:txBody>
+          <a:bodyPr>
+            <a:normAutofit/>
           </a:bodyPr>
           <a:lstStyle/>
           <a:p>
             <a:r>
-              <a:rPr lang="pt-BR" sz="1200" dirty="0"/>
-              <a:t>PORTARIA INTERMINISTERIAL No- </a:t>
-            </a:r>
-            <a:r>
-              <a:rPr lang="pt-BR" sz="1200" dirty="0" smtClean="0"/>
-              <a:t>748,DE </a:t>
-            </a:r>
-            <a:r>
-              <a:rPr lang="pt-BR" sz="1200" dirty="0"/>
-              <a:t>19 DE OUTUBRO DE 2012</a:t>
-            </a:r>
-          </a:p>
-          <a:p>
-            <a:r>
-              <a:rPr lang="pt-BR" sz="1200" dirty="0"/>
-              <a:t>OS MINISTROS DE ESTADO DA CIÊNCIA, TECNOLOGIA E INOVAÇÃO, DO DESENVOLVIMENTO, INDÚSTRIA E</a:t>
-            </a:r>
-          </a:p>
-          <a:p>
-            <a:r>
-              <a:rPr lang="pt-BR" sz="1200" dirty="0"/>
-              <a:t>COMÉRCIO EXTERIOR e DA FAZENDA, no uso das </a:t>
-            </a:r>
-            <a:r>
-              <a:rPr lang="pt-BR" sz="1200" dirty="0" smtClean="0"/>
-              <a:t>atribuições resolvem</a:t>
-            </a:r>
-            <a:r>
-              <a:rPr lang="pt-BR" sz="1200" dirty="0"/>
-              <a:t>:</a:t>
-            </a:r>
-            <a:endParaRPr lang="pt-BR" sz="1200" dirty="0"/>
-          </a:p>
-        </p:txBody>
-      </p:sp>
-      <p:sp>
-        <p:nvSpPr>
-          <p:cNvPr id="50" name="CaixaDeTexto 49"/>
-          <p:cNvSpPr txBox="1"/>
+              <a:rPr lang="pt-BR" sz="2400" dirty="0" smtClean="0"/>
+              <a:t>Estudo da comunicação como instrumento de aperfeiçoamento da administração pública.</a:t>
+            </a:r>
+          </a:p>
+          <a:p>
+            <a:pPr lvl="1"/>
+            <a:r>
+              <a:rPr lang="pt-BR" sz="2000" dirty="0" smtClean="0"/>
+              <a:t>Melhorias na comunicação e </a:t>
+            </a:r>
+            <a:r>
+              <a:rPr lang="pt-BR" sz="2000" dirty="0" smtClean="0"/>
+              <a:t>coordenação</a:t>
+            </a:r>
+            <a:endParaRPr lang="pt-BR" sz="2000" dirty="0" smtClean="0"/>
+          </a:p>
+          <a:p>
+            <a:pPr lvl="1"/>
+            <a:r>
+              <a:rPr lang="pt-BR" sz="2000" dirty="0" smtClean="0"/>
+              <a:t>Otimização das políticas</a:t>
+            </a:r>
+          </a:p>
+          <a:p>
+            <a:pPr lvl="1"/>
+            <a:r>
+              <a:rPr lang="pt-BR" sz="2000" dirty="0" smtClean="0"/>
+              <a:t>Antecipação da identificação de desvios</a:t>
+            </a:r>
+          </a:p>
+          <a:p>
+            <a:pPr lvl="1"/>
+            <a:r>
+              <a:rPr lang="pt-BR" sz="2000" dirty="0" smtClean="0"/>
+              <a:t>Facilita participação e controle social.</a:t>
+            </a:r>
+            <a:endParaRPr lang="pt-BR" sz="2000" dirty="0"/>
+          </a:p>
+        </p:txBody>
+      </p:sp>
+      <p:sp>
+        <p:nvSpPr>
+          <p:cNvPr id="4" name="Espaço Reservado para Rodapé 3"/>
+          <p:cNvSpPr>
+            <a:spLocks noGrp="1"/>
+          </p:cNvSpPr>
+          <p:nvPr>
+            <p:ph type="ftr" sz="quarter" idx="11"/>
+          </p:nvPr>
+        </p:nvSpPr>
+        <p:spPr>
+          <a:xfrm>
+            <a:off x="0" y="6501112"/>
+            <a:ext cx="8604448" cy="365125"/>
+          </a:xfrm>
+        </p:spPr>
+        <p:txBody>
+          <a:bodyPr/>
+          <a:lstStyle/>
+          <a:p>
+            <a:pPr algn="l"/>
+            <a:r>
+              <a:rPr lang="pt-BR" sz="900" dirty="0" smtClean="0"/>
+              <a:t>Modelo de análise da comunicação e mediação da informação em organizações públicas brasileiras através da Análise de Redes Sociais.</a:t>
+            </a:r>
+            <a:endParaRPr lang="pt-BR" sz="900" dirty="0"/>
+          </a:p>
+        </p:txBody>
+      </p:sp>
+      <p:sp>
+        <p:nvSpPr>
+          <p:cNvPr id="5" name="Espaço Reservado para Número de Slide 4"/>
+          <p:cNvSpPr>
+            <a:spLocks noGrp="1"/>
+          </p:cNvSpPr>
+          <p:nvPr>
+            <p:ph type="sldNum" sz="quarter" idx="12"/>
+          </p:nvPr>
+        </p:nvSpPr>
+        <p:spPr/>
+        <p:txBody>
+          <a:bodyPr/>
+          <a:lstStyle/>
+          <a:p>
+            <a:fld id="{2BA3D508-1B43-4B52-8FAB-4C423C784271}" type="slidenum">
+              <a:rPr lang="pt-BR" smtClean="0"/>
+              <a:t>2</a:t>
+            </a:fld>
+            <a:endParaRPr lang="pt-BR"/>
+          </a:p>
+        </p:txBody>
+      </p:sp>
+      <p:sp>
+        <p:nvSpPr>
+          <p:cNvPr id="6" name="Retângulo 5"/>
+          <p:cNvSpPr/>
           <p:nvPr/>
         </p:nvSpPr>
         <p:spPr>
           <a:xfrm>
-            <a:off x="436292" y="3052117"/>
-            <a:ext cx="3417056" cy="1384995"/>
+            <a:off x="4327439" y="1268760"/>
+            <a:ext cx="4840644" cy="3347106"/>
           </a:xfrm>
           <a:prstGeom prst="rect">
             <a:avLst/>
           </a:prstGeom>
+        </p:spPr>
+        <p:txBody>
+          <a:bodyPr vert="horz" lIns="91440" tIns="45720" rIns="91440" bIns="45720" rtlCol="0">
+            <a:normAutofit/>
+          </a:bodyPr>
+          <a:lstStyle/>
+          <a:p>
+            <a:pPr marL="342900" indent="-342900">
+              <a:spcBef>
+                <a:spcPct val="20000"/>
+              </a:spcBef>
+              <a:buFont typeface="Arial" pitchFamily="34" charset="0"/>
+              <a:buChar char="•"/>
+            </a:pPr>
+            <a:r>
+              <a:rPr lang="pt-BR" sz="2400" dirty="0"/>
+              <a:t>Dificuldade na coleta de dados.</a:t>
+            </a:r>
+          </a:p>
+          <a:p>
+            <a:pPr marL="800100" lvl="1" indent="-342900">
+              <a:spcBef>
+                <a:spcPct val="20000"/>
+              </a:spcBef>
+              <a:buFontTx/>
+              <a:buChar char="-"/>
+            </a:pPr>
+            <a:r>
+              <a:rPr lang="pt-BR" sz="2000" dirty="0" smtClean="0"/>
+              <a:t>Natureza </a:t>
+            </a:r>
+            <a:r>
+              <a:rPr lang="pt-BR" sz="2000" dirty="0"/>
+              <a:t>dinâmica da comunicação. (Risco de rápida obsolescência do </a:t>
+            </a:r>
+            <a:r>
+              <a:rPr lang="pt-BR" sz="2000" dirty="0" smtClean="0"/>
+              <a:t>estudo)</a:t>
+            </a:r>
+          </a:p>
+          <a:p>
+            <a:pPr marL="800100" lvl="1" indent="-342900">
+              <a:spcBef>
+                <a:spcPct val="20000"/>
+              </a:spcBef>
+              <a:buFontTx/>
+              <a:buChar char="-"/>
+            </a:pPr>
+            <a:r>
+              <a:rPr lang="pt-BR" sz="2000" dirty="0" smtClean="0"/>
+              <a:t>Acesso </a:t>
+            </a:r>
+            <a:r>
+              <a:rPr lang="pt-BR" sz="2000" dirty="0"/>
+              <a:t>às informações difícil e frequentemente não </a:t>
+            </a:r>
+            <a:r>
+              <a:rPr lang="pt-BR" sz="2000" dirty="0" err="1"/>
+              <a:t>automatizável</a:t>
+            </a:r>
+            <a:r>
+              <a:rPr lang="pt-BR" sz="2000" dirty="0"/>
+              <a:t> (Questionários e </a:t>
+            </a:r>
+            <a:r>
+              <a:rPr lang="pt-BR" sz="2000" dirty="0" smtClean="0"/>
+              <a:t>observações)</a:t>
+            </a:r>
+          </a:p>
+          <a:p>
+            <a:pPr marL="800100" lvl="1" indent="-342900">
+              <a:spcBef>
+                <a:spcPct val="20000"/>
+              </a:spcBef>
+              <a:buFontTx/>
+              <a:buChar char="-"/>
+            </a:pPr>
+            <a:r>
+              <a:rPr lang="pt-BR" sz="2000" dirty="0" smtClean="0"/>
+              <a:t>Quantidade </a:t>
+            </a:r>
+            <a:r>
+              <a:rPr lang="pt-BR" sz="2000" dirty="0"/>
+              <a:t>elevada de elementos (órgãos e pessoas) envolvidos.</a:t>
+            </a:r>
+          </a:p>
+        </p:txBody>
+      </p:sp>
+      <p:sp>
+        <p:nvSpPr>
+          <p:cNvPr id="7" name="Retângulo 6"/>
+          <p:cNvSpPr/>
+          <p:nvPr/>
+        </p:nvSpPr>
+        <p:spPr>
+          <a:xfrm>
+            <a:off x="4463480" y="5157193"/>
+            <a:ext cx="4068960" cy="1384995"/>
+          </a:xfrm>
+          <a:prstGeom prst="rect">
+            <a:avLst/>
+          </a:prstGeom>
+        </p:spPr>
+        <p:txBody>
+          <a:bodyPr wrap="square">
+            <a:spAutoFit/>
+          </a:bodyPr>
+          <a:lstStyle/>
+          <a:p>
+            <a:r>
+              <a:rPr lang="pt-BR" sz="2400" dirty="0"/>
+              <a:t>Dados Abertos</a:t>
+            </a:r>
+          </a:p>
+          <a:p>
+            <a:pPr marL="800100" lvl="1" indent="-342900">
+              <a:buFontTx/>
+              <a:buChar char="-"/>
+            </a:pPr>
+            <a:r>
+              <a:rPr lang="pt-BR" sz="2000" dirty="0" smtClean="0"/>
+              <a:t>Principio </a:t>
+            </a:r>
+            <a:r>
+              <a:rPr lang="pt-BR" sz="2000" dirty="0"/>
+              <a:t>da </a:t>
+            </a:r>
+            <a:r>
+              <a:rPr lang="pt-BR" sz="2000" dirty="0" smtClean="0"/>
+              <a:t>publicidade</a:t>
+            </a:r>
+          </a:p>
+          <a:p>
+            <a:pPr marL="800100" lvl="1" indent="-342900">
+              <a:buFontTx/>
+              <a:buChar char="-"/>
+            </a:pPr>
+            <a:r>
+              <a:rPr lang="pt-BR" sz="2000" dirty="0" smtClean="0"/>
+              <a:t>Lei </a:t>
+            </a:r>
+            <a:r>
+              <a:rPr lang="pt-BR" sz="2000" dirty="0"/>
+              <a:t>de acesso à </a:t>
+            </a:r>
+            <a:r>
+              <a:rPr lang="pt-BR" sz="2000" dirty="0" smtClean="0"/>
+              <a:t>informação</a:t>
+            </a:r>
+          </a:p>
+          <a:p>
+            <a:pPr marL="800100" lvl="1" indent="-342900">
+              <a:buFontTx/>
+              <a:buChar char="-"/>
+            </a:pPr>
+            <a:r>
+              <a:rPr lang="pt-BR" sz="2000" dirty="0" smtClean="0"/>
+              <a:t>Open </a:t>
+            </a:r>
+            <a:r>
+              <a:rPr lang="pt-BR" sz="2000" dirty="0" err="1"/>
+              <a:t>Government</a:t>
+            </a:r>
+            <a:endParaRPr lang="pt-BR" sz="2000" dirty="0"/>
+          </a:p>
+        </p:txBody>
+      </p:sp>
+      <p:sp>
+        <p:nvSpPr>
+          <p:cNvPr id="9" name="Seta para baixo 8"/>
+          <p:cNvSpPr/>
+          <p:nvPr/>
+        </p:nvSpPr>
+        <p:spPr>
+          <a:xfrm>
+            <a:off x="5148064" y="1340768"/>
+            <a:ext cx="3744416" cy="3730486"/>
+          </a:xfrm>
+          <a:prstGeom prst="downArrow">
+            <a:avLst/>
+          </a:prstGeom>
           <a:solidFill>
-            <a:schemeClr val="bg1">
-              <a:lumMod val="95000"/>
-            </a:schemeClr>
+            <a:srgbClr val="FF0000">
+              <a:alpha val="10000"/>
+            </a:srgbClr>
           </a:solidFill>
           <a:ln>
             <a:solidFill>
-              <a:schemeClr val="bg1">
-                <a:lumMod val="50000"/>
-              </a:schemeClr>
+              <a:srgbClr val="FF0000"/>
             </a:solidFill>
           </a:ln>
         </p:spPr>
-        <p:txBody>
-          <a:bodyPr wrap="square" rtlCol="0">
-            <a:spAutoFit/>
-          </a:bodyPr>
-          <a:lstStyle/>
-          <a:p>
-            <a:r>
-              <a:rPr lang="pt-BR" sz="1200" dirty="0"/>
-              <a:t>ACÓRDÃO Nº 3052/2012 - TCU - Plenário</a:t>
-            </a:r>
-          </a:p>
-          <a:p>
-            <a:r>
-              <a:rPr lang="pt-BR" sz="1200" dirty="0"/>
-              <a:t>Os Ministros do Tribunal de Contas da União</a:t>
-            </a:r>
-            <a:r>
-              <a:rPr lang="pt-BR" sz="1200" dirty="0" smtClean="0"/>
-              <a:t>, </a:t>
-            </a:r>
-            <a:r>
-              <a:rPr lang="pt-BR" sz="1200" dirty="0"/>
-              <a:t>ACORDAM, em fazer as </a:t>
-            </a:r>
-            <a:r>
-              <a:rPr lang="pt-BR" sz="1200" dirty="0" smtClean="0"/>
-              <a:t>seguintes determinações:</a:t>
-            </a:r>
-            <a:endParaRPr lang="pt-BR" sz="1200" dirty="0"/>
-          </a:p>
-          <a:p>
-            <a:r>
-              <a:rPr lang="pt-BR" sz="1200" dirty="0" smtClean="0"/>
-              <a:t>1.7.9</a:t>
-            </a:r>
-            <a:r>
-              <a:rPr lang="pt-BR" sz="1200" dirty="0"/>
-              <a:t>. Dar ciência à Caixa Econômica Federal - MF:</a:t>
-            </a:r>
-          </a:p>
-          <a:p>
-            <a:r>
-              <a:rPr lang="pt-BR" sz="1200" dirty="0"/>
-              <a:t>1.7.9.1.da necessidade de condicionar a liberação dos recursos ao atendimento das condições de habilitação</a:t>
-            </a:r>
-            <a:endParaRPr lang="pt-BR" sz="1200" dirty="0"/>
-          </a:p>
-        </p:txBody>
-      </p:sp>
-      <p:sp>
-        <p:nvSpPr>
-          <p:cNvPr id="51" name="CaixaDeTexto 50"/>
-          <p:cNvSpPr txBox="1"/>
+        <p:style>
+          <a:lnRef idx="2">
+            <a:schemeClr val="accent1">
+              <a:shade val="50000"/>
+            </a:schemeClr>
+          </a:lnRef>
+          <a:fillRef idx="1">
+            <a:schemeClr val="accent1"/>
+          </a:fillRef>
+          <a:effectRef idx="0">
+            <a:schemeClr val="accent1"/>
+          </a:effectRef>
+          <a:fontRef idx="minor">
+            <a:schemeClr val="lt1"/>
+          </a:fontRef>
+        </p:style>
+        <p:txBody>
+          <a:bodyPr rtlCol="0" anchor="ctr"/>
+          <a:lstStyle/>
+          <a:p>
+            <a:pPr algn="ctr"/>
+            <a:endParaRPr lang="pt-BR"/>
+          </a:p>
+        </p:txBody>
+      </p:sp>
+      <p:sp>
+        <p:nvSpPr>
+          <p:cNvPr id="13" name="Retângulo 12"/>
+          <p:cNvSpPr/>
           <p:nvPr/>
         </p:nvSpPr>
         <p:spPr>
           <a:xfrm>
-            <a:off x="4499992" y="2420888"/>
-            <a:ext cx="3888432" cy="1569660"/>
+            <a:off x="899592" y="5157191"/>
+            <a:ext cx="4068960" cy="1384995"/>
           </a:xfrm>
           <a:prstGeom prst="rect">
             <a:avLst/>
           </a:prstGeom>
-          <a:solidFill>
-            <a:schemeClr val="bg1">
-              <a:lumMod val="95000"/>
-            </a:schemeClr>
-          </a:solidFill>
-          <a:ln>
-            <a:solidFill>
-              <a:schemeClr val="bg1">
-                <a:lumMod val="50000"/>
-              </a:schemeClr>
-            </a:solidFill>
-          </a:ln>
-        </p:spPr>
-        <p:txBody>
-          <a:bodyPr wrap="square" rtlCol="0">
+        </p:spPr>
+        <p:txBody>
+          <a:bodyPr wrap="square">
             <a:spAutoFit/>
           </a:bodyPr>
           <a:lstStyle/>
           <a:p>
             <a:r>
-              <a:rPr lang="pt-BR" sz="1200" dirty="0"/>
-              <a:t>PORTARIA Nº 529, DE 7 DE NOVEMBRO DE 2012</a:t>
-            </a:r>
-          </a:p>
-          <a:p>
-            <a:r>
-              <a:rPr lang="pt-BR" sz="1200" dirty="0"/>
-              <a:t>A MINISTRA DE ESTADO DO PLANEJAMENTO, ORÇAMENTO E GESTÃO, no uso de</a:t>
-            </a:r>
-          </a:p>
-          <a:p>
-            <a:r>
-              <a:rPr lang="pt-BR" sz="1200" dirty="0"/>
-              <a:t>suas </a:t>
-            </a:r>
-            <a:r>
-              <a:rPr lang="pt-BR" sz="1200" dirty="0" smtClean="0"/>
-              <a:t>atribuições resolve</a:t>
-            </a:r>
-            <a:r>
-              <a:rPr lang="pt-BR" sz="1200" dirty="0"/>
-              <a:t>:</a:t>
-            </a:r>
-          </a:p>
-          <a:p>
-            <a:r>
-              <a:rPr lang="pt-BR" sz="1200" dirty="0"/>
-              <a:t>Art. 1º Ficam distribuídas 7 (sete) Gratificações Temporárias das Unidades dos Sistemas Estruturadores da Administração Pública Federal - GSISTE, para o Ministério do Meio Ambiente, referentes aos </a:t>
-            </a:r>
-            <a:r>
-              <a:rPr lang="pt-BR" sz="1200" dirty="0" smtClean="0"/>
-              <a:t>...</a:t>
-            </a:r>
-            <a:endParaRPr lang="pt-BR" sz="1200" dirty="0"/>
-          </a:p>
-        </p:txBody>
-      </p:sp>
-      <p:pic>
-        <p:nvPicPr>
-          <p:cNvPr id="1026" name="Picture 2"/>
-          <p:cNvPicPr>
-            <a:picLocks noChangeAspect="1" noChangeArrowheads="1"/>
-          </p:cNvPicPr>
-          <p:nvPr/>
-        </p:nvPicPr>
-        <p:blipFill>
-          <a:blip r:embed="rId3">
-            <a:extLst>
-              <a:ext uri="{28A0092B-C50C-407E-A947-70E740481C1C}">
-                <a14:useLocalDpi xmlns:a14="http://schemas.microsoft.com/office/drawing/2010/main" val="0"/>
-              </a:ext>
-            </a:extLst>
-          </a:blip>
-          <a:srcRect/>
-          <a:stretch>
-            <a:fillRect/>
-          </a:stretch>
-        </p:blipFill>
-        <p:spPr bwMode="auto">
-          <a:xfrm>
-            <a:off x="436292" y="1340768"/>
-            <a:ext cx="4608512" cy="876646"/>
-          </a:xfrm>
-          <a:prstGeom prst="rect">
-            <a:avLst/>
-          </a:prstGeom>
-          <a:noFill/>
-          <a:ln>
-            <a:noFill/>
-          </a:ln>
-          <a:effectLst/>
-          <a:extLst>
-            <a:ext uri="{909E8E84-426E-40DD-AFC4-6F175D3DCCD1}">
-              <a14:hiddenFill xmlns:a14="http://schemas.microsoft.com/office/drawing/2010/main">
-                <a:solidFill>
-                  <a:schemeClr val="accent1"/>
-                </a:solidFill>
-              </a14:hiddenFill>
-            </a:ext>
-            <a:ext uri="{91240B29-F687-4F45-9708-019B960494DF}">
-              <a14:hiddenLine xmlns:a14="http://schemas.microsoft.com/office/drawing/2010/main" w="9525">
-                <a:solidFill>
-                  <a:schemeClr val="tx1"/>
-                </a:solidFill>
-                <a:miter lim="800000"/>
-                <a:headEnd/>
-                <a:tailEnd/>
-              </a14:hiddenLine>
-            </a:ext>
-            <a:ext uri="{AF507438-7753-43E0-B8FC-AC1667EBCBE1}">
-              <a14:hiddenEffects xmlns:a14="http://schemas.microsoft.com/office/drawing/2010/main">
-                <a:effectLst>
-                  <a:outerShdw dist="35921" dir="2700000" algn="ctr" rotWithShape="0">
-                    <a:schemeClr val="bg2"/>
-                  </a:outerShdw>
-                </a:effectLst>
-              </a14:hiddenEffects>
-            </a:ext>
-          </a:extLst>
-        </p:spPr>
-      </p:pic>
+              <a:rPr lang="pt-BR" sz="2400" dirty="0" smtClean="0"/>
+              <a:t>Analise de Redes Sociais</a:t>
+            </a:r>
+            <a:endParaRPr lang="pt-BR" sz="2400" dirty="0"/>
+          </a:p>
+          <a:p>
+            <a:pPr marL="800100" lvl="1" indent="-342900">
+              <a:buFontTx/>
+              <a:buChar char="-"/>
+            </a:pPr>
+            <a:r>
+              <a:rPr lang="pt-BR" sz="2000" dirty="0" smtClean="0"/>
+              <a:t>Foco na estrutura</a:t>
+            </a:r>
+          </a:p>
+          <a:p>
+            <a:pPr marL="800100" lvl="1" indent="-342900">
+              <a:buFontTx/>
+              <a:buChar char="-"/>
+            </a:pPr>
+            <a:r>
+              <a:rPr lang="pt-BR" sz="2000" dirty="0" smtClean="0"/>
+              <a:t>Padrões </a:t>
+            </a:r>
+            <a:r>
+              <a:rPr lang="pt-BR" sz="2000" dirty="0"/>
+              <a:t>de cooperação </a:t>
+            </a:r>
+            <a:r>
+              <a:rPr lang="pt-BR" sz="2000" dirty="0" smtClean="0"/>
+              <a:t>x </a:t>
+            </a:r>
+            <a:r>
+              <a:rPr lang="pt-BR" sz="2000" dirty="0"/>
+              <a:t>relações </a:t>
+            </a:r>
+            <a:r>
+              <a:rPr lang="pt-BR" sz="2000" dirty="0" smtClean="0"/>
+              <a:t>hierárquicas</a:t>
+            </a:r>
+          </a:p>
+        </p:txBody>
+      </p:sp>
     </p:spTree>
     <p:extLst>
       <p:ext uri="{BB962C8B-B14F-4D97-AF65-F5344CB8AC3E}">
-        <p14:creationId xmlns:p14="http://schemas.microsoft.com/office/powerpoint/2010/main" val="3326783323"/>
+        <p14:creationId xmlns:p14="http://schemas.microsoft.com/office/powerpoint/2010/main" val="2177427247"/>
       </p:ext>
     </p:extLst>
   </p:cSld>
@@ -11978,8 +13181,8 @@
         </p:nvSpPr>
         <p:spPr>
           <a:xfrm>
-            <a:off x="179512" y="1196752"/>
-            <a:ext cx="8784976" cy="1080121"/>
+            <a:off x="457200" y="1340768"/>
+            <a:ext cx="8229600" cy="1080121"/>
           </a:xfrm>
         </p:spPr>
         <p:txBody>
@@ -11988,18 +13191,19 @@
           </a:bodyPr>
           <a:lstStyle/>
           <a:p>
-            <a:pPr>
-              <a:buFont typeface="Wingdings" pitchFamily="2" charset="2"/>
-              <a:buChar char="ü"/>
-            </a:pPr>
-            <a:r>
-              <a:rPr lang="pt-BR" dirty="0"/>
-              <a:t>Armazenamento em banco de dados</a:t>
-            </a:r>
-          </a:p>
-          <a:p>
             <a:pPr lvl="1"/>
-            <a:endParaRPr lang="pt-BR" sz="4000" b="1" cap="small" dirty="0" smtClean="0"/>
+            <a:r>
+              <a:rPr lang="pt-BR" sz="4000" b="1" cap="small" dirty="0" smtClean="0"/>
+              <a:t>Coleta de dados – </a:t>
+            </a:r>
+            <a:r>
+              <a:rPr lang="pt-BR" sz="4000" b="1" cap="small" dirty="0" err="1" smtClean="0"/>
+              <a:t>Visao</a:t>
+            </a:r>
+            <a:r>
+              <a:rPr lang="pt-BR" sz="4000" b="1" cap="small" dirty="0" smtClean="0"/>
+              <a:t> geral</a:t>
+            </a:r>
           </a:p>
         </p:txBody>
       </p:sp>
@@ -12055,70 +13259,143 @@
           </a:p>
         </p:txBody>
       </p:sp>
-      <p:sp>
-        <p:nvSpPr>
-          <p:cNvPr id="6" name="Retângulo 5"/>
-          <p:cNvSpPr/>
+      <p:pic>
+        <p:nvPicPr>
+          <p:cNvPr id="6" name="image00.png"/>
+          <p:cNvPicPr/>
           <p:nvPr/>
-        </p:nvSpPr>
+        </p:nvPicPr>
+        <p:blipFill>
+          <a:blip r:embed="rId3"/>
+          <a:stretch>
+            <a:fillRect/>
+          </a:stretch>
+        </p:blipFill>
         <p:spPr>
           <a:xfrm>
-            <a:off x="611560" y="1916832"/>
-            <a:ext cx="1447475" cy="1296144"/>
+            <a:off x="971600" y="2708920"/>
+            <a:ext cx="7200800" cy="3528392"/>
           </a:xfrm>
           <a:prstGeom prst="rect">
             <a:avLst/>
           </a:prstGeom>
         </p:spPr>
-        <p:style>
-          <a:lnRef idx="2">
-            <a:schemeClr val="accent1">
-              <a:shade val="50000"/>
-            </a:schemeClr>
-          </a:lnRef>
-          <a:fillRef idx="1">
-            <a:schemeClr val="accent1"/>
-          </a:fillRef>
-          <a:effectRef idx="0">
-            <a:schemeClr val="accent1"/>
-          </a:effectRef>
-          <a:fontRef idx="minor">
-            <a:schemeClr val="lt1"/>
-          </a:fontRef>
-        </p:style>
-        <p:txBody>
-          <a:bodyPr rtlCol="0" anchor="t"/>
-          <a:lstStyle/>
-          <a:p>
-            <a:r>
-              <a:rPr lang="pt-BR" u="sng" dirty="0" smtClean="0"/>
-              <a:t>ENTIDADE</a:t>
-            </a:r>
-          </a:p>
+      </p:pic>
+    </p:spTree>
+    <p:extLst>
+      <p:ext uri="{BB962C8B-B14F-4D97-AF65-F5344CB8AC3E}">
+        <p14:creationId xmlns:p14="http://schemas.microsoft.com/office/powerpoint/2010/main" val="804711292"/>
+      </p:ext>
+    </p:extLst>
+  </p:cSld>
+  <p:clrMapOvr>
+    <a:masterClrMapping/>
+  </p:clrMapOvr>
+  <p:timing>
+    <p:tnLst>
+      <p:par>
+        <p:cTn id="1" dur="indefinite" restart="never" nodeType="tmRoot"/>
+      </p:par>
+    </p:tnLst>
+  </p:timing>
+</p:sld>
+</file>
+
+<file path=ppt/slides/slide24.xml><?xml version="1.0" encoding="utf-8"?>
+<p:sld xmlns:a="http://schemas.openxmlformats.org/drawingml/2006/main" xmlns:r="http://schemas.openxmlformats.org/officeDocument/2006/relationships" xmlns:p="http://schemas.openxmlformats.org/presentationml/2006/main">
+  <p:cSld>
+    <p:spTree>
+      <p:nvGrpSpPr>
+        <p:cNvPr id="1" name=""/>
+        <p:cNvGrpSpPr/>
+        <p:nvPr/>
+      </p:nvGrpSpPr>
+      <p:grpSpPr>
+        <a:xfrm>
+          <a:off x="0" y="0"/>
+          <a:ext cx="0" cy="0"/>
+          <a:chOff x="0" y="0"/>
+          <a:chExt cx="0" cy="0"/>
+        </a:xfrm>
+      </p:grpSpPr>
+      <p:sp>
+        <p:nvSpPr>
+          <p:cNvPr id="2" name="Título 1"/>
+          <p:cNvSpPr>
+            <a:spLocks noGrp="1"/>
+          </p:cNvSpPr>
+          <p:nvPr>
+            <p:ph type="title"/>
+          </p:nvPr>
+        </p:nvSpPr>
+        <p:spPr/>
+        <p:txBody>
+          <a:bodyPr/>
+          <a:lstStyle/>
           <a:p>
             <a:r>
               <a:rPr lang="pt-BR" dirty="0" smtClean="0"/>
-              <a:t>Identificador</a:t>
-            </a:r>
-          </a:p>
-          <a:p>
-            <a:r>
-              <a:rPr lang="pt-BR" dirty="0" smtClean="0"/>
-              <a:t>Texto</a:t>
-            </a:r>
-          </a:p>
-          <a:p>
-            <a:r>
-              <a:rPr lang="pt-BR" dirty="0" smtClean="0"/>
-              <a:t>Tipo </a:t>
+              <a:t>Metodologia</a:t>
             </a:r>
             <a:endParaRPr lang="pt-BR" dirty="0"/>
+          </a:p>
+        </p:txBody>
+      </p:sp>
+      <p:sp>
+        <p:nvSpPr>
+          <p:cNvPr id="4" name="Espaço Reservado para Rodapé 3"/>
+          <p:cNvSpPr>
+            <a:spLocks noGrp="1"/>
+          </p:cNvSpPr>
+          <p:nvPr>
+            <p:ph type="ftr" sz="quarter" idx="11"/>
+          </p:nvPr>
+        </p:nvSpPr>
+        <p:spPr>
+          <a:xfrm>
+            <a:off x="0" y="6501112"/>
+            <a:ext cx="8604448" cy="365125"/>
+          </a:xfrm>
+        </p:spPr>
+        <p:txBody>
+          <a:bodyPr/>
+          <a:lstStyle/>
+          <a:p>
+            <a:pPr algn="l"/>
+            <a:r>
+              <a:rPr lang="pt-BR" sz="900" dirty="0" smtClean="0"/>
+              <a:t>Modelo de análise da comunicação e mediação da informação em organizações públicas brasileiras através da Análise de Redes Sociais.</a:t>
+            </a:r>
+            <a:endParaRPr lang="pt-BR" sz="900" dirty="0"/>
+          </a:p>
+        </p:txBody>
+      </p:sp>
+      <p:sp>
+        <p:nvSpPr>
+          <p:cNvPr id="5" name="Espaço Reservado para Número de Slide 4"/>
+          <p:cNvSpPr>
+            <a:spLocks noGrp="1"/>
+          </p:cNvSpPr>
+          <p:nvPr>
+            <p:ph type="sldNum" sz="quarter" idx="12"/>
+          </p:nvPr>
+        </p:nvSpPr>
+        <p:spPr/>
+        <p:txBody>
+          <a:bodyPr/>
+          <a:lstStyle/>
+          <a:p>
+            <a:fld id="{2BA3D508-1B43-4B52-8FAB-4C423C784271}" type="slidenum">
+              <a:rPr lang="pt-BR" smtClean="0"/>
+              <a:t>24</a:t>
+            </a:fld>
+            <a:endParaRPr lang="pt-BR"/>
           </a:p>
         </p:txBody>
       </p:sp>
       <p:pic>
         <p:nvPicPr>
-          <p:cNvPr id="4098" name="Picture 2"/>
+          <p:cNvPr id="2051" name="Picture 3"/>
           <p:cNvPicPr>
             <a:picLocks noChangeAspect="1" noChangeArrowheads="1"/>
           </p:cNvPicPr>
@@ -12139,8 +13416,8 @@
         </p:blipFill>
         <p:spPr bwMode="auto">
           <a:xfrm>
-            <a:off x="2307704" y="1916832"/>
-            <a:ext cx="3200400" cy="552450"/>
+            <a:off x="243049" y="2276872"/>
+            <a:ext cx="8865455" cy="3312368"/>
           </a:xfrm>
           <a:prstGeom prst="rect">
             <a:avLst/>
@@ -12180,77 +13457,653 @@
           </a:extLst>
         </p:spPr>
       </p:pic>
-      <p:sp>
-        <p:nvSpPr>
-          <p:cNvPr id="11" name="Retângulo 10"/>
+    </p:spTree>
+    <p:extLst>
+      <p:ext uri="{BB962C8B-B14F-4D97-AF65-F5344CB8AC3E}">
+        <p14:creationId xmlns:p14="http://schemas.microsoft.com/office/powerpoint/2010/main" val="2312303600"/>
+      </p:ext>
+    </p:extLst>
+  </p:cSld>
+  <p:clrMapOvr>
+    <a:masterClrMapping/>
+  </p:clrMapOvr>
+  <p:timing>
+    <p:tnLst>
+      <p:par>
+        <p:cTn id="1" dur="indefinite" restart="never" nodeType="tmRoot"/>
+      </p:par>
+    </p:tnLst>
+  </p:timing>
+</p:sld>
+</file>
+
+<file path=ppt/slides/slide25.xml><?xml version="1.0" encoding="utf-8"?>
+<p:sld xmlns:a="http://schemas.openxmlformats.org/drawingml/2006/main" xmlns:r="http://schemas.openxmlformats.org/officeDocument/2006/relationships" xmlns:p="http://schemas.openxmlformats.org/presentationml/2006/main">
+  <p:cSld>
+    <p:spTree>
+      <p:nvGrpSpPr>
+        <p:cNvPr id="1" name=""/>
+        <p:cNvGrpSpPr/>
+        <p:nvPr/>
+      </p:nvGrpSpPr>
+      <p:grpSpPr>
+        <a:xfrm>
+          <a:off x="0" y="0"/>
+          <a:ext cx="0" cy="0"/>
+          <a:chOff x="0" y="0"/>
+          <a:chExt cx="0" cy="0"/>
+        </a:xfrm>
+      </p:grpSpPr>
+      <p:sp>
+        <p:nvSpPr>
+          <p:cNvPr id="2" name="Título 1"/>
+          <p:cNvSpPr>
+            <a:spLocks noGrp="1"/>
+          </p:cNvSpPr>
+          <p:nvPr>
+            <p:ph type="title"/>
+          </p:nvPr>
+        </p:nvSpPr>
+        <p:spPr/>
+        <p:txBody>
+          <a:bodyPr/>
+          <a:lstStyle/>
+          <a:p>
+            <a:r>
+              <a:rPr lang="pt-BR" dirty="0" smtClean="0"/>
+              <a:t>Resultados preliminares</a:t>
+            </a:r>
+            <a:endParaRPr lang="pt-BR" dirty="0"/>
+          </a:p>
+        </p:txBody>
+      </p:sp>
+      <p:sp>
+        <p:nvSpPr>
+          <p:cNvPr id="4" name="Espaço Reservado para Rodapé 3"/>
+          <p:cNvSpPr>
+            <a:spLocks noGrp="1"/>
+          </p:cNvSpPr>
+          <p:nvPr>
+            <p:ph type="ftr" sz="quarter" idx="11"/>
+          </p:nvPr>
+        </p:nvSpPr>
+        <p:spPr>
+          <a:xfrm>
+            <a:off x="0" y="6501112"/>
+            <a:ext cx="8604448" cy="365125"/>
+          </a:xfrm>
+        </p:spPr>
+        <p:txBody>
+          <a:bodyPr/>
+          <a:lstStyle/>
+          <a:p>
+            <a:pPr algn="l"/>
+            <a:r>
+              <a:rPr lang="pt-BR" sz="900" dirty="0" smtClean="0"/>
+              <a:t>Modelo de análise da comunicação e mediação da informação em organizações públicas brasileiras através da Análise de Redes Sociais.</a:t>
+            </a:r>
+            <a:endParaRPr lang="pt-BR" sz="900" dirty="0"/>
+          </a:p>
+        </p:txBody>
+      </p:sp>
+      <p:sp>
+        <p:nvSpPr>
+          <p:cNvPr id="5" name="Espaço Reservado para Número de Slide 4"/>
+          <p:cNvSpPr>
+            <a:spLocks noGrp="1"/>
+          </p:cNvSpPr>
+          <p:nvPr>
+            <p:ph type="sldNum" sz="quarter" idx="12"/>
+          </p:nvPr>
+        </p:nvSpPr>
+        <p:spPr/>
+        <p:txBody>
+          <a:bodyPr/>
+          <a:lstStyle/>
+          <a:p>
+            <a:fld id="{2BA3D508-1B43-4B52-8FAB-4C423C784271}" type="slidenum">
+              <a:rPr lang="pt-BR" smtClean="0"/>
+              <a:t>25</a:t>
+            </a:fld>
+            <a:endParaRPr lang="pt-BR"/>
+          </a:p>
+        </p:txBody>
+      </p:sp>
+      <p:sp>
+        <p:nvSpPr>
+          <p:cNvPr id="3" name="Retângulo 2"/>
           <p:cNvSpPr/>
           <p:nvPr/>
         </p:nvSpPr>
         <p:spPr>
           <a:xfrm>
-            <a:off x="604245" y="3501008"/>
-            <a:ext cx="1447475" cy="1296144"/>
+            <a:off x="827584" y="1443579"/>
+            <a:ext cx="7560840" cy="646331"/>
           </a:xfrm>
           <a:prstGeom prst="rect">
             <a:avLst/>
           </a:prstGeom>
         </p:spPr>
-        <p:style>
-          <a:lnRef idx="2">
-            <a:schemeClr val="accent1">
-              <a:shade val="50000"/>
-            </a:schemeClr>
-          </a:lnRef>
-          <a:fillRef idx="1">
-            <a:schemeClr val="accent1"/>
-          </a:fillRef>
-          <a:effectRef idx="0">
-            <a:schemeClr val="accent1"/>
-          </a:effectRef>
-          <a:fontRef idx="minor">
-            <a:schemeClr val="lt1"/>
-          </a:fontRef>
-        </p:style>
-        <p:txBody>
-          <a:bodyPr rtlCol="0" anchor="t"/>
-          <a:lstStyle/>
-          <a:p>
-            <a:r>
-              <a:rPr lang="pt-BR" u="sng" dirty="0" smtClean="0"/>
-              <a:t>PORTARIA</a:t>
-            </a:r>
-          </a:p>
+        <p:txBody>
+          <a:bodyPr wrap="square">
+            <a:spAutoFit/>
+          </a:bodyPr>
+          <a:lstStyle/>
+          <a:p>
+            <a:r>
+              <a:rPr lang="pt-BR" dirty="0"/>
+              <a:t>DIFUSÃO DA ADESÃO AO SISU POR PARTE DAS UNIVERSIDADES FEDERAIS BRASILEIRAS</a:t>
+            </a:r>
+          </a:p>
+        </p:txBody>
+      </p:sp>
+      <p:sp>
+        <p:nvSpPr>
+          <p:cNvPr id="6" name="Retângulo 5"/>
+          <p:cNvSpPr/>
+          <p:nvPr/>
+        </p:nvSpPr>
+        <p:spPr>
+          <a:xfrm>
+            <a:off x="1331640" y="2217371"/>
+            <a:ext cx="6390456" cy="923330"/>
+          </a:xfrm>
+          <a:prstGeom prst="rect">
+            <a:avLst/>
+          </a:prstGeom>
+          <a:ln>
+            <a:solidFill>
+              <a:schemeClr val="accent1">
+                <a:shade val="50000"/>
+              </a:schemeClr>
+            </a:solidFill>
+          </a:ln>
+        </p:spPr>
+        <p:txBody>
+          <a:bodyPr wrap="square">
+            <a:spAutoFit/>
+          </a:bodyPr>
+          <a:lstStyle/>
+          <a:p>
+            <a:r>
+              <a:rPr lang="en-US" i="1" dirty="0" smtClean="0"/>
+              <a:t>“</a:t>
+            </a:r>
+            <a:r>
+              <a:rPr lang="en-US" i="1" dirty="0" err="1" smtClean="0"/>
+              <a:t>Difusão</a:t>
+            </a:r>
+            <a:r>
+              <a:rPr lang="en-US" i="1" dirty="0" smtClean="0"/>
+              <a:t> é o </a:t>
+            </a:r>
+            <a:r>
+              <a:rPr lang="en-US" i="1" dirty="0" err="1" smtClean="0"/>
+              <a:t>processo</a:t>
+            </a:r>
+            <a:r>
+              <a:rPr lang="en-US" i="1" dirty="0" smtClean="0"/>
+              <a:t> </a:t>
+            </a:r>
+            <a:r>
+              <a:rPr lang="en-US" i="1" dirty="0" err="1" smtClean="0"/>
+              <a:t>pelo</a:t>
+            </a:r>
+            <a:r>
+              <a:rPr lang="en-US" i="1" dirty="0" smtClean="0"/>
+              <a:t> </a:t>
+            </a:r>
+            <a:r>
+              <a:rPr lang="en-US" i="1" dirty="0" err="1" smtClean="0"/>
+              <a:t>qual</a:t>
+            </a:r>
+            <a:r>
+              <a:rPr lang="en-US" i="1" dirty="0" smtClean="0"/>
+              <a:t> </a:t>
+            </a:r>
+            <a:r>
+              <a:rPr lang="en-US" i="1" dirty="0" err="1" smtClean="0"/>
+              <a:t>uma</a:t>
+            </a:r>
+            <a:r>
+              <a:rPr lang="en-US" i="1" dirty="0" smtClean="0"/>
+              <a:t> </a:t>
+            </a:r>
+            <a:r>
+              <a:rPr lang="en-US" i="1" dirty="0" err="1" smtClean="0"/>
+              <a:t>inovação</a:t>
+            </a:r>
+            <a:r>
+              <a:rPr lang="en-US" i="1" dirty="0" smtClean="0"/>
+              <a:t> é </a:t>
+            </a:r>
+            <a:r>
+              <a:rPr lang="en-US" i="1" dirty="0" err="1" smtClean="0"/>
+              <a:t>comunicada</a:t>
+            </a:r>
+            <a:r>
+              <a:rPr lang="en-US" i="1" dirty="0" smtClean="0"/>
+              <a:t> </a:t>
+            </a:r>
+            <a:r>
+              <a:rPr lang="en-US" i="1" dirty="0" err="1" smtClean="0"/>
+              <a:t>através</a:t>
+            </a:r>
+            <a:r>
+              <a:rPr lang="en-US" i="1" dirty="0" smtClean="0"/>
+              <a:t> de </a:t>
+            </a:r>
+            <a:r>
+              <a:rPr lang="en-US" i="1" dirty="0" err="1" smtClean="0"/>
+              <a:t>certos</a:t>
+            </a:r>
+            <a:r>
+              <a:rPr lang="en-US" i="1" dirty="0" smtClean="0"/>
+              <a:t> </a:t>
+            </a:r>
+            <a:r>
+              <a:rPr lang="en-US" i="1" dirty="0" err="1" smtClean="0"/>
+              <a:t>canais</a:t>
+            </a:r>
+            <a:r>
+              <a:rPr lang="en-US" i="1" dirty="0" smtClean="0"/>
+              <a:t> </a:t>
+            </a:r>
+            <a:r>
+              <a:rPr lang="en-US" i="1" dirty="0" err="1" smtClean="0"/>
+              <a:t>ao</a:t>
+            </a:r>
+            <a:r>
+              <a:rPr lang="en-US" i="1" dirty="0" smtClean="0"/>
+              <a:t> </a:t>
+            </a:r>
+            <a:r>
+              <a:rPr lang="en-US" i="1" dirty="0" err="1" smtClean="0"/>
+              <a:t>longo</a:t>
+            </a:r>
+            <a:r>
+              <a:rPr lang="en-US" i="1" dirty="0" smtClean="0"/>
+              <a:t> do tempo entre </a:t>
+            </a:r>
+            <a:r>
+              <a:rPr lang="en-US" i="1" dirty="0" err="1" smtClean="0"/>
+              <a:t>os</a:t>
+            </a:r>
+            <a:r>
+              <a:rPr lang="en-US" i="1" dirty="0" smtClean="0"/>
+              <a:t> </a:t>
+            </a:r>
+            <a:r>
+              <a:rPr lang="en-US" i="1" dirty="0" err="1" smtClean="0"/>
+              <a:t>membros</a:t>
+            </a:r>
+            <a:r>
+              <a:rPr lang="en-US" i="1" dirty="0" smtClean="0"/>
+              <a:t> de um </a:t>
+            </a:r>
+            <a:r>
+              <a:rPr lang="en-US" i="1" dirty="0" err="1" smtClean="0"/>
+              <a:t>sistema</a:t>
+            </a:r>
+            <a:r>
+              <a:rPr lang="en-US" i="1" dirty="0" smtClean="0"/>
+              <a:t> social. “(Rogers 1971)</a:t>
+            </a:r>
+            <a:endParaRPr lang="pt-BR" dirty="0"/>
+          </a:p>
+        </p:txBody>
+      </p:sp>
+      <p:sp>
+        <p:nvSpPr>
+          <p:cNvPr id="7" name="Retângulo 6"/>
+          <p:cNvSpPr/>
+          <p:nvPr/>
+        </p:nvSpPr>
+        <p:spPr>
+          <a:xfrm>
+            <a:off x="107504" y="3568948"/>
+            <a:ext cx="4248471" cy="2308324"/>
+          </a:xfrm>
+          <a:prstGeom prst="rect">
+            <a:avLst/>
+          </a:prstGeom>
+        </p:spPr>
+        <p:txBody>
+          <a:bodyPr wrap="square">
+            <a:spAutoFit/>
+          </a:bodyPr>
+          <a:lstStyle/>
           <a:p>
             <a:r>
               <a:rPr lang="pt-BR" dirty="0" smtClean="0"/>
-              <a:t>Identificador</a:t>
-            </a:r>
-          </a:p>
-          <a:p>
+              <a:t>“necessidade de ampliar a discussão sobre o assunto. </a:t>
+            </a:r>
+            <a:r>
+              <a:rPr lang="pt-BR" b="1" dirty="0" smtClean="0"/>
+              <a:t>(...) apreciação de dados de outras universidades </a:t>
+            </a:r>
             <a:r>
               <a:rPr lang="pt-BR" dirty="0" smtClean="0"/>
-              <a:t>Texto</a:t>
-            </a:r>
-          </a:p>
-          <a:p>
+              <a:t>que adotaram o programa do MEC e o conhecimento de estudo nacional que está sendo desenvolvido pela </a:t>
+            </a:r>
+            <a:r>
+              <a:rPr lang="pt-BR" b="1" dirty="0" smtClean="0"/>
+              <a:t>Universidade Federal do Ceará </a:t>
+            </a:r>
             <a:r>
               <a:rPr lang="pt-BR" dirty="0" smtClean="0"/>
-              <a:t>Tipo </a:t>
+              <a:t>sobre o tema, além de </a:t>
+            </a:r>
+            <a:r>
+              <a:rPr lang="pt-BR" b="1" dirty="0" smtClean="0"/>
+              <a:t>outras sugestões</a:t>
+            </a:r>
+            <a:r>
+              <a:rPr lang="pt-BR" dirty="0" smtClean="0"/>
+              <a:t>.‖ (UFRGS, 2013).</a:t>
             </a:r>
             <a:endParaRPr lang="pt-BR" dirty="0"/>
+          </a:p>
+        </p:txBody>
+      </p:sp>
+      <p:sp>
+        <p:nvSpPr>
+          <p:cNvPr id="8" name="Retângulo 7"/>
+          <p:cNvSpPr/>
+          <p:nvPr/>
+        </p:nvSpPr>
+        <p:spPr>
+          <a:xfrm>
+            <a:off x="4680520" y="3445547"/>
+            <a:ext cx="4572000" cy="2862322"/>
+          </a:xfrm>
+          <a:prstGeom prst="rect">
+            <a:avLst/>
+          </a:prstGeom>
+        </p:spPr>
+        <p:txBody>
+          <a:bodyPr>
+            <a:spAutoFit/>
+          </a:bodyPr>
+          <a:lstStyle/>
+          <a:p>
+            <a:r>
+              <a:rPr lang="pt-BR" dirty="0"/>
+              <a:t>―Como reitor da UFMG,</a:t>
+            </a:r>
+          </a:p>
+          <a:p>
+            <a:r>
+              <a:rPr lang="pt-BR" dirty="0"/>
+              <a:t>participo da </a:t>
+            </a:r>
+            <a:r>
+              <a:rPr lang="pt-BR" b="1" dirty="0"/>
+              <a:t>Associação Nacional dos Dirigentes das Instituições Federais de Ensino</a:t>
+            </a:r>
+          </a:p>
+          <a:p>
+            <a:r>
+              <a:rPr lang="pt-BR" b="1" dirty="0"/>
+              <a:t>Superior </a:t>
+            </a:r>
+            <a:r>
+              <a:rPr lang="pt-BR" dirty="0"/>
+              <a:t>(Andifes), onde mantemos permanente contato e </a:t>
+            </a:r>
+            <a:r>
+              <a:rPr lang="pt-BR" b="1" dirty="0"/>
+              <a:t>acompanhamos o que </a:t>
+            </a:r>
+            <a:r>
+              <a:rPr lang="pt-BR" b="1" dirty="0" smtClean="0"/>
+              <a:t>vem acontecendo </a:t>
+            </a:r>
+            <a:r>
+              <a:rPr lang="pt-BR" b="1" dirty="0"/>
+              <a:t>em todas as instituições. </a:t>
+            </a:r>
+            <a:r>
+              <a:rPr lang="pt-BR" dirty="0"/>
+              <a:t>Quase a totalidade das </a:t>
+            </a:r>
+            <a:r>
+              <a:rPr lang="pt-BR" b="1" dirty="0"/>
+              <a:t>universidades federais</a:t>
+            </a:r>
+          </a:p>
+          <a:p>
+            <a:r>
+              <a:rPr lang="pt-BR" b="1" dirty="0"/>
+              <a:t>já está no </a:t>
+            </a:r>
+            <a:r>
+              <a:rPr lang="pt-BR" b="1" dirty="0" err="1"/>
+              <a:t>Sisu</a:t>
+            </a:r>
+            <a:r>
+              <a:rPr lang="pt-BR" dirty="0"/>
+              <a:t>, e as poucas que ainda não o integraram plenamente, estão se decidindo</a:t>
+            </a:r>
+          </a:p>
+          <a:p>
+            <a:r>
+              <a:rPr lang="pt-BR" dirty="0"/>
+              <a:t>a entrar.‖ (UFMG, </a:t>
+            </a:r>
+            <a:r>
+              <a:rPr lang="pt-BR" dirty="0" smtClean="0"/>
+              <a:t>2013)</a:t>
+            </a:r>
+            <a:endParaRPr lang="pt-BR" dirty="0"/>
+          </a:p>
+        </p:txBody>
+      </p:sp>
+    </p:spTree>
+    <p:extLst>
+      <p:ext uri="{BB962C8B-B14F-4D97-AF65-F5344CB8AC3E}">
+        <p14:creationId xmlns:p14="http://schemas.microsoft.com/office/powerpoint/2010/main" val="972906025"/>
+      </p:ext>
+    </p:extLst>
+  </p:cSld>
+  <p:clrMapOvr>
+    <a:masterClrMapping/>
+  </p:clrMapOvr>
+  <p:timing>
+    <p:tnLst>
+      <p:par>
+        <p:cTn id="1" dur="indefinite" restart="never" nodeType="tmRoot"/>
+      </p:par>
+    </p:tnLst>
+  </p:timing>
+</p:sld>
+</file>
+
+<file path=ppt/slides/slide26.xml><?xml version="1.0" encoding="utf-8"?>
+<p:sld xmlns:a="http://schemas.openxmlformats.org/drawingml/2006/main" xmlns:r="http://schemas.openxmlformats.org/officeDocument/2006/relationships" xmlns:p="http://schemas.openxmlformats.org/presentationml/2006/main">
+  <p:cSld>
+    <p:spTree>
+      <p:nvGrpSpPr>
+        <p:cNvPr id="1" name=""/>
+        <p:cNvGrpSpPr/>
+        <p:nvPr/>
+      </p:nvGrpSpPr>
+      <p:grpSpPr>
+        <a:xfrm>
+          <a:off x="0" y="0"/>
+          <a:ext cx="0" cy="0"/>
+          <a:chOff x="0" y="0"/>
+          <a:chExt cx="0" cy="0"/>
+        </a:xfrm>
+      </p:grpSpPr>
+      <p:sp>
+        <p:nvSpPr>
+          <p:cNvPr id="2" name="Título 1"/>
+          <p:cNvSpPr>
+            <a:spLocks noGrp="1"/>
+          </p:cNvSpPr>
+          <p:nvPr>
+            <p:ph type="title"/>
+          </p:nvPr>
+        </p:nvSpPr>
+        <p:spPr/>
+        <p:txBody>
+          <a:bodyPr/>
+          <a:lstStyle/>
+          <a:p>
+            <a:r>
+              <a:rPr lang="pt-BR" dirty="0" smtClean="0"/>
+              <a:t>Resultados preliminares</a:t>
+            </a:r>
+            <a:endParaRPr lang="pt-BR" dirty="0"/>
+          </a:p>
+        </p:txBody>
+      </p:sp>
+      <p:sp>
+        <p:nvSpPr>
+          <p:cNvPr id="4" name="Espaço Reservado para Rodapé 3"/>
+          <p:cNvSpPr>
+            <a:spLocks noGrp="1"/>
+          </p:cNvSpPr>
+          <p:nvPr>
+            <p:ph type="ftr" sz="quarter" idx="11"/>
+          </p:nvPr>
+        </p:nvSpPr>
+        <p:spPr>
+          <a:xfrm>
+            <a:off x="0" y="6501112"/>
+            <a:ext cx="8604448" cy="365125"/>
+          </a:xfrm>
+        </p:spPr>
+        <p:txBody>
+          <a:bodyPr/>
+          <a:lstStyle/>
+          <a:p>
+            <a:pPr algn="l"/>
+            <a:r>
+              <a:rPr lang="pt-BR" sz="900" dirty="0" smtClean="0"/>
+              <a:t>Modelo de análise da comunicação e mediação da informação em organizações públicas brasileiras através da Análise de Redes Sociais.</a:t>
+            </a:r>
+            <a:endParaRPr lang="pt-BR" sz="900" dirty="0"/>
+          </a:p>
+        </p:txBody>
+      </p:sp>
+      <p:sp>
+        <p:nvSpPr>
+          <p:cNvPr id="5" name="Espaço Reservado para Número de Slide 4"/>
+          <p:cNvSpPr>
+            <a:spLocks noGrp="1"/>
+          </p:cNvSpPr>
+          <p:nvPr>
+            <p:ph type="sldNum" sz="quarter" idx="12"/>
+          </p:nvPr>
+        </p:nvSpPr>
+        <p:spPr/>
+        <p:txBody>
+          <a:bodyPr/>
+          <a:lstStyle/>
+          <a:p>
+            <a:fld id="{2BA3D508-1B43-4B52-8FAB-4C423C784271}" type="slidenum">
+              <a:rPr lang="pt-BR" smtClean="0"/>
+              <a:t>26</a:t>
+            </a:fld>
+            <a:endParaRPr lang="pt-BR"/>
+          </a:p>
+        </p:txBody>
+      </p:sp>
+      <p:sp>
+        <p:nvSpPr>
+          <p:cNvPr id="3" name="Retângulo 2"/>
+          <p:cNvSpPr/>
+          <p:nvPr/>
+        </p:nvSpPr>
+        <p:spPr>
+          <a:xfrm>
+            <a:off x="827584" y="1443579"/>
+            <a:ext cx="7560840" cy="646331"/>
+          </a:xfrm>
+          <a:prstGeom prst="rect">
+            <a:avLst/>
+          </a:prstGeom>
+        </p:spPr>
+        <p:txBody>
+          <a:bodyPr wrap="square">
+            <a:spAutoFit/>
+          </a:bodyPr>
+          <a:lstStyle/>
+          <a:p>
+            <a:r>
+              <a:rPr lang="pt-BR" dirty="0"/>
+              <a:t>DIFUSÃO DA ADESÃO AO SISU POR PARTE DAS UNIVERSIDADES FEDERAIS BRASILEIRAS</a:t>
+            </a:r>
+          </a:p>
+        </p:txBody>
+      </p:sp>
+      <p:sp>
+        <p:nvSpPr>
+          <p:cNvPr id="6" name="Retângulo 5"/>
+          <p:cNvSpPr/>
+          <p:nvPr/>
+        </p:nvSpPr>
+        <p:spPr>
+          <a:xfrm>
+            <a:off x="1331640" y="2217371"/>
+            <a:ext cx="6390456" cy="923330"/>
+          </a:xfrm>
+          <a:prstGeom prst="rect">
+            <a:avLst/>
+          </a:prstGeom>
+          <a:ln>
+            <a:solidFill>
+              <a:schemeClr val="accent1">
+                <a:shade val="50000"/>
+              </a:schemeClr>
+            </a:solidFill>
+          </a:ln>
+        </p:spPr>
+        <p:txBody>
+          <a:bodyPr wrap="square">
+            <a:spAutoFit/>
+          </a:bodyPr>
+          <a:lstStyle/>
+          <a:p>
+            <a:r>
+              <a:rPr lang="en-US" i="1" dirty="0" smtClean="0"/>
+              <a:t>“</a:t>
+            </a:r>
+            <a:r>
+              <a:rPr lang="pt-BR" dirty="0"/>
+              <a:t>A curva em S é um padrão em dados que representam reações </a:t>
+            </a:r>
+            <a:r>
+              <a:rPr lang="pt-BR" dirty="0" smtClean="0"/>
+              <a:t>em cadeia </a:t>
+            </a:r>
+            <a:r>
+              <a:rPr lang="pt-BR" dirty="0"/>
+              <a:t>e ―muitos estudos sobre difusão apresentam curvas de em formato de </a:t>
+            </a:r>
+            <a:r>
+              <a:rPr lang="pt-BR" dirty="0" smtClean="0"/>
+              <a:t>‘S’”‖(</a:t>
+            </a:r>
+            <a:r>
+              <a:rPr lang="pt-BR" dirty="0"/>
+              <a:t>JACKSON, 2010)</a:t>
+            </a:r>
           </a:p>
         </p:txBody>
       </p:sp>
       <p:pic>
         <p:nvPicPr>
-          <p:cNvPr id="4099" name="Picture 3"/>
+          <p:cNvPr id="4098" name="Picture 2"/>
           <p:cNvPicPr>
             <a:picLocks noChangeAspect="1" noChangeArrowheads="1"/>
           </p:cNvPicPr>
           <p:nvPr/>
         </p:nvPicPr>
         <p:blipFill>
-          <a:blip r:embed="rId4">
+          <a:blip r:embed="rId3">
             <a:extLst>
               <a:ext uri="{28A0092B-C50C-407E-A947-70E740481C1C}">
                 <a14:useLocalDpi xmlns:a14="http://schemas.microsoft.com/office/drawing/2010/main" val="0"/>
@@ -12264,8 +14117,8 @@
         </p:blipFill>
         <p:spPr bwMode="auto">
           <a:xfrm>
-            <a:off x="2195736" y="3501008"/>
-            <a:ext cx="6840760" cy="571500"/>
+            <a:off x="611560" y="3429000"/>
+            <a:ext cx="3168352" cy="2943823"/>
           </a:xfrm>
           <a:prstGeom prst="rect">
             <a:avLst/>
@@ -12305,79 +14158,16 @@
           </a:extLst>
         </p:spPr>
       </p:pic>
-      <p:sp>
-        <p:nvSpPr>
-          <p:cNvPr id="13" name="Retângulo 12"/>
-          <p:cNvSpPr/>
-          <p:nvPr/>
-        </p:nvSpPr>
-        <p:spPr>
-          <a:xfrm>
-            <a:off x="590612" y="5085184"/>
-            <a:ext cx="2325204" cy="1296144"/>
-          </a:xfrm>
-          <a:prstGeom prst="rect">
-            <a:avLst/>
-          </a:prstGeom>
-        </p:spPr>
-        <p:style>
-          <a:lnRef idx="2">
-            <a:schemeClr val="accent1">
-              <a:shade val="50000"/>
-            </a:schemeClr>
-          </a:lnRef>
-          <a:fillRef idx="1">
-            <a:schemeClr val="accent1"/>
-          </a:fillRef>
-          <a:effectRef idx="0">
-            <a:schemeClr val="accent1"/>
-          </a:effectRef>
-          <a:fontRef idx="minor">
-            <a:schemeClr val="lt1"/>
-          </a:fontRef>
-        </p:style>
-        <p:txBody>
-          <a:bodyPr rtlCol="0" anchor="t"/>
-          <a:lstStyle/>
-          <a:p>
-            <a:r>
-              <a:rPr lang="pt-BR" u="sng" dirty="0" smtClean="0"/>
-              <a:t>PORTARIAENTIDADE</a:t>
-            </a:r>
-          </a:p>
-          <a:p>
-            <a:r>
-              <a:rPr lang="pt-BR" dirty="0" err="1" smtClean="0"/>
-              <a:t>IdPortaria</a:t>
-            </a:r>
-            <a:endParaRPr lang="pt-BR" dirty="0" smtClean="0"/>
-          </a:p>
-          <a:p>
-            <a:r>
-              <a:rPr lang="pt-BR" dirty="0" err="1" smtClean="0"/>
-              <a:t>IdEntidade</a:t>
-            </a:r>
-            <a:endParaRPr lang="pt-BR" dirty="0" smtClean="0"/>
-          </a:p>
-          <a:p>
-            <a:r>
-              <a:rPr lang="pt-BR" dirty="0" smtClean="0"/>
-              <a:t>Tipo </a:t>
-            </a:r>
-            <a:endParaRPr lang="pt-BR" dirty="0"/>
-          </a:p>
-        </p:txBody>
-      </p:sp>
       <p:pic>
         <p:nvPicPr>
-          <p:cNvPr id="4100" name="Picture 4"/>
+          <p:cNvPr id="4099" name="Picture 3"/>
           <p:cNvPicPr>
             <a:picLocks noChangeAspect="1" noChangeArrowheads="1"/>
           </p:cNvPicPr>
           <p:nvPr/>
         </p:nvPicPr>
         <p:blipFill>
-          <a:blip r:embed="rId5">
+          <a:blip r:embed="rId4">
             <a:extLst>
               <a:ext uri="{28A0092B-C50C-407E-A947-70E740481C1C}">
                 <a14:useLocalDpi xmlns:a14="http://schemas.microsoft.com/office/drawing/2010/main" val="0"/>
@@ -12391,8 +14181,8 @@
         </p:blipFill>
         <p:spPr bwMode="auto">
           <a:xfrm>
-            <a:off x="3472408" y="5543326"/>
-            <a:ext cx="2971800" cy="523875"/>
+            <a:off x="4734273" y="3501008"/>
+            <a:ext cx="3150095" cy="2878389"/>
           </a:xfrm>
           <a:prstGeom prst="rect">
             <a:avLst/>
@@ -12432,86 +14222,10 @@
           </a:extLst>
         </p:spPr>
       </p:pic>
-      <p:sp>
-        <p:nvSpPr>
-          <p:cNvPr id="10" name="Colchete esquerdo 9"/>
-          <p:cNvSpPr/>
-          <p:nvPr/>
-        </p:nvSpPr>
-        <p:spPr>
-          <a:xfrm>
-            <a:off x="251520" y="2276872"/>
-            <a:ext cx="339092" cy="3528391"/>
-          </a:xfrm>
-          <a:prstGeom prst="leftBracket">
-            <a:avLst/>
-          </a:prstGeom>
-        </p:spPr>
-        <p:style>
-          <a:lnRef idx="1">
-            <a:schemeClr val="accent1"/>
-          </a:lnRef>
-          <a:fillRef idx="0">
-            <a:schemeClr val="accent1"/>
-          </a:fillRef>
-          <a:effectRef idx="0">
-            <a:schemeClr val="accent1"/>
-          </a:effectRef>
-          <a:fontRef idx="minor">
-            <a:schemeClr val="tx1"/>
-          </a:fontRef>
-        </p:style>
-        <p:txBody>
-          <a:bodyPr rtlCol="0" anchor="ctr"/>
-          <a:lstStyle/>
-          <a:p>
-            <a:pPr algn="ctr"/>
-            <a:endParaRPr lang="pt-BR"/>
-          </a:p>
-        </p:txBody>
-      </p:sp>
-      <p:sp>
-        <p:nvSpPr>
-          <p:cNvPr id="18" name="Colchete esquerdo 17"/>
-          <p:cNvSpPr/>
-          <p:nvPr/>
-        </p:nvSpPr>
-        <p:spPr>
-          <a:xfrm>
-            <a:off x="363161" y="3896297"/>
-            <a:ext cx="321946" cy="1647030"/>
-          </a:xfrm>
-          <a:prstGeom prst="leftBracket">
-            <a:avLst/>
-          </a:prstGeom>
-        </p:spPr>
-        <p:style>
-          <a:lnRef idx="1">
-            <a:schemeClr val="accent1"/>
-          </a:lnRef>
-          <a:fillRef idx="0">
-            <a:schemeClr val="accent1"/>
-          </a:fillRef>
-          <a:effectRef idx="0">
-            <a:schemeClr val="accent1"/>
-          </a:effectRef>
-          <a:fontRef idx="minor">
-            <a:schemeClr val="tx1"/>
-          </a:fontRef>
-        </p:style>
-        <p:txBody>
-          <a:bodyPr rtlCol="0" anchor="ctr"/>
-          <a:lstStyle/>
-          <a:p>
-            <a:pPr algn="ctr"/>
-            <a:endParaRPr lang="pt-BR"/>
-          </a:p>
-        </p:txBody>
-      </p:sp>
     </p:spTree>
     <p:extLst>
       <p:ext uri="{BB962C8B-B14F-4D97-AF65-F5344CB8AC3E}">
-        <p14:creationId xmlns:p14="http://schemas.microsoft.com/office/powerpoint/2010/main" val="1606254641"/>
+        <p14:creationId xmlns:p14="http://schemas.microsoft.com/office/powerpoint/2010/main" val="1993829342"/>
       </p:ext>
     </p:extLst>
   </p:cSld>
@@ -12528,7 +14242,7 @@
 </p:sld>
 </file>
 
-<file path=ppt/slides/slide24.xml><?xml version="1.0" encoding="utf-8"?>
+<file path=ppt/slides/slide27.xml><?xml version="1.0" encoding="utf-8"?>
 <p:sld xmlns:a="http://schemas.openxmlformats.org/drawingml/2006/main" xmlns:r="http://schemas.openxmlformats.org/officeDocument/2006/relationships" xmlns:p="http://schemas.openxmlformats.org/presentationml/2006/main">
   <p:cSld>
     <p:spTree>
@@ -12557,55 +14271,14 @@
         </p:nvSpPr>
         <p:spPr/>
         <p:txBody>
-          <a:bodyPr>
-            <a:normAutofit/>
-          </a:bodyPr>
-          <a:lstStyle/>
-          <a:p>
-            <a:pPr lvl="0"/>
-            <a:r>
-              <a:rPr lang="pt-BR" b="1" cap="small" dirty="0" smtClean="0"/>
-              <a:t>Metodologia</a:t>
+          <a:bodyPr/>
+          <a:lstStyle/>
+          <a:p>
+            <a:r>
+              <a:rPr lang="pt-BR" dirty="0" smtClean="0"/>
+              <a:t>Resultados preliminares</a:t>
             </a:r>
             <a:endParaRPr lang="pt-BR" dirty="0"/>
-          </a:p>
-        </p:txBody>
-      </p:sp>
-      <p:sp>
-        <p:nvSpPr>
-          <p:cNvPr id="3" name="Espaço Reservado para Conteúdo 2"/>
-          <p:cNvSpPr>
-            <a:spLocks noGrp="1"/>
-          </p:cNvSpPr>
-          <p:nvPr>
-            <p:ph idx="1"/>
-          </p:nvPr>
-        </p:nvSpPr>
-        <p:spPr>
-          <a:xfrm>
-            <a:off x="457200" y="1340768"/>
-            <a:ext cx="8229600" cy="1080121"/>
-          </a:xfrm>
-        </p:spPr>
-        <p:txBody>
-          <a:bodyPr>
-            <a:noAutofit/>
-          </a:bodyPr>
-          <a:lstStyle/>
-          <a:p>
-            <a:pPr lvl="1"/>
-            <a:r>
-              <a:rPr lang="pt-BR" sz="4000" b="1" cap="small" dirty="0" smtClean="0"/>
-              <a:t>Coleta de dados – </a:t>
-            </a:r>
-            <a:r>
-              <a:rPr lang="pt-BR" sz="4000" b="1" cap="small" dirty="0" err="1" smtClean="0"/>
-              <a:t>Visao</a:t>
-            </a:r>
-            <a:r>
-              <a:rPr lang="pt-BR" sz="4000" b="1" cap="small" dirty="0" smtClean="0"/>
-              <a:t> geral</a:t>
-            </a:r>
           </a:p>
         </p:txBody>
       </p:sp>
@@ -12655,38 +14328,108 @@
           <a:p>
             <a:fld id="{2BA3D508-1B43-4B52-8FAB-4C423C784271}" type="slidenum">
               <a:rPr lang="pt-BR" smtClean="0"/>
-              <a:t>24</a:t>
+              <a:t>27</a:t>
             </a:fld>
-            <a:endParaRPr lang="pt-BR" dirty="0"/>
+            <a:endParaRPr lang="pt-BR"/>
+          </a:p>
+        </p:txBody>
+      </p:sp>
+      <p:sp>
+        <p:nvSpPr>
+          <p:cNvPr id="3" name="Retângulo 2"/>
+          <p:cNvSpPr/>
+          <p:nvPr/>
+        </p:nvSpPr>
+        <p:spPr>
+          <a:xfrm>
+            <a:off x="827584" y="1443579"/>
+            <a:ext cx="7560840" cy="646331"/>
+          </a:xfrm>
+          <a:prstGeom prst="rect">
+            <a:avLst/>
+          </a:prstGeom>
+        </p:spPr>
+        <p:txBody>
+          <a:bodyPr wrap="square">
+            <a:spAutoFit/>
+          </a:bodyPr>
+          <a:lstStyle/>
+          <a:p>
+            <a:r>
+              <a:rPr lang="pt-BR" dirty="0"/>
+              <a:t>DIFUSÃO DA ADESÃO AO SISU POR PARTE DAS UNIVERSIDADES FEDERAIS BRASILEIRAS</a:t>
+            </a:r>
           </a:p>
         </p:txBody>
       </p:sp>
       <p:pic>
         <p:nvPicPr>
-          <p:cNvPr id="6" name="image00.png"/>
-          <p:cNvPicPr/>
+          <p:cNvPr id="3074" name="Picture 2"/>
+          <p:cNvPicPr>
+            <a:picLocks noChangeAspect="1" noChangeArrowheads="1"/>
+          </p:cNvPicPr>
           <p:nvPr/>
         </p:nvPicPr>
         <p:blipFill>
-          <a:blip r:embed="rId3"/>
+          <a:blip r:embed="rId3">
+            <a:extLst>
+              <a:ext uri="{28A0092B-C50C-407E-A947-70E740481C1C}">
+                <a14:useLocalDpi xmlns:a14="http://schemas.microsoft.com/office/drawing/2010/main" val="0"/>
+              </a:ext>
+            </a:extLst>
+          </a:blip>
+          <a:srcRect/>
           <a:stretch>
             <a:fillRect/>
           </a:stretch>
         </p:blipFill>
-        <p:spPr>
-          <a:xfrm>
-            <a:off x="971600" y="2708920"/>
-            <a:ext cx="7200800" cy="3528392"/>
+        <p:spPr bwMode="auto">
+          <a:xfrm>
+            <a:off x="253098" y="2132856"/>
+            <a:ext cx="8639382" cy="4297288"/>
           </a:xfrm>
           <a:prstGeom prst="rect">
             <a:avLst/>
           </a:prstGeom>
+          <a:noFill/>
+          <a:ln>
+            <a:noFill/>
+          </a:ln>
+          <a:effectLst/>
+          <a:extLst>
+            <a:ext uri="{909E8E84-426E-40DD-AFC4-6F175D3DCCD1}">
+              <a14:hiddenFill xmlns:a14="http://schemas.microsoft.com/office/drawing/2010/main">
+                <a:solidFill>
+                  <a:schemeClr val="accent1"/>
+                </a:solidFill>
+              </a14:hiddenFill>
+            </a:ext>
+            <a:ext uri="{91240B29-F687-4F45-9708-019B960494DF}">
+              <a14:hiddenLine xmlns:a14="http://schemas.microsoft.com/office/drawing/2010/main" w="9525">
+                <a:solidFill>
+                  <a:schemeClr val="tx1"/>
+                </a:solidFill>
+                <a:miter lim="800000"/>
+                <a:headEnd/>
+                <a:tailEnd/>
+              </a14:hiddenLine>
+            </a:ext>
+            <a:ext uri="{AF507438-7753-43E0-B8FC-AC1667EBCBE1}">
+              <a14:hiddenEffects xmlns:a14="http://schemas.microsoft.com/office/drawing/2010/main">
+                <a:effectLst>
+                  <a:outerShdw dist="35921" dir="2700000" algn="ctr" rotWithShape="0">
+                    <a:schemeClr val="bg2"/>
+                  </a:outerShdw>
+                </a:effectLst>
+              </a14:hiddenEffects>
+            </a:ext>
+          </a:extLst>
         </p:spPr>
       </p:pic>
     </p:spTree>
     <p:extLst>
       <p:ext uri="{BB962C8B-B14F-4D97-AF65-F5344CB8AC3E}">
-        <p14:creationId xmlns:p14="http://schemas.microsoft.com/office/powerpoint/2010/main" val="804711292"/>
+        <p14:creationId xmlns:p14="http://schemas.microsoft.com/office/powerpoint/2010/main" val="3582179558"/>
       </p:ext>
     </p:extLst>
   </p:cSld>
@@ -12703,7 +14446,7 @@
 </p:sld>
 </file>
 
-<file path=ppt/slides/slide25.xml><?xml version="1.0" encoding="utf-8"?>
+<file path=ppt/slides/slide28.xml><?xml version="1.0" encoding="utf-8"?>
 <p:sld xmlns:a="http://schemas.openxmlformats.org/drawingml/2006/main" xmlns:r="http://schemas.openxmlformats.org/officeDocument/2006/relationships" xmlns:p="http://schemas.openxmlformats.org/presentationml/2006/main">
   <p:cSld>
     <p:spTree>
@@ -12737,66 +14480,9 @@
           <a:p>
             <a:r>
               <a:rPr lang="pt-BR" dirty="0" smtClean="0"/>
-              <a:t>Próximos passos</a:t>
+              <a:t>Resultados preliminares</a:t>
             </a:r>
             <a:endParaRPr lang="pt-BR" dirty="0"/>
-          </a:p>
-        </p:txBody>
-      </p:sp>
-      <p:sp>
-        <p:nvSpPr>
-          <p:cNvPr id="3" name="Espaço Reservado para Conteúdo 2"/>
-          <p:cNvSpPr>
-            <a:spLocks noGrp="1"/>
-          </p:cNvSpPr>
-          <p:nvPr>
-            <p:ph idx="1"/>
-          </p:nvPr>
-        </p:nvSpPr>
-        <p:spPr/>
-        <p:txBody>
-          <a:bodyPr/>
-          <a:lstStyle/>
-          <a:p>
-            <a:pPr>
-              <a:buFont typeface="Wingdings" pitchFamily="2" charset="2"/>
-              <a:buChar char="ü"/>
-            </a:pPr>
-            <a:r>
-              <a:rPr lang="pt-BR" dirty="0" smtClean="0"/>
-              <a:t>Geração de redes diversas</a:t>
-            </a:r>
-          </a:p>
-          <a:p>
-            <a:pPr>
-              <a:buFont typeface="Wingdings" pitchFamily="2" charset="2"/>
-              <a:buChar char="ü"/>
-            </a:pPr>
-            <a:r>
-              <a:rPr lang="pt-BR" dirty="0" smtClean="0"/>
-              <a:t>Exploração das redes</a:t>
-            </a:r>
-          </a:p>
-          <a:p>
-            <a:pPr lvl="1"/>
-            <a:r>
-              <a:rPr lang="pt-BR" dirty="0" smtClean="0"/>
-              <a:t>Aplicação das métricas de ARS</a:t>
-            </a:r>
-          </a:p>
-          <a:p>
-            <a:pPr lvl="1"/>
-            <a:r>
-              <a:rPr lang="pt-BR" dirty="0" smtClean="0"/>
-              <a:t>Análise dos resultados</a:t>
-            </a:r>
-            <a:endParaRPr lang="pt-BR" dirty="0"/>
-          </a:p>
-          <a:p>
-            <a:pPr marL="457200" lvl="1" indent="0">
-              <a:buNone/>
-            </a:pPr>
-            <a:endParaRPr lang="pt-BR" dirty="0" smtClean="0"/>
           </a:p>
         </p:txBody>
       </p:sp>
@@ -12846,16 +14532,570 @@
           <a:p>
             <a:fld id="{2BA3D508-1B43-4B52-8FAB-4C423C784271}" type="slidenum">
               <a:rPr lang="pt-BR" smtClean="0"/>
-              <a:t>25</a:t>
+              <a:t>28</a:t>
             </a:fld>
             <a:endParaRPr lang="pt-BR"/>
           </a:p>
         </p:txBody>
       </p:sp>
+      <p:sp>
+        <p:nvSpPr>
+          <p:cNvPr id="3" name="Retângulo 2"/>
+          <p:cNvSpPr/>
+          <p:nvPr/>
+        </p:nvSpPr>
+        <p:spPr>
+          <a:xfrm>
+            <a:off x="827584" y="1443579"/>
+            <a:ext cx="7560840" cy="646331"/>
+          </a:xfrm>
+          <a:prstGeom prst="rect">
+            <a:avLst/>
+          </a:prstGeom>
+        </p:spPr>
+        <p:txBody>
+          <a:bodyPr wrap="square">
+            <a:spAutoFit/>
+          </a:bodyPr>
+          <a:lstStyle/>
+          <a:p>
+            <a:r>
+              <a:rPr lang="pt-BR" dirty="0"/>
+              <a:t>REDES DE EGO E SUPORTE SOCIAL NO PRIMEIRO E SEGUNDO ESCALÃO DO </a:t>
+            </a:r>
+            <a:r>
+              <a:rPr lang="pt-BR" dirty="0" smtClean="0"/>
+              <a:t>GOVERNO FEDERAL</a:t>
+            </a:r>
+            <a:endParaRPr lang="pt-BR" dirty="0"/>
+          </a:p>
+        </p:txBody>
+      </p:sp>
+      <p:sp>
+        <p:nvSpPr>
+          <p:cNvPr id="6" name="Retângulo 5"/>
+          <p:cNvSpPr/>
+          <p:nvPr/>
+        </p:nvSpPr>
+        <p:spPr>
+          <a:xfrm>
+            <a:off x="1331640" y="2217371"/>
+            <a:ext cx="6768752" cy="923330"/>
+          </a:xfrm>
+          <a:prstGeom prst="rect">
+            <a:avLst/>
+          </a:prstGeom>
+          <a:ln>
+            <a:solidFill>
+              <a:schemeClr val="accent1">
+                <a:shade val="50000"/>
+              </a:schemeClr>
+            </a:solidFill>
+          </a:ln>
+        </p:spPr>
+        <p:txBody>
+          <a:bodyPr wrap="square">
+            <a:spAutoFit/>
+          </a:bodyPr>
+          <a:lstStyle/>
+          <a:p>
+            <a:r>
+              <a:rPr lang="en-GB" dirty="0" err="1" smtClean="0"/>
+              <a:t>Suporte</a:t>
+            </a:r>
+            <a:r>
+              <a:rPr lang="en-GB" dirty="0" smtClean="0"/>
+              <a:t> social: “</a:t>
+            </a:r>
+            <a:r>
+              <a:rPr lang="en-GB" dirty="0" err="1" smtClean="0"/>
+              <a:t>indicios</a:t>
+            </a:r>
+            <a:r>
+              <a:rPr lang="en-GB" dirty="0" smtClean="0"/>
+              <a:t> </a:t>
+            </a:r>
+            <a:r>
+              <a:rPr lang="en-GB" dirty="0" err="1" smtClean="0"/>
+              <a:t>que</a:t>
+            </a:r>
+            <a:r>
+              <a:rPr lang="en-GB" dirty="0" smtClean="0"/>
+              <a:t> </a:t>
+            </a:r>
+            <a:r>
+              <a:rPr lang="en-GB" dirty="0" err="1" smtClean="0"/>
+              <a:t>levam</a:t>
+            </a:r>
+            <a:r>
+              <a:rPr lang="en-GB" dirty="0" smtClean="0"/>
+              <a:t> o </a:t>
+            </a:r>
+            <a:r>
+              <a:rPr lang="en-GB" dirty="0" err="1" smtClean="0"/>
+              <a:t>indivíduo</a:t>
+            </a:r>
+            <a:r>
+              <a:rPr lang="en-GB" dirty="0" smtClean="0"/>
+              <a:t> a </a:t>
+            </a:r>
+            <a:r>
+              <a:rPr lang="en-GB" dirty="0" err="1" smtClean="0"/>
+              <a:t>acreditar</a:t>
+            </a:r>
+            <a:r>
+              <a:rPr lang="en-GB" dirty="0" smtClean="0"/>
+              <a:t> </a:t>
+            </a:r>
+            <a:r>
+              <a:rPr lang="en-GB" dirty="0" err="1" smtClean="0"/>
+              <a:t>que</a:t>
+            </a:r>
+            <a:r>
+              <a:rPr lang="en-GB" dirty="0" smtClean="0"/>
+              <a:t> é </a:t>
+            </a:r>
+            <a:r>
+              <a:rPr lang="en-GB" dirty="0" err="1" smtClean="0"/>
+              <a:t>importante</a:t>
+            </a:r>
+            <a:r>
+              <a:rPr lang="en-GB" dirty="0" smtClean="0"/>
+              <a:t>, </a:t>
+            </a:r>
+            <a:r>
+              <a:rPr lang="en-GB" dirty="0" err="1" smtClean="0"/>
+              <a:t>amado</a:t>
+            </a:r>
+            <a:r>
+              <a:rPr lang="en-GB" dirty="0" smtClean="0"/>
+              <a:t>, </a:t>
+            </a:r>
+            <a:r>
+              <a:rPr lang="en-GB" dirty="0" err="1" smtClean="0"/>
+              <a:t>estimado</a:t>
+            </a:r>
+            <a:r>
+              <a:rPr lang="en-GB" dirty="0" smtClean="0"/>
+              <a:t> e </a:t>
+            </a:r>
+            <a:r>
+              <a:rPr lang="en-GB" dirty="0" err="1" smtClean="0"/>
+              <a:t>valorizado</a:t>
+            </a:r>
+            <a:r>
+              <a:rPr lang="en-GB" dirty="0" smtClean="0"/>
+              <a:t> e </a:t>
+            </a:r>
+            <a:r>
+              <a:rPr lang="en-GB" dirty="0" err="1" smtClean="0"/>
+              <a:t>que</a:t>
+            </a:r>
+            <a:r>
+              <a:rPr lang="en-GB" dirty="0" smtClean="0"/>
+              <a:t> </a:t>
+            </a:r>
+            <a:r>
+              <a:rPr lang="en-GB" dirty="0" err="1" smtClean="0"/>
+              <a:t>pertence</a:t>
+            </a:r>
+            <a:r>
+              <a:rPr lang="en-GB" dirty="0" smtClean="0"/>
+              <a:t> a </a:t>
+            </a:r>
+            <a:r>
+              <a:rPr lang="en-GB" dirty="0" err="1" smtClean="0"/>
+              <a:t>uma</a:t>
+            </a:r>
+            <a:r>
+              <a:rPr lang="en-GB" dirty="0" smtClean="0"/>
+              <a:t> </a:t>
+            </a:r>
+            <a:r>
+              <a:rPr lang="en-GB" dirty="0" err="1" smtClean="0"/>
+              <a:t>rede</a:t>
+            </a:r>
+            <a:r>
+              <a:rPr lang="en-GB" dirty="0" smtClean="0"/>
+              <a:t> social de </a:t>
+            </a:r>
+            <a:r>
+              <a:rPr lang="en-GB" dirty="0" err="1" smtClean="0"/>
+              <a:t>comunicação</a:t>
+            </a:r>
+            <a:r>
+              <a:rPr lang="en-GB" dirty="0" smtClean="0"/>
+              <a:t> e </a:t>
+            </a:r>
+            <a:r>
+              <a:rPr lang="en-GB" dirty="0" err="1" smtClean="0"/>
+              <a:t>obrigação</a:t>
+            </a:r>
+            <a:r>
+              <a:rPr lang="en-GB" dirty="0" smtClean="0"/>
+              <a:t> </a:t>
+            </a:r>
+            <a:r>
+              <a:rPr lang="en-GB" dirty="0" err="1" smtClean="0"/>
+              <a:t>mutua</a:t>
+            </a:r>
+            <a:r>
+              <a:rPr lang="en-GB" dirty="0" smtClean="0"/>
+              <a:t>” </a:t>
+            </a:r>
+            <a:r>
+              <a:rPr lang="en-GB" dirty="0"/>
+              <a:t>(Cobb, 1976 p 301).</a:t>
+            </a:r>
+          </a:p>
+        </p:txBody>
+      </p:sp>
+      <p:sp>
+        <p:nvSpPr>
+          <p:cNvPr id="9" name="Retângulo 8"/>
+          <p:cNvSpPr/>
+          <p:nvPr/>
+        </p:nvSpPr>
+        <p:spPr>
+          <a:xfrm>
+            <a:off x="1296144" y="3321454"/>
+            <a:ext cx="6768752" cy="923330"/>
+          </a:xfrm>
+          <a:prstGeom prst="rect">
+            <a:avLst/>
+          </a:prstGeom>
+          <a:ln>
+            <a:solidFill>
+              <a:schemeClr val="accent1">
+                <a:shade val="50000"/>
+              </a:schemeClr>
+            </a:solidFill>
+          </a:ln>
+        </p:spPr>
+        <p:txBody>
+          <a:bodyPr wrap="square">
+            <a:spAutoFit/>
+          </a:bodyPr>
+          <a:lstStyle/>
+          <a:p>
+            <a:r>
+              <a:rPr lang="en-GB" dirty="0" smtClean="0"/>
+              <a:t>A </a:t>
+            </a:r>
+            <a:r>
+              <a:rPr lang="en-GB" dirty="0" err="1" smtClean="0"/>
+              <a:t>rede</a:t>
+            </a:r>
+            <a:r>
+              <a:rPr lang="en-GB" dirty="0" smtClean="0"/>
+              <a:t> de ego de um </a:t>
+            </a:r>
+            <a:r>
+              <a:rPr lang="en-GB" dirty="0" err="1" smtClean="0"/>
+              <a:t>vértice</a:t>
+            </a:r>
+            <a:r>
+              <a:rPr lang="en-GB" dirty="0" smtClean="0"/>
+              <a:t> </a:t>
+            </a:r>
+            <a:r>
+              <a:rPr lang="en-GB" dirty="0" err="1" smtClean="0"/>
+              <a:t>contém</a:t>
+            </a:r>
+            <a:r>
+              <a:rPr lang="en-GB" dirty="0" smtClean="0"/>
+              <a:t> </a:t>
+            </a:r>
+            <a:r>
+              <a:rPr lang="en-GB" dirty="0" err="1" smtClean="0"/>
+              <a:t>esse</a:t>
+            </a:r>
+            <a:r>
+              <a:rPr lang="en-GB" dirty="0" smtClean="0"/>
+              <a:t> </a:t>
+            </a:r>
+            <a:r>
+              <a:rPr lang="en-GB" dirty="0" err="1" smtClean="0"/>
+              <a:t>vertice</a:t>
+            </a:r>
+            <a:r>
+              <a:rPr lang="en-GB" dirty="0" smtClean="0"/>
+              <a:t>, </a:t>
+            </a:r>
+            <a:r>
+              <a:rPr lang="en-GB" dirty="0" err="1" smtClean="0"/>
+              <a:t>seus</a:t>
+            </a:r>
+            <a:r>
+              <a:rPr lang="en-GB" dirty="0" smtClean="0"/>
+              <a:t> </a:t>
+            </a:r>
+            <a:r>
+              <a:rPr lang="en-GB" dirty="0" err="1" smtClean="0"/>
+              <a:t>vizinhos</a:t>
+            </a:r>
+            <a:r>
+              <a:rPr lang="en-GB" dirty="0" smtClean="0"/>
+              <a:t> e as </a:t>
+            </a:r>
+            <a:r>
+              <a:rPr lang="en-GB" dirty="0" err="1" smtClean="0"/>
+              <a:t>linhas</a:t>
+            </a:r>
+            <a:r>
+              <a:rPr lang="en-GB" dirty="0" smtClean="0"/>
+              <a:t> entre </a:t>
+            </a:r>
+            <a:r>
+              <a:rPr lang="en-GB" dirty="0" err="1" smtClean="0"/>
+              <a:t>esses</a:t>
+            </a:r>
+            <a:r>
+              <a:rPr lang="en-GB" dirty="0" smtClean="0"/>
+              <a:t> vertices </a:t>
+            </a:r>
+            <a:r>
+              <a:rPr lang="en-GB" dirty="0" err="1" smtClean="0"/>
+              <a:t>selecionados</a:t>
+            </a:r>
+            <a:r>
+              <a:rPr lang="en-GB" dirty="0" smtClean="0"/>
+              <a:t>. (MVAR, NOOY, BATAGELJ 2005. p.145</a:t>
+            </a:r>
+            <a:endParaRPr lang="en-GB" dirty="0"/>
+          </a:p>
+        </p:txBody>
+      </p:sp>
+      <p:pic>
+        <p:nvPicPr>
+          <p:cNvPr id="5121" name="Picture 1"/>
+          <p:cNvPicPr>
+            <a:picLocks noChangeAspect="1" noChangeArrowheads="1"/>
+          </p:cNvPicPr>
+          <p:nvPr/>
+        </p:nvPicPr>
+        <p:blipFill>
+          <a:blip r:embed="rId3" cstate="print">
+            <a:extLst>
+              <a:ext uri="{28A0092B-C50C-407E-A947-70E740481C1C}">
+                <a14:useLocalDpi xmlns:a14="http://schemas.microsoft.com/office/drawing/2010/main" val="0"/>
+              </a:ext>
+            </a:extLst>
+          </a:blip>
+          <a:srcRect/>
+          <a:stretch>
+            <a:fillRect/>
+          </a:stretch>
+        </p:blipFill>
+        <p:spPr bwMode="auto">
+          <a:xfrm>
+            <a:off x="1259632" y="4502745"/>
+            <a:ext cx="6869307" cy="2238623"/>
+          </a:xfrm>
+          <a:prstGeom prst="rect">
+            <a:avLst/>
+          </a:prstGeom>
+          <a:noFill/>
+          <a:ln>
+            <a:noFill/>
+          </a:ln>
+          <a:effectLst/>
+          <a:extLst>
+            <a:ext uri="{909E8E84-426E-40DD-AFC4-6F175D3DCCD1}">
+              <a14:hiddenFill xmlns:a14="http://schemas.microsoft.com/office/drawing/2010/main">
+                <a:solidFill>
+                  <a:schemeClr val="accent1"/>
+                </a:solidFill>
+              </a14:hiddenFill>
+            </a:ext>
+            <a:ext uri="{91240B29-F687-4F45-9708-019B960494DF}">
+              <a14:hiddenLine xmlns:a14="http://schemas.microsoft.com/office/drawing/2010/main" w="9525">
+                <a:solidFill>
+                  <a:schemeClr val="tx1"/>
+                </a:solidFill>
+                <a:miter lim="800000"/>
+                <a:headEnd/>
+                <a:tailEnd/>
+              </a14:hiddenLine>
+            </a:ext>
+            <a:ext uri="{AF507438-7753-43E0-B8FC-AC1667EBCBE1}">
+              <a14:hiddenEffects xmlns:a14="http://schemas.microsoft.com/office/drawing/2010/main">
+                <a:effectLst>
+                  <a:outerShdw dist="35921" dir="2700000" algn="ctr" rotWithShape="0">
+                    <a:schemeClr val="bg2"/>
+                  </a:outerShdw>
+                </a:effectLst>
+              </a14:hiddenEffects>
+            </a:ext>
+          </a:extLst>
+        </p:spPr>
+      </p:pic>
     </p:spTree>
     <p:extLst>
       <p:ext uri="{BB962C8B-B14F-4D97-AF65-F5344CB8AC3E}">
-        <p14:creationId xmlns:p14="http://schemas.microsoft.com/office/powerpoint/2010/main" val="2312303600"/>
+        <p14:creationId xmlns:p14="http://schemas.microsoft.com/office/powerpoint/2010/main" val="3013742741"/>
+      </p:ext>
+    </p:extLst>
+  </p:cSld>
+  <p:clrMapOvr>
+    <a:masterClrMapping/>
+  </p:clrMapOvr>
+  <p:timing>
+    <p:tnLst>
+      <p:par>
+        <p:cTn id="1" dur="indefinite" restart="never" nodeType="tmRoot"/>
+      </p:par>
+    </p:tnLst>
+  </p:timing>
+</p:sld>
+</file>
+
+<file path=ppt/slides/slide29.xml><?xml version="1.0" encoding="utf-8"?>
+<p:sld xmlns:a="http://schemas.openxmlformats.org/drawingml/2006/main" xmlns:r="http://schemas.openxmlformats.org/officeDocument/2006/relationships" xmlns:p="http://schemas.openxmlformats.org/presentationml/2006/main">
+  <p:cSld>
+    <p:spTree>
+      <p:nvGrpSpPr>
+        <p:cNvPr id="1" name=""/>
+        <p:cNvGrpSpPr/>
+        <p:nvPr/>
+      </p:nvGrpSpPr>
+      <p:grpSpPr>
+        <a:xfrm>
+          <a:off x="0" y="0"/>
+          <a:ext cx="0" cy="0"/>
+          <a:chOff x="0" y="0"/>
+          <a:chExt cx="0" cy="0"/>
+        </a:xfrm>
+      </p:grpSpPr>
+      <p:sp>
+        <p:nvSpPr>
+          <p:cNvPr id="2" name="Título 1"/>
+          <p:cNvSpPr>
+            <a:spLocks noGrp="1"/>
+          </p:cNvSpPr>
+          <p:nvPr>
+            <p:ph type="title"/>
+          </p:nvPr>
+        </p:nvSpPr>
+        <p:spPr/>
+        <p:txBody>
+          <a:bodyPr/>
+          <a:lstStyle/>
+          <a:p>
+            <a:r>
+              <a:rPr lang="pt-BR" dirty="0" smtClean="0"/>
+              <a:t>Resultados preliminares</a:t>
+            </a:r>
+            <a:endParaRPr lang="pt-BR" dirty="0"/>
+          </a:p>
+        </p:txBody>
+      </p:sp>
+      <p:sp>
+        <p:nvSpPr>
+          <p:cNvPr id="4" name="Espaço Reservado para Rodapé 3"/>
+          <p:cNvSpPr>
+            <a:spLocks noGrp="1"/>
+          </p:cNvSpPr>
+          <p:nvPr>
+            <p:ph type="ftr" sz="quarter" idx="11"/>
+          </p:nvPr>
+        </p:nvSpPr>
+        <p:spPr>
+          <a:xfrm>
+            <a:off x="0" y="6501112"/>
+            <a:ext cx="8604448" cy="365125"/>
+          </a:xfrm>
+        </p:spPr>
+        <p:txBody>
+          <a:bodyPr/>
+          <a:lstStyle/>
+          <a:p>
+            <a:pPr algn="l"/>
+            <a:r>
+              <a:rPr lang="pt-BR" sz="900" dirty="0" smtClean="0"/>
+              <a:t>Modelo de análise da comunicação e mediação da informação em organizações públicas brasileiras através da Análise de Redes Sociais.</a:t>
+            </a:r>
+            <a:endParaRPr lang="pt-BR" sz="900" dirty="0"/>
+          </a:p>
+        </p:txBody>
+      </p:sp>
+      <p:sp>
+        <p:nvSpPr>
+          <p:cNvPr id="5" name="Espaço Reservado para Número de Slide 4"/>
+          <p:cNvSpPr>
+            <a:spLocks noGrp="1"/>
+          </p:cNvSpPr>
+          <p:nvPr>
+            <p:ph type="sldNum" sz="quarter" idx="12"/>
+          </p:nvPr>
+        </p:nvSpPr>
+        <p:spPr/>
+        <p:txBody>
+          <a:bodyPr/>
+          <a:lstStyle/>
+          <a:p>
+            <a:fld id="{2BA3D508-1B43-4B52-8FAB-4C423C784271}" type="slidenum">
+              <a:rPr lang="pt-BR" smtClean="0"/>
+              <a:t>29</a:t>
+            </a:fld>
+            <a:endParaRPr lang="pt-BR"/>
+          </a:p>
+        </p:txBody>
+      </p:sp>
+      <p:sp>
+        <p:nvSpPr>
+          <p:cNvPr id="3" name="Retângulo 2"/>
+          <p:cNvSpPr/>
+          <p:nvPr/>
+        </p:nvSpPr>
+        <p:spPr>
+          <a:xfrm>
+            <a:off x="827584" y="1340768"/>
+            <a:ext cx="7560840" cy="646331"/>
+          </a:xfrm>
+          <a:prstGeom prst="rect">
+            <a:avLst/>
+          </a:prstGeom>
+        </p:spPr>
+        <p:txBody>
+          <a:bodyPr wrap="square">
+            <a:spAutoFit/>
+          </a:bodyPr>
+          <a:lstStyle/>
+          <a:p>
+            <a:r>
+              <a:rPr lang="pt-BR" dirty="0"/>
+              <a:t>REDES DE EGO E SUPORTE SOCIAL NO PRIMEIRO E SEGUNDO ESCALÃO DO GOVERNO FEDERAL</a:t>
+            </a:r>
+          </a:p>
+        </p:txBody>
+      </p:sp>
+      <p:pic>
+        <p:nvPicPr>
+          <p:cNvPr id="7" name="Imagem 6"/>
+          <p:cNvPicPr/>
+          <p:nvPr/>
+        </p:nvPicPr>
+        <p:blipFill>
+          <a:blip r:embed="rId3"/>
+          <a:stretch>
+            <a:fillRect/>
+          </a:stretch>
+        </p:blipFill>
+        <p:spPr>
+          <a:xfrm>
+            <a:off x="323528" y="2060848"/>
+            <a:ext cx="8568952" cy="4464496"/>
+          </a:xfrm>
+          <a:prstGeom prst="rect">
+            <a:avLst/>
+          </a:prstGeom>
+        </p:spPr>
+      </p:pic>
+    </p:spTree>
+    <p:extLst>
+      <p:ext uri="{BB962C8B-B14F-4D97-AF65-F5344CB8AC3E}">
+        <p14:creationId xmlns:p14="http://schemas.microsoft.com/office/powerpoint/2010/main" val="2910257737"/>
       </p:ext>
     </p:extLst>
   </p:cSld>
@@ -14771,6 +17011,1816 @@
 </p:sld>
 </file>
 
+<file path=ppt/slides/slide30.xml><?xml version="1.0" encoding="utf-8"?>
+<p:sld xmlns:a="http://schemas.openxmlformats.org/drawingml/2006/main" xmlns:r="http://schemas.openxmlformats.org/officeDocument/2006/relationships" xmlns:p="http://schemas.openxmlformats.org/presentationml/2006/main">
+  <p:cSld>
+    <p:spTree>
+      <p:nvGrpSpPr>
+        <p:cNvPr id="1" name=""/>
+        <p:cNvGrpSpPr/>
+        <p:nvPr/>
+      </p:nvGrpSpPr>
+      <p:grpSpPr>
+        <a:xfrm>
+          <a:off x="0" y="0"/>
+          <a:ext cx="0" cy="0"/>
+          <a:chOff x="0" y="0"/>
+          <a:chExt cx="0" cy="0"/>
+        </a:xfrm>
+      </p:grpSpPr>
+      <p:sp>
+        <p:nvSpPr>
+          <p:cNvPr id="2" name="Título 1"/>
+          <p:cNvSpPr>
+            <a:spLocks noGrp="1"/>
+          </p:cNvSpPr>
+          <p:nvPr>
+            <p:ph type="title"/>
+          </p:nvPr>
+        </p:nvSpPr>
+        <p:spPr/>
+        <p:txBody>
+          <a:bodyPr/>
+          <a:lstStyle/>
+          <a:p>
+            <a:r>
+              <a:rPr lang="pt-BR" dirty="0" smtClean="0"/>
+              <a:t>Resultados preliminares</a:t>
+            </a:r>
+            <a:endParaRPr lang="pt-BR" dirty="0"/>
+          </a:p>
+        </p:txBody>
+      </p:sp>
+      <p:sp>
+        <p:nvSpPr>
+          <p:cNvPr id="4" name="Espaço Reservado para Rodapé 3"/>
+          <p:cNvSpPr>
+            <a:spLocks noGrp="1"/>
+          </p:cNvSpPr>
+          <p:nvPr>
+            <p:ph type="ftr" sz="quarter" idx="11"/>
+          </p:nvPr>
+        </p:nvSpPr>
+        <p:spPr>
+          <a:xfrm>
+            <a:off x="0" y="6501112"/>
+            <a:ext cx="8604448" cy="365125"/>
+          </a:xfrm>
+        </p:spPr>
+        <p:txBody>
+          <a:bodyPr/>
+          <a:lstStyle/>
+          <a:p>
+            <a:pPr algn="l"/>
+            <a:r>
+              <a:rPr lang="pt-BR" sz="900" dirty="0" smtClean="0"/>
+              <a:t>Modelo de análise da comunicação e mediação da informação em organizações públicas brasileiras através da Análise de Redes Sociais.</a:t>
+            </a:r>
+            <a:endParaRPr lang="pt-BR" sz="900" dirty="0"/>
+          </a:p>
+        </p:txBody>
+      </p:sp>
+      <p:sp>
+        <p:nvSpPr>
+          <p:cNvPr id="5" name="Espaço Reservado para Número de Slide 4"/>
+          <p:cNvSpPr>
+            <a:spLocks noGrp="1"/>
+          </p:cNvSpPr>
+          <p:nvPr>
+            <p:ph type="sldNum" sz="quarter" idx="12"/>
+          </p:nvPr>
+        </p:nvSpPr>
+        <p:spPr/>
+        <p:txBody>
+          <a:bodyPr/>
+          <a:lstStyle/>
+          <a:p>
+            <a:fld id="{2BA3D508-1B43-4B52-8FAB-4C423C784271}" type="slidenum">
+              <a:rPr lang="pt-BR" smtClean="0"/>
+              <a:t>30</a:t>
+            </a:fld>
+            <a:endParaRPr lang="pt-BR"/>
+          </a:p>
+        </p:txBody>
+      </p:sp>
+      <p:sp>
+        <p:nvSpPr>
+          <p:cNvPr id="3" name="Retângulo 2"/>
+          <p:cNvSpPr/>
+          <p:nvPr/>
+        </p:nvSpPr>
+        <p:spPr>
+          <a:xfrm>
+            <a:off x="827584" y="1340768"/>
+            <a:ext cx="7560840" cy="646331"/>
+          </a:xfrm>
+          <a:prstGeom prst="rect">
+            <a:avLst/>
+          </a:prstGeom>
+        </p:spPr>
+        <p:txBody>
+          <a:bodyPr wrap="square">
+            <a:spAutoFit/>
+          </a:bodyPr>
+          <a:lstStyle/>
+          <a:p>
+            <a:r>
+              <a:rPr lang="pt-BR" dirty="0"/>
+              <a:t>REDES DE EGO E SUPORTE SOCIAL NO PRIMEIRO E SEGUNDO ESCALÃO DO GOVERNO FEDERAL</a:t>
+            </a:r>
+          </a:p>
+        </p:txBody>
+      </p:sp>
+      <p:pic>
+        <p:nvPicPr>
+          <p:cNvPr id="8" name="Imagem 7"/>
+          <p:cNvPicPr/>
+          <p:nvPr/>
+        </p:nvPicPr>
+        <p:blipFill>
+          <a:blip r:embed="rId3"/>
+          <a:stretch>
+            <a:fillRect/>
+          </a:stretch>
+        </p:blipFill>
+        <p:spPr>
+          <a:xfrm>
+            <a:off x="1475656" y="2012995"/>
+            <a:ext cx="6336703" cy="3386118"/>
+          </a:xfrm>
+          <a:prstGeom prst="rect">
+            <a:avLst/>
+          </a:prstGeom>
+        </p:spPr>
+      </p:pic>
+      <p:sp>
+        <p:nvSpPr>
+          <p:cNvPr id="6" name="Rectangle 2"/>
+          <p:cNvSpPr>
+            <a:spLocks noChangeArrowheads="1"/>
+          </p:cNvSpPr>
+          <p:nvPr/>
+        </p:nvSpPr>
+        <p:spPr bwMode="auto">
+          <a:xfrm>
+            <a:off x="0" y="0"/>
+            <a:ext cx="9144000" cy="457200"/>
+          </a:xfrm>
+          <a:prstGeom prst="rect">
+            <a:avLst/>
+          </a:prstGeom>
+          <a:noFill/>
+          <a:ln>
+            <a:noFill/>
+          </a:ln>
+          <a:effectLst/>
+          <a:extLst>
+            <a:ext uri="{909E8E84-426E-40DD-AFC4-6F175D3DCCD1}">
+              <a14:hiddenFill xmlns:a14="http://schemas.microsoft.com/office/drawing/2010/main">
+                <a:solidFill>
+                  <a:schemeClr val="accent1"/>
+                </a:solidFill>
+              </a14:hiddenFill>
+            </a:ext>
+            <a:ext uri="{91240B29-F687-4F45-9708-019B960494DF}">
+              <a14:hiddenLine xmlns:a14="http://schemas.microsoft.com/office/drawing/2010/main" w="9525">
+                <a:solidFill>
+                  <a:schemeClr val="tx1"/>
+                </a:solidFill>
+                <a:miter lim="800000"/>
+                <a:headEnd/>
+                <a:tailEnd/>
+              </a14:hiddenLine>
+            </a:ext>
+            <a:ext uri="{AF507438-7753-43E0-B8FC-AC1667EBCBE1}">
+              <a14:hiddenEffects xmlns:a14="http://schemas.microsoft.com/office/drawing/2010/main">
+                <a:effectLst>
+                  <a:outerShdw dist="35921" dir="2700000" algn="ctr" rotWithShape="0">
+                    <a:schemeClr val="bg2"/>
+                  </a:outerShdw>
+                </a:effectLst>
+              </a14:hiddenEffects>
+            </a:ext>
+          </a:extLst>
+        </p:spPr>
+        <p:txBody>
+          <a:bodyPr vert="horz" wrap="none" lIns="91440" tIns="45720" rIns="91440" bIns="45720" numCol="1" anchor="ctr" anchorCtr="0" compatLnSpc="1">
+            <a:prstTxWarp prst="textNoShape">
+              <a:avLst/>
+            </a:prstTxWarp>
+            <a:spAutoFit/>
+          </a:bodyPr>
+          <a:lstStyle/>
+          <a:p>
+            <a:pPr marL="0" marR="0" lvl="0" indent="449263" algn="l" defTabSz="914400" rtl="0" eaLnBrk="1" fontAlgn="base" latinLnBrk="0" hangingPunct="1">
+              <a:lnSpc>
+                <a:spcPct val="100000"/>
+              </a:lnSpc>
+              <a:spcBef>
+                <a:spcPct val="0"/>
+              </a:spcBef>
+              <a:spcAft>
+                <a:spcPct val="0"/>
+              </a:spcAft>
+              <a:buClrTx/>
+              <a:buSzTx/>
+              <a:buFontTx/>
+              <a:buNone/>
+              <a:tabLst/>
+            </a:pPr>
+            <a:endParaRPr kumimoji="0" lang="pt-BR" sz="1800" b="0" i="0" u="none" strike="noStrike" cap="none" normalizeH="0" baseline="0" smtClean="0">
+              <a:ln>
+                <a:noFill/>
+              </a:ln>
+              <a:solidFill>
+                <a:schemeClr val="tx1"/>
+              </a:solidFill>
+              <a:effectLst/>
+              <a:latin typeface="Arial" pitchFamily="34" charset="0"/>
+              <a:cs typeface="Arial" pitchFamily="34" charset="0"/>
+            </a:endParaRPr>
+          </a:p>
+        </p:txBody>
+      </p:sp>
+      <p:pic>
+        <p:nvPicPr>
+          <p:cNvPr id="8193" name="Imagem 20"/>
+          <p:cNvPicPr>
+            <a:picLocks noChangeAspect="1" noChangeArrowheads="1"/>
+          </p:cNvPicPr>
+          <p:nvPr/>
+        </p:nvPicPr>
+        <p:blipFill>
+          <a:blip r:embed="rId4">
+            <a:extLst>
+              <a:ext uri="{28A0092B-C50C-407E-A947-70E740481C1C}">
+                <a14:useLocalDpi xmlns:a14="http://schemas.microsoft.com/office/drawing/2010/main" val="0"/>
+              </a:ext>
+            </a:extLst>
+          </a:blip>
+          <a:srcRect/>
+          <a:stretch>
+            <a:fillRect/>
+          </a:stretch>
+        </p:blipFill>
+        <p:spPr bwMode="auto">
+          <a:xfrm>
+            <a:off x="2675954" y="5743739"/>
+            <a:ext cx="3648075" cy="390525"/>
+          </a:xfrm>
+          <a:prstGeom prst="rect">
+            <a:avLst/>
+          </a:prstGeom>
+          <a:noFill/>
+          <a:extLst>
+            <a:ext uri="{909E8E84-426E-40DD-AFC4-6F175D3DCCD1}">
+              <a14:hiddenFill xmlns:a14="http://schemas.microsoft.com/office/drawing/2010/main">
+                <a:solidFill>
+                  <a:srgbClr val="FFFFFF"/>
+                </a:solidFill>
+              </a14:hiddenFill>
+            </a:ext>
+          </a:extLst>
+        </p:spPr>
+      </p:pic>
+      <p:sp>
+        <p:nvSpPr>
+          <p:cNvPr id="9" name="Rectangle 3"/>
+          <p:cNvSpPr>
+            <a:spLocks noChangeArrowheads="1"/>
+          </p:cNvSpPr>
+          <p:nvPr/>
+        </p:nvSpPr>
+        <p:spPr bwMode="auto">
+          <a:xfrm rot="10800000" flipV="1">
+            <a:off x="2051721" y="6104328"/>
+            <a:ext cx="4860720" cy="276999"/>
+          </a:xfrm>
+          <a:prstGeom prst="rect">
+            <a:avLst/>
+          </a:prstGeom>
+          <a:noFill/>
+          <a:ln>
+            <a:noFill/>
+          </a:ln>
+          <a:effectLst/>
+          <a:extLst>
+            <a:ext uri="{909E8E84-426E-40DD-AFC4-6F175D3DCCD1}">
+              <a14:hiddenFill xmlns:a14="http://schemas.microsoft.com/office/drawing/2010/main">
+                <a:solidFill>
+                  <a:schemeClr val="accent1"/>
+                </a:solidFill>
+              </a14:hiddenFill>
+            </a:ext>
+            <a:ext uri="{91240B29-F687-4F45-9708-019B960494DF}">
+              <a14:hiddenLine xmlns:a14="http://schemas.microsoft.com/office/drawing/2010/main" w="9525">
+                <a:solidFill>
+                  <a:schemeClr val="tx1"/>
+                </a:solidFill>
+                <a:miter lim="800000"/>
+                <a:headEnd/>
+                <a:tailEnd/>
+              </a14:hiddenLine>
+            </a:ext>
+            <a:ext uri="{AF507438-7753-43E0-B8FC-AC1667EBCBE1}">
+              <a14:hiddenEffects xmlns:a14="http://schemas.microsoft.com/office/drawing/2010/main">
+                <a:effectLst>
+                  <a:outerShdw dist="35921" dir="2700000" algn="ctr" rotWithShape="0">
+                    <a:schemeClr val="bg2"/>
+                  </a:outerShdw>
+                </a:effectLst>
+              </a14:hiddenEffects>
+            </a:ext>
+          </a:extLst>
+        </p:spPr>
+        <p:txBody>
+          <a:bodyPr vert="horz" wrap="square" lIns="91440" tIns="45720" rIns="91440" bIns="45720" numCol="1" anchor="ctr" anchorCtr="0" compatLnSpc="1">
+            <a:prstTxWarp prst="textNoShape">
+              <a:avLst/>
+            </a:prstTxWarp>
+            <a:spAutoFit/>
+          </a:bodyPr>
+          <a:lstStyle/>
+          <a:p>
+            <a:pPr marL="0" marR="0" lvl="0" indent="449263" algn="ctr" defTabSz="914400" rtl="0" eaLnBrk="1" fontAlgn="base" latinLnBrk="0" hangingPunct="1">
+              <a:lnSpc>
+                <a:spcPct val="100000"/>
+              </a:lnSpc>
+              <a:spcBef>
+                <a:spcPct val="0"/>
+              </a:spcBef>
+              <a:spcAft>
+                <a:spcPct val="0"/>
+              </a:spcAft>
+              <a:buClrTx/>
+              <a:buSzTx/>
+              <a:buFontTx/>
+              <a:buNone/>
+              <a:tabLst/>
+            </a:pPr>
+            <a:r>
+              <a:rPr kumimoji="0" lang="pt-BR" sz="1200" b="0" i="0" u="none" strike="noStrike" cap="none" normalizeH="0" baseline="0" dirty="0" smtClean="0">
+                <a:ln>
+                  <a:noFill/>
+                </a:ln>
+                <a:solidFill>
+                  <a:schemeClr val="tx1"/>
+                </a:solidFill>
+                <a:effectLst/>
+                <a:latin typeface="Calibri" pitchFamily="34" charset="0"/>
+                <a:ea typeface="Times New Roman" pitchFamily="18" charset="0"/>
+                <a:cs typeface="Times New Roman" pitchFamily="18" charset="0"/>
+              </a:rPr>
+              <a:t>Correlação entre tempo de cargo e proximidade com a Presidente</a:t>
+            </a:r>
+            <a:endParaRPr kumimoji="0" lang="pt-BR" sz="2800" b="0" i="0" u="none" strike="noStrike" cap="none" normalizeH="0" baseline="0" dirty="0" smtClean="0">
+              <a:ln>
+                <a:noFill/>
+              </a:ln>
+              <a:solidFill>
+                <a:schemeClr val="tx1"/>
+              </a:solidFill>
+              <a:effectLst/>
+              <a:latin typeface="Arial" pitchFamily="34" charset="0"/>
+              <a:cs typeface="Arial" pitchFamily="34" charset="0"/>
+            </a:endParaRPr>
+          </a:p>
+        </p:txBody>
+      </p:sp>
+    </p:spTree>
+    <p:extLst>
+      <p:ext uri="{BB962C8B-B14F-4D97-AF65-F5344CB8AC3E}">
+        <p14:creationId xmlns:p14="http://schemas.microsoft.com/office/powerpoint/2010/main" val="2651124079"/>
+      </p:ext>
+    </p:extLst>
+  </p:cSld>
+  <p:clrMapOvr>
+    <a:masterClrMapping/>
+  </p:clrMapOvr>
+  <p:timing>
+    <p:tnLst>
+      <p:par>
+        <p:cTn id="1" dur="indefinite" restart="never" nodeType="tmRoot"/>
+      </p:par>
+    </p:tnLst>
+  </p:timing>
+</p:sld>
+</file>
+
+<file path=ppt/slides/slide31.xml><?xml version="1.0" encoding="utf-8"?>
+<p:sld xmlns:a="http://schemas.openxmlformats.org/drawingml/2006/main" xmlns:r="http://schemas.openxmlformats.org/officeDocument/2006/relationships" xmlns:p="http://schemas.openxmlformats.org/presentationml/2006/main">
+  <p:cSld>
+    <p:spTree>
+      <p:nvGrpSpPr>
+        <p:cNvPr id="1" name=""/>
+        <p:cNvGrpSpPr/>
+        <p:nvPr/>
+      </p:nvGrpSpPr>
+      <p:grpSpPr>
+        <a:xfrm>
+          <a:off x="0" y="0"/>
+          <a:ext cx="0" cy="0"/>
+          <a:chOff x="0" y="0"/>
+          <a:chExt cx="0" cy="0"/>
+        </a:xfrm>
+      </p:grpSpPr>
+      <p:sp>
+        <p:nvSpPr>
+          <p:cNvPr id="2" name="Título 1"/>
+          <p:cNvSpPr>
+            <a:spLocks noGrp="1"/>
+          </p:cNvSpPr>
+          <p:nvPr>
+            <p:ph type="title"/>
+          </p:nvPr>
+        </p:nvSpPr>
+        <p:spPr/>
+        <p:txBody>
+          <a:bodyPr/>
+          <a:lstStyle/>
+          <a:p>
+            <a:r>
+              <a:rPr lang="pt-BR" dirty="0" smtClean="0"/>
+              <a:t>Resultados preliminares</a:t>
+            </a:r>
+            <a:endParaRPr lang="pt-BR" dirty="0"/>
+          </a:p>
+        </p:txBody>
+      </p:sp>
+      <p:sp>
+        <p:nvSpPr>
+          <p:cNvPr id="4" name="Espaço Reservado para Rodapé 3"/>
+          <p:cNvSpPr>
+            <a:spLocks noGrp="1"/>
+          </p:cNvSpPr>
+          <p:nvPr>
+            <p:ph type="ftr" sz="quarter" idx="11"/>
+          </p:nvPr>
+        </p:nvSpPr>
+        <p:spPr>
+          <a:xfrm>
+            <a:off x="0" y="6501112"/>
+            <a:ext cx="8604448" cy="365125"/>
+          </a:xfrm>
+        </p:spPr>
+        <p:txBody>
+          <a:bodyPr/>
+          <a:lstStyle/>
+          <a:p>
+            <a:pPr algn="l"/>
+            <a:r>
+              <a:rPr lang="pt-BR" sz="900" dirty="0" smtClean="0"/>
+              <a:t>Modelo de análise da comunicação e mediação da informação em organizações públicas brasileiras através da Análise de Redes Sociais.</a:t>
+            </a:r>
+            <a:endParaRPr lang="pt-BR" sz="900" dirty="0"/>
+          </a:p>
+        </p:txBody>
+      </p:sp>
+      <p:sp>
+        <p:nvSpPr>
+          <p:cNvPr id="5" name="Espaço Reservado para Número de Slide 4"/>
+          <p:cNvSpPr>
+            <a:spLocks noGrp="1"/>
+          </p:cNvSpPr>
+          <p:nvPr>
+            <p:ph type="sldNum" sz="quarter" idx="12"/>
+          </p:nvPr>
+        </p:nvSpPr>
+        <p:spPr/>
+        <p:txBody>
+          <a:bodyPr/>
+          <a:lstStyle/>
+          <a:p>
+            <a:fld id="{2BA3D508-1B43-4B52-8FAB-4C423C784271}" type="slidenum">
+              <a:rPr lang="pt-BR" smtClean="0"/>
+              <a:t>31</a:t>
+            </a:fld>
+            <a:endParaRPr lang="pt-BR"/>
+          </a:p>
+        </p:txBody>
+      </p:sp>
+      <p:sp>
+        <p:nvSpPr>
+          <p:cNvPr id="3" name="Retângulo 2"/>
+          <p:cNvSpPr/>
+          <p:nvPr/>
+        </p:nvSpPr>
+        <p:spPr>
+          <a:xfrm>
+            <a:off x="827584" y="1340768"/>
+            <a:ext cx="7560840" cy="369332"/>
+          </a:xfrm>
+          <a:prstGeom prst="rect">
+            <a:avLst/>
+          </a:prstGeom>
+        </p:spPr>
+        <p:txBody>
+          <a:bodyPr wrap="square">
+            <a:spAutoFit/>
+          </a:bodyPr>
+          <a:lstStyle/>
+          <a:p>
+            <a:r>
+              <a:rPr lang="pt-BR" dirty="0" smtClean="0"/>
+              <a:t>REDES TEMÁTICAS</a:t>
+            </a:r>
+            <a:endParaRPr lang="pt-BR" dirty="0"/>
+          </a:p>
+        </p:txBody>
+      </p:sp>
+      <p:sp>
+        <p:nvSpPr>
+          <p:cNvPr id="6" name="Rectangle 2"/>
+          <p:cNvSpPr>
+            <a:spLocks noChangeArrowheads="1"/>
+          </p:cNvSpPr>
+          <p:nvPr/>
+        </p:nvSpPr>
+        <p:spPr bwMode="auto">
+          <a:xfrm>
+            <a:off x="0" y="0"/>
+            <a:ext cx="9144000" cy="457200"/>
+          </a:xfrm>
+          <a:prstGeom prst="rect">
+            <a:avLst/>
+          </a:prstGeom>
+          <a:noFill/>
+          <a:ln>
+            <a:noFill/>
+          </a:ln>
+          <a:effectLst/>
+          <a:extLst>
+            <a:ext uri="{909E8E84-426E-40DD-AFC4-6F175D3DCCD1}">
+              <a14:hiddenFill xmlns:a14="http://schemas.microsoft.com/office/drawing/2010/main">
+                <a:solidFill>
+                  <a:schemeClr val="accent1"/>
+                </a:solidFill>
+              </a14:hiddenFill>
+            </a:ext>
+            <a:ext uri="{91240B29-F687-4F45-9708-019B960494DF}">
+              <a14:hiddenLine xmlns:a14="http://schemas.microsoft.com/office/drawing/2010/main" w="9525">
+                <a:solidFill>
+                  <a:schemeClr val="tx1"/>
+                </a:solidFill>
+                <a:miter lim="800000"/>
+                <a:headEnd/>
+                <a:tailEnd/>
+              </a14:hiddenLine>
+            </a:ext>
+            <a:ext uri="{AF507438-7753-43E0-B8FC-AC1667EBCBE1}">
+              <a14:hiddenEffects xmlns:a14="http://schemas.microsoft.com/office/drawing/2010/main">
+                <a:effectLst>
+                  <a:outerShdw dist="35921" dir="2700000" algn="ctr" rotWithShape="0">
+                    <a:schemeClr val="bg2"/>
+                  </a:outerShdw>
+                </a:effectLst>
+              </a14:hiddenEffects>
+            </a:ext>
+          </a:extLst>
+        </p:spPr>
+        <p:txBody>
+          <a:bodyPr vert="horz" wrap="none" lIns="91440" tIns="45720" rIns="91440" bIns="45720" numCol="1" anchor="ctr" anchorCtr="0" compatLnSpc="1">
+            <a:prstTxWarp prst="textNoShape">
+              <a:avLst/>
+            </a:prstTxWarp>
+            <a:spAutoFit/>
+          </a:bodyPr>
+          <a:lstStyle/>
+          <a:p>
+            <a:pPr marL="0" marR="0" lvl="0" indent="449263" algn="l" defTabSz="914400" rtl="0" eaLnBrk="1" fontAlgn="base" latinLnBrk="0" hangingPunct="1">
+              <a:lnSpc>
+                <a:spcPct val="100000"/>
+              </a:lnSpc>
+              <a:spcBef>
+                <a:spcPct val="0"/>
+              </a:spcBef>
+              <a:spcAft>
+                <a:spcPct val="0"/>
+              </a:spcAft>
+              <a:buClrTx/>
+              <a:buSzTx/>
+              <a:buFontTx/>
+              <a:buNone/>
+              <a:tabLst/>
+            </a:pPr>
+            <a:endParaRPr kumimoji="0" lang="pt-BR" sz="1800" b="0" i="0" u="none" strike="noStrike" cap="none" normalizeH="0" baseline="0" smtClean="0">
+              <a:ln>
+                <a:noFill/>
+              </a:ln>
+              <a:solidFill>
+                <a:schemeClr val="tx1"/>
+              </a:solidFill>
+              <a:effectLst/>
+              <a:latin typeface="Arial" pitchFamily="34" charset="0"/>
+              <a:cs typeface="Arial" pitchFamily="34" charset="0"/>
+            </a:endParaRPr>
+          </a:p>
+        </p:txBody>
+      </p:sp>
+      <p:sp>
+        <p:nvSpPr>
+          <p:cNvPr id="9" name="Rectangle 3"/>
+          <p:cNvSpPr>
+            <a:spLocks noChangeArrowheads="1"/>
+          </p:cNvSpPr>
+          <p:nvPr/>
+        </p:nvSpPr>
+        <p:spPr bwMode="auto">
+          <a:xfrm rot="10800000" flipV="1">
+            <a:off x="1893684" y="5284364"/>
+            <a:ext cx="6278716" cy="1384995"/>
+          </a:xfrm>
+          <a:prstGeom prst="rect">
+            <a:avLst/>
+          </a:prstGeom>
+          <a:noFill/>
+          <a:ln>
+            <a:noFill/>
+          </a:ln>
+          <a:effectLst/>
+          <a:extLst>
+            <a:ext uri="{909E8E84-426E-40DD-AFC4-6F175D3DCCD1}">
+              <a14:hiddenFill xmlns:a14="http://schemas.microsoft.com/office/drawing/2010/main">
+                <a:solidFill>
+                  <a:schemeClr val="accent1"/>
+                </a:solidFill>
+              </a14:hiddenFill>
+            </a:ext>
+            <a:ext uri="{91240B29-F687-4F45-9708-019B960494DF}">
+              <a14:hiddenLine xmlns:a14="http://schemas.microsoft.com/office/drawing/2010/main" w="9525">
+                <a:solidFill>
+                  <a:schemeClr val="tx1"/>
+                </a:solidFill>
+                <a:miter lim="800000"/>
+                <a:headEnd/>
+                <a:tailEnd/>
+              </a14:hiddenLine>
+            </a:ext>
+            <a:ext uri="{AF507438-7753-43E0-B8FC-AC1667EBCBE1}">
+              <a14:hiddenEffects xmlns:a14="http://schemas.microsoft.com/office/drawing/2010/main">
+                <a:effectLst>
+                  <a:outerShdw dist="35921" dir="2700000" algn="ctr" rotWithShape="0">
+                    <a:schemeClr val="bg2"/>
+                  </a:outerShdw>
+                </a:effectLst>
+              </a14:hiddenEffects>
+            </a:ext>
+          </a:extLst>
+        </p:spPr>
+        <p:txBody>
+          <a:bodyPr vert="horz" wrap="square" lIns="91440" tIns="45720" rIns="91440" bIns="45720" numCol="1" anchor="ctr" anchorCtr="0" compatLnSpc="1">
+            <a:prstTxWarp prst="textNoShape">
+              <a:avLst/>
+            </a:prstTxWarp>
+            <a:spAutoFit/>
+          </a:bodyPr>
+          <a:lstStyle/>
+          <a:p>
+            <a:pPr lvl="0" indent="449263" fontAlgn="base">
+              <a:spcBef>
+                <a:spcPct val="0"/>
+              </a:spcBef>
+              <a:spcAft>
+                <a:spcPct val="0"/>
+              </a:spcAft>
+            </a:pPr>
+            <a:r>
+              <a:rPr lang="pt-BR" sz="2800" dirty="0" smtClean="0"/>
+              <a:t>Rede </a:t>
+            </a:r>
+            <a:r>
+              <a:rPr lang="pt-BR" sz="2800" dirty="0"/>
+              <a:t>temática ciência tecnologia e </a:t>
+            </a:r>
+            <a:r>
+              <a:rPr lang="pt-BR" sz="2800" dirty="0" smtClean="0"/>
+              <a:t>inovação. Em azul os órgãos vinculados ao MEC</a:t>
+            </a:r>
+            <a:endParaRPr kumimoji="0" lang="pt-BR" sz="2800" b="0" i="0" u="none" strike="noStrike" cap="none" normalizeH="0" baseline="0" dirty="0" smtClean="0">
+              <a:ln>
+                <a:noFill/>
+              </a:ln>
+              <a:solidFill>
+                <a:schemeClr val="tx1"/>
+              </a:solidFill>
+              <a:effectLst/>
+              <a:latin typeface="Arial" pitchFamily="34" charset="0"/>
+              <a:cs typeface="Arial" pitchFamily="34" charset="0"/>
+            </a:endParaRPr>
+          </a:p>
+        </p:txBody>
+      </p:sp>
+      <p:pic>
+        <p:nvPicPr>
+          <p:cNvPr id="10" name="Imagem 9"/>
+          <p:cNvPicPr/>
+          <p:nvPr/>
+        </p:nvPicPr>
+        <p:blipFill>
+          <a:blip r:embed="rId3"/>
+          <a:stretch>
+            <a:fillRect/>
+          </a:stretch>
+        </p:blipFill>
+        <p:spPr>
+          <a:xfrm>
+            <a:off x="1871980" y="1990090"/>
+            <a:ext cx="6012388" cy="3311118"/>
+          </a:xfrm>
+          <a:prstGeom prst="rect">
+            <a:avLst/>
+          </a:prstGeom>
+        </p:spPr>
+      </p:pic>
+    </p:spTree>
+    <p:extLst>
+      <p:ext uri="{BB962C8B-B14F-4D97-AF65-F5344CB8AC3E}">
+        <p14:creationId xmlns:p14="http://schemas.microsoft.com/office/powerpoint/2010/main" val="3100582698"/>
+      </p:ext>
+    </p:extLst>
+  </p:cSld>
+  <p:clrMapOvr>
+    <a:masterClrMapping/>
+  </p:clrMapOvr>
+  <p:timing>
+    <p:tnLst>
+      <p:par>
+        <p:cTn id="1" dur="indefinite" restart="never" nodeType="tmRoot"/>
+      </p:par>
+    </p:tnLst>
+  </p:timing>
+</p:sld>
+</file>
+
+<file path=ppt/slides/slide32.xml><?xml version="1.0" encoding="utf-8"?>
+<p:sld xmlns:a="http://schemas.openxmlformats.org/drawingml/2006/main" xmlns:r="http://schemas.openxmlformats.org/officeDocument/2006/relationships" xmlns:p="http://schemas.openxmlformats.org/presentationml/2006/main">
+  <p:cSld>
+    <p:spTree>
+      <p:nvGrpSpPr>
+        <p:cNvPr id="1" name=""/>
+        <p:cNvGrpSpPr/>
+        <p:nvPr/>
+      </p:nvGrpSpPr>
+      <p:grpSpPr>
+        <a:xfrm>
+          <a:off x="0" y="0"/>
+          <a:ext cx="0" cy="0"/>
+          <a:chOff x="0" y="0"/>
+          <a:chExt cx="0" cy="0"/>
+        </a:xfrm>
+      </p:grpSpPr>
+      <p:sp>
+        <p:nvSpPr>
+          <p:cNvPr id="2" name="Título 1"/>
+          <p:cNvSpPr>
+            <a:spLocks noGrp="1"/>
+          </p:cNvSpPr>
+          <p:nvPr>
+            <p:ph type="title"/>
+          </p:nvPr>
+        </p:nvSpPr>
+        <p:spPr/>
+        <p:txBody>
+          <a:bodyPr/>
+          <a:lstStyle/>
+          <a:p>
+            <a:r>
+              <a:rPr lang="pt-BR" dirty="0" smtClean="0"/>
+              <a:t>Resultados preliminares</a:t>
+            </a:r>
+            <a:endParaRPr lang="pt-BR" dirty="0"/>
+          </a:p>
+        </p:txBody>
+      </p:sp>
+      <p:sp>
+        <p:nvSpPr>
+          <p:cNvPr id="4" name="Espaço Reservado para Rodapé 3"/>
+          <p:cNvSpPr>
+            <a:spLocks noGrp="1"/>
+          </p:cNvSpPr>
+          <p:nvPr>
+            <p:ph type="ftr" sz="quarter" idx="11"/>
+          </p:nvPr>
+        </p:nvSpPr>
+        <p:spPr>
+          <a:xfrm>
+            <a:off x="0" y="6501112"/>
+            <a:ext cx="8604448" cy="365125"/>
+          </a:xfrm>
+        </p:spPr>
+        <p:txBody>
+          <a:bodyPr/>
+          <a:lstStyle/>
+          <a:p>
+            <a:pPr algn="l"/>
+            <a:r>
+              <a:rPr lang="pt-BR" sz="900" dirty="0" smtClean="0"/>
+              <a:t>Modelo de análise da comunicação e mediação da informação em organizações públicas brasileiras através da Análise de Redes Sociais.</a:t>
+            </a:r>
+            <a:endParaRPr lang="pt-BR" sz="900" dirty="0"/>
+          </a:p>
+        </p:txBody>
+      </p:sp>
+      <p:sp>
+        <p:nvSpPr>
+          <p:cNvPr id="5" name="Espaço Reservado para Número de Slide 4"/>
+          <p:cNvSpPr>
+            <a:spLocks noGrp="1"/>
+          </p:cNvSpPr>
+          <p:nvPr>
+            <p:ph type="sldNum" sz="quarter" idx="12"/>
+          </p:nvPr>
+        </p:nvSpPr>
+        <p:spPr/>
+        <p:txBody>
+          <a:bodyPr/>
+          <a:lstStyle/>
+          <a:p>
+            <a:fld id="{2BA3D508-1B43-4B52-8FAB-4C423C784271}" type="slidenum">
+              <a:rPr lang="pt-BR" smtClean="0"/>
+              <a:t>32</a:t>
+            </a:fld>
+            <a:endParaRPr lang="pt-BR"/>
+          </a:p>
+        </p:txBody>
+      </p:sp>
+      <p:sp>
+        <p:nvSpPr>
+          <p:cNvPr id="3" name="Retângulo 2"/>
+          <p:cNvSpPr/>
+          <p:nvPr/>
+        </p:nvSpPr>
+        <p:spPr>
+          <a:xfrm>
+            <a:off x="827584" y="1340768"/>
+            <a:ext cx="7560840" cy="369332"/>
+          </a:xfrm>
+          <a:prstGeom prst="rect">
+            <a:avLst/>
+          </a:prstGeom>
+        </p:spPr>
+        <p:txBody>
+          <a:bodyPr wrap="square">
+            <a:spAutoFit/>
+          </a:bodyPr>
+          <a:lstStyle/>
+          <a:p>
+            <a:r>
+              <a:rPr lang="pt-BR" dirty="0" smtClean="0"/>
+              <a:t>Estudo de centralidade</a:t>
+            </a:r>
+            <a:endParaRPr lang="pt-BR" dirty="0"/>
+          </a:p>
+        </p:txBody>
+      </p:sp>
+      <p:sp>
+        <p:nvSpPr>
+          <p:cNvPr id="6" name="Rectangle 2"/>
+          <p:cNvSpPr>
+            <a:spLocks noChangeArrowheads="1"/>
+          </p:cNvSpPr>
+          <p:nvPr/>
+        </p:nvSpPr>
+        <p:spPr bwMode="auto">
+          <a:xfrm>
+            <a:off x="0" y="0"/>
+            <a:ext cx="9144000" cy="457200"/>
+          </a:xfrm>
+          <a:prstGeom prst="rect">
+            <a:avLst/>
+          </a:prstGeom>
+          <a:noFill/>
+          <a:ln>
+            <a:noFill/>
+          </a:ln>
+          <a:effectLst/>
+          <a:extLst>
+            <a:ext uri="{909E8E84-426E-40DD-AFC4-6F175D3DCCD1}">
+              <a14:hiddenFill xmlns:a14="http://schemas.microsoft.com/office/drawing/2010/main">
+                <a:solidFill>
+                  <a:schemeClr val="accent1"/>
+                </a:solidFill>
+              </a14:hiddenFill>
+            </a:ext>
+            <a:ext uri="{91240B29-F687-4F45-9708-019B960494DF}">
+              <a14:hiddenLine xmlns:a14="http://schemas.microsoft.com/office/drawing/2010/main" w="9525">
+                <a:solidFill>
+                  <a:schemeClr val="tx1"/>
+                </a:solidFill>
+                <a:miter lim="800000"/>
+                <a:headEnd/>
+                <a:tailEnd/>
+              </a14:hiddenLine>
+            </a:ext>
+            <a:ext uri="{AF507438-7753-43E0-B8FC-AC1667EBCBE1}">
+              <a14:hiddenEffects xmlns:a14="http://schemas.microsoft.com/office/drawing/2010/main">
+                <a:effectLst>
+                  <a:outerShdw dist="35921" dir="2700000" algn="ctr" rotWithShape="0">
+                    <a:schemeClr val="bg2"/>
+                  </a:outerShdw>
+                </a:effectLst>
+              </a14:hiddenEffects>
+            </a:ext>
+          </a:extLst>
+        </p:spPr>
+        <p:txBody>
+          <a:bodyPr vert="horz" wrap="none" lIns="91440" tIns="45720" rIns="91440" bIns="45720" numCol="1" anchor="ctr" anchorCtr="0" compatLnSpc="1">
+            <a:prstTxWarp prst="textNoShape">
+              <a:avLst/>
+            </a:prstTxWarp>
+            <a:spAutoFit/>
+          </a:bodyPr>
+          <a:lstStyle/>
+          <a:p>
+            <a:pPr marL="0" marR="0" lvl="0" indent="449263" algn="l" defTabSz="914400" rtl="0" eaLnBrk="1" fontAlgn="base" latinLnBrk="0" hangingPunct="1">
+              <a:lnSpc>
+                <a:spcPct val="100000"/>
+              </a:lnSpc>
+              <a:spcBef>
+                <a:spcPct val="0"/>
+              </a:spcBef>
+              <a:spcAft>
+                <a:spcPct val="0"/>
+              </a:spcAft>
+              <a:buClrTx/>
+              <a:buSzTx/>
+              <a:buFontTx/>
+              <a:buNone/>
+              <a:tabLst/>
+            </a:pPr>
+            <a:endParaRPr kumimoji="0" lang="pt-BR" sz="1800" b="0" i="0" u="none" strike="noStrike" cap="none" normalizeH="0" baseline="0" smtClean="0">
+              <a:ln>
+                <a:noFill/>
+              </a:ln>
+              <a:solidFill>
+                <a:schemeClr val="tx1"/>
+              </a:solidFill>
+              <a:effectLst/>
+              <a:latin typeface="Arial" pitchFamily="34" charset="0"/>
+              <a:cs typeface="Arial" pitchFamily="34" charset="0"/>
+            </a:endParaRPr>
+          </a:p>
+        </p:txBody>
+      </p:sp>
+      <p:pic>
+        <p:nvPicPr>
+          <p:cNvPr id="11" name="Imagem 10"/>
+          <p:cNvPicPr/>
+          <p:nvPr/>
+        </p:nvPicPr>
+        <p:blipFill>
+          <a:blip r:embed="rId3"/>
+          <a:stretch>
+            <a:fillRect/>
+          </a:stretch>
+        </p:blipFill>
+        <p:spPr>
+          <a:xfrm>
+            <a:off x="467544" y="3070210"/>
+            <a:ext cx="4146744" cy="2591038"/>
+          </a:xfrm>
+          <a:prstGeom prst="rect">
+            <a:avLst/>
+          </a:prstGeom>
+        </p:spPr>
+      </p:pic>
+      <p:pic>
+        <p:nvPicPr>
+          <p:cNvPr id="12" name="Imagem 11"/>
+          <p:cNvPicPr/>
+          <p:nvPr/>
+        </p:nvPicPr>
+        <p:blipFill>
+          <a:blip r:embed="rId4"/>
+          <a:stretch>
+            <a:fillRect/>
+          </a:stretch>
+        </p:blipFill>
+        <p:spPr>
+          <a:xfrm>
+            <a:off x="4774501" y="3070210"/>
+            <a:ext cx="3973963" cy="2591038"/>
+          </a:xfrm>
+          <a:prstGeom prst="rect">
+            <a:avLst/>
+          </a:prstGeom>
+        </p:spPr>
+      </p:pic>
+      <p:sp>
+        <p:nvSpPr>
+          <p:cNvPr id="7" name="Retângulo 6"/>
+          <p:cNvSpPr/>
+          <p:nvPr/>
+        </p:nvSpPr>
+        <p:spPr>
+          <a:xfrm>
+            <a:off x="1763688" y="1772816"/>
+            <a:ext cx="6480720" cy="1200329"/>
+          </a:xfrm>
+          <a:prstGeom prst="rect">
+            <a:avLst/>
+          </a:prstGeom>
+          <a:ln>
+            <a:solidFill>
+              <a:schemeClr val="accent1">
+                <a:shade val="50000"/>
+              </a:schemeClr>
+            </a:solidFill>
+          </a:ln>
+        </p:spPr>
+        <p:txBody>
+          <a:bodyPr wrap="square">
+            <a:spAutoFit/>
+          </a:bodyPr>
+          <a:lstStyle/>
+          <a:p>
+            <a:r>
+              <a:rPr lang="pt-BR" dirty="0" smtClean="0"/>
+              <a:t>A maioria das redes contem pessoas ou organizações que são centrais. Devido à sua posição eles tem mais acesso à informação e melhores oportunidades de difundir informação. (MVAR, NOOY, BATAGELJ 2005)</a:t>
+            </a:r>
+            <a:endParaRPr lang="pt-BR" dirty="0"/>
+          </a:p>
+        </p:txBody>
+      </p:sp>
+      <p:sp>
+        <p:nvSpPr>
+          <p:cNvPr id="8" name="Retângulo 7"/>
+          <p:cNvSpPr/>
+          <p:nvPr/>
+        </p:nvSpPr>
+        <p:spPr>
+          <a:xfrm>
+            <a:off x="4774501" y="5661248"/>
+            <a:ext cx="4458721" cy="307777"/>
+          </a:xfrm>
+          <a:prstGeom prst="rect">
+            <a:avLst/>
+          </a:prstGeom>
+        </p:spPr>
+        <p:txBody>
+          <a:bodyPr wrap="none">
+            <a:spAutoFit/>
+          </a:bodyPr>
+          <a:lstStyle/>
+          <a:p>
+            <a:r>
+              <a:rPr lang="pt-BR" sz="1400" dirty="0"/>
+              <a:t>Centralidade na rede do Ministério do Trabalho e Emprego</a:t>
+            </a:r>
+          </a:p>
+        </p:txBody>
+      </p:sp>
+      <p:sp>
+        <p:nvSpPr>
+          <p:cNvPr id="13" name="Retângulo 12"/>
+          <p:cNvSpPr/>
+          <p:nvPr/>
+        </p:nvSpPr>
+        <p:spPr>
+          <a:xfrm>
+            <a:off x="456713" y="5651956"/>
+            <a:ext cx="3577005" cy="307777"/>
+          </a:xfrm>
+          <a:prstGeom prst="rect">
+            <a:avLst/>
+          </a:prstGeom>
+        </p:spPr>
+        <p:txBody>
+          <a:bodyPr wrap="none">
+            <a:spAutoFit/>
+          </a:bodyPr>
+          <a:lstStyle/>
+          <a:p>
+            <a:r>
+              <a:rPr lang="pt-BR" sz="1400" dirty="0"/>
+              <a:t>Centralidade na rede do ministério da Fazenda</a:t>
+            </a:r>
+          </a:p>
+        </p:txBody>
+      </p:sp>
+    </p:spTree>
+    <p:extLst>
+      <p:ext uri="{BB962C8B-B14F-4D97-AF65-F5344CB8AC3E}">
+        <p14:creationId xmlns:p14="http://schemas.microsoft.com/office/powerpoint/2010/main" val="150348838"/>
+      </p:ext>
+    </p:extLst>
+  </p:cSld>
+  <p:clrMapOvr>
+    <a:masterClrMapping/>
+  </p:clrMapOvr>
+  <p:timing>
+    <p:tnLst>
+      <p:par>
+        <p:cTn id="1" dur="indefinite" restart="never" nodeType="tmRoot"/>
+      </p:par>
+    </p:tnLst>
+  </p:timing>
+</p:sld>
+</file>
+
+<file path=ppt/slides/slide33.xml><?xml version="1.0" encoding="utf-8"?>
+<p:sld xmlns:a="http://schemas.openxmlformats.org/drawingml/2006/main" xmlns:r="http://schemas.openxmlformats.org/officeDocument/2006/relationships" xmlns:p="http://schemas.openxmlformats.org/presentationml/2006/main">
+  <p:cSld>
+    <p:spTree>
+      <p:nvGrpSpPr>
+        <p:cNvPr id="1" name=""/>
+        <p:cNvGrpSpPr/>
+        <p:nvPr/>
+      </p:nvGrpSpPr>
+      <p:grpSpPr>
+        <a:xfrm>
+          <a:off x="0" y="0"/>
+          <a:ext cx="0" cy="0"/>
+          <a:chOff x="0" y="0"/>
+          <a:chExt cx="0" cy="0"/>
+        </a:xfrm>
+      </p:grpSpPr>
+      <p:sp>
+        <p:nvSpPr>
+          <p:cNvPr id="2" name="Título 1"/>
+          <p:cNvSpPr>
+            <a:spLocks noGrp="1"/>
+          </p:cNvSpPr>
+          <p:nvPr>
+            <p:ph type="title"/>
+          </p:nvPr>
+        </p:nvSpPr>
+        <p:spPr/>
+        <p:txBody>
+          <a:bodyPr/>
+          <a:lstStyle/>
+          <a:p>
+            <a:r>
+              <a:rPr lang="pt-BR" dirty="0" smtClean="0"/>
+              <a:t>Outros estudos em andamento</a:t>
+            </a:r>
+            <a:endParaRPr lang="pt-BR" dirty="0"/>
+          </a:p>
+        </p:txBody>
+      </p:sp>
+      <p:sp>
+        <p:nvSpPr>
+          <p:cNvPr id="4" name="Espaço Reservado para Rodapé 3"/>
+          <p:cNvSpPr>
+            <a:spLocks noGrp="1"/>
+          </p:cNvSpPr>
+          <p:nvPr>
+            <p:ph type="ftr" sz="quarter" idx="11"/>
+          </p:nvPr>
+        </p:nvSpPr>
+        <p:spPr>
+          <a:xfrm>
+            <a:off x="0" y="6501112"/>
+            <a:ext cx="8604448" cy="365125"/>
+          </a:xfrm>
+        </p:spPr>
+        <p:txBody>
+          <a:bodyPr/>
+          <a:lstStyle/>
+          <a:p>
+            <a:pPr algn="l"/>
+            <a:r>
+              <a:rPr lang="pt-BR" sz="900" dirty="0" smtClean="0"/>
+              <a:t>Modelo de análise da comunicação e mediação da informação em organizações públicas brasileiras através da Análise de Redes Sociais.</a:t>
+            </a:r>
+            <a:endParaRPr lang="pt-BR" sz="900" dirty="0"/>
+          </a:p>
+        </p:txBody>
+      </p:sp>
+      <p:sp>
+        <p:nvSpPr>
+          <p:cNvPr id="5" name="Espaço Reservado para Número de Slide 4"/>
+          <p:cNvSpPr>
+            <a:spLocks noGrp="1"/>
+          </p:cNvSpPr>
+          <p:nvPr>
+            <p:ph type="sldNum" sz="quarter" idx="12"/>
+          </p:nvPr>
+        </p:nvSpPr>
+        <p:spPr/>
+        <p:txBody>
+          <a:bodyPr/>
+          <a:lstStyle/>
+          <a:p>
+            <a:fld id="{2BA3D508-1B43-4B52-8FAB-4C423C784271}" type="slidenum">
+              <a:rPr lang="pt-BR" smtClean="0"/>
+              <a:t>33</a:t>
+            </a:fld>
+            <a:endParaRPr lang="pt-BR"/>
+          </a:p>
+        </p:txBody>
+      </p:sp>
+      <p:sp>
+        <p:nvSpPr>
+          <p:cNvPr id="3" name="Retângulo 2"/>
+          <p:cNvSpPr/>
+          <p:nvPr/>
+        </p:nvSpPr>
+        <p:spPr>
+          <a:xfrm>
+            <a:off x="827584" y="1340768"/>
+            <a:ext cx="7560840" cy="4832092"/>
+          </a:xfrm>
+          <a:prstGeom prst="rect">
+            <a:avLst/>
+          </a:prstGeom>
+        </p:spPr>
+        <p:txBody>
+          <a:bodyPr wrap="square">
+            <a:spAutoFit/>
+          </a:bodyPr>
+          <a:lstStyle/>
+          <a:p>
+            <a:pPr marL="285750" indent="-285750">
+              <a:buFont typeface="Wingdings" pitchFamily="2" charset="2"/>
+              <a:buChar char="Ø"/>
+            </a:pPr>
+            <a:r>
+              <a:rPr lang="pt-BR" sz="2800" dirty="0" smtClean="0"/>
+              <a:t>Identificação de grupos coesos em cada ministério e entre os ministérios.</a:t>
+            </a:r>
+          </a:p>
+          <a:p>
+            <a:pPr marL="285750" indent="-285750">
+              <a:buFont typeface="Wingdings" pitchFamily="2" charset="2"/>
+              <a:buChar char="Ø"/>
+            </a:pPr>
+            <a:endParaRPr lang="pt-BR" sz="2800" dirty="0"/>
+          </a:p>
+          <a:p>
+            <a:pPr marL="285750" indent="-285750">
+              <a:buFont typeface="Wingdings" pitchFamily="2" charset="2"/>
+              <a:buChar char="Ø"/>
+            </a:pPr>
+            <a:r>
+              <a:rPr lang="pt-BR" sz="2800" dirty="0" smtClean="0"/>
+              <a:t>Exploração das redes temáticas</a:t>
+            </a:r>
+          </a:p>
+          <a:p>
+            <a:pPr marL="285750" indent="-285750">
+              <a:buFont typeface="Wingdings" pitchFamily="2" charset="2"/>
+              <a:buChar char="Ø"/>
+            </a:pPr>
+            <a:endParaRPr lang="pt-BR" sz="2800" dirty="0"/>
+          </a:p>
+          <a:p>
+            <a:pPr marL="285750" indent="-285750">
+              <a:buFont typeface="Wingdings" pitchFamily="2" charset="2"/>
+              <a:buChar char="Ø"/>
+            </a:pPr>
+            <a:r>
+              <a:rPr lang="pt-BR" sz="2800" dirty="0" smtClean="0"/>
+              <a:t>Verificação da hipótese levantada por </a:t>
+            </a:r>
+            <a:r>
+              <a:rPr lang="pt-BR" sz="2800" dirty="0" err="1" smtClean="0"/>
+              <a:t>Klimek</a:t>
+            </a:r>
+            <a:r>
+              <a:rPr lang="pt-BR" sz="2800" dirty="0" smtClean="0"/>
+              <a:t>, </a:t>
+            </a:r>
+            <a:r>
+              <a:rPr lang="pt-BR" sz="2800" dirty="0" err="1" smtClean="0"/>
+              <a:t>Hanel</a:t>
+            </a:r>
+            <a:r>
+              <a:rPr lang="pt-BR" sz="2800" dirty="0" smtClean="0"/>
+              <a:t> e </a:t>
+            </a:r>
+            <a:r>
+              <a:rPr lang="pt-BR" sz="2800" dirty="0" err="1" smtClean="0"/>
+              <a:t>Thurner</a:t>
+            </a:r>
+            <a:endParaRPr lang="pt-BR" sz="2800" dirty="0" smtClean="0"/>
+          </a:p>
+          <a:p>
+            <a:r>
+              <a:rPr lang="en-US" sz="2800" dirty="0" smtClean="0"/>
+              <a:t>	</a:t>
+            </a:r>
+          </a:p>
+          <a:p>
+            <a:r>
+              <a:rPr lang="en-US" sz="2800" dirty="0"/>
+              <a:t>	</a:t>
+            </a:r>
+            <a:r>
+              <a:rPr lang="en-US" sz="2800" dirty="0" smtClean="0"/>
+              <a:t>P</a:t>
+            </a:r>
+            <a:r>
+              <a:rPr lang="en-US" sz="2800" dirty="0"/>
+              <a:t>. </a:t>
+            </a:r>
+            <a:r>
+              <a:rPr lang="en-US" sz="2800" dirty="0" err="1"/>
+              <a:t>Klimek</a:t>
+            </a:r>
+            <a:r>
+              <a:rPr lang="en-US" sz="2800" dirty="0"/>
+              <a:t>, R. </a:t>
+            </a:r>
+            <a:r>
+              <a:rPr lang="en-US" sz="2800" dirty="0" err="1"/>
+              <a:t>Hanel</a:t>
+            </a:r>
+            <a:r>
+              <a:rPr lang="en-US" sz="2800" dirty="0"/>
+              <a:t>, and S. </a:t>
+            </a:r>
+            <a:r>
+              <a:rPr lang="en-US" sz="2800" dirty="0" err="1" smtClean="0"/>
+              <a:t>Thurner</a:t>
+            </a:r>
+            <a:r>
+              <a:rPr lang="en-US" sz="2800" dirty="0" smtClean="0"/>
+              <a:t>. </a:t>
+            </a:r>
+            <a:r>
+              <a:rPr lang="en-US" sz="2800" i="1" dirty="0" smtClean="0"/>
+              <a:t>To </a:t>
+            </a:r>
+            <a:r>
+              <a:rPr lang="en-US" sz="2800" i="1" dirty="0"/>
+              <a:t>how </a:t>
+            </a:r>
+            <a:r>
+              <a:rPr lang="en-US" sz="2800" i="1" dirty="0" smtClean="0"/>
+              <a:t>	many </a:t>
+            </a:r>
+            <a:r>
+              <a:rPr lang="en-US" sz="2800" i="1" dirty="0"/>
+              <a:t>politicians should </a:t>
+            </a:r>
+            <a:r>
+              <a:rPr lang="en-US" sz="2800" i="1" dirty="0" smtClean="0"/>
+              <a:t>government </a:t>
+            </a:r>
+            <a:r>
+              <a:rPr lang="en-US" sz="2800" i="1" dirty="0"/>
+              <a:t>be </a:t>
+            </a:r>
+            <a:r>
+              <a:rPr lang="en-US" sz="2800" i="1" dirty="0" smtClean="0"/>
+              <a:t>left? 	</a:t>
+            </a:r>
+            <a:r>
+              <a:rPr lang="en-US" sz="2800" dirty="0" err="1" smtClean="0"/>
+              <a:t>Physica</a:t>
+            </a:r>
+            <a:r>
+              <a:rPr lang="en-US" sz="2800" dirty="0" smtClean="0"/>
+              <a:t> </a:t>
+            </a:r>
+            <a:r>
+              <a:rPr lang="en-US" sz="2800" dirty="0"/>
+              <a:t>A 388, 3939-3947, (2009) </a:t>
+            </a:r>
+            <a:endParaRPr lang="en-US" sz="2800" dirty="0" smtClean="0"/>
+          </a:p>
+        </p:txBody>
+      </p:sp>
+      <p:sp>
+        <p:nvSpPr>
+          <p:cNvPr id="6" name="Rectangle 2"/>
+          <p:cNvSpPr>
+            <a:spLocks noChangeArrowheads="1"/>
+          </p:cNvSpPr>
+          <p:nvPr/>
+        </p:nvSpPr>
+        <p:spPr bwMode="auto">
+          <a:xfrm>
+            <a:off x="0" y="0"/>
+            <a:ext cx="9144000" cy="457200"/>
+          </a:xfrm>
+          <a:prstGeom prst="rect">
+            <a:avLst/>
+          </a:prstGeom>
+          <a:noFill/>
+          <a:ln>
+            <a:noFill/>
+          </a:ln>
+          <a:effectLst/>
+          <a:extLst>
+            <a:ext uri="{909E8E84-426E-40DD-AFC4-6F175D3DCCD1}">
+              <a14:hiddenFill xmlns:a14="http://schemas.microsoft.com/office/drawing/2010/main">
+                <a:solidFill>
+                  <a:schemeClr val="accent1"/>
+                </a:solidFill>
+              </a14:hiddenFill>
+            </a:ext>
+            <a:ext uri="{91240B29-F687-4F45-9708-019B960494DF}">
+              <a14:hiddenLine xmlns:a14="http://schemas.microsoft.com/office/drawing/2010/main" w="9525">
+                <a:solidFill>
+                  <a:schemeClr val="tx1"/>
+                </a:solidFill>
+                <a:miter lim="800000"/>
+                <a:headEnd/>
+                <a:tailEnd/>
+              </a14:hiddenLine>
+            </a:ext>
+            <a:ext uri="{AF507438-7753-43E0-B8FC-AC1667EBCBE1}">
+              <a14:hiddenEffects xmlns:a14="http://schemas.microsoft.com/office/drawing/2010/main">
+                <a:effectLst>
+                  <a:outerShdw dist="35921" dir="2700000" algn="ctr" rotWithShape="0">
+                    <a:schemeClr val="bg2"/>
+                  </a:outerShdw>
+                </a:effectLst>
+              </a14:hiddenEffects>
+            </a:ext>
+          </a:extLst>
+        </p:spPr>
+        <p:txBody>
+          <a:bodyPr vert="horz" wrap="none" lIns="91440" tIns="45720" rIns="91440" bIns="45720" numCol="1" anchor="ctr" anchorCtr="0" compatLnSpc="1">
+            <a:prstTxWarp prst="textNoShape">
+              <a:avLst/>
+            </a:prstTxWarp>
+            <a:spAutoFit/>
+          </a:bodyPr>
+          <a:lstStyle/>
+          <a:p>
+            <a:pPr marL="0" marR="0" lvl="0" indent="449263" algn="l" defTabSz="914400" rtl="0" eaLnBrk="1" fontAlgn="base" latinLnBrk="0" hangingPunct="1">
+              <a:lnSpc>
+                <a:spcPct val="100000"/>
+              </a:lnSpc>
+              <a:spcBef>
+                <a:spcPct val="0"/>
+              </a:spcBef>
+              <a:spcAft>
+                <a:spcPct val="0"/>
+              </a:spcAft>
+              <a:buClrTx/>
+              <a:buSzTx/>
+              <a:buFontTx/>
+              <a:buNone/>
+              <a:tabLst/>
+            </a:pPr>
+            <a:endParaRPr kumimoji="0" lang="pt-BR" sz="1800" b="0" i="0" u="none" strike="noStrike" cap="none" normalizeH="0" baseline="0" smtClean="0">
+              <a:ln>
+                <a:noFill/>
+              </a:ln>
+              <a:solidFill>
+                <a:schemeClr val="tx1"/>
+              </a:solidFill>
+              <a:effectLst/>
+              <a:latin typeface="Arial" pitchFamily="34" charset="0"/>
+              <a:cs typeface="Arial" pitchFamily="34" charset="0"/>
+            </a:endParaRPr>
+          </a:p>
+        </p:txBody>
+      </p:sp>
+    </p:spTree>
+    <p:extLst>
+      <p:ext uri="{BB962C8B-B14F-4D97-AF65-F5344CB8AC3E}">
+        <p14:creationId xmlns:p14="http://schemas.microsoft.com/office/powerpoint/2010/main" val="625277549"/>
+      </p:ext>
+    </p:extLst>
+  </p:cSld>
+  <p:clrMapOvr>
+    <a:masterClrMapping/>
+  </p:clrMapOvr>
+  <p:timing>
+    <p:tnLst>
+      <p:par>
+        <p:cTn id="1" dur="indefinite" restart="never" nodeType="tmRoot"/>
+      </p:par>
+    </p:tnLst>
+  </p:timing>
+</p:sld>
+</file>
+
+<file path=ppt/slides/slide34.xml><?xml version="1.0" encoding="utf-8"?>
+<p:sld xmlns:a="http://schemas.openxmlformats.org/drawingml/2006/main" xmlns:r="http://schemas.openxmlformats.org/officeDocument/2006/relationships" xmlns:p="http://schemas.openxmlformats.org/presentationml/2006/main">
+  <p:cSld>
+    <p:spTree>
+      <p:nvGrpSpPr>
+        <p:cNvPr id="1" name=""/>
+        <p:cNvGrpSpPr/>
+        <p:nvPr/>
+      </p:nvGrpSpPr>
+      <p:grpSpPr>
+        <a:xfrm>
+          <a:off x="0" y="0"/>
+          <a:ext cx="0" cy="0"/>
+          <a:chOff x="0" y="0"/>
+          <a:chExt cx="0" cy="0"/>
+        </a:xfrm>
+      </p:grpSpPr>
+      <p:sp>
+        <p:nvSpPr>
+          <p:cNvPr id="2" name="Título 1"/>
+          <p:cNvSpPr>
+            <a:spLocks noGrp="1"/>
+          </p:cNvSpPr>
+          <p:nvPr>
+            <p:ph type="title"/>
+          </p:nvPr>
+        </p:nvSpPr>
+        <p:spPr/>
+        <p:txBody>
+          <a:bodyPr/>
+          <a:lstStyle/>
+          <a:p>
+            <a:r>
+              <a:rPr lang="pt-BR" dirty="0" smtClean="0"/>
+              <a:t>Cronograma</a:t>
+            </a:r>
+            <a:endParaRPr lang="pt-BR" dirty="0"/>
+          </a:p>
+        </p:txBody>
+      </p:sp>
+      <p:sp>
+        <p:nvSpPr>
+          <p:cNvPr id="4" name="Espaço Reservado para Rodapé 3"/>
+          <p:cNvSpPr>
+            <a:spLocks noGrp="1"/>
+          </p:cNvSpPr>
+          <p:nvPr>
+            <p:ph type="ftr" sz="quarter" idx="11"/>
+          </p:nvPr>
+        </p:nvSpPr>
+        <p:spPr/>
+        <p:txBody>
+          <a:bodyPr/>
+          <a:lstStyle/>
+          <a:p>
+            <a:r>
+              <a:rPr lang="pt-BR" smtClean="0"/>
+              <a:t>Modelo de análise da comunicação e mediação da informação em organizações públicas brasileiras através da Análise de Redes Sociais.</a:t>
+            </a:r>
+            <a:endParaRPr lang="pt-BR"/>
+          </a:p>
+        </p:txBody>
+      </p:sp>
+      <p:sp>
+        <p:nvSpPr>
+          <p:cNvPr id="5" name="Espaço Reservado para Número de Slide 4"/>
+          <p:cNvSpPr>
+            <a:spLocks noGrp="1"/>
+          </p:cNvSpPr>
+          <p:nvPr>
+            <p:ph type="sldNum" sz="quarter" idx="12"/>
+          </p:nvPr>
+        </p:nvSpPr>
+        <p:spPr/>
+        <p:txBody>
+          <a:bodyPr/>
+          <a:lstStyle/>
+          <a:p>
+            <a:fld id="{2BA3D508-1B43-4B52-8FAB-4C423C784271}" type="slidenum">
+              <a:rPr lang="pt-BR" smtClean="0"/>
+              <a:t>34</a:t>
+            </a:fld>
+            <a:endParaRPr lang="pt-BR"/>
+          </a:p>
+        </p:txBody>
+      </p:sp>
+      <p:pic>
+        <p:nvPicPr>
+          <p:cNvPr id="6" name="Espaço Reservado para Conteúdo 5"/>
+          <p:cNvPicPr>
+            <a:picLocks noGrp="1"/>
+          </p:cNvPicPr>
+          <p:nvPr>
+            <p:ph idx="1"/>
+          </p:nvPr>
+        </p:nvPicPr>
+        <p:blipFill>
+          <a:blip r:embed="rId2">
+            <a:extLst>
+              <a:ext uri="{28A0092B-C50C-407E-A947-70E740481C1C}">
+                <a14:useLocalDpi xmlns:a14="http://schemas.microsoft.com/office/drawing/2010/main" val="0"/>
+              </a:ext>
+            </a:extLst>
+          </a:blip>
+          <a:srcRect/>
+          <a:stretch>
+            <a:fillRect/>
+          </a:stretch>
+        </p:blipFill>
+        <p:spPr bwMode="auto">
+          <a:xfrm>
+            <a:off x="2195736" y="1340768"/>
+            <a:ext cx="4280098" cy="4785395"/>
+          </a:xfrm>
+          <a:prstGeom prst="rect">
+            <a:avLst/>
+          </a:prstGeom>
+          <a:noFill/>
+          <a:ln>
+            <a:noFill/>
+          </a:ln>
+        </p:spPr>
+      </p:pic>
+    </p:spTree>
+    <p:extLst>
+      <p:ext uri="{BB962C8B-B14F-4D97-AF65-F5344CB8AC3E}">
+        <p14:creationId xmlns:p14="http://schemas.microsoft.com/office/powerpoint/2010/main" val="94925770"/>
+      </p:ext>
+    </p:extLst>
+  </p:cSld>
+  <p:clrMapOvr>
+    <a:masterClrMapping/>
+  </p:clrMapOvr>
+  <p:timing>
+    <p:tnLst>
+      <p:par>
+        <p:cTn id="1" dur="indefinite" restart="never" nodeType="tmRoot"/>
+      </p:par>
+    </p:tnLst>
+  </p:timing>
+</p:sld>
+</file>
+
+<file path=ppt/slides/slide35.xml><?xml version="1.0" encoding="utf-8"?>
+<p:sld xmlns:a="http://schemas.openxmlformats.org/drawingml/2006/main" xmlns:r="http://schemas.openxmlformats.org/officeDocument/2006/relationships" xmlns:p="http://schemas.openxmlformats.org/presentationml/2006/main">
+  <p:cSld>
+    <p:spTree>
+      <p:nvGrpSpPr>
+        <p:cNvPr id="1" name=""/>
+        <p:cNvGrpSpPr/>
+        <p:nvPr/>
+      </p:nvGrpSpPr>
+      <p:grpSpPr>
+        <a:xfrm>
+          <a:off x="0" y="0"/>
+          <a:ext cx="0" cy="0"/>
+          <a:chOff x="0" y="0"/>
+          <a:chExt cx="0" cy="0"/>
+        </a:xfrm>
+      </p:grpSpPr>
+      <p:sp>
+        <p:nvSpPr>
+          <p:cNvPr id="3" name="Subtítulo 2"/>
+          <p:cNvSpPr>
+            <a:spLocks noGrp="1"/>
+          </p:cNvSpPr>
+          <p:nvPr>
+            <p:ph type="subTitle" idx="1"/>
+          </p:nvPr>
+        </p:nvSpPr>
+        <p:spPr>
+          <a:xfrm>
+            <a:off x="1403648" y="116632"/>
+            <a:ext cx="6400800" cy="1752600"/>
+          </a:xfrm>
+        </p:spPr>
+        <p:txBody>
+          <a:bodyPr>
+            <a:noAutofit/>
+          </a:bodyPr>
+          <a:lstStyle/>
+          <a:p>
+            <a:endParaRPr lang="pt-BR" sz="1400" dirty="0"/>
+          </a:p>
+          <a:p>
+            <a:r>
+              <a:rPr lang="pt-BR" sz="1400" i="1" dirty="0"/>
+              <a:t>UNIVERSIDADE DE BRASÍLIA</a:t>
+            </a:r>
+            <a:endParaRPr lang="pt-BR" sz="1400" dirty="0"/>
+          </a:p>
+          <a:p>
+            <a:r>
+              <a:rPr lang="pt-BR" sz="1400" i="1" dirty="0"/>
+              <a:t>Faculdade de Ciência da Informação</a:t>
+            </a:r>
+            <a:endParaRPr lang="pt-BR" sz="1400" dirty="0"/>
+          </a:p>
+          <a:p>
+            <a:r>
+              <a:rPr lang="pt-BR" sz="1400" i="1" dirty="0"/>
+              <a:t>Programa de Pós-graduação em Ciência da Informação</a:t>
+            </a:r>
+            <a:endParaRPr lang="pt-BR" sz="1400" dirty="0"/>
+          </a:p>
+          <a:p>
+            <a:r>
+              <a:rPr lang="pt-BR" sz="1400" dirty="0"/>
+              <a:t> </a:t>
+            </a:r>
+          </a:p>
+          <a:p>
+            <a:r>
+              <a:rPr lang="pt-BR" sz="1400" dirty="0"/>
+              <a:t> </a:t>
+            </a:r>
+          </a:p>
+          <a:p>
+            <a:r>
+              <a:rPr lang="pt-BR" sz="1400" dirty="0"/>
+              <a:t>Rafael Henrique Santos Soares</a:t>
+            </a:r>
+          </a:p>
+          <a:p>
+            <a:r>
+              <a:rPr lang="pt-BR" sz="1400" dirty="0"/>
+              <a:t> </a:t>
+            </a:r>
+          </a:p>
+          <a:p>
+            <a:r>
+              <a:rPr lang="pt-BR" sz="1400" dirty="0"/>
+              <a:t> </a:t>
+            </a:r>
+          </a:p>
+          <a:p>
+            <a:r>
+              <a:rPr lang="pt-BR" sz="2400" i="1" dirty="0"/>
+              <a:t>Análise da comunicação e mediação da informação em organizações públicas brasileiras por meio da Análise de Redes Sociais sobre dados de Publicações Oficiais.</a:t>
+            </a:r>
+            <a:endParaRPr lang="pt-BR" sz="2400" dirty="0"/>
+          </a:p>
+          <a:p>
+            <a:r>
+              <a:rPr lang="pt-BR" sz="1400" dirty="0"/>
+              <a:t> </a:t>
+            </a:r>
+          </a:p>
+          <a:p>
+            <a:r>
+              <a:rPr lang="pt-BR" sz="1400" dirty="0"/>
+              <a:t> </a:t>
+            </a:r>
+            <a:r>
+              <a:rPr lang="pt-BR" sz="1400" dirty="0" smtClean="0"/>
+              <a:t>Relatório </a:t>
+            </a:r>
+            <a:r>
+              <a:rPr lang="pt-BR" sz="1400" dirty="0"/>
+              <a:t>Intermediário de Mestrado</a:t>
+            </a:r>
+          </a:p>
+          <a:p>
+            <a:r>
+              <a:rPr lang="pt-BR" sz="1400" dirty="0"/>
+              <a:t> </a:t>
+            </a:r>
+          </a:p>
+          <a:p>
+            <a:r>
+              <a:rPr lang="pt-BR" sz="1400" b="1" dirty="0"/>
+              <a:t>Orientador:</a:t>
+            </a:r>
+            <a:r>
+              <a:rPr lang="pt-BR" sz="1400" dirty="0"/>
+              <a:t> Prof. Dr. Jorge Henrique Cabral Fernandes</a:t>
+            </a:r>
+          </a:p>
+          <a:p>
+            <a:endParaRPr lang="pt-BR" sz="1400" dirty="0"/>
+          </a:p>
+          <a:p>
+            <a:r>
+              <a:rPr lang="pt-BR" sz="1400" dirty="0"/>
+              <a:t> </a:t>
+            </a:r>
+          </a:p>
+          <a:p>
+            <a:r>
+              <a:rPr lang="pt-BR" sz="1400" dirty="0"/>
+              <a:t> </a:t>
+            </a:r>
+          </a:p>
+          <a:p>
+            <a:r>
+              <a:rPr lang="pt-BR" sz="1400" dirty="0"/>
+              <a:t>Brasília – DF</a:t>
+            </a:r>
+          </a:p>
+          <a:p>
+            <a:r>
+              <a:rPr lang="pt-BR" sz="1400" dirty="0"/>
+              <a:t>2013</a:t>
+            </a:r>
+          </a:p>
+          <a:p>
+            <a:endParaRPr lang="pt-BR" sz="1400" dirty="0"/>
+          </a:p>
+        </p:txBody>
+      </p:sp>
+    </p:spTree>
+    <p:extLst>
+      <p:ext uri="{BB962C8B-B14F-4D97-AF65-F5344CB8AC3E}">
+        <p14:creationId xmlns:p14="http://schemas.microsoft.com/office/powerpoint/2010/main" val="3231121077"/>
+      </p:ext>
+    </p:extLst>
+  </p:cSld>
+  <p:clrMapOvr>
+    <a:masterClrMapping/>
+  </p:clrMapOvr>
+  <p:timing>
+    <p:tnLst>
+      <p:par>
+        <p:cTn id="1" dur="indefinite" restart="never" nodeType="tmRoot"/>
+      </p:par>
+    </p:tnLst>
+  </p:timing>
+</p:sld>
+</file>
+
 <file path=ppt/slides/slide4.xml><?xml version="1.0" encoding="utf-8"?>
 <p:sld xmlns:a="http://schemas.openxmlformats.org/drawingml/2006/main" xmlns:r="http://schemas.openxmlformats.org/officeDocument/2006/relationships" xmlns:p="http://schemas.openxmlformats.org/presentationml/2006/main">
   <p:cSld>
@@ -14790,98 +18840,6 @@
       </p:grpSpPr>
       <p:sp>
         <p:nvSpPr>
-          <p:cNvPr id="2" name="Título 1"/>
-          <p:cNvSpPr>
-            <a:spLocks noGrp="1"/>
-          </p:cNvSpPr>
-          <p:nvPr>
-            <p:ph type="title"/>
-          </p:nvPr>
-        </p:nvSpPr>
-        <p:spPr/>
-        <p:txBody>
-          <a:bodyPr/>
-          <a:lstStyle/>
-          <a:p>
-            <a:r>
-              <a:rPr lang="pt-BR" dirty="0" smtClean="0"/>
-              <a:t>Justificativa</a:t>
-            </a:r>
-            <a:endParaRPr lang="pt-BR" dirty="0"/>
-          </a:p>
-        </p:txBody>
-      </p:sp>
-      <p:sp>
-        <p:nvSpPr>
-          <p:cNvPr id="3" name="Espaço Reservado para Conteúdo 2"/>
-          <p:cNvSpPr>
-            <a:spLocks noGrp="1"/>
-          </p:cNvSpPr>
-          <p:nvPr>
-            <p:ph idx="1"/>
-          </p:nvPr>
-        </p:nvSpPr>
-        <p:spPr/>
-        <p:txBody>
-          <a:bodyPr/>
-          <a:lstStyle/>
-          <a:p>
-            <a:r>
-              <a:rPr lang="pt-BR" dirty="0" smtClean="0"/>
-              <a:t>Dados Abertos</a:t>
-            </a:r>
-          </a:p>
-          <a:p>
-            <a:pPr lvl="1"/>
-            <a:r>
-              <a:rPr lang="pt-BR" dirty="0" smtClean="0"/>
-              <a:t>Principio da publicidade</a:t>
-            </a:r>
-          </a:p>
-          <a:p>
-            <a:pPr lvl="1"/>
-            <a:r>
-              <a:rPr lang="pt-BR" dirty="0" smtClean="0"/>
-              <a:t>Lei de acesso à informação</a:t>
-            </a:r>
-          </a:p>
-          <a:p>
-            <a:pPr lvl="1"/>
-            <a:r>
-              <a:rPr lang="pt-BR" dirty="0" smtClean="0"/>
-              <a:t>Open </a:t>
-            </a:r>
-            <a:r>
-              <a:rPr lang="pt-BR" dirty="0" err="1" smtClean="0"/>
-              <a:t>Government</a:t>
-            </a:r>
-            <a:endParaRPr lang="pt-BR" dirty="0" smtClean="0"/>
-          </a:p>
-          <a:p>
-            <a:r>
-              <a:rPr lang="pt-BR" dirty="0" smtClean="0"/>
-              <a:t>Estudo da comunicação como instrumento de aperfeiçoamento da administração pública.</a:t>
-            </a:r>
-          </a:p>
-          <a:p>
-            <a:pPr lvl="1"/>
-            <a:r>
-              <a:rPr lang="pt-BR" dirty="0" smtClean="0"/>
-              <a:t>Melhorias na comunicação</a:t>
-            </a:r>
-          </a:p>
-          <a:p>
-            <a:pPr lvl="1"/>
-            <a:r>
-              <a:rPr lang="pt-BR" dirty="0" smtClean="0"/>
-              <a:t>Otimização das políticas</a:t>
-            </a:r>
-            <a:endParaRPr lang="pt-BR" dirty="0"/>
-          </a:p>
-        </p:txBody>
-      </p:sp>
-      <p:sp>
-        <p:nvSpPr>
           <p:cNvPr id="4" name="Espaço Reservado para Rodapé 3"/>
           <p:cNvSpPr>
             <a:spLocks noGrp="1"/>
@@ -14911,31 +18869,394 @@
       </p:sp>
       <p:sp>
         <p:nvSpPr>
-          <p:cNvPr id="5" name="Espaço Reservado para Número de Slide 4"/>
-          <p:cNvSpPr>
-            <a:spLocks noGrp="1"/>
-          </p:cNvSpPr>
-          <p:nvPr>
-            <p:ph type="sldNum" sz="quarter" idx="12"/>
-          </p:nvPr>
-        </p:nvSpPr>
-        <p:spPr/>
-        <p:txBody>
-          <a:bodyPr/>
-          <a:lstStyle/>
-          <a:p>
-            <a:fld id="{2BA3D508-1B43-4B52-8FAB-4C423C784271}" type="slidenum">
-              <a:rPr lang="pt-BR" smtClean="0"/>
-              <a:t>4</a:t>
-            </a:fld>
+          <p:cNvPr id="6" name="AutoShape 2" descr="data:image/jpeg;base64,/9j/4AAQSkZJRgABAQAAAQABAAD/2wCEAAkGBhQSERUUExQVFRQVFxcaGBgYGBgaGhgcGhccGhgcFx0aHSYfGxojGxgdIC8gJCcpLC0sHB4xNTAqNiYrLCkBCQoKDgwNFA8PFCkYFBgpKSkpKSkpKSkpKSkpKSkpKSkpKSkpKSkpKSkpKSkpKSkpKSkpKSkpKSkpKSkpKSkpKf/AABEIANwA5QMBIgACEQEDEQH/xAAcAAABBQEBAQAAAAAAAAAAAAADAAECBAUHBgj/xABOEAACAQIEAwQECAsGBAUFAAABAhEDIQAEEjEiQVEFEzJhBhRxkSNCUmKBobHSBxUkM0NTcpLB0fAWVYKi0+E0pLLURGOzwvEIJVSDw//EABYBAQEBAAAAAAAAAAAAAAAAAAABAv/EABYRAQEBAAAAAAAAAAAAAAAAAAARAf/aAAwDAQACEQMRAD8A63OFiNRyLaWbzEfxIxA1m/Vv/k+9jDAoGFpwIVz8h/8AJ97D96fkN/k+9gJ4U/ZiPen5De9fvYRqnkje9PvYCcYWB98fkOfpT72Eap/Vv70+/gCDC04Gap+Q3+T7+F37H9G/vp/fwBIwsC9YP6t/fT+/hd+w/Rv76f38AUHCjAu/P6t/en38P3p+Q3vT72AJzwt8Q1n5Df5PvYfvT8hvev3sBLDAYj3h+Q3+X72FrPyG/wAn3sBPCIwPvG+Qfev88MKp+Qfev88AU4YDEO+b5B96/wA8LvW+Qfev88AT34Y4h3rfIPvX+eG7xvkH3r/PAFwiI3xSztBqmjhI0OrfFMxyjVF5IvPXe+KOT7JqUwAIaKemSFkEAgMo1xJ1HV1gYo2h5Ywuz8/UPaOapO5amlLLvTWANOs1Q1xczoG/TBsj2Y9Mpd2VNpKzpAZVVjquAGBNrlQfZHJ9lVVz1XMMw01aaU9GgDStMsy8XeGTLtPCOW0XK2owsPhYiJYFmcwtNSzkKo3nb6+eDY8n6bZhNdKnVJ7pgZhoBJ2nrz2NrnzxVWG9PMsvES/d6tOvSdMxPtAm07Tjey2ZSoodCGU7EEHl5eWPI1OwafqcSIJ1BS1pV78yWJYi9r3JuBi76HZpS1RKZY041DUxa+oht+dr9cBv5vMimhdgxCgk6VZzAvZVBJ9gGMHsr8ImTzIc5d6tbuwC+jL12KzMWCTeDHsx6V1kR7ccX/8Apy3z3sy//wDXAdV7G9I8vm9XcVVdkMOl1dDJHGjgMtwRcDY4DU9LssudXIl/yhhIXSxHhLQWiAdILRP8Mcz/AAq127P7Xy2donSzpNULA7wUjxhuuqmQt+g6SPTv6V0/x9TyrZOiazIdGaDS4TumqCxpyNisauuEHse2O1qeVotWqE6FKg6QWYlmCKAouSWYCMXKbSAYIkTB3E8j548FnPT9a9LO1KWXp1U7OqKWWq7K7MjMdagIQoBUlSSTK7KQMS7V/CkU7Lo9o0svqWq5RqbPpZTLqYYAhhqToLEG22EHuK1YIrOxgKCxPQAEk+7GZ6NelGXz9I1csxdFcoZUqQwAJEHyIM+fXGB2X6cZvMCo34vNOj6oMxSqVHlKnCDoJUEDVxcywABK3gZfov8AhLy1PsmrmzlqeWp065ppRpFfhHKKwjhUSdRm1gpPKMIOlRhAY8PmfwjPlhkqmcpLToZ5QQyFvgCQjBauoAEQ9zaIaxjHuQuAye2/SfL5TSK1SHqGEpqrPUc/NRAWN+cRivnvTLL5dkXM95l+8MI9VIQmJgupKqYGzEY5p+DrOnO+kOZzFXiKJXNMGeALUWkoXkNKMf3vM46D+E7s9a3ZWaDCdFI1F8jT4gfqj2E4Dc7T7TpZei9as6pSQamc3AHKIuSZgASTIjHnaf4TcmS4Y1UKUPWBqTx0okMsE7/JaD5Y5RT7ar1vRqrTOh6dCsiMzO3eBS1NqQQaSCASy3YQAsA46D2RnKlDsBa70MvUCZZIQlj3tAKARUJThaJ4OJeU3kWEey7B7epZzLpmKJJpvMahBBUlSGHUERjQjHgOy/wiInZeVrU8vTSpmKvcUMuh0oG7woJIWyiJMDmOuNCj6VZlO0h2fWpozVaTVKVemjhBAJIqIzkwCCuoPuVsNVpBf9EvTnLdo996t3nwDhW1ppkNOllueE6WsYa1wLY9CMc29BfwhJVo9oVmytKiMqFquMuL1WYVC5aQJb4Pc4n2l+FKrRyeVzxpUnoZltBprrFSmRqkBjw1DwMJ0qDbkZwhHpu1fTXL5fNU8rVFQVaxTu4SVbU2gcQJjisZuPYRO/GOT/hRb/7z2QR+sp/XXT+eOtYDP/GqfKUxPxjy3mFtuDHmMIdrrwkFIcgKdRhidtJ0wdjtjI7+jcaCBq5qADrqFSfzsXZSSbTc3vhz2jQcpIPFUWJSwYgkE/CQq3M8iTzJGA2E7RBKgaSWAZQGJlTsfD4fPBqNfWARpKmbhp2t064wqWbpSmkNcaQSNLKFqrS0nVUDBZqqY2IIPTF7s3OIGSmqlA4ZgugKAQbqb2cw5gb6HPtDWK4bEpwsRDxjynpxVKhGNMkKw0sDYTZgQbamJUDnvBm2PW6cM9MEEESDuDsfbgrl79tENBiN9EGx/Z0+LTy2uD83Hp/Qcko7aSJqOrFiZhDCgC4kSwPOfdjfodk0lstNVAEQogRzAAtHli0qAAACAOmwHli0I7fbjif/ANOlYBs6CQOGgd94NWT9Yx1/tmoi0T3qLUQlFKsAVOtwl9UiJbptjCpZbJ1CAMhRuRZqVEEHhLSNJHAZkz8QxNpYPC+neTPbPa1HL5bjo5ZdNest0TW01Bq21aQAAJkki2knBu0QP7X5cC0UwI6fk1T+GPf5L0hTu17ukFUozhAQkRMAAgAE2gmNxygkLPlS7OcnTL8Tj4Je9Z1qaABKyH1QZJ52kAnBXM+0fTwZ+h2oKj+rrTQijl0BWpVYkgvXgamK6RKzpAY6gQJxT7Vqr/ZPLjUuoZlgRN5NWsbjfYT7MdkqjLoprUqFNxmFJdkRZqKVkF4WXUgid4mSIBxXo5bKA9wuUoKqMdINNFQzuV4SJZlYRz0E9Jobslwex6RmxySGfLuBfHDuzexqmY9HKzUl1Ghnu8dRvo9XVSwA3jVJ8gx5Y7smdpmmaYyylNUd2Auk3QzpKhYloBNiwItvhspn6FLSaWXFPvFpmRT7vxOo0vwAhlVw+kiYnaMBzb8JdYZ/JdkUMvx1sxpZUFyo7pVYtpnSFLX/AGW6HHZKSaVAmYAE+zAsp2bRplnpUqas92ZEVS1t2Ki9sWCMRHGcjkD2L261Wvw5TNd4iVjZF7wioqudlKsgW/K+wx7P8K3b6UezqtIEPWzS91Rpgyzl4VioEkgKSek6RuRj2VWiGBVgCDuCAQfaDvipkOwsvQJNHL0aRO5p00Qn26QJwo5F2l6KvkPRmste1WrVo1HSZ0TUQKntCrJ8y2PSNUB9FZkf8CBuNwsR7ZtjoGYySVI101eJjUqtE9JGIjs+mF0imgWZjQInaYiJjCq+fq2SqDsXs3OURrGSr1ywEnTqrh1Zo2WaYBt8YY7P6O+nmVzoT1d2ZmGp00maMb96fCt7C/F8WRcEyvagFQoMuEBdkJEAECpoBMLF4mCbSORBwn7WVVdUoACKhgiFOlC6EgLcOoF9gZEzAYOTfgo7c9Vy/bFdB3hpim6pyaDWE2+LcEkcsYvpl29632blsw9epUzLV37wDWtKgAG0U0VR3amACDdyCZMbd1o9oKASKCaprrpXc93V7tB4P0g4vIH4wvi6woPSQGkGpMAwXuWYXuJUKQD5Hni0co/CV2hSftbsdkqIy6qLSrAjScwsGQfCYMHyx2QYyc9mkRyO4VyCo2E3C3IK2UAxM76RztrUxwiRpsLdPL+GIjGQVS96badW/eVBbvACI124Jedj4YGBo1bWZpPp1VBIq1ASFHwZu/xjY2gb42/Vl+QvuGF6svyF9wwGKHrWmm48M/CVTHAS3x78QgW2IxrUsuu4L+xnc+8FsEGWX5K+4fyw4y6j4oH0DAPMYWHjCxBS7Sq6dPwbVCQ3hJAECQDHXYYr06sgnuag23apaTHFb6bT5xjSqZiCRpJgAmCsXmJkj5OGGbHQ+9PvYoyzWN/gH3YeKr8USt9PxuuwNje2D5biKzSYAxcmpzXVsQCImLxeRi4M15H3p97DeufNPvp/fxADNppTUtIs0gaZuRNyLkbXAMecYhXBVFY0QzHdVJaOlyB7eXTFr1v5rD/FT+/hzm/mN+9T+/gB5Aa0BenoMtwzyDED3iD9ODnLr0+3EBnPmN76f38N6381v3qf38BP1VSbqMZVOuxDEZYSAIUyJYqSVJ08IDaV1bESwtjTOZ+af3k+9hetfNPvT72KM2nWY39XAEtEiCRpJXlAkjTfr0gkhqNI+AAGlCZWSCZ1ARvED3+/QGa+afen3sN6z80+9fvYDMy+ZeAXy0baoWdKlTJAAJYhoEbxJiwk1dmE6aCtxEDhiQNN5i27X2MW3xcGb+af8v3sL1n5p96/ewGc2sMvwCQRJOg8JkiI9kR9MxaWdqomMujdAF0zveTI3ifKecDGpSzIJiCJBImLgQDsfPDJmNQBCsQRI8NxyN2wGVTq1iYOWQDURMcpENG+0nTz64m2uV/J6cGNXCDp4QeW51Ei20X3xp9+fkN70+9hvWD8hz5zT+9gM3M03DcGXpMvsAPiIty8MH3+QN3K5RSilqSKxUSNK2MSRgvrBj82/vT7+Ea5/Vv76f374giMjT/Vp+4P5Yf1Cn+rp/ur/LExmD+rf3pP/XhLUPyG96fewERkqf6tP3V/ljgf9sNWcOWAzBcVaik98VUldQiN1U+KxBGkWMkY773x+Q3vT72Kv4vpH/wyGfmUr+e+LiuM0HqxpfvCygaiM24PJdTiRp1HUbArwGJtiGWFXTx98TqJn1yqg0MSROlviqyr7UM76j2pclSG2XUf4KQ/jhvVaV4y6/uU/wChi0cUpu6IO+atqVQah9drjkJIAb5SsIHJlEzBwDs70pRc/QoD1nvPWaKEnNVmS9ZZsXhhBi4vceeO7DKoP0A/dQfxwiEF+6iLk6Vtzm2FFvThYbD4yij2hQV9auodXFJWVgCGVqjAhgdwQSMZVT0I7MG+Tyg3/R0xtc8umNrMHiM9aP8A6hxndpei6Vi+qpUAdaywNFhWRVeOEz4QRM3wFdvQTswGDk8pO0d2m9re2494wh6DdmCT6nlLHT+bSxmI9vKMXh6N0vWTmLl2klTpK6iKYD7SHC0gAZ2MGYEBb0UpkzrqD4c1wA1gxUpG3h0k26mekUAX0H7MYwMnkyd7U6dwDBPmJtiP9iuzLD1TJ3JA+Dp3I3AtcjFrsr0XTLuHp1Kg4dJUkFSNRbYi0TA6CeZJxLK+jSU6q1BUqFl1QDoAIaOE6VExp3MnrsICq3oP2Zf8jygi5+Dp2gwZta4jDf2K7Mv+SZOwk/BUrDeTaw88aI7ApCnUVQF1l+JVUEa3NQgWiNRmIwLL+jSItRQ7kVRxTFjvqEAAGb2gDlAAgM4+h3ZUx6tkwb27uj/LpGJD0J7LifVspHXu6PSenS/sxYzPodTqUXovUqMrirLEqW+FpPRYzETFQtt4vdgdb0Hou5ctU1EkyNO5omjquPFotO9hywEf7F9mf/jZO0T8FQ3baeHnyw7+hXZomcrkxABM0qFpiJ4LDDL6DUQCA9QSoUzoawpNSgBlKjgc7DePObPaXoklZyxqVFJKMNOixRqJF9Oq/cKCJ5tzggAN6D9nAwcplJkW7mhz2+Jzgx/thU/Qns5vDlcobTajQNtpsm1jfFnPei1KtWNVtQY9xMQJ7k1CJMSdQqlTM2AAjC7I9FqeXqd4jOToZYYgjjcOx2ncDntEzAgD9l5JKQp06aKiL3wVVVVUfCDYKAB123xSziLpoMyBiKYiaopi+nUCDZgQATv4RjTy44h7a3/qYyu0BCUr0JFNYFUMRMDT4fP6gfMgBVPik0KZKr3YmukqvhJBAEG5EjkCLTiNLJ95q10ygCyWXMKYOxgKABe8kAb2tGKxCcjkwLSdNSSYJg2sYjaCPqxa74ItRT6r3hImDUAkEF+8m9lLMDNoPTBQ8tOpWWjzVh+VL08J5nnawgxsMFyuVBAWrSKpZgWrhoYB0GkWMAMTqsLSNhivWVNVM/kugEgkd4ALQwK6gHuTAMjnY4nmXZ9YdsrqQEOZrgoPjFWBmxeBERtPDYGq0hHeGhDtYhcwNW/hMDYFmtygzviVXKkqfgSRtIzY3ZQbGN5JF42tvgebqICoQZUGBc943wkkniUSFgq3I36YtZaCVpj1YpJYqO8E6QYIkxIYATzAP0A5pKCjd3x3UoK68KhSq72JIYCORbzMhpZU2PcEDSv/AIlRIhtIjTB2ETY6ugxBkpjSD6mCFWZWpvpjhEyFsN+hwwr6y0nKFiVN1qG4XTTuLMwkrY8wOeAc5IzelMGROYWxhtTAwWiKhBBsBPyjN3J9nrWJ10ym5la+otbu5YrtwqsXmdXS9SEMGl6oFIMq2s8ScVQiIkaWBvtJ6mS5XPimPg3yoLbkd5BOokcyfCffPLAbeSyK050zxaZk9BAgbD6MEzf5t/2W+w4zMn20L95VoEAEjuw8/KuDNtN/oJ5GL9Ssr0WZSCpVoI22I+0YIsjCw6DywsQU83lu87ynqZNSJxJp1LxPBXUpWQRIkHGOfQ1/7x7Q/fy3/b49APGT81ftfBMFebHoe/8AeOf/AHst/wBviQ9D6n945/8Aey3/AG+PQkxjPHpBS06pblbQwN/aIiLzMQCcBnn0Tq/3lnvflv8At8MPROt/eWe/5b/QxpDt6gW094JvyNojlvznbr0OHftulLqGJZIlQL3IURNvE0b8j7cUZn9k639557/lv9DC/snX/vPO+7K/6GIrWAAAzhAEzKEyApJK6iTHO8+62CZauLU1zbFiVKkruCCgWZ1ET8YmdrkmcAM+iNf+889/y3+jh/7J1/7zzvuy3+hiWUzwlZzL8m0sgupUkTE9QfKNgIib1pQFc2SVRCeGz6gxUmBIkdLgCbG+Ah/ZfMf3lnP3cr/o4f8As1mP7yzVvmZb/RwhW5nNsNJVWAS86WIBF4Ju0gcuURiVTMqrHVm25MAVMAQpF1AkGRzvJG84BD0dzH94Zj6Uofwp4c+j+Y5doV/3KP3MV6WaBIPrbNplbU2vIDS42BGggeyDPEDf7OzCtWJXMGoHDMECmIJUAqxsQIgRYyTgLGSyxp92rOahAqS5ABJLKZIURz6Yz89V0rSOsoRTW/dK4gRMk3F458upGNpl+ET9l/tX+WMfOUSy0gFrMppQQj6R8WzDYyJ3P8wRnU6xHCK7EjSZ9VXnCk/NBiBYCxF7Ys5mvxalq1FDDUPgFbxIDBO8m3TpheruwaRnFOkkHvd/Daw8zy5HmcKtQqaFhc1qBf8ASAG7WloMiHJX9kcr4KressZ+EdSxF/VqZgkADVvJtuIEyOUCVTNtqYCs5JAn8mptGoEgmNwTHt072sfu6gbw5uDuRVFpI2tFpJ35eeCKKpTTpzAIDsCXAkmGCs2mecCRYD2wAKmZJLMKjaNRlTllsLsADuYg79bxh6wcAfDMdJAJGXWb09UiIjaZFwbYb1VmA1JmzpAsakkkGJ2+nlNt7kHFKoFketlu78JqDcymnYwws09QDgKaV20T3jwNIj1ZAZkkfGvYAWmy+dytntIUBzq1yG9XUEjQSUCzEnebGzdMFqUKkj/i4IFhUA0wBTv1Ju5M7kHqQKlQqk29bA2hnAAJINzHhG1h9JuAEKdZrfC1J0NP5MoHzmEQASPfH0YPl6hiWqE8NSwyyi9NSSdvnAgWnSPPFjI9nM9PjqZlGtPHE2iRa2/vHsOLVfsjXc1qw4Qp0vpmCSCbb8UT7MBndndoqkq+uob8RoqukQBFvlQT5DeAMXkzyMroiMvAWMppF1tM84i2/wDAidlRPw1e+n4+0SbWtv7DAxKnku6p1B3lR5U3qNqIhItbyn24C8owsIfThYgGo4z+yv2tgmBA/CH9lftbBAMEPhio6A/1/sMPh8ACvQ4G0BQ0GDAseXI/YfYcUXoZmDHq9zaQxsd9RAEnble+3LTIw5wVm5bK1wRrNFgW4uEjh3hbe3f3nFdMlm1ACtl53LFGBLaeImB8ssbRaPMY2wMLBGW+XzHFBoeEBJViJlbtzgQ0AHmPojmu8Vo10FDHh19BcAAAbCdyb+2BqxgGZyFOr+cUNHX22/26YDL7ysXvUyw4jwweLSonVN5B6bbScLMGqyiamWniEEalYMqhQbT4jeN+HrbRqdl0mklAZJJmbk78/M+9upmD9hUSZKAzEiTDREahN4gRO1+uKqgterqu2WG3Ik6SYDLEi+kwJ+KOl7fZ5ql5Y0CsGRTnUDqhdxtpEHzUYsN2ZSNiikW6zYlhJ3N2Jv1PXEqGQRCSigEgA3OyzpHsE2HKcQEfxr7G/hjJq9ouuhUVDNJW4nCnUYC26WPtJEbEjVfxL7G/hig9KgVTve7J7tbvHhEEb8tX14qE3aDktp7rSEBWXBZnIbh8QAAOjnzN8By/a1WGL06YAiCKqQSdIA3sSdUX5eeCJksqh0aU1LNjxNyJuZJPGvnxDE1ymWC2WjpIBtpghZiOviI+kjngK9btmqGju6cHu798vxiBHmd4j3HB6falQ700UyR+eQ/FBBMdWbTAnlvOHbLZYgCKREAC4i3h8sI5LLcJimI8JBA2IJgztIuNjJnc4Ct+O6gAPd02BiD3qLqJUsAAC0WBPiNhOCUe06xaDTpwSoGmqpNzc/OteLfTgtKjll4R3I3tK8hpPPeHI/xHrhHLZZApikoldJEbggLF97i/swVF8zmRtRRjYyKkDcyCDzgC8m52tiXrWY/UL4SfzoueKFmLbLf5xxaGdpxPeJvHiG/9DBDWX5S28x0/3GIio+Zr6iBREaSQ2sHigEDTaRMiZG304H63mLfAKbqCe8UW5mLxAm0npJ3xbOfpwT3iADnqHS/Pph2zaATrWJAnUIk8vbgKAzmagzl0Jiw70COHYmLibSB9GL9aTTaRB0mRvB07WwUGb7iMDzY4H/ZP2HAFA/of/OHwwGHwAh+cP7I+04MMC+Of2R9pxl5+qgdg71lB0jh1Abox0kbCwHKNTXuMBszhhjzVQIqgd9XOqI8RMEgXMxFptfeDeCWl3cKxrV9JaBq1rMX4pvsfK02sSEV6HCOMFSpVGFWvwrtBGruzPEH6kX23IJvgNR6SsS1av4hA4iNRZoAIMMJeNI3AUYo9HhycecoMk6BWryXHiDbg6YO3CeYG/K+LWS7VRBpLVmNzxqSbmTtaJJgDlAFhYNmcLFFO2kJAAeTJ8DbDc/1vym0iXt+mQTFS0zwHkJt1EDcW26iYjTGFinT7XQ/KnVp8LWJUty8hiH47p6Q3FBj4jSJBO0TsPs64Kv4WKH48p9Hv8w+XKP6v0MWsrmlqAlZiYuCNo6+3AO/iX2N/DGS1IkU2WnSYmkgBaAYKkETvFwAAPleWNZvGvsb+GMTM5cstOMutSKSXZ9M2soPK8dd9rzioI1SqSeGhcJMvdgJ0+Y4tj1k3M4ZsoREUqB4QCCfDOuSBtcNtPMiYMgVbs8jSVyaMeYFXwm4sIg2MzaxOHq5JyRqyaEAQCa3IrN5FzqMTfrOAnQypLANRy4YwGggnSG+vxMBb7YxE0GNOGpZcrrgiQQQQwvJgN3gVd73xCjkHVpGUUFSWB72TOqeHpYDf2QAJwjkCKbRlEDagdBqiCo16Sx5SCRzA1ReCMBPuW0z3FBiN4K3GkzEkCegJve43xIZBipmll5Gre4IYGZ6SyU5nz6YjUyDQdOXpOpKsvwh3CWZps1yb8wfpxBcmw1D1WnpZYMVQFeDMwTYD3ibHqBkypIE0aFg3MbwIE+exHs6xiJpHUoellwrG41CdQC7Tvwg8tgPYUuVmUOVp6blB3inUQFNvIkR9Anew2yLFATlqcjXPwpNwwCktPTUTMkRvOAnTyTBoFHLiAOcnTsAZuZvBPn7DJsuwEDL0SSWJGoRaNJPmSzWvHXmYVso2oN6mJEaT3gMFQop8IPvMiI3MnCPZJifVac8WpTUPEZWIMxeW36DAX6dWrphUp2IAhuEAKu/sMiPIYsVNRpNqADaGkD2HbFbs2kUZ9VAUwQGL6w2prhp5gQFP0npJuZr828fJb7MAVW64WEpwsQDnj/w/xxXzWUqMW01ik6YhFOmNU77zIPlA88G/Sf4f44oZ3MxVI9YCAaeDQDsNVyZsQb+Q5QSQIuTr/GzB3kQiz0vy+iOvlElyFUKB6w0g+Iqsxw26Twm5k8RxWbPI5ITMXqEaIHCBKggc5JVhM21EcsAqdpkyy5oadUQKWoixiY/YZpjY8hijcpIVUAtJgCTzgRJ9u+JkT54xDniGP5SOW9O3mPqnyHtnED2iQxb1pNJkhTTuJU6YM3+KY5j9qcBvA4acYL5pgHX1oalIDHuxILMFUgdJaOnPlOIpn2B1NnKcDcGmFAAci8mRuBPs2wg9CWwpOMMZszUHrMwywBTgpxgEHmQZA8r+3EKWbdgAubTcC9MGTJYg3F4BHLYmDiDfnD3xgJnDp480AH0ssJEAupgE7yODYeIWB3kmeI0k5pIM709xBA58iVJ9nnijdwxOMNc4XgDNICe6C/BwSQSH3Nw5KxYRBjfGrk6bqsVHDt106ffGIJVDxr/i+zGPmcpqCTQaqGpKpYOVI5xuI9oveMbFXxp9P2Yya+XBCTSqtNNBqRuFbHlMzfcA2OKA0cgBpb1Vw5DgjvWIiAN9WmGDt52nlheqWcHKkggWFTxQeUtbyPSbgmMS7uNsvmCCpB4hPKLMefOeQEg2gdSgAFHq+YIAbnJvDXnzEbzInocBOt2eo1RlCQGYTrILC4mN45+zaTEzXIrqJbLOG7sgfCE6op6Ah4o1FZGo2B5yZI85lU1Mvd5l+HcRDhxJnVANgRfblFsSr0QJUZeu2gmG1C+p1DaTJOyhri/MiZwVKp2eC8HKswfSS/efK8c3mBPLeDgVTIcPDljN9qxAndvYSbE7jeZjBloBRApV+NQCJEDjMTOxFzfcG4NhgNTLJB/J8wB0B3gzFj8Y+cGCTEjURJ8iAAgyjETIBc/MLQxNrou5Ex01QvxYirPqjybkCoZkERzmDAMDpthky6mdVCuIBNySGkxtuW2O3TeBiVGlIA7jMKQHI1MBuyghiJAnlEiAfI4KnVyxe75VmPOagk2AmxjZR9MbXIhUyAJZjlGLAqoBqSCvhJF4stNSJvxCYviFDLCyjL5hRwwSV4YPtIAsNp6WgYfI0FDpFHMDwyS3hJ0iH6wADIJt0iAF+n2DRZVLUyCQJGt522J1XiTvi5WpgUmA2CkAT5YWUyK050ljMbmYjp03/q2JZv8ANv8Ast9mICKMLEQPb9BP14WCB/pP8P8AHGTnszFcxVoqygKA68Q1iSASLzp2B5La0NrH85/h/wDdgOZ7kkrU7uTEhok65Ued9JH0YDMFcSxFbLpqYwQFkCdKEki7QFG1iNzpgvRzTSo7/Ly/hgeIatNupkkR1neCDoP3AJVlpjTBYFQANgDt5iDh1egCL0ZG3gkXLGOl5PvOKM+hmy0zWobAjhO7PYw15IkRvJX2kaZ12OnvcvJkpAnVAGqLRuwkb7nnC6hTLgi1EHl4PMCPrHvxGmuWHEooidN4W1hp9nIxgKKZwttWoXuQUINhJN7xqvJ5A+3FqllqpUkNSMgFGCCLyRtyusHoMFqPl7T3MkQJ0cht7ht5eWDjM01AGtFESBKgRePosfrwFHLZKusCaSKtgqqNhtFrCLx5DD0spXkEtRtGyefFp6Ei39Ri+c0gniWxg8QsTsD5+WI089Tbw1EPsYTb6fKcQVPU6smGpAEG4S/hOn6Ax9306o1sjWYXNExGnUmqCJgzAkieg3J5wL9DNo/hZW52M4LijOTKVww46ZXVJ4LgTsseXM853tGicLCxACp4k/xf9Jxk52hJU6cxeki6qTEbhrQBNp35Sp5Y16x409rf9OKn4vLhGFWoo0KAqmLwbnruOm3uCpQygOp1Ga1KQNLMy6jCm/UCY1X2bFSrqKA6M7KowsxDEDUTfTJJhdt5AExGNWr2Q0ECvV63ab3g8iB5CNhEYiOxHtOZrGPMC8EH6L+22+0VVerTHjIzQLM5K0zNxABYQN1iB0GBVlUT/wAYwBKmAWDQCD+14Yk+U740a3ZBZmPfVhqmQGgD2Rt/XO5dezCCp76qSu8kQ3GWGoReJj2YDOekAoEZ1g7g7klYJiZ2WWB6WB5XchZju80WRaulyWWYmwPPUY0gjpA5Y34woxKPOpRAUHTm1ksSASWJEXIO5k7jmOYvh2sQQueJQSBNiT7Tc2j2Ha5x6HCwHn9KkMdOaOuoJB1cOgg6tMcPLlJAGItp0qfy4ajsAQRDK3FG0lut+Icox6PDTijH7KYBhbMy7MD3gOkGNZbooPhB6288amc/Nv8Asn7MEnAs14H/AGW+w4gIpMYWGQSBhYIGfGP2W+0YoZtG1khaJPDdokTG/ObW/ZUcyReHj/w/+7FTNZalqdnpljAkwTIhbDkPCs7TF9sBTWq7iy5Yo7EkatQe1ifOwvfYfQ3qJhQtLLGRDKTOoArF7kxB3nliTPlrTRe820NNmi6zIE84+swWTMZdSGWjUDCIIRwYF7coufrxROlk6lmOXoAgWkCRcmLSBck84n3OmSqBAFo5cQSNPxdOkCBYdSP/AJJB17dUgHu6wsPiGRIJgxzsf6ImY7YUvp0VPCDOgxdS8dZAG3UwOeArPkXBhaNAoC2kG37N4Mcpt16CYVcnVaF7igVHUfFIM2mx1QY2PUb4NT9IUP6OrvfgJjmJj6uvKcFTtpTq4Ko0iSCh+UBbrv8AbgK9fs1ixPc0GDEGCJgwJ3F7z035YImTYFSaNEbzG44m2t0M+0nDJ6QqQD3VUTHxb7e3lt9B6GDfjddQUJUuVE6DA1AESeQGq/09MBWoUaytahRU6TxKdpbad+UxH04tJUzGoStPSTeCZAkTHUxP1YiO20+RV5TwG0kAe3xCw8+hxL8cLqRdFTjiDoMCTp4umxM7YC/hYyqfpApAJp1RIFtE78rbHryHWxw7+kCAxoqk6gPAebBZ6kCbkTHuxBerHiT2n/pOKqZJnVCKrL8GBAiJjxddUkc9rc8HWrqNM3AMkTvtz+vGZmWZQCtc0/gkt3etQSrnVe02+oXvgL9Xs9mLHvHBYCIMBLCYE3nTz2k9TiDdnVCGHfuNQsYEqQQZE+yI2ucUqGcIq0tWZPHB0NSK6wToUCfASxBsLxyGBjtRWVAmaZSPFqSSxsLzZZg2J+MD0xVab5Bz+nccMbLvJJM7yQY3tHLCbIVCPz77z4V20xG3UFvpxkt2lJZvXNK7waSwFLSAZvtC6j1EXONIZCveMyfL4ND9PSPZHL6YidfIVDBWuw2FwptNz7YH9XGJNkamkAVnBEyYW8kQIPQWH1zhJk6upyaxKtOldIGiSIvMmACOUzgVDsyqrqxzDMo3Ujf6ZwD1ezKhJIzDqCSQABaRA9w5bTeMEOQfUzd84DbLCwtwZH0CPp63L0+zyGBNRzEcyJjTvcjcGbXnyMipZCsAQ2YJMyD3a2u08yDZgPLSMBNsjV/XnxT4RYRsPKevLzviK9l1L/DvJm8AxM8p5E/UBEWwP8X5i/5TYz+iSxm0e/6hib9nVtSn1kgDloUTaD5b7SOntNUTLZCoramrM3VYsdx9B5mIE8oxZzHgb9lvsxTGSr3/ACjcfqlsZW9zGwIj503xczR4GHzT9mIJLsPZh8MhsP5YfBAj+c/w/wAf98Vcz2YlRydbq/DOh4MDYEdD9c4tz8IP2T9o/ljIz2b01X/MgwoJqVNJNrc+p8uXypFF2n2XExVrHUum7zG91tY335wMC/ECgGKtdQSWtU5kkk7b3M4x6mWpwwpjKlNWq1UmbMiFgG3IXTvyO8WC+XpiBpy11JB74wd4YDWAUm1ibna8grdp9gLyrZi1oFZoEWi20YIvY4A0irXHFqHwl7LpgT8W8xtMHGAcrSKgBMqSZkGqYI3XTJ8WuZ5iALTg9SjTJDKuWIpsqoTVIj4TUJkxOvVAPP2XDU/EqwR31e5j86bEtNujT9N8EpdjAMrd7XJUk3cxcyQbeE9OgGMQZakRqK5YzERXOk8XHeeXF9IHWBLKdnqzsEo5f4wMVSx0upVmKqb2LC8XkeeA1z2UFUq1evDQATVIM6WHCbGeKY6qvTCfsUML1a5Fx+cMG5seu8fRijQ7EKqfyeiCShIDvfSGBJPkGIHtJ+bgf4hYgTQo3sw11IUb24r35W2PXAaR7HWCO+r9T8KbW87jb7cWchQCLw1GcHbU2r3eVx9WMTK9kvOr1empuOKoxMS4tBiIa2xvJANgdux/C4oUg5C6+NwAQDOmDsDta4J2i4bwxF6gG5A359N/djzVbsByR8BRhQirxvIVSY5/JZh5TidP0emdWXoiVbZnsTxdZIL+zn04iN6p409rfZ/vig/bdGigFV9MU1YiGMLpa5IEfEb3YnkMuyBVZETjeArEi4mZPOZ/q2CUNOhAyEsqrM02NwI+T7ffgKtT0sygmayjTqmQ0rpZFabWg1F+gzsCQZO2suxJDCVFyUIgGLEkQJBBjpB2xY+D/V78u6bpA+L0Me/DqaYuEjlam20z8nrfAUG9KspIBqC8EDQ95YpbhvxCPpHUSdfSKgYh9ygHC19fgi2x67YKDS/Vnn+hb6fi4ZVoiT3dyZPwTXNrnh34RfyHTADr+keXQhWqAMdgQ0nj0SBFxrtIthf2ioR4zuR4H3Akjw7jpvJA3IwYtTvwG5JPwTb8yeHe++GC0rfB8gPzTcgRHh2gkfScBapVg6hlNiJG/TzviYwFawAAAIAgCEb+WF6wPnfut/LEBhhYEMyPnfut/LCOYHzv3W/lgC4HXXhb2H7MMc0vU+4/yxCpm0IN9weR6ezAFSIEnCwkFh7MLAD/AEn+H+OK1WvSNXQygsADJUG0dfoxZP5wfsn6iP54zO0TU7xo9Y0cMGnpPIyACQY84O56KVok2eyo7yycOnX8GflaV+LeDI5xgbZvJtTckIUpKC3wbCFm0QoJEjYT9eKdOtUuHGbMxbQCADeCQbmFjaOIb3JbMVKkTOeJiRFNZnSFOxAkmTp2kcuZV5MxlX+Ik69A+Dg6iuuBC9BvtaMNQ7XyZOkBOIi3dGJLQvxeZMjykmMAq94GdQc20IzCwCkhZgHeTaLG9rDd0rVLKTmwQ24QENOk7n4ogid4J+gLNXPZV1YEAgWMU2mGYLaBN2ja+J5XtTL6gEgFiQIQiTPOBztvjOGacgf8aevBcQoNxNgdtwZNiMEzXeABSc1AZgGSDqEiJiI8Bgc9XQxgL9H0hoMGIYnTE8LWnVp5c9B+qYnEV9JKBmHMAb6Hjcj5PUR7uuKgVySwfNgqQNOlZPhYsAbFeHTO/iA3uKmzoh0+tRJQKUFi6g6gNUwCTzBmfaQ0n9IKAUtrMBgp4WsYnp0E/wC9sMvpFQJgMZuRwPJhWYi43hTv1HUYzXrVNx67sZhEJbcwIeAeKNv4FTVC6a4ObYXUAJ1QMCDIJHDomx1NymcBpL2xSOuGnuxxQDGw2OzWPKRviv8A2my8A62jTM6KkRFvi7mdvbgOTzbLUIZc08wBqVIEk8Xinbf27cht8sEUqOeSqVKEkBmEkMtwvzgJHnti7OA1vEntYf5Tg2IFqw2rCwiMA4P9Th74UThsA84YtGEcNgHm/wDX1YUnCwsAtWFJwxwtOAcE4ecNhHAIjD4bD4CtWqhai6iBwvuY5p18sVMxlKFRtRqXMbVLWBAttz/q86U4fAYg7Hywn4TeJ+FiYUAGx3gC+4gYl+KsuY+EmP8AzAdh9f8AK21sbWGxRkN2ZQgA1WgaoHe/KIJJMydtp54kvZ2XjSH2mOMGJCiBPLgHuPIkHVBt78IYDIPZOXPxyf8A9p6EdecmfbiSdmZcLAawgga9oDKIvaNRxqMcOMBkr2TQBnWbf+Z0jf3D7NgAG/FeXhRrPBt8Jfeev9W6AjYnDMYjEGO/ZWX1au8IMttUA8bS23U/w6DEX7Ky53q2MW7xYkaYI6EaRtH1CNoYR3wGQ2Qy/wCsEgAau84oDMQJnaXP1dMEy2WoU2DLVuAVg1ARBM89zIF98aZH1YRwFZswjMgDKTJ2IPxT0xZwicMRgFhYacJT9v8ADAOMPGHwsA04WHAwwN8Axw5ww2w8XwCOGwpw+AaMPhRthR/HAKMPiDmw88LAf//Z"/>
+          <p:cNvSpPr>
+            <a:spLocks noChangeAspect="1" noChangeArrowheads="1"/>
+          </p:cNvSpPr>
+          <p:nvPr/>
+        </p:nvSpPr>
+        <p:spPr bwMode="auto">
+          <a:xfrm>
+            <a:off x="155575" y="-144463"/>
+            <a:ext cx="304800" cy="304801"/>
+          </a:xfrm>
+          <a:prstGeom prst="rect">
+            <a:avLst/>
+          </a:prstGeom>
+          <a:noFill/>
+          <a:extLst>
+            <a:ext uri="{909E8E84-426E-40DD-AFC4-6F175D3DCCD1}">
+              <a14:hiddenFill xmlns:a14="http://schemas.microsoft.com/office/drawing/2010/main">
+                <a:solidFill>
+                  <a:srgbClr val="FFFFFF"/>
+                </a:solidFill>
+              </a14:hiddenFill>
+            </a:ext>
+          </a:extLst>
+        </p:spPr>
+        <p:txBody>
+          <a:bodyPr vert="horz" wrap="square" lIns="91440" tIns="45720" rIns="91440" bIns="45720" numCol="1" anchor="t" anchorCtr="0" compatLnSpc="1">
+            <a:prstTxWarp prst="textNoShape">
+              <a:avLst/>
+            </a:prstTxWarp>
+          </a:bodyPr>
+          <a:lstStyle/>
+          <a:p>
             <a:endParaRPr lang="pt-BR"/>
+          </a:p>
+        </p:txBody>
+      </p:sp>
+      <p:sp>
+        <p:nvSpPr>
+          <p:cNvPr id="7" name="AutoShape 4" descr="data:image/jpeg;base64,/9j/4AAQSkZJRgABAQAAAQABAAD/2wCEAAkGBhQSERUUExQVFRQVFxcaGBgYGBgaGhgcGhccGhgcFx0aHSYfGxojGxgdIC8gJCcpLC0sHB4xNTAqNiYrLCkBCQoKDgwNFA8PFCkYFBgpKSkpKSkpKSkpKSkpKSkpKSkpKSkpKSkpKSkpKSkpKSkpKSkpKSkpKSkpKSkpKSkpKf/AABEIANwA5QMBIgACEQEDEQH/xAAcAAABBQEBAQAAAAAAAAAAAAADAAECBAUHBgj/xABOEAACAQIEAwQECAsGBAUFAAABAhEDIQAEEjEiQVEFEzJhBhRxkSNCUmKBobHSBxUkM0NTcpLB0fAWVYKi0+E0pLLURGOzwvEIJVSDw//EABYBAQEBAAAAAAAAAAAAAAAAAAABAv/EABYRAQEBAAAAAAAAAAAAAAAAAAARAf/aAAwDAQACEQMRAD8A63OFiNRyLaWbzEfxIxA1m/Vv/k+9jDAoGFpwIVz8h/8AJ97D96fkN/k+9gJ4U/ZiPen5De9fvYRqnkje9PvYCcYWB98fkOfpT72Eap/Vv70+/gCDC04Gap+Q3+T7+F37H9G/vp/fwBIwsC9YP6t/fT+/hd+w/Rv76f38AUHCjAu/P6t/en38P3p+Q3vT72AJzwt8Q1n5Df5PvYfvT8hvev3sBLDAYj3h+Q3+X72FrPyG/wAn3sBPCIwPvG+Qfev88MKp+Qfev88AU4YDEO+b5B96/wA8LvW+Qfev88AT34Y4h3rfIPvX+eG7xvkH3r/PAFwiI3xSztBqmjhI0OrfFMxyjVF5IvPXe+KOT7JqUwAIaKemSFkEAgMo1xJ1HV1gYo2h5Ywuz8/UPaOapO5amlLLvTWANOs1Q1xczoG/TBsj2Y9Mpd2VNpKzpAZVVjquAGBNrlQfZHJ9lVVz1XMMw01aaU9GgDStMsy8XeGTLtPCOW0XK2owsPhYiJYFmcwtNSzkKo3nb6+eDY8n6bZhNdKnVJ7pgZhoBJ2nrz2NrnzxVWG9PMsvES/d6tOvSdMxPtAm07Tjey2ZSoodCGU7EEHl5eWPI1OwafqcSIJ1BS1pV78yWJYi9r3JuBi76HZpS1RKZY041DUxa+oht+dr9cBv5vMimhdgxCgk6VZzAvZVBJ9gGMHsr8ImTzIc5d6tbuwC+jL12KzMWCTeDHsx6V1kR7ccX/8Apy3z3sy//wDXAdV7G9I8vm9XcVVdkMOl1dDJHGjgMtwRcDY4DU9LssudXIl/yhhIXSxHhLQWiAdILRP8Mcz/AAq127P7Xy2donSzpNULA7wUjxhuuqmQt+g6SPTv6V0/x9TyrZOiazIdGaDS4TumqCxpyNisauuEHse2O1qeVotWqE6FKg6QWYlmCKAouSWYCMXKbSAYIkTB3E8j548FnPT9a9LO1KWXp1U7OqKWWq7K7MjMdagIQoBUlSSTK7KQMS7V/CkU7Lo9o0svqWq5RqbPpZTLqYYAhhqToLEG22EHuK1YIrOxgKCxPQAEk+7GZ6NelGXz9I1csxdFcoZUqQwAJEHyIM+fXGB2X6cZvMCo34vNOj6oMxSqVHlKnCDoJUEDVxcywABK3gZfov8AhLy1PsmrmzlqeWp065ppRpFfhHKKwjhUSdRm1gpPKMIOlRhAY8PmfwjPlhkqmcpLToZ5QQyFvgCQjBauoAEQ9zaIaxjHuQuAye2/SfL5TSK1SHqGEpqrPUc/NRAWN+cRivnvTLL5dkXM95l+8MI9VIQmJgupKqYGzEY5p+DrOnO+kOZzFXiKJXNMGeALUWkoXkNKMf3vM46D+E7s9a3ZWaDCdFI1F8jT4gfqj2E4Dc7T7TpZei9as6pSQamc3AHKIuSZgASTIjHnaf4TcmS4Y1UKUPWBqTx0okMsE7/JaD5Y5RT7ar1vRqrTOh6dCsiMzO3eBS1NqQQaSCASy3YQAsA46D2RnKlDsBa70MvUCZZIQlj3tAKARUJThaJ4OJeU3kWEey7B7epZzLpmKJJpvMahBBUlSGHUERjQjHgOy/wiInZeVrU8vTSpmKvcUMuh0oG7woJIWyiJMDmOuNCj6VZlO0h2fWpozVaTVKVemjhBAJIqIzkwCCuoPuVsNVpBf9EvTnLdo996t3nwDhW1ppkNOllueE6WsYa1wLY9CMc29BfwhJVo9oVmytKiMqFquMuL1WYVC5aQJb4Pc4n2l+FKrRyeVzxpUnoZltBprrFSmRqkBjw1DwMJ0qDbkZwhHpu1fTXL5fNU8rVFQVaxTu4SVbU2gcQJjisZuPYRO/GOT/hRb/7z2QR+sp/XXT+eOtYDP/GqfKUxPxjy3mFtuDHmMIdrrwkFIcgKdRhidtJ0wdjtjI7+jcaCBq5qADrqFSfzsXZSSbTc3vhz2jQcpIPFUWJSwYgkE/CQq3M8iTzJGA2E7RBKgaSWAZQGJlTsfD4fPBqNfWARpKmbhp2t064wqWbpSmkNcaQSNLKFqrS0nVUDBZqqY2IIPTF7s3OIGSmqlA4ZgugKAQbqb2cw5gb6HPtDWK4bEpwsRDxjynpxVKhGNMkKw0sDYTZgQbamJUDnvBm2PW6cM9MEEESDuDsfbgrl79tENBiN9EGx/Z0+LTy2uD83Hp/Qcko7aSJqOrFiZhDCgC4kSwPOfdjfodk0lstNVAEQogRzAAtHli0qAAACAOmwHli0I7fbjif/ANOlYBs6CQOGgd94NWT9Yx1/tmoi0T3qLUQlFKsAVOtwl9UiJbptjCpZbJ1CAMhRuRZqVEEHhLSNJHAZkz8QxNpYPC+neTPbPa1HL5bjo5ZdNest0TW01Bq21aQAAJkki2knBu0QP7X5cC0UwI6fk1T+GPf5L0hTu17ukFUozhAQkRMAAgAE2gmNxygkLPlS7OcnTL8Tj4Je9Z1qaABKyH1QZJ52kAnBXM+0fTwZ+h2oKj+rrTQijl0BWpVYkgvXgamK6RKzpAY6gQJxT7Vqr/ZPLjUuoZlgRN5NWsbjfYT7MdkqjLoprUqFNxmFJdkRZqKVkF4WXUgid4mSIBxXo5bKA9wuUoKqMdINNFQzuV4SJZlYRz0E9Jobslwex6RmxySGfLuBfHDuzexqmY9HKzUl1Ghnu8dRvo9XVSwA3jVJ8gx5Y7smdpmmaYyylNUd2Auk3QzpKhYloBNiwItvhspn6FLSaWXFPvFpmRT7vxOo0vwAhlVw+kiYnaMBzb8JdYZ/JdkUMvx1sxpZUFyo7pVYtpnSFLX/AGW6HHZKSaVAmYAE+zAsp2bRplnpUqas92ZEVS1t2Ki9sWCMRHGcjkD2L261Wvw5TNd4iVjZF7wioqudlKsgW/K+wx7P8K3b6UezqtIEPWzS91Rpgyzl4VioEkgKSek6RuRj2VWiGBVgCDuCAQfaDvipkOwsvQJNHL0aRO5p00Qn26QJwo5F2l6KvkPRmste1WrVo1HSZ0TUQKntCrJ8y2PSNUB9FZkf8CBuNwsR7ZtjoGYySVI101eJjUqtE9JGIjs+mF0imgWZjQInaYiJjCq+fq2SqDsXs3OURrGSr1ywEnTqrh1Zo2WaYBt8YY7P6O+nmVzoT1d2ZmGp00maMb96fCt7C/F8WRcEyvagFQoMuEBdkJEAECpoBMLF4mCbSORBwn7WVVdUoACKhgiFOlC6EgLcOoF9gZEzAYOTfgo7c9Vy/bFdB3hpim6pyaDWE2+LcEkcsYvpl29632blsw9epUzLV37wDWtKgAG0U0VR3amACDdyCZMbd1o9oKASKCaprrpXc93V7tB4P0g4vIH4wvi6woPSQGkGpMAwXuWYXuJUKQD5Hni0co/CV2hSftbsdkqIy6qLSrAjScwsGQfCYMHyx2QYyc9mkRyO4VyCo2E3C3IK2UAxM76RztrUxwiRpsLdPL+GIjGQVS96badW/eVBbvACI124Jedj4YGBo1bWZpPp1VBIq1ASFHwZu/xjY2gb42/Vl+QvuGF6svyF9wwGKHrWmm48M/CVTHAS3x78QgW2IxrUsuu4L+xnc+8FsEGWX5K+4fyw4y6j4oH0DAPMYWHjCxBS7Sq6dPwbVCQ3hJAECQDHXYYr06sgnuag23apaTHFb6bT5xjSqZiCRpJgAmCsXmJkj5OGGbHQ+9PvYoyzWN/gH3YeKr8USt9PxuuwNje2D5biKzSYAxcmpzXVsQCImLxeRi4M15H3p97DeufNPvp/fxADNppTUtIs0gaZuRNyLkbXAMecYhXBVFY0QzHdVJaOlyB7eXTFr1v5rD/FT+/hzm/mN+9T+/gB5Aa0BenoMtwzyDED3iD9ODnLr0+3EBnPmN76f38N6381v3qf38BP1VSbqMZVOuxDEZYSAIUyJYqSVJ08IDaV1bESwtjTOZ+af3k+9hetfNPvT72KM2nWY39XAEtEiCRpJXlAkjTfr0gkhqNI+AAGlCZWSCZ1ARvED3+/QGa+afen3sN6z80+9fvYDMy+ZeAXy0baoWdKlTJAAJYhoEbxJiwk1dmE6aCtxEDhiQNN5i27X2MW3xcGb+af8v3sL1n5p96/ewGc2sMvwCQRJOg8JkiI9kR9MxaWdqomMujdAF0zveTI3ifKecDGpSzIJiCJBImLgQDsfPDJmNQBCsQRI8NxyN2wGVTq1iYOWQDURMcpENG+0nTz64m2uV/J6cGNXCDp4QeW51Ei20X3xp9+fkN70+9hvWD8hz5zT+9gM3M03DcGXpMvsAPiIty8MH3+QN3K5RSilqSKxUSNK2MSRgvrBj82/vT7+Ea5/Vv76f374giMjT/Vp+4P5Yf1Cn+rp/ur/LExmD+rf3pP/XhLUPyG96fewERkqf6tP3V/ljgf9sNWcOWAzBcVaik98VUldQiN1U+KxBGkWMkY773x+Q3vT72Kv4vpH/wyGfmUr+e+LiuM0HqxpfvCygaiM24PJdTiRp1HUbArwGJtiGWFXTx98TqJn1yqg0MSROlviqyr7UM76j2pclSG2XUf4KQ/jhvVaV4y6/uU/wChi0cUpu6IO+atqVQah9drjkJIAb5SsIHJlEzBwDs70pRc/QoD1nvPWaKEnNVmS9ZZsXhhBi4vceeO7DKoP0A/dQfxwiEF+6iLk6Vtzm2FFvThYbD4yij2hQV9auodXFJWVgCGVqjAhgdwQSMZVT0I7MG+Tyg3/R0xtc8umNrMHiM9aP8A6hxndpei6Vi+qpUAdaywNFhWRVeOEz4QRM3wFdvQTswGDk8pO0d2m9re2494wh6DdmCT6nlLHT+bSxmI9vKMXh6N0vWTmLl2klTpK6iKYD7SHC0gAZ2MGYEBb0UpkzrqD4c1wA1gxUpG3h0k26mekUAX0H7MYwMnkyd7U6dwDBPmJtiP9iuzLD1TJ3JA+Dp3I3AtcjFrsr0XTLuHp1Kg4dJUkFSNRbYi0TA6CeZJxLK+jSU6q1BUqFl1QDoAIaOE6VExp3MnrsICq3oP2Zf8jygi5+Dp2gwZta4jDf2K7Mv+SZOwk/BUrDeTaw88aI7ApCnUVQF1l+JVUEa3NQgWiNRmIwLL+jSItRQ7kVRxTFjvqEAAGb2gDlAAgM4+h3ZUx6tkwb27uj/LpGJD0J7LifVspHXu6PSenS/sxYzPodTqUXovUqMrirLEqW+FpPRYzETFQtt4vdgdb0Hou5ctU1EkyNO5omjquPFotO9hywEf7F9mf/jZO0T8FQ3baeHnyw7+hXZomcrkxABM0qFpiJ4LDDL6DUQCA9QSoUzoawpNSgBlKjgc7DePObPaXoklZyxqVFJKMNOixRqJF9Oq/cKCJ5tzggAN6D9nAwcplJkW7mhz2+Jzgx/thU/Qns5vDlcobTajQNtpsm1jfFnPei1KtWNVtQY9xMQJ7k1CJMSdQqlTM2AAjC7I9FqeXqd4jOToZYYgjjcOx2ncDntEzAgD9l5JKQp06aKiL3wVVVVUfCDYKAB123xSziLpoMyBiKYiaopi+nUCDZgQATv4RjTy44h7a3/qYyu0BCUr0JFNYFUMRMDT4fP6gfMgBVPik0KZKr3YmukqvhJBAEG5EjkCLTiNLJ95q10ygCyWXMKYOxgKABe8kAb2tGKxCcjkwLSdNSSYJg2sYjaCPqxa74ItRT6r3hImDUAkEF+8m9lLMDNoPTBQ8tOpWWjzVh+VL08J5nnawgxsMFyuVBAWrSKpZgWrhoYB0GkWMAMTqsLSNhivWVNVM/kugEgkd4ALQwK6gHuTAMjnY4nmXZ9YdsrqQEOZrgoPjFWBmxeBERtPDYGq0hHeGhDtYhcwNW/hMDYFmtygzviVXKkqfgSRtIzY3ZQbGN5JF42tvgebqICoQZUGBc943wkkniUSFgq3I36YtZaCVpj1YpJYqO8E6QYIkxIYATzAP0A5pKCjd3x3UoK68KhSq72JIYCORbzMhpZU2PcEDSv/AIlRIhtIjTB2ETY6ugxBkpjSD6mCFWZWpvpjhEyFsN+hwwr6y0nKFiVN1qG4XTTuLMwkrY8wOeAc5IzelMGROYWxhtTAwWiKhBBsBPyjN3J9nrWJ10ym5la+otbu5YrtwqsXmdXS9SEMGl6oFIMq2s8ScVQiIkaWBvtJ6mS5XPimPg3yoLbkd5BOokcyfCffPLAbeSyK050zxaZk9BAgbD6MEzf5t/2W+w4zMn20L95VoEAEjuw8/KuDNtN/oJ5GL9Ssr0WZSCpVoI22I+0YIsjCw6DywsQU83lu87ynqZNSJxJp1LxPBXUpWQRIkHGOfQ1/7x7Q/fy3/b49APGT81ftfBMFebHoe/8AeOf/AHst/wBviQ9D6n945/8Aey3/AG+PQkxjPHpBS06pblbQwN/aIiLzMQCcBnn0Tq/3lnvflv8At8MPROt/eWe/5b/QxpDt6gW094JvyNojlvznbr0OHftulLqGJZIlQL3IURNvE0b8j7cUZn9k639557/lv9DC/snX/vPO+7K/6GIrWAAAzhAEzKEyApJK6iTHO8+62CZauLU1zbFiVKkruCCgWZ1ET8YmdrkmcAM+iNf+889/y3+jh/7J1/7zzvuy3+hiWUzwlZzL8m0sgupUkTE9QfKNgIib1pQFc2SVRCeGz6gxUmBIkdLgCbG+Ah/ZfMf3lnP3cr/o4f8As1mP7yzVvmZb/RwhW5nNsNJVWAS86WIBF4Ju0gcuURiVTMqrHVm25MAVMAQpF1AkGRzvJG84BD0dzH94Zj6Uofwp4c+j+Y5doV/3KP3MV6WaBIPrbNplbU2vIDS42BGggeyDPEDf7OzCtWJXMGoHDMECmIJUAqxsQIgRYyTgLGSyxp92rOahAqS5ABJLKZIURz6Yz89V0rSOsoRTW/dK4gRMk3F458upGNpl+ET9l/tX+WMfOUSy0gFrMppQQj6R8WzDYyJ3P8wRnU6xHCK7EjSZ9VXnCk/NBiBYCxF7Ys5mvxalq1FDDUPgFbxIDBO8m3TpheruwaRnFOkkHvd/Daw8zy5HmcKtQqaFhc1qBf8ASAG7WloMiHJX9kcr4KressZ+EdSxF/VqZgkADVvJtuIEyOUCVTNtqYCs5JAn8mptGoEgmNwTHt072sfu6gbw5uDuRVFpI2tFpJ35eeCKKpTTpzAIDsCXAkmGCs2mecCRYD2wAKmZJLMKjaNRlTllsLsADuYg79bxh6wcAfDMdJAJGXWb09UiIjaZFwbYb1VmA1JmzpAsakkkGJ2+nlNt7kHFKoFketlu78JqDcymnYwws09QDgKaV20T3jwNIj1ZAZkkfGvYAWmy+dytntIUBzq1yG9XUEjQSUCzEnebGzdMFqUKkj/i4IFhUA0wBTv1Ju5M7kHqQKlQqk29bA2hnAAJINzHhG1h9JuAEKdZrfC1J0NP5MoHzmEQASPfH0YPl6hiWqE8NSwyyi9NSSdvnAgWnSPPFjI9nM9PjqZlGtPHE2iRa2/vHsOLVfsjXc1qw4Qp0vpmCSCbb8UT7MBndndoqkq+uob8RoqukQBFvlQT5DeAMXkzyMroiMvAWMppF1tM84i2/wDAidlRPw1e+n4+0SbWtv7DAxKnku6p1B3lR5U3qNqIhItbyn24C8owsIfThYgGo4z+yv2tgmBA/CH9lftbBAMEPhio6A/1/sMPh8ACvQ4G0BQ0GDAseXI/YfYcUXoZmDHq9zaQxsd9RAEnble+3LTIw5wVm5bK1wRrNFgW4uEjh3hbe3f3nFdMlm1ACtl53LFGBLaeImB8ssbRaPMY2wMLBGW+XzHFBoeEBJViJlbtzgQ0AHmPojmu8Vo10FDHh19BcAAAbCdyb+2BqxgGZyFOr+cUNHX22/26YDL7ysXvUyw4jwweLSonVN5B6bbScLMGqyiamWniEEalYMqhQbT4jeN+HrbRqdl0mklAZJJmbk78/M+9upmD9hUSZKAzEiTDREahN4gRO1+uKqgterqu2WG3Ik6SYDLEi+kwJ+KOl7fZ5ql5Y0CsGRTnUDqhdxtpEHzUYsN2ZSNiikW6zYlhJ3N2Jv1PXEqGQRCSigEgA3OyzpHsE2HKcQEfxr7G/hjJq9ouuhUVDNJW4nCnUYC26WPtJEbEjVfxL7G/hig9KgVTve7J7tbvHhEEb8tX14qE3aDktp7rSEBWXBZnIbh8QAAOjnzN8By/a1WGL06YAiCKqQSdIA3sSdUX5eeCJksqh0aU1LNjxNyJuZJPGvnxDE1ymWC2WjpIBtpghZiOviI+kjngK9btmqGju6cHu798vxiBHmd4j3HB6falQ700UyR+eQ/FBBMdWbTAnlvOHbLZYgCKREAC4i3h8sI5LLcJimI8JBA2IJgztIuNjJnc4Ct+O6gAPd02BiD3qLqJUsAAC0WBPiNhOCUe06xaDTpwSoGmqpNzc/OteLfTgtKjll4R3I3tK8hpPPeHI/xHrhHLZZApikoldJEbggLF97i/swVF8zmRtRRjYyKkDcyCDzgC8m52tiXrWY/UL4SfzoueKFmLbLf5xxaGdpxPeJvHiG/9DBDWX5S28x0/3GIio+Zr6iBREaSQ2sHigEDTaRMiZG304H63mLfAKbqCe8UW5mLxAm0npJ3xbOfpwT3iADnqHS/Pph2zaATrWJAnUIk8vbgKAzmagzl0Jiw70COHYmLibSB9GL9aTTaRB0mRvB07WwUGb7iMDzY4H/ZP2HAFA/of/OHwwGHwAh+cP7I+04MMC+Of2R9pxl5+qgdg71lB0jh1Abox0kbCwHKNTXuMBszhhjzVQIqgd9XOqI8RMEgXMxFptfeDeCWl3cKxrV9JaBq1rMX4pvsfK02sSEV6HCOMFSpVGFWvwrtBGruzPEH6kX23IJvgNR6SsS1av4hA4iNRZoAIMMJeNI3AUYo9HhycecoMk6BWryXHiDbg6YO3CeYG/K+LWS7VRBpLVmNzxqSbmTtaJJgDlAFhYNmcLFFO2kJAAeTJ8DbDc/1vym0iXt+mQTFS0zwHkJt1EDcW26iYjTGFinT7XQ/KnVp8LWJUty8hiH47p6Q3FBj4jSJBO0TsPs64Kv4WKH48p9Hv8w+XKP6v0MWsrmlqAlZiYuCNo6+3AO/iX2N/DGS1IkU2WnSYmkgBaAYKkETvFwAAPleWNZvGvsb+GMTM5cstOMutSKSXZ9M2soPK8dd9rzioI1SqSeGhcJMvdgJ0+Y4tj1k3M4ZsoREUqB4QCCfDOuSBtcNtPMiYMgVbs8jSVyaMeYFXwm4sIg2MzaxOHq5JyRqyaEAQCa3IrN5FzqMTfrOAnQypLANRy4YwGggnSG+vxMBb7YxE0GNOGpZcrrgiQQQQwvJgN3gVd73xCjkHVpGUUFSWB72TOqeHpYDf2QAJwjkCKbRlEDagdBqiCo16Sx5SCRzA1ReCMBPuW0z3FBiN4K3GkzEkCegJve43xIZBipmll5Gre4IYGZ6SyU5nz6YjUyDQdOXpOpKsvwh3CWZps1yb8wfpxBcmw1D1WnpZYMVQFeDMwTYD3ibHqBkypIE0aFg3MbwIE+exHs6xiJpHUoellwrG41CdQC7Tvwg8tgPYUuVmUOVp6blB3inUQFNvIkR9Anew2yLFATlqcjXPwpNwwCktPTUTMkRvOAnTyTBoFHLiAOcnTsAZuZvBPn7DJsuwEDL0SSWJGoRaNJPmSzWvHXmYVso2oN6mJEaT3gMFQop8IPvMiI3MnCPZJifVac8WpTUPEZWIMxeW36DAX6dWrphUp2IAhuEAKu/sMiPIYsVNRpNqADaGkD2HbFbs2kUZ9VAUwQGL6w2prhp5gQFP0npJuZr828fJb7MAVW64WEpwsQDnj/w/xxXzWUqMW01ik6YhFOmNU77zIPlA88G/Sf4f44oZ3MxVI9YCAaeDQDsNVyZsQb+Q5QSQIuTr/GzB3kQiz0vy+iOvlElyFUKB6w0g+Iqsxw26Twm5k8RxWbPI5ITMXqEaIHCBKggc5JVhM21EcsAqdpkyy5oadUQKWoixiY/YZpjY8hijcpIVUAtJgCTzgRJ9u+JkT54xDniGP5SOW9O3mPqnyHtnED2iQxb1pNJkhTTuJU6YM3+KY5j9qcBvA4acYL5pgHX1oalIDHuxILMFUgdJaOnPlOIpn2B1NnKcDcGmFAAci8mRuBPs2wg9CWwpOMMZszUHrMwywBTgpxgEHmQZA8r+3EKWbdgAubTcC9MGTJYg3F4BHLYmDiDfnD3xgJnDp480AH0ssJEAupgE7yODYeIWB3kmeI0k5pIM709xBA58iVJ9nnijdwxOMNc4XgDNICe6C/BwSQSH3Nw5KxYRBjfGrk6bqsVHDt106ffGIJVDxr/i+zGPmcpqCTQaqGpKpYOVI5xuI9oveMbFXxp9P2Yya+XBCTSqtNNBqRuFbHlMzfcA2OKA0cgBpb1Vw5DgjvWIiAN9WmGDt52nlheqWcHKkggWFTxQeUtbyPSbgmMS7uNsvmCCpB4hPKLMefOeQEg2gdSgAFHq+YIAbnJvDXnzEbzInocBOt2eo1RlCQGYTrILC4mN45+zaTEzXIrqJbLOG7sgfCE6op6Ah4o1FZGo2B5yZI85lU1Mvd5l+HcRDhxJnVANgRfblFsSr0QJUZeu2gmG1C+p1DaTJOyhri/MiZwVKp2eC8HKswfSS/efK8c3mBPLeDgVTIcPDljN9qxAndvYSbE7jeZjBloBRApV+NQCJEDjMTOxFzfcG4NhgNTLJB/J8wB0B3gzFj8Y+cGCTEjURJ8iAAgyjETIBc/MLQxNrou5Ex01QvxYirPqjybkCoZkERzmDAMDpthky6mdVCuIBNySGkxtuW2O3TeBiVGlIA7jMKQHI1MBuyghiJAnlEiAfI4KnVyxe75VmPOagk2AmxjZR9MbXIhUyAJZjlGLAqoBqSCvhJF4stNSJvxCYviFDLCyjL5hRwwSV4YPtIAsNp6WgYfI0FDpFHMDwyS3hJ0iH6wADIJt0iAF+n2DRZVLUyCQJGt522J1XiTvi5WpgUmA2CkAT5YWUyK050ljMbmYjp03/q2JZv8ANv8Ast9mICKMLEQPb9BP14WCB/pP8P8AHGTnszFcxVoqygKA68Q1iSASLzp2B5La0NrH85/h/wDdgOZ7kkrU7uTEhok65Ued9JH0YDMFcSxFbLpqYwQFkCdKEki7QFG1iNzpgvRzTSo7/Ly/hgeIatNupkkR1neCDoP3AJVlpjTBYFQANgDt5iDh1egCL0ZG3gkXLGOl5PvOKM+hmy0zWobAjhO7PYw15IkRvJX2kaZ12OnvcvJkpAnVAGqLRuwkb7nnC6hTLgi1EHl4PMCPrHvxGmuWHEooidN4W1hp9nIxgKKZwttWoXuQUINhJN7xqvJ5A+3FqllqpUkNSMgFGCCLyRtyusHoMFqPl7T3MkQJ0cht7ht5eWDjM01AGtFESBKgRePosfrwFHLZKusCaSKtgqqNhtFrCLx5DD0spXkEtRtGyefFp6Ei39Ri+c0gniWxg8QsTsD5+WI089Tbw1EPsYTb6fKcQVPU6smGpAEG4S/hOn6Ax9306o1sjWYXNExGnUmqCJgzAkieg3J5wL9DNo/hZW52M4LijOTKVww46ZXVJ4LgTsseXM853tGicLCxACp4k/xf9Jxk52hJU6cxeki6qTEbhrQBNp35Sp5Y16x409rf9OKn4vLhGFWoo0KAqmLwbnruOm3uCpQygOp1Ga1KQNLMy6jCm/UCY1X2bFSrqKA6M7KowsxDEDUTfTJJhdt5AExGNWr2Q0ECvV63ab3g8iB5CNhEYiOxHtOZrGPMC8EH6L+22+0VVerTHjIzQLM5K0zNxABYQN1iB0GBVlUT/wAYwBKmAWDQCD+14Yk+U740a3ZBZmPfVhqmQGgD2Rt/XO5dezCCp76qSu8kQ3GWGoReJj2YDOekAoEZ1g7g7klYJiZ2WWB6WB5XchZju80WRaulyWWYmwPPUY0gjpA5Y34woxKPOpRAUHTm1ksSASWJEXIO5k7jmOYvh2sQQueJQSBNiT7Tc2j2Ha5x6HCwHn9KkMdOaOuoJB1cOgg6tMcPLlJAGItp0qfy4ajsAQRDK3FG0lut+Icox6PDTijH7KYBhbMy7MD3gOkGNZbooPhB6288amc/Nv8Asn7MEnAs14H/AGW+w4gIpMYWGQSBhYIGfGP2W+0YoZtG1khaJPDdokTG/ObW/ZUcyReHj/w/+7FTNZalqdnpljAkwTIhbDkPCs7TF9sBTWq7iy5Yo7EkatQe1ifOwvfYfQ3qJhQtLLGRDKTOoArF7kxB3nliTPlrTRe820NNmi6zIE84+swWTMZdSGWjUDCIIRwYF7coufrxROlk6lmOXoAgWkCRcmLSBck84n3OmSqBAFo5cQSNPxdOkCBYdSP/AJJB17dUgHu6wsPiGRIJgxzsf6ImY7YUvp0VPCDOgxdS8dZAG3UwOeArPkXBhaNAoC2kG37N4Mcpt16CYVcnVaF7igVHUfFIM2mx1QY2PUb4NT9IUP6OrvfgJjmJj6uvKcFTtpTq4Ko0iSCh+UBbrv8AbgK9fs1ixPc0GDEGCJgwJ3F7z035YImTYFSaNEbzG44m2t0M+0nDJ6QqQD3VUTHxb7e3lt9B6GDfjddQUJUuVE6DA1AESeQGq/09MBWoUaytahRU6TxKdpbad+UxH04tJUzGoStPSTeCZAkTHUxP1YiO20+RV5TwG0kAe3xCw8+hxL8cLqRdFTjiDoMCTp4umxM7YC/hYyqfpApAJp1RIFtE78rbHryHWxw7+kCAxoqk6gPAebBZ6kCbkTHuxBerHiT2n/pOKqZJnVCKrL8GBAiJjxddUkc9rc8HWrqNM3AMkTvtz+vGZmWZQCtc0/gkt3etQSrnVe02+oXvgL9Xs9mLHvHBYCIMBLCYE3nTz2k9TiDdnVCGHfuNQsYEqQQZE+yI2ucUqGcIq0tWZPHB0NSK6wToUCfASxBsLxyGBjtRWVAmaZSPFqSSxsLzZZg2J+MD0xVab5Bz+nccMbLvJJM7yQY3tHLCbIVCPz77z4V20xG3UFvpxkt2lJZvXNK7waSwFLSAZvtC6j1EXONIZCveMyfL4ND9PSPZHL6YidfIVDBWuw2FwptNz7YH9XGJNkamkAVnBEyYW8kQIPQWH1zhJk6upyaxKtOldIGiSIvMmACOUzgVDsyqrqxzDMo3Ujf6ZwD1ezKhJIzDqCSQABaRA9w5bTeMEOQfUzd84DbLCwtwZH0CPp63L0+zyGBNRzEcyJjTvcjcGbXnyMipZCsAQ2YJMyD3a2u08yDZgPLSMBNsjV/XnxT4RYRsPKevLzviK9l1L/DvJm8AxM8p5E/UBEWwP8X5i/5TYz+iSxm0e/6hib9nVtSn1kgDloUTaD5b7SOntNUTLZCoramrM3VYsdx9B5mIE8oxZzHgb9lvsxTGSr3/ACjcfqlsZW9zGwIj503xczR4GHzT9mIJLsPZh8MhsP5YfBAj+c/w/wAf98Vcz2YlRydbq/DOh4MDYEdD9c4tz8IP2T9o/ljIz2b01X/MgwoJqVNJNrc+p8uXypFF2n2XExVrHUum7zG91tY335wMC/ECgGKtdQSWtU5kkk7b3M4x6mWpwwpjKlNWq1UmbMiFgG3IXTvyO8WC+XpiBpy11JB74wd4YDWAUm1ibna8grdp9gLyrZi1oFZoEWi20YIvY4A0irXHFqHwl7LpgT8W8xtMHGAcrSKgBMqSZkGqYI3XTJ8WuZ5iALTg9SjTJDKuWIpsqoTVIj4TUJkxOvVAPP2XDU/EqwR31e5j86bEtNujT9N8EpdjAMrd7XJUk3cxcyQbeE9OgGMQZakRqK5YzERXOk8XHeeXF9IHWBLKdnqzsEo5f4wMVSx0upVmKqb2LC8XkeeA1z2UFUq1evDQATVIM6WHCbGeKY6qvTCfsUML1a5Fx+cMG5seu8fRijQ7EKqfyeiCShIDvfSGBJPkGIHtJ+bgf4hYgTQo3sw11IUb24r35W2PXAaR7HWCO+r9T8KbW87jb7cWchQCLw1GcHbU2r3eVx9WMTK9kvOr1empuOKoxMS4tBiIa2xvJANgdux/C4oUg5C6+NwAQDOmDsDta4J2i4bwxF6gG5A359N/djzVbsByR8BRhQirxvIVSY5/JZh5TidP0emdWXoiVbZnsTxdZIL+zn04iN6p409rfZ/vig/bdGigFV9MU1YiGMLpa5IEfEb3YnkMuyBVZETjeArEi4mZPOZ/q2CUNOhAyEsqrM02NwI+T7ffgKtT0sygmayjTqmQ0rpZFabWg1F+gzsCQZO2suxJDCVFyUIgGLEkQJBBjpB2xY+D/V78u6bpA+L0Me/DqaYuEjlam20z8nrfAUG9KspIBqC8EDQ95YpbhvxCPpHUSdfSKgYh9ygHC19fgi2x67YKDS/Vnn+hb6fi4ZVoiT3dyZPwTXNrnh34RfyHTADr+keXQhWqAMdgQ0nj0SBFxrtIthf2ioR4zuR4H3Akjw7jpvJA3IwYtTvwG5JPwTb8yeHe++GC0rfB8gPzTcgRHh2gkfScBapVg6hlNiJG/TzviYwFawAAAIAgCEb+WF6wPnfut/LEBhhYEMyPnfut/LCOYHzv3W/lgC4HXXhb2H7MMc0vU+4/yxCpm0IN9weR6ezAFSIEnCwkFh7MLAD/AEn+H+OK1WvSNXQygsADJUG0dfoxZP5wfsn6iP54zO0TU7xo9Y0cMGnpPIyACQY84O56KVok2eyo7yycOnX8GflaV+LeDI5xgbZvJtTckIUpKC3wbCFm0QoJEjYT9eKdOtUuHGbMxbQCADeCQbmFjaOIb3JbMVKkTOeJiRFNZnSFOxAkmTp2kcuZV5MxlX+Ik69A+Dg6iuuBC9BvtaMNQ7XyZOkBOIi3dGJLQvxeZMjykmMAq94GdQc20IzCwCkhZgHeTaLG9rDd0rVLKTmwQ24QENOk7n4ogid4J+gLNXPZV1YEAgWMU2mGYLaBN2ja+J5XtTL6gEgFiQIQiTPOBztvjOGacgf8aevBcQoNxNgdtwZNiMEzXeABSc1AZgGSDqEiJiI8Bgc9XQxgL9H0hoMGIYnTE8LWnVp5c9B+qYnEV9JKBmHMAb6Hjcj5PUR7uuKgVySwfNgqQNOlZPhYsAbFeHTO/iA3uKmzoh0+tRJQKUFi6g6gNUwCTzBmfaQ0n9IKAUtrMBgp4WsYnp0E/wC9sMvpFQJgMZuRwPJhWYi43hTv1HUYzXrVNx67sZhEJbcwIeAeKNv4FTVC6a4ObYXUAJ1QMCDIJHDomx1NymcBpL2xSOuGnuxxQDGw2OzWPKRviv8A2my8A62jTM6KkRFvi7mdvbgOTzbLUIZc08wBqVIEk8Xinbf27cht8sEUqOeSqVKEkBmEkMtwvzgJHnti7OA1vEntYf5Tg2IFqw2rCwiMA4P9Th74UThsA84YtGEcNgHm/wDX1YUnCwsAtWFJwxwtOAcE4ecNhHAIjD4bD4CtWqhai6iBwvuY5p18sVMxlKFRtRqXMbVLWBAttz/q86U4fAYg7Hywn4TeJ+FiYUAGx3gC+4gYl+KsuY+EmP8AzAdh9f8AK21sbWGxRkN2ZQgA1WgaoHe/KIJJMydtp54kvZ2XjSH2mOMGJCiBPLgHuPIkHVBt78IYDIPZOXPxyf8A9p6EdecmfbiSdmZcLAawgga9oDKIvaNRxqMcOMBkr2TQBnWbf+Z0jf3D7NgAG/FeXhRrPBt8Jfeev9W6AjYnDMYjEGO/ZWX1au8IMttUA8bS23U/w6DEX7Ky53q2MW7xYkaYI6EaRtH1CNoYR3wGQ2Qy/wCsEgAau84oDMQJnaXP1dMEy2WoU2DLVuAVg1ARBM89zIF98aZH1YRwFZswjMgDKTJ2IPxT0xZwicMRgFhYacJT9v8ADAOMPGHwsA04WHAwwN8Axw5ww2w8XwCOGwpw+AaMPhRthR/HAKMPiDmw88LAf//Z"/>
+          <p:cNvSpPr>
+            <a:spLocks noChangeAspect="1" noChangeArrowheads="1"/>
+          </p:cNvSpPr>
+          <p:nvPr/>
+        </p:nvSpPr>
+        <p:spPr bwMode="auto">
+          <a:xfrm>
+            <a:off x="307975" y="7937"/>
+            <a:ext cx="304800" cy="304801"/>
+          </a:xfrm>
+          <a:prstGeom prst="rect">
+            <a:avLst/>
+          </a:prstGeom>
+          <a:noFill/>
+          <a:extLst>
+            <a:ext uri="{909E8E84-426E-40DD-AFC4-6F175D3DCCD1}">
+              <a14:hiddenFill xmlns:a14="http://schemas.microsoft.com/office/drawing/2010/main">
+                <a:solidFill>
+                  <a:srgbClr val="FFFFFF"/>
+                </a:solidFill>
+              </a14:hiddenFill>
+            </a:ext>
+          </a:extLst>
+        </p:spPr>
+        <p:txBody>
+          <a:bodyPr vert="horz" wrap="square" lIns="91440" tIns="45720" rIns="91440" bIns="45720" numCol="1" anchor="t" anchorCtr="0" compatLnSpc="1">
+            <a:prstTxWarp prst="textNoShape">
+              <a:avLst/>
+            </a:prstTxWarp>
+          </a:bodyPr>
+          <a:lstStyle/>
+          <a:p>
+            <a:endParaRPr lang="pt-BR"/>
+          </a:p>
+        </p:txBody>
+      </p:sp>
+      <p:sp>
+        <p:nvSpPr>
+          <p:cNvPr id="87" name="CaixaDeTexto 86"/>
+          <p:cNvSpPr txBox="1"/>
+          <p:nvPr/>
+        </p:nvSpPr>
+        <p:spPr>
+          <a:xfrm>
+            <a:off x="5115384" y="4636293"/>
+            <a:ext cx="3417056" cy="1384995"/>
+          </a:xfrm>
+          <a:prstGeom prst="rect">
+            <a:avLst/>
+          </a:prstGeom>
+          <a:solidFill>
+            <a:schemeClr val="bg1">
+              <a:lumMod val="95000"/>
+            </a:schemeClr>
+          </a:solidFill>
+          <a:ln>
+            <a:solidFill>
+              <a:schemeClr val="bg1">
+                <a:lumMod val="50000"/>
+              </a:schemeClr>
+            </a:solidFill>
+          </a:ln>
+        </p:spPr>
+        <p:txBody>
+          <a:bodyPr wrap="square" rtlCol="0">
+            <a:spAutoFit/>
+          </a:bodyPr>
+          <a:lstStyle/>
+          <a:p>
+            <a:r>
+              <a:rPr lang="pt-BR" sz="1200" dirty="0"/>
+              <a:t>PORTARIA INTERMINISTERIAL No- </a:t>
+            </a:r>
+            <a:r>
+              <a:rPr lang="pt-BR" sz="1200" dirty="0" smtClean="0"/>
+              <a:t>748,DE </a:t>
+            </a:r>
+            <a:r>
+              <a:rPr lang="pt-BR" sz="1200" dirty="0"/>
+              <a:t>19 DE OUTUBRO DE 2012</a:t>
+            </a:r>
+          </a:p>
+          <a:p>
+            <a:r>
+              <a:rPr lang="pt-BR" sz="1200" dirty="0"/>
+              <a:t>OS MINISTROS DE ESTADO DA CIÊNCIA, TECNOLOGIA E INOVAÇÃO, DO DESENVOLVIMENTO, INDÚSTRIA E</a:t>
+            </a:r>
+          </a:p>
+          <a:p>
+            <a:r>
+              <a:rPr lang="pt-BR" sz="1200" dirty="0"/>
+              <a:t>COMÉRCIO EXTERIOR e DA FAZENDA, no uso das </a:t>
+            </a:r>
+            <a:r>
+              <a:rPr lang="pt-BR" sz="1200" dirty="0" smtClean="0"/>
+              <a:t>atribuições resolvem</a:t>
+            </a:r>
+            <a:r>
+              <a:rPr lang="pt-BR" sz="1200" dirty="0"/>
+              <a:t>:</a:t>
+            </a:r>
+          </a:p>
+        </p:txBody>
+      </p:sp>
+      <p:sp>
+        <p:nvSpPr>
+          <p:cNvPr id="50" name="CaixaDeTexto 49"/>
+          <p:cNvSpPr txBox="1"/>
+          <p:nvPr/>
+        </p:nvSpPr>
+        <p:spPr>
+          <a:xfrm>
+            <a:off x="5115384" y="2852936"/>
+            <a:ext cx="3417056" cy="1384995"/>
+          </a:xfrm>
+          <a:prstGeom prst="rect">
+            <a:avLst/>
+          </a:prstGeom>
+          <a:solidFill>
+            <a:schemeClr val="bg1">
+              <a:lumMod val="95000"/>
+            </a:schemeClr>
+          </a:solidFill>
+          <a:ln>
+            <a:solidFill>
+              <a:schemeClr val="bg1">
+                <a:lumMod val="50000"/>
+              </a:schemeClr>
+            </a:solidFill>
+          </a:ln>
+        </p:spPr>
+        <p:txBody>
+          <a:bodyPr wrap="square" rtlCol="0">
+            <a:spAutoFit/>
+          </a:bodyPr>
+          <a:lstStyle/>
+          <a:p>
+            <a:r>
+              <a:rPr lang="pt-BR" sz="1200" dirty="0"/>
+              <a:t>ACÓRDÃO Nº 3052/2012 - TCU - Plenário</a:t>
+            </a:r>
+          </a:p>
+          <a:p>
+            <a:r>
+              <a:rPr lang="pt-BR" sz="1200" dirty="0"/>
+              <a:t>Os Ministros do Tribunal de Contas da União</a:t>
+            </a:r>
+            <a:r>
+              <a:rPr lang="pt-BR" sz="1200" dirty="0" smtClean="0"/>
+              <a:t>, </a:t>
+            </a:r>
+            <a:r>
+              <a:rPr lang="pt-BR" sz="1200" dirty="0"/>
+              <a:t>ACORDAM, em fazer as </a:t>
+            </a:r>
+            <a:r>
+              <a:rPr lang="pt-BR" sz="1200" dirty="0" smtClean="0"/>
+              <a:t>seguintes determinações:</a:t>
+            </a:r>
+            <a:endParaRPr lang="pt-BR" sz="1200" dirty="0"/>
+          </a:p>
+          <a:p>
+            <a:r>
+              <a:rPr lang="pt-BR" sz="1200" dirty="0" smtClean="0"/>
+              <a:t>1.7.9</a:t>
+            </a:r>
+            <a:r>
+              <a:rPr lang="pt-BR" sz="1200" dirty="0"/>
+              <a:t>. Dar ciência à Caixa Econômica Federal - MF:</a:t>
+            </a:r>
+          </a:p>
+          <a:p>
+            <a:r>
+              <a:rPr lang="pt-BR" sz="1200" dirty="0"/>
+              <a:t>1.7.9.1.da necessidade de condicionar a liberação dos recursos ao atendimento das condições de habilitação</a:t>
+            </a:r>
+          </a:p>
+        </p:txBody>
+      </p:sp>
+      <p:sp>
+        <p:nvSpPr>
+          <p:cNvPr id="51" name="CaixaDeTexto 50"/>
+          <p:cNvSpPr txBox="1"/>
+          <p:nvPr/>
+        </p:nvSpPr>
+        <p:spPr>
+          <a:xfrm>
+            <a:off x="640113" y="3933056"/>
+            <a:ext cx="3888432" cy="1569660"/>
+          </a:xfrm>
+          <a:prstGeom prst="rect">
+            <a:avLst/>
+          </a:prstGeom>
+          <a:solidFill>
+            <a:schemeClr val="bg1">
+              <a:lumMod val="95000"/>
+            </a:schemeClr>
+          </a:solidFill>
+          <a:ln>
+            <a:solidFill>
+              <a:schemeClr val="bg1">
+                <a:lumMod val="50000"/>
+              </a:schemeClr>
+            </a:solidFill>
+          </a:ln>
+        </p:spPr>
+        <p:txBody>
+          <a:bodyPr wrap="square" rtlCol="0">
+            <a:spAutoFit/>
+          </a:bodyPr>
+          <a:lstStyle/>
+          <a:p>
+            <a:r>
+              <a:rPr lang="pt-BR" sz="1200" dirty="0"/>
+              <a:t>PORTARIA Nº 529, DE 7 DE NOVEMBRO DE 2012</a:t>
+            </a:r>
+          </a:p>
+          <a:p>
+            <a:r>
+              <a:rPr lang="pt-BR" sz="1200" dirty="0"/>
+              <a:t>A MINISTRA DE ESTADO DO PLANEJAMENTO, ORÇAMENTO E GESTÃO, no uso de</a:t>
+            </a:r>
+          </a:p>
+          <a:p>
+            <a:r>
+              <a:rPr lang="pt-BR" sz="1200" dirty="0"/>
+              <a:t>suas </a:t>
+            </a:r>
+            <a:r>
+              <a:rPr lang="pt-BR" sz="1200" dirty="0" smtClean="0"/>
+              <a:t>atribuições resolve</a:t>
+            </a:r>
+            <a:r>
+              <a:rPr lang="pt-BR" sz="1200" dirty="0"/>
+              <a:t>:</a:t>
+            </a:r>
+          </a:p>
+          <a:p>
+            <a:r>
+              <a:rPr lang="pt-BR" sz="1200" dirty="0"/>
+              <a:t>Art. 1º Ficam distribuídas 7 (sete) Gratificações Temporárias das Unidades dos Sistemas Estruturadores da Administração Pública Federal - GSISTE, para o Ministério do Meio Ambiente, referentes aos </a:t>
+            </a:r>
+            <a:r>
+              <a:rPr lang="pt-BR" sz="1200" dirty="0" smtClean="0"/>
+              <a:t>...</a:t>
+            </a:r>
+            <a:endParaRPr lang="pt-BR" sz="1200" dirty="0"/>
+          </a:p>
+        </p:txBody>
+      </p:sp>
+      <p:pic>
+        <p:nvPicPr>
+          <p:cNvPr id="1026" name="Picture 2"/>
+          <p:cNvPicPr>
+            <a:picLocks noChangeAspect="1" noChangeArrowheads="1"/>
+          </p:cNvPicPr>
+          <p:nvPr/>
+        </p:nvPicPr>
+        <p:blipFill>
+          <a:blip r:embed="rId3">
+            <a:extLst>
+              <a:ext uri="{28A0092B-C50C-407E-A947-70E740481C1C}">
+                <a14:useLocalDpi xmlns:a14="http://schemas.microsoft.com/office/drawing/2010/main" val="0"/>
+              </a:ext>
+            </a:extLst>
+          </a:blip>
+          <a:srcRect/>
+          <a:stretch>
+            <a:fillRect/>
+          </a:stretch>
+        </p:blipFill>
+        <p:spPr bwMode="auto">
+          <a:xfrm>
+            <a:off x="1619672" y="464122"/>
+            <a:ext cx="6501236" cy="1236686"/>
+          </a:xfrm>
+          <a:prstGeom prst="rect">
+            <a:avLst/>
+          </a:prstGeom>
+          <a:noFill/>
+          <a:ln>
+            <a:noFill/>
+          </a:ln>
+          <a:effectLst/>
+          <a:extLst>
+            <a:ext uri="{909E8E84-426E-40DD-AFC4-6F175D3DCCD1}">
+              <a14:hiddenFill xmlns:a14="http://schemas.microsoft.com/office/drawing/2010/main">
+                <a:solidFill>
+                  <a:schemeClr val="accent1"/>
+                </a:solidFill>
+              </a14:hiddenFill>
+            </a:ext>
+            <a:ext uri="{91240B29-F687-4F45-9708-019B960494DF}">
+              <a14:hiddenLine xmlns:a14="http://schemas.microsoft.com/office/drawing/2010/main" w="9525">
+                <a:solidFill>
+                  <a:schemeClr val="tx1"/>
+                </a:solidFill>
+                <a:miter lim="800000"/>
+                <a:headEnd/>
+                <a:tailEnd/>
+              </a14:hiddenLine>
+            </a:ext>
+            <a:ext uri="{AF507438-7753-43E0-B8FC-AC1667EBCBE1}">
+              <a14:hiddenEffects xmlns:a14="http://schemas.microsoft.com/office/drawing/2010/main">
+                <a:effectLst>
+                  <a:outerShdw dist="35921" dir="2700000" algn="ctr" rotWithShape="0">
+                    <a:schemeClr val="bg2"/>
+                  </a:outerShdw>
+                </a:effectLst>
+              </a14:hiddenEffects>
+            </a:ext>
+          </a:extLst>
+        </p:spPr>
+      </p:pic>
+      <p:sp>
+        <p:nvSpPr>
+          <p:cNvPr id="8" name="CaixaDeTexto 7"/>
+          <p:cNvSpPr txBox="1"/>
+          <p:nvPr/>
+        </p:nvSpPr>
+        <p:spPr>
+          <a:xfrm>
+            <a:off x="604535" y="2276872"/>
+            <a:ext cx="4375767" cy="1200329"/>
+          </a:xfrm>
+          <a:prstGeom prst="rect">
+            <a:avLst/>
+          </a:prstGeom>
+          <a:noFill/>
+        </p:spPr>
+        <p:txBody>
+          <a:bodyPr wrap="square" rtlCol="0">
+            <a:spAutoFit/>
+          </a:bodyPr>
+          <a:lstStyle/>
+          <a:p>
+            <a:r>
+              <a:rPr lang="pt-BR" sz="2400" dirty="0" smtClean="0"/>
+              <a:t>Exemplos de decisões publicadas no D.O.U. que dificilmente foram tomadas unilateralmente.</a:t>
+            </a:r>
+            <a:endParaRPr lang="pt-BR" sz="2400" dirty="0"/>
           </a:p>
         </p:txBody>
       </p:sp>
     </p:spTree>
     <p:extLst>
       <p:ext uri="{BB962C8B-B14F-4D97-AF65-F5344CB8AC3E}">
-        <p14:creationId xmlns:p14="http://schemas.microsoft.com/office/powerpoint/2010/main" val="2177427247"/>
+        <p14:creationId xmlns:p14="http://schemas.microsoft.com/office/powerpoint/2010/main" val="3154152639"/>
       </p:ext>
     </p:extLst>
   </p:cSld>
@@ -15004,38 +19325,22 @@
         <p:spPr/>
         <p:txBody>
           <a:bodyPr>
-            <a:normAutofit fontScale="85000" lnSpcReduction="20000"/>
+            <a:normAutofit/>
           </a:bodyPr>
           <a:lstStyle/>
           <a:p>
             <a:r>
-              <a:rPr lang="pt-BR" dirty="0"/>
-              <a:t>Como analisar a comunicação da informação entre organizações públicas por meio da análise das publicações oficiais</a:t>
+              <a:rPr lang="pt-BR" dirty="0" smtClean="0"/>
+              <a:t>A análise das publicações oficiais pode contribuir para o estudo dos padrões de comunicação da informação entre as organizações </a:t>
+            </a:r>
+            <a:r>
+              <a:rPr lang="pt-BR" dirty="0" smtClean="0"/>
+              <a:t>públicas</a:t>
             </a:r>
             <a:r>
               <a:rPr lang="pt-BR" dirty="0" smtClean="0"/>
               <a:t>?</a:t>
             </a:r>
-          </a:p>
-          <a:p>
-            <a:r>
-              <a:rPr lang="pt-BR" dirty="0" smtClean="0"/>
-              <a:t>As publicações oficiais possibilitam a análise da comunicação da informação entre organizações públicas?</a:t>
-            </a:r>
-          </a:p>
-          <a:p>
-            <a:r>
-              <a:rPr lang="pt-BR" dirty="0" smtClean="0"/>
-              <a:t>Quais padrões de comunicação da informação entre as organizações publicas podem ser revelados por meio da análise das suas publicações oficiais?</a:t>
-            </a:r>
-          </a:p>
-          <a:p>
-            <a:r>
-              <a:rPr lang="pt-BR" dirty="0" smtClean="0"/>
-              <a:t>A análise das publicações oficiais pode contribuir para o estudo dos padrões de comunicação da informação entre as organizações públicas?</a:t>
-            </a:r>
-          </a:p>
-          <a:p>
             <a:endParaRPr lang="pt-BR" dirty="0" smtClean="0"/>
           </a:p>
           <a:p>
@@ -15162,11 +19467,11 @@
           <a:lstStyle/>
           <a:p>
             <a:r>
-              <a:rPr lang="pt-BR" dirty="0"/>
+              <a:rPr lang="pt-BR"/>
               <a:t> </a:t>
             </a:r>
             <a:r>
-              <a:rPr lang="pt-BR" dirty="0" smtClean="0"/>
+              <a:rPr lang="pt-BR" smtClean="0"/>
               <a:t>Objetivos </a:t>
             </a:r>
             <a:endParaRPr lang="pt-BR" dirty="0"/>
@@ -15185,32 +19490,32 @@
         </p:nvSpPr>
         <p:spPr>
           <a:xfrm>
-            <a:off x="395536" y="1196752"/>
+            <a:off x="611560" y="1484784"/>
             <a:ext cx="8229600" cy="2620888"/>
           </a:xfrm>
         </p:spPr>
         <p:txBody>
           <a:bodyPr>
-            <a:normAutofit/>
+            <a:noAutofit/>
           </a:bodyPr>
           <a:lstStyle/>
           <a:p>
             <a:r>
-              <a:rPr lang="pt-BR" sz="2400" dirty="0"/>
+              <a:rPr lang="pt-BR" sz="3600" dirty="0"/>
               <a:t>Demonstrar a viabilidade de se analisar a da rede de comunicação da informação entre as organizações </a:t>
             </a:r>
             <a:r>
-              <a:rPr lang="pt-BR" sz="2400" dirty="0" smtClean="0"/>
+              <a:rPr lang="pt-BR" sz="3600" dirty="0" smtClean="0"/>
               <a:t>publicas brasileiras </a:t>
             </a:r>
             <a:r>
-              <a:rPr lang="pt-BR" sz="2400" dirty="0"/>
+              <a:rPr lang="pt-BR" sz="3600" dirty="0"/>
               <a:t>por meio da extração de informações disponíveis em fontes de dados abertas.</a:t>
             </a:r>
           </a:p>
           <a:p>
             <a:pPr lvl="1"/>
-            <a:endParaRPr lang="pt-BR" sz="2000" dirty="0"/>
+            <a:endParaRPr lang="pt-BR" sz="3200" dirty="0"/>
           </a:p>
         </p:txBody>
       </p:sp>
@@ -15263,80 +19568,6 @@
               <a:t>6</a:t>
             </a:fld>
             <a:endParaRPr lang="pt-BR"/>
-          </a:p>
-        </p:txBody>
-      </p:sp>
-      <p:sp>
-        <p:nvSpPr>
-          <p:cNvPr id="6" name="CaixaDeTexto 5"/>
-          <p:cNvSpPr txBox="1"/>
-          <p:nvPr/>
-        </p:nvSpPr>
-        <p:spPr>
-          <a:xfrm>
-            <a:off x="395536" y="2708920"/>
-            <a:ext cx="7992888" cy="4247317"/>
-          </a:xfrm>
-          <a:prstGeom prst="rect">
-            <a:avLst/>
-          </a:prstGeom>
-          <a:noFill/>
-        </p:spPr>
-        <p:txBody>
-          <a:bodyPr wrap="square" rtlCol="0">
-            <a:spAutoFit/>
-          </a:bodyPr>
-          <a:lstStyle/>
-          <a:p>
-            <a:pPr marL="285750" indent="-285750">
-              <a:buFont typeface="Wingdings" pitchFamily="2" charset="2"/>
-              <a:buChar char="ü"/>
-            </a:pPr>
-            <a:r>
-              <a:rPr lang="pt-BR" dirty="0"/>
-              <a:t>Demonstrar, por meio de teorias da ciência da informação, a correspondência entre as publicações do Diário Oficial da União e a comunicação e mediação da informação entre organizações públicas brasileiras.</a:t>
-            </a:r>
-          </a:p>
-          <a:p>
-            <a:pPr marL="285750" indent="-285750">
-              <a:buFont typeface="Wingdings" pitchFamily="2" charset="2"/>
-              <a:buChar char="ü"/>
-            </a:pPr>
-            <a:r>
-              <a:rPr lang="pt-BR" dirty="0"/>
-              <a:t>Demonstrar a viabilidade de se extrair informações de relações entre organizações brasileiras disponíveis em fontes de dados oficiais abertos de forma automatizada.</a:t>
-            </a:r>
-          </a:p>
-          <a:p>
-            <a:pPr marL="285750" indent="-285750">
-              <a:buFont typeface="Wingdings" pitchFamily="2" charset="2"/>
-              <a:buChar char="ü"/>
-            </a:pPr>
-            <a:r>
-              <a:rPr lang="pt-BR" dirty="0"/>
-              <a:t>Identificar estratégias para a identificação de relacionamentos entre organizações públicas projetadas em publicações no Diário Oficial da União.</a:t>
-            </a:r>
-          </a:p>
-          <a:p>
-            <a:pPr marL="285750" indent="-285750">
-              <a:buFont typeface="Wingdings" pitchFamily="2" charset="2"/>
-              <a:buChar char="ü"/>
-            </a:pPr>
-            <a:r>
-              <a:rPr lang="pt-BR" dirty="0" smtClean="0"/>
-              <a:t>Demonstrar </a:t>
-            </a:r>
-            <a:r>
-              <a:rPr lang="pt-BR" dirty="0"/>
-              <a:t>que redes extraídas do DOU podem ajudar a identificar os papeis desempenhados por cada organização e as bases do funcionamento da rede de comunicação da informação usando como base as teorias de comunicação da informação e, principalmente, as ferramentas e conceitos disponíveis na Análise de redes Sociais, especialmente os conceitos de ‘grupos coesos’, intermediação e difusão da informação.</a:t>
-            </a:r>
-          </a:p>
-          <a:p>
-            <a:pPr marL="285750" indent="-285750">
-              <a:buFont typeface="Wingdings" pitchFamily="2" charset="2"/>
-              <a:buChar char="ü"/>
-            </a:pPr>
-            <a:endParaRPr lang="pt-BR" dirty="0"/>
           </a:p>
         </p:txBody>
       </p:sp>
